--- a/doc/愛心便當收銀系統.pptx
+++ b/doc/愛心便當收銀系統.pptx
@@ -6,16 +6,18 @@
   </p:sldMasterIdLst>
   <p:sldIdLst>
     <p:sldId id="256" r:id="rId2"/>
-    <p:sldId id="257" r:id="rId3"/>
-    <p:sldId id="266" r:id="rId4"/>
-    <p:sldId id="265" r:id="rId5"/>
-    <p:sldId id="258" r:id="rId6"/>
-    <p:sldId id="259" r:id="rId7"/>
-    <p:sldId id="260" r:id="rId8"/>
-    <p:sldId id="261" r:id="rId9"/>
-    <p:sldId id="262" r:id="rId10"/>
-    <p:sldId id="263" r:id="rId11"/>
-    <p:sldId id="264" r:id="rId12"/>
+    <p:sldId id="267" r:id="rId3"/>
+    <p:sldId id="268" r:id="rId4"/>
+    <p:sldId id="257" r:id="rId5"/>
+    <p:sldId id="266" r:id="rId6"/>
+    <p:sldId id="265" r:id="rId7"/>
+    <p:sldId id="258" r:id="rId8"/>
+    <p:sldId id="259" r:id="rId9"/>
+    <p:sldId id="260" r:id="rId10"/>
+    <p:sldId id="261" r:id="rId11"/>
+    <p:sldId id="262" r:id="rId12"/>
+    <p:sldId id="263" r:id="rId13"/>
+    <p:sldId id="264" r:id="rId14"/>
   </p:sldIdLst>
   <p:sldSz cx="9144000" cy="6858000" type="screen4x3"/>
   <p:notesSz cx="6858000" cy="9144000"/>
@@ -3779,7 +3781,15 @@
             <a:pPr algn="ctr"/>
             <a:r>
               <a:rPr lang="zh-TW" altLang="en-US" sz="4000" b="1" dirty="0" smtClean="0"/>
-              <a:t>－ 前後台展示</a:t>
+              <a:t>－ </a:t>
+            </a:r>
+            <a:r>
+              <a:rPr lang="zh-TW" altLang="en-US" sz="4000" b="1" dirty="0" smtClean="0"/>
+              <a:t>後</a:t>
+            </a:r>
+            <a:r>
+              <a:rPr lang="zh-TW" altLang="en-US" sz="4000" b="1" dirty="0" smtClean="0"/>
+              <a:t>台展示</a:t>
             </a:r>
             <a:endParaRPr lang="zh-TW" altLang="en-US" sz="4000" b="1" dirty="0"/>
           </a:p>
@@ -3933,7 +3943,229 @@
             </a:r>
             <a:r>
               <a:rPr lang="zh-TW" altLang="en-US" sz="4000" b="1" dirty="0"/>
-              <a:t> 時段</a:t>
+              <a:t> </a:t>
+            </a:r>
+            <a:r>
+              <a:rPr lang="zh-TW" altLang="en-US" sz="4000" b="1" dirty="0" smtClean="0"/>
+              <a:t>兌換紀錄</a:t>
+            </a:r>
+            <a:endParaRPr lang="zh-TW" altLang="en-US" sz="4000" b="1" dirty="0"/>
+          </a:p>
+        </p:txBody>
+      </p:sp>
+      <p:pic>
+        <p:nvPicPr>
+          <p:cNvPr id="5122" name="Picture 2"/>
+          <p:cNvPicPr>
+            <a:picLocks noChangeAspect="1" noChangeArrowheads="1"/>
+          </p:cNvPicPr>
+          <p:nvPr/>
+        </p:nvPicPr>
+        <p:blipFill>
+          <a:blip r:embed="rId2">
+            <a:extLst>
+              <a:ext uri="{28A0092B-C50C-407E-A947-70E740481C1C}">
+                <a14:useLocalDpi xmlns:a14="http://schemas.microsoft.com/office/drawing/2010/main" val="0"/>
+              </a:ext>
+            </a:extLst>
+          </a:blip>
+          <a:srcRect/>
+          <a:stretch>
+            <a:fillRect/>
+          </a:stretch>
+        </p:blipFill>
+        <p:spPr bwMode="auto">
+          <a:xfrm>
+            <a:off x="251519" y="2132856"/>
+            <a:ext cx="8598371" cy="3734016"/>
+          </a:xfrm>
+          <a:prstGeom prst="rect">
+            <a:avLst/>
+          </a:prstGeom>
+          <a:noFill/>
+          <a:ln>
+            <a:noFill/>
+          </a:ln>
+          <a:effectLst/>
+          <a:extLst>
+            <a:ext uri="{909E8E84-426E-40DD-AFC4-6F175D3DCCD1}">
+              <a14:hiddenFill xmlns:a14="http://schemas.microsoft.com/office/drawing/2010/main">
+                <a:solidFill>
+                  <a:schemeClr val="accent1"/>
+                </a:solidFill>
+              </a14:hiddenFill>
+            </a:ext>
+            <a:ext uri="{91240B29-F687-4F45-9708-019B960494DF}">
+              <a14:hiddenLine xmlns:a14="http://schemas.microsoft.com/office/drawing/2010/main" w="9525">
+                <a:solidFill>
+                  <a:schemeClr val="tx1"/>
+                </a:solidFill>
+                <a:miter lim="800000"/>
+                <a:headEnd/>
+                <a:tailEnd/>
+              </a14:hiddenLine>
+            </a:ext>
+            <a:ext uri="{AF507438-7753-43E0-B8FC-AC1667EBCBE1}">
+              <a14:hiddenEffects xmlns:a14="http://schemas.microsoft.com/office/drawing/2010/main">
+                <a:effectLst>
+                  <a:outerShdw dist="35921" dir="2700000" algn="ctr" rotWithShape="0">
+                    <a:schemeClr val="bg2"/>
+                  </a:outerShdw>
+                </a:effectLst>
+              </a14:hiddenEffects>
+            </a:ext>
+          </a:extLst>
+        </p:spPr>
+      </p:pic>
+    </p:spTree>
+    <p:extLst>
+      <p:ext uri="{BB962C8B-B14F-4D97-AF65-F5344CB8AC3E}">
+        <p14:creationId xmlns:p14="http://schemas.microsoft.com/office/powerpoint/2010/main" val="4261227779"/>
+      </p:ext>
+    </p:extLst>
+  </p:cSld>
+  <p:clrMapOvr>
+    <a:masterClrMapping/>
+  </p:clrMapOvr>
+  <p:timing>
+    <p:tnLst>
+      <p:par>
+        <p:cTn id="1" dur="indefinite" restart="never" nodeType="tmRoot"/>
+      </p:par>
+    </p:tnLst>
+  </p:timing>
+</p:sld>
+</file>
+
+<file path=ppt/slides/slide11.xml><?xml version="1.0" encoding="utf-8"?>
+<p:sld xmlns:a="http://schemas.openxmlformats.org/drawingml/2006/main" xmlns:r="http://schemas.openxmlformats.org/officeDocument/2006/relationships" xmlns:p="http://schemas.openxmlformats.org/presentationml/2006/main">
+  <p:cSld>
+    <p:spTree>
+      <p:nvGrpSpPr>
+        <p:cNvPr id="1" name=""/>
+        <p:cNvGrpSpPr/>
+        <p:nvPr/>
+      </p:nvGrpSpPr>
+      <p:grpSpPr>
+        <a:xfrm>
+          <a:off x="0" y="0"/>
+          <a:ext cx="0" cy="0"/>
+          <a:chOff x="0" y="0"/>
+          <a:chExt cx="0" cy="0"/>
+        </a:xfrm>
+      </p:grpSpPr>
+      <p:sp>
+        <p:nvSpPr>
+          <p:cNvPr id="4" name="標題 1"/>
+          <p:cNvSpPr txBox="1">
+            <a:spLocks/>
+          </p:cNvSpPr>
+          <p:nvPr/>
+        </p:nvSpPr>
+        <p:spPr>
+          <a:xfrm>
+            <a:off x="914211" y="764704"/>
+            <a:ext cx="7543800" cy="720080"/>
+          </a:xfrm>
+          <a:prstGeom prst="rect">
+            <a:avLst/>
+          </a:prstGeom>
+        </p:spPr>
+        <p:txBody>
+          <a:bodyPr vert="horz" lIns="91440" tIns="45720" rIns="91440" bIns="45720" rtlCol="0" anchor="b">
+            <a:noAutofit/>
+          </a:bodyPr>
+          <a:lstStyle>
+            <a:lvl1pPr algn="l" defTabSz="914400" rtl="0" eaLnBrk="1" latinLnBrk="0" hangingPunct="1">
+              <a:spcBef>
+                <a:spcPct val="0"/>
+              </a:spcBef>
+              <a:buNone/>
+              <a:defRPr sz="6000" kern="1200">
+                <a:solidFill>
+                  <a:schemeClr val="tx1"/>
+                </a:solidFill>
+                <a:effectLst>
+                  <a:outerShdw blurRad="38100" dist="38100" dir="2700000" algn="tl">
+                    <a:srgbClr val="000000">
+                      <a:alpha val="43137"/>
+                    </a:srgbClr>
+                  </a:outerShdw>
+                </a:effectLst>
+                <a:latin typeface="+mj-lt"/>
+                <a:ea typeface="+mj-ea"/>
+                <a:cs typeface="+mj-cs"/>
+              </a:defRPr>
+            </a:lvl1pPr>
+            <a:lvl2pPr eaLnBrk="1" hangingPunct="1">
+              <a:defRPr>
+                <a:solidFill>
+                  <a:schemeClr val="tx2"/>
+                </a:solidFill>
+              </a:defRPr>
+            </a:lvl2pPr>
+            <a:lvl3pPr eaLnBrk="1" hangingPunct="1">
+              <a:defRPr>
+                <a:solidFill>
+                  <a:schemeClr val="tx2"/>
+                </a:solidFill>
+              </a:defRPr>
+            </a:lvl3pPr>
+            <a:lvl4pPr eaLnBrk="1" hangingPunct="1">
+              <a:defRPr>
+                <a:solidFill>
+                  <a:schemeClr val="tx2"/>
+                </a:solidFill>
+              </a:defRPr>
+            </a:lvl4pPr>
+            <a:lvl5pPr eaLnBrk="1" hangingPunct="1">
+              <a:defRPr>
+                <a:solidFill>
+                  <a:schemeClr val="tx2"/>
+                </a:solidFill>
+              </a:defRPr>
+            </a:lvl5pPr>
+            <a:lvl6pPr eaLnBrk="1" hangingPunct="1">
+              <a:defRPr>
+                <a:solidFill>
+                  <a:schemeClr val="tx2"/>
+                </a:solidFill>
+              </a:defRPr>
+            </a:lvl6pPr>
+            <a:lvl7pPr eaLnBrk="1" hangingPunct="1">
+              <a:defRPr>
+                <a:solidFill>
+                  <a:schemeClr val="tx2"/>
+                </a:solidFill>
+              </a:defRPr>
+            </a:lvl7pPr>
+            <a:lvl8pPr eaLnBrk="1" hangingPunct="1">
+              <a:defRPr>
+                <a:solidFill>
+                  <a:schemeClr val="tx2"/>
+                </a:solidFill>
+              </a:defRPr>
+            </a:lvl8pPr>
+            <a:lvl9pPr eaLnBrk="1" hangingPunct="1">
+              <a:defRPr>
+                <a:solidFill>
+                  <a:schemeClr val="tx2"/>
+                </a:solidFill>
+              </a:defRPr>
+            </a:lvl9pPr>
+          </a:lstStyle>
+          <a:p>
+            <a:r>
+              <a:rPr lang="zh-TW" altLang="en-US" sz="4000" b="1" dirty="0" smtClean="0"/>
+              <a:t>首頁 </a:t>
+            </a:r>
+            <a:r>
+              <a:rPr lang="en-US" altLang="zh-TW" sz="4000" b="1" dirty="0"/>
+              <a:t>/</a:t>
+            </a:r>
+            <a:r>
+              <a:rPr lang="zh-TW" altLang="en-US" sz="4000" b="1" dirty="0"/>
+              <a:t> 系統帳號</a:t>
             </a:r>
             <a:r>
               <a:rPr lang="zh-TW" altLang="en-US" sz="4000" b="1" dirty="0" smtClean="0"/>
@@ -3943,6 +4175,292 @@
           </a:p>
         </p:txBody>
       </p:sp>
+      <p:pic>
+        <p:nvPicPr>
+          <p:cNvPr id="6146" name="Picture 2"/>
+          <p:cNvPicPr>
+            <a:picLocks noChangeAspect="1" noChangeArrowheads="1"/>
+          </p:cNvPicPr>
+          <p:nvPr/>
+        </p:nvPicPr>
+        <p:blipFill>
+          <a:blip r:embed="rId2">
+            <a:extLst>
+              <a:ext uri="{28A0092B-C50C-407E-A947-70E740481C1C}">
+                <a14:useLocalDpi xmlns:a14="http://schemas.microsoft.com/office/drawing/2010/main" val="0"/>
+              </a:ext>
+            </a:extLst>
+          </a:blip>
+          <a:srcRect/>
+          <a:stretch>
+            <a:fillRect/>
+          </a:stretch>
+        </p:blipFill>
+        <p:spPr bwMode="auto">
+          <a:xfrm>
+            <a:off x="209325" y="2276872"/>
+            <a:ext cx="8758833" cy="3826520"/>
+          </a:xfrm>
+          <a:prstGeom prst="rect">
+            <a:avLst/>
+          </a:prstGeom>
+          <a:noFill/>
+          <a:ln>
+            <a:noFill/>
+          </a:ln>
+          <a:effectLst/>
+          <a:extLst>
+            <a:ext uri="{909E8E84-426E-40DD-AFC4-6F175D3DCCD1}">
+              <a14:hiddenFill xmlns:a14="http://schemas.microsoft.com/office/drawing/2010/main">
+                <a:solidFill>
+                  <a:schemeClr val="accent1"/>
+                </a:solidFill>
+              </a14:hiddenFill>
+            </a:ext>
+            <a:ext uri="{91240B29-F687-4F45-9708-019B960494DF}">
+              <a14:hiddenLine xmlns:a14="http://schemas.microsoft.com/office/drawing/2010/main" w="9525">
+                <a:solidFill>
+                  <a:schemeClr val="tx1"/>
+                </a:solidFill>
+                <a:miter lim="800000"/>
+                <a:headEnd/>
+                <a:tailEnd/>
+              </a14:hiddenLine>
+            </a:ext>
+            <a:ext uri="{AF507438-7753-43E0-B8FC-AC1667EBCBE1}">
+              <a14:hiddenEffects xmlns:a14="http://schemas.microsoft.com/office/drawing/2010/main">
+                <a:effectLst>
+                  <a:outerShdw dist="35921" dir="2700000" algn="ctr" rotWithShape="0">
+                    <a:schemeClr val="bg2"/>
+                  </a:outerShdw>
+                </a:effectLst>
+              </a14:hiddenEffects>
+            </a:ext>
+          </a:extLst>
+        </p:spPr>
+      </p:pic>
+    </p:spTree>
+    <p:extLst>
+      <p:ext uri="{BB962C8B-B14F-4D97-AF65-F5344CB8AC3E}">
+        <p14:creationId xmlns:p14="http://schemas.microsoft.com/office/powerpoint/2010/main" val="969067509"/>
+      </p:ext>
+    </p:extLst>
+  </p:cSld>
+  <p:clrMapOvr>
+    <a:masterClrMapping/>
+  </p:clrMapOvr>
+  <p:timing>
+    <p:tnLst>
+      <p:par>
+        <p:cTn id="1" dur="indefinite" restart="never" nodeType="tmRoot"/>
+      </p:par>
+    </p:tnLst>
+  </p:timing>
+</p:sld>
+</file>
+
+<file path=ppt/slides/slide12.xml><?xml version="1.0" encoding="utf-8"?>
+<p:sld xmlns:a="http://schemas.openxmlformats.org/drawingml/2006/main" xmlns:r="http://schemas.openxmlformats.org/officeDocument/2006/relationships" xmlns:p="http://schemas.openxmlformats.org/presentationml/2006/main">
+  <p:cSld>
+    <p:spTree>
+      <p:nvGrpSpPr>
+        <p:cNvPr id="1" name=""/>
+        <p:cNvGrpSpPr/>
+        <p:nvPr/>
+      </p:nvGrpSpPr>
+      <p:grpSpPr>
+        <a:xfrm>
+          <a:off x="0" y="0"/>
+          <a:ext cx="0" cy="0"/>
+          <a:chOff x="0" y="0"/>
+          <a:chExt cx="0" cy="0"/>
+        </a:xfrm>
+      </p:grpSpPr>
+      <p:sp>
+        <p:nvSpPr>
+          <p:cNvPr id="4" name="標題 1"/>
+          <p:cNvSpPr txBox="1">
+            <a:spLocks/>
+          </p:cNvSpPr>
+          <p:nvPr/>
+        </p:nvSpPr>
+        <p:spPr>
+          <a:xfrm>
+            <a:off x="914211" y="764704"/>
+            <a:ext cx="7543800" cy="720080"/>
+          </a:xfrm>
+          <a:prstGeom prst="rect">
+            <a:avLst/>
+          </a:prstGeom>
+        </p:spPr>
+        <p:txBody>
+          <a:bodyPr vert="horz" lIns="91440" tIns="45720" rIns="91440" bIns="45720" rtlCol="0" anchor="b">
+            <a:noAutofit/>
+          </a:bodyPr>
+          <a:lstStyle>
+            <a:lvl1pPr algn="l" defTabSz="914400" rtl="0" eaLnBrk="1" latinLnBrk="0" hangingPunct="1">
+              <a:spcBef>
+                <a:spcPct val="0"/>
+              </a:spcBef>
+              <a:buNone/>
+              <a:defRPr sz="6000" kern="1200">
+                <a:solidFill>
+                  <a:schemeClr val="tx1"/>
+                </a:solidFill>
+                <a:effectLst>
+                  <a:outerShdw blurRad="38100" dist="38100" dir="2700000" algn="tl">
+                    <a:srgbClr val="000000">
+                      <a:alpha val="43137"/>
+                    </a:srgbClr>
+                  </a:outerShdw>
+                </a:effectLst>
+                <a:latin typeface="+mj-lt"/>
+                <a:ea typeface="+mj-ea"/>
+                <a:cs typeface="+mj-cs"/>
+              </a:defRPr>
+            </a:lvl1pPr>
+            <a:lvl2pPr eaLnBrk="1" hangingPunct="1">
+              <a:defRPr>
+                <a:solidFill>
+                  <a:schemeClr val="tx2"/>
+                </a:solidFill>
+              </a:defRPr>
+            </a:lvl2pPr>
+            <a:lvl3pPr eaLnBrk="1" hangingPunct="1">
+              <a:defRPr>
+                <a:solidFill>
+                  <a:schemeClr val="tx2"/>
+                </a:solidFill>
+              </a:defRPr>
+            </a:lvl3pPr>
+            <a:lvl4pPr eaLnBrk="1" hangingPunct="1">
+              <a:defRPr>
+                <a:solidFill>
+                  <a:schemeClr val="tx2"/>
+                </a:solidFill>
+              </a:defRPr>
+            </a:lvl4pPr>
+            <a:lvl5pPr eaLnBrk="1" hangingPunct="1">
+              <a:defRPr>
+                <a:solidFill>
+                  <a:schemeClr val="tx2"/>
+                </a:solidFill>
+              </a:defRPr>
+            </a:lvl5pPr>
+            <a:lvl6pPr eaLnBrk="1" hangingPunct="1">
+              <a:defRPr>
+                <a:solidFill>
+                  <a:schemeClr val="tx2"/>
+                </a:solidFill>
+              </a:defRPr>
+            </a:lvl6pPr>
+            <a:lvl7pPr eaLnBrk="1" hangingPunct="1">
+              <a:defRPr>
+                <a:solidFill>
+                  <a:schemeClr val="tx2"/>
+                </a:solidFill>
+              </a:defRPr>
+            </a:lvl7pPr>
+            <a:lvl8pPr eaLnBrk="1" hangingPunct="1">
+              <a:defRPr>
+                <a:solidFill>
+                  <a:schemeClr val="tx2"/>
+                </a:solidFill>
+              </a:defRPr>
+            </a:lvl8pPr>
+            <a:lvl9pPr eaLnBrk="1" hangingPunct="1">
+              <a:defRPr>
+                <a:solidFill>
+                  <a:schemeClr val="tx2"/>
+                </a:solidFill>
+              </a:defRPr>
+            </a:lvl9pPr>
+          </a:lstStyle>
+          <a:p>
+            <a:r>
+              <a:rPr lang="zh-TW" altLang="en-US" sz="4000" b="1" dirty="0" smtClean="0"/>
+              <a:t>首頁 </a:t>
+            </a:r>
+            <a:r>
+              <a:rPr lang="en-US" altLang="zh-TW" sz="4000" b="1" dirty="0"/>
+              <a:t>/</a:t>
+            </a:r>
+            <a:r>
+              <a:rPr lang="zh-TW" altLang="en-US" sz="4000" b="1" dirty="0"/>
+              <a:t> 時段</a:t>
+            </a:r>
+            <a:r>
+              <a:rPr lang="zh-TW" altLang="en-US" sz="4000" b="1" dirty="0" smtClean="0"/>
+              <a:t>管理</a:t>
+            </a:r>
+            <a:endParaRPr lang="zh-TW" altLang="en-US" sz="4000" b="1" dirty="0"/>
+          </a:p>
+        </p:txBody>
+      </p:sp>
+      <p:pic>
+        <p:nvPicPr>
+          <p:cNvPr id="3074" name="Picture 2"/>
+          <p:cNvPicPr>
+            <a:picLocks noChangeAspect="1" noChangeArrowheads="1"/>
+          </p:cNvPicPr>
+          <p:nvPr/>
+        </p:nvPicPr>
+        <p:blipFill>
+          <a:blip r:embed="rId2">
+            <a:extLst>
+              <a:ext uri="{28A0092B-C50C-407E-A947-70E740481C1C}">
+                <a14:useLocalDpi xmlns:a14="http://schemas.microsoft.com/office/drawing/2010/main" val="0"/>
+              </a:ext>
+            </a:extLst>
+          </a:blip>
+          <a:srcRect/>
+          <a:stretch>
+            <a:fillRect/>
+          </a:stretch>
+        </p:blipFill>
+        <p:spPr bwMode="auto">
+          <a:xfrm>
+            <a:off x="1600200" y="2302732"/>
+            <a:ext cx="5943600" cy="2219325"/>
+          </a:xfrm>
+          <a:prstGeom prst="rect">
+            <a:avLst/>
+          </a:prstGeom>
+          <a:noFill/>
+          <a:ln>
+            <a:noFill/>
+          </a:ln>
+          <a:effectLst/>
+          <a:extLst>
+            <a:ext uri="{909E8E84-426E-40DD-AFC4-6F175D3DCCD1}">
+              <a14:hiddenFill xmlns:a14="http://schemas.microsoft.com/office/drawing/2010/main">
+                <a:solidFill>
+                  <a:schemeClr val="accent1"/>
+                </a:solidFill>
+              </a14:hiddenFill>
+            </a:ext>
+            <a:ext uri="{91240B29-F687-4F45-9708-019B960494DF}">
+              <a14:hiddenLine xmlns:a14="http://schemas.microsoft.com/office/drawing/2010/main" w="9525">
+                <a:solidFill>
+                  <a:schemeClr val="tx1"/>
+                </a:solidFill>
+                <a:miter lim="800000"/>
+                <a:headEnd/>
+                <a:tailEnd/>
+              </a14:hiddenLine>
+            </a:ext>
+            <a:ext uri="{AF507438-7753-43E0-B8FC-AC1667EBCBE1}">
+              <a14:hiddenEffects xmlns:a14="http://schemas.microsoft.com/office/drawing/2010/main">
+                <a:effectLst>
+                  <a:outerShdw dist="35921" dir="2700000" algn="ctr" rotWithShape="0">
+                    <a:schemeClr val="bg2"/>
+                  </a:outerShdw>
+                </a:effectLst>
+              </a14:hiddenEffects>
+            </a:ext>
+          </a:extLst>
+        </p:spPr>
+      </p:pic>
     </p:spTree>
     <p:extLst>
       <p:ext uri="{BB962C8B-B14F-4D97-AF65-F5344CB8AC3E}">
@@ -3963,7 +4481,7 @@
 </p:sld>
 </file>
 
-<file path=ppt/slides/slide11.xml><?xml version="1.0" encoding="utf-8"?>
+<file path=ppt/slides/slide13.xml><?xml version="1.0" encoding="utf-8"?>
 <p:sld xmlns:a="http://schemas.openxmlformats.org/drawingml/2006/main" xmlns:r="http://schemas.openxmlformats.org/officeDocument/2006/relationships" xmlns:p="http://schemas.openxmlformats.org/presentationml/2006/main">
   <p:cSld>
     <p:spTree>
@@ -4305,6 +4823,877 @@
           <a:p>
             <a:r>
               <a:rPr lang="zh-TW" altLang="en-US" sz="4000" b="1" dirty="0" smtClean="0"/>
+              <a:t>後台系統架構</a:t>
+            </a:r>
+            <a:endParaRPr lang="zh-TW" altLang="en-US" sz="4000" b="1" dirty="0"/>
+          </a:p>
+        </p:txBody>
+      </p:sp>
+      <p:sp>
+        <p:nvSpPr>
+          <p:cNvPr id="2" name="矩形 1"/>
+          <p:cNvSpPr/>
+          <p:nvPr/>
+        </p:nvSpPr>
+        <p:spPr>
+          <a:xfrm>
+            <a:off x="5148064" y="1340768"/>
+            <a:ext cx="1224136" cy="725990"/>
+          </a:xfrm>
+          <a:prstGeom prst="rect">
+            <a:avLst/>
+          </a:prstGeom>
+        </p:spPr>
+        <p:style>
+          <a:lnRef idx="2">
+            <a:schemeClr val="accent1">
+              <a:shade val="50000"/>
+            </a:schemeClr>
+          </a:lnRef>
+          <a:fillRef idx="1">
+            <a:schemeClr val="accent1"/>
+          </a:fillRef>
+          <a:effectRef idx="0">
+            <a:schemeClr val="accent1"/>
+          </a:effectRef>
+          <a:fontRef idx="minor">
+            <a:schemeClr val="lt1"/>
+          </a:fontRef>
+        </p:style>
+        <p:txBody>
+          <a:bodyPr rtlCol="0" anchor="ctr"/>
+          <a:lstStyle/>
+          <a:p>
+            <a:pPr algn="ctr"/>
+            <a:r>
+              <a:rPr lang="zh-TW" altLang="en-US" dirty="0" smtClean="0"/>
+              <a:t>學童管理</a:t>
+            </a:r>
+            <a:endParaRPr lang="zh-TW" altLang="en-US" dirty="0"/>
+          </a:p>
+        </p:txBody>
+      </p:sp>
+      <p:sp>
+        <p:nvSpPr>
+          <p:cNvPr id="7" name="矩形 6"/>
+          <p:cNvSpPr/>
+          <p:nvPr/>
+        </p:nvSpPr>
+        <p:spPr>
+          <a:xfrm>
+            <a:off x="2555776" y="3429000"/>
+            <a:ext cx="1224136" cy="725990"/>
+          </a:xfrm>
+          <a:prstGeom prst="rect">
+            <a:avLst/>
+          </a:prstGeom>
+        </p:spPr>
+        <p:style>
+          <a:lnRef idx="2">
+            <a:schemeClr val="accent1">
+              <a:shade val="50000"/>
+            </a:schemeClr>
+          </a:lnRef>
+          <a:fillRef idx="1">
+            <a:schemeClr val="accent1"/>
+          </a:fillRef>
+          <a:effectRef idx="0">
+            <a:schemeClr val="accent1"/>
+          </a:effectRef>
+          <a:fontRef idx="minor">
+            <a:schemeClr val="lt1"/>
+          </a:fontRef>
+        </p:style>
+        <p:txBody>
+          <a:bodyPr rtlCol="0" anchor="ctr"/>
+          <a:lstStyle/>
+          <a:p>
+            <a:pPr algn="ctr"/>
+            <a:r>
+              <a:rPr lang="zh-TW" altLang="en-US" dirty="0" smtClean="0"/>
+              <a:t>首頁</a:t>
+            </a:r>
+            <a:endParaRPr lang="zh-TW" altLang="en-US" dirty="0"/>
+          </a:p>
+        </p:txBody>
+      </p:sp>
+      <p:sp>
+        <p:nvSpPr>
+          <p:cNvPr id="8" name="矩形 7"/>
+          <p:cNvSpPr/>
+          <p:nvPr/>
+        </p:nvSpPr>
+        <p:spPr>
+          <a:xfrm>
+            <a:off x="5148064" y="3950723"/>
+            <a:ext cx="1224136" cy="725990"/>
+          </a:xfrm>
+          <a:prstGeom prst="rect">
+            <a:avLst/>
+          </a:prstGeom>
+        </p:spPr>
+        <p:style>
+          <a:lnRef idx="2">
+            <a:schemeClr val="accent1">
+              <a:shade val="50000"/>
+            </a:schemeClr>
+          </a:lnRef>
+          <a:fillRef idx="1">
+            <a:schemeClr val="accent1"/>
+          </a:fillRef>
+          <a:effectRef idx="0">
+            <a:schemeClr val="accent1"/>
+          </a:effectRef>
+          <a:fontRef idx="minor">
+            <a:schemeClr val="lt1"/>
+          </a:fontRef>
+        </p:style>
+        <p:txBody>
+          <a:bodyPr rtlCol="0" anchor="ctr"/>
+          <a:lstStyle/>
+          <a:p>
+            <a:pPr algn="ctr"/>
+            <a:r>
+              <a:rPr lang="zh-TW" altLang="en-US" dirty="0" smtClean="0"/>
+              <a:t>兌換紀錄</a:t>
+            </a:r>
+            <a:endParaRPr lang="zh-TW" altLang="en-US" dirty="0"/>
+          </a:p>
+        </p:txBody>
+      </p:sp>
+      <p:sp>
+        <p:nvSpPr>
+          <p:cNvPr id="9" name="矩形 8"/>
+          <p:cNvSpPr/>
+          <p:nvPr/>
+        </p:nvSpPr>
+        <p:spPr>
+          <a:xfrm>
+            <a:off x="5148064" y="2216621"/>
+            <a:ext cx="1224136" cy="725990"/>
+          </a:xfrm>
+          <a:prstGeom prst="rect">
+            <a:avLst/>
+          </a:prstGeom>
+        </p:spPr>
+        <p:style>
+          <a:lnRef idx="2">
+            <a:schemeClr val="accent1">
+              <a:shade val="50000"/>
+            </a:schemeClr>
+          </a:lnRef>
+          <a:fillRef idx="1">
+            <a:schemeClr val="accent1"/>
+          </a:fillRef>
+          <a:effectRef idx="0">
+            <a:schemeClr val="accent1"/>
+          </a:effectRef>
+          <a:fontRef idx="minor">
+            <a:schemeClr val="lt1"/>
+          </a:fontRef>
+        </p:style>
+        <p:txBody>
+          <a:bodyPr rtlCol="0" anchor="ctr"/>
+          <a:lstStyle/>
+          <a:p>
+            <a:pPr algn="ctr"/>
+            <a:r>
+              <a:rPr lang="zh-TW" altLang="en-US" dirty="0" smtClean="0"/>
+              <a:t>店家管理</a:t>
+            </a:r>
+            <a:endParaRPr lang="zh-TW" altLang="en-US" dirty="0"/>
+          </a:p>
+        </p:txBody>
+      </p:sp>
+      <p:sp>
+        <p:nvSpPr>
+          <p:cNvPr id="10" name="矩形 9"/>
+          <p:cNvSpPr/>
+          <p:nvPr/>
+        </p:nvSpPr>
+        <p:spPr>
+          <a:xfrm>
+            <a:off x="5148064" y="3080717"/>
+            <a:ext cx="1224136" cy="725990"/>
+          </a:xfrm>
+          <a:prstGeom prst="rect">
+            <a:avLst/>
+          </a:prstGeom>
+        </p:spPr>
+        <p:style>
+          <a:lnRef idx="2">
+            <a:schemeClr val="accent1">
+              <a:shade val="50000"/>
+            </a:schemeClr>
+          </a:lnRef>
+          <a:fillRef idx="1">
+            <a:schemeClr val="accent1"/>
+          </a:fillRef>
+          <a:effectRef idx="0">
+            <a:schemeClr val="accent1"/>
+          </a:effectRef>
+          <a:fontRef idx="minor">
+            <a:schemeClr val="lt1"/>
+          </a:fontRef>
+        </p:style>
+        <p:txBody>
+          <a:bodyPr rtlCol="0" anchor="ctr"/>
+          <a:lstStyle/>
+          <a:p>
+            <a:pPr algn="ctr"/>
+            <a:r>
+              <a:rPr lang="zh-TW" altLang="en-US" dirty="0" smtClean="0"/>
+              <a:t>點數管理</a:t>
+            </a:r>
+            <a:endParaRPr lang="zh-TW" altLang="en-US" dirty="0"/>
+          </a:p>
+        </p:txBody>
+      </p:sp>
+      <p:sp>
+        <p:nvSpPr>
+          <p:cNvPr id="11" name="矩形 10"/>
+          <p:cNvSpPr/>
+          <p:nvPr/>
+        </p:nvSpPr>
+        <p:spPr>
+          <a:xfrm>
+            <a:off x="5148064" y="4808909"/>
+            <a:ext cx="1224136" cy="725990"/>
+          </a:xfrm>
+          <a:prstGeom prst="rect">
+            <a:avLst/>
+          </a:prstGeom>
+        </p:spPr>
+        <p:style>
+          <a:lnRef idx="2">
+            <a:schemeClr val="accent1">
+              <a:shade val="50000"/>
+            </a:schemeClr>
+          </a:lnRef>
+          <a:fillRef idx="1">
+            <a:schemeClr val="accent1"/>
+          </a:fillRef>
+          <a:effectRef idx="0">
+            <a:schemeClr val="accent1"/>
+          </a:effectRef>
+          <a:fontRef idx="minor">
+            <a:schemeClr val="lt1"/>
+          </a:fontRef>
+        </p:style>
+        <p:txBody>
+          <a:bodyPr rtlCol="0" anchor="ctr"/>
+          <a:lstStyle/>
+          <a:p>
+            <a:pPr algn="ctr"/>
+            <a:r>
+              <a:rPr lang="zh-TW" altLang="en-US" dirty="0" smtClean="0"/>
+              <a:t>系統參數</a:t>
+            </a:r>
+            <a:endParaRPr lang="zh-TW" altLang="en-US" dirty="0"/>
+          </a:p>
+        </p:txBody>
+      </p:sp>
+      <p:sp>
+        <p:nvSpPr>
+          <p:cNvPr id="12" name="矩形 11"/>
+          <p:cNvSpPr/>
+          <p:nvPr/>
+        </p:nvSpPr>
+        <p:spPr>
+          <a:xfrm>
+            <a:off x="5148064" y="5673005"/>
+            <a:ext cx="1224136" cy="725990"/>
+          </a:xfrm>
+          <a:prstGeom prst="rect">
+            <a:avLst/>
+          </a:prstGeom>
+        </p:spPr>
+        <p:style>
+          <a:lnRef idx="2">
+            <a:schemeClr val="accent1">
+              <a:shade val="50000"/>
+            </a:schemeClr>
+          </a:lnRef>
+          <a:fillRef idx="1">
+            <a:schemeClr val="accent1"/>
+          </a:fillRef>
+          <a:effectRef idx="0">
+            <a:schemeClr val="accent1"/>
+          </a:effectRef>
+          <a:fontRef idx="minor">
+            <a:schemeClr val="lt1"/>
+          </a:fontRef>
+        </p:style>
+        <p:txBody>
+          <a:bodyPr rtlCol="0" anchor="ctr"/>
+          <a:lstStyle/>
+          <a:p>
+            <a:pPr algn="ctr"/>
+            <a:r>
+              <a:rPr lang="zh-TW" altLang="en-US" dirty="0" smtClean="0"/>
+              <a:t>系統日誌</a:t>
+            </a:r>
+            <a:endParaRPr lang="zh-TW" altLang="en-US" dirty="0"/>
+          </a:p>
+        </p:txBody>
+      </p:sp>
+      <p:cxnSp>
+        <p:nvCxnSpPr>
+          <p:cNvPr id="13" name="肘形接點 12"/>
+          <p:cNvCxnSpPr>
+            <a:stCxn id="2" idx="1"/>
+            <a:endCxn id="7" idx="3"/>
+          </p:cNvCxnSpPr>
+          <p:nvPr/>
+        </p:nvCxnSpPr>
+        <p:spPr>
+          <a:xfrm rot="10800000" flipV="1">
+            <a:off x="3779912" y="1703763"/>
+            <a:ext cx="1368152" cy="2088232"/>
+          </a:xfrm>
+          <a:prstGeom prst="bentConnector3">
+            <a:avLst/>
+          </a:prstGeom>
+        </p:spPr>
+        <p:style>
+          <a:lnRef idx="1">
+            <a:schemeClr val="accent1"/>
+          </a:lnRef>
+          <a:fillRef idx="0">
+            <a:schemeClr val="accent1"/>
+          </a:fillRef>
+          <a:effectRef idx="0">
+            <a:schemeClr val="accent1"/>
+          </a:effectRef>
+          <a:fontRef idx="minor">
+            <a:schemeClr val="tx1"/>
+          </a:fontRef>
+        </p:style>
+      </p:cxnSp>
+      <p:cxnSp>
+        <p:nvCxnSpPr>
+          <p:cNvPr id="15" name="肘形接點 14"/>
+          <p:cNvCxnSpPr>
+            <a:stCxn id="9" idx="1"/>
+          </p:cNvCxnSpPr>
+          <p:nvPr/>
+        </p:nvCxnSpPr>
+        <p:spPr>
+          <a:xfrm rot="10800000" flipV="1">
+            <a:off x="3779912" y="2579615"/>
+            <a:ext cx="1368152" cy="1227091"/>
+          </a:xfrm>
+          <a:prstGeom prst="bentConnector3">
+            <a:avLst>
+              <a:gd name="adj1" fmla="val 50000"/>
+            </a:avLst>
+          </a:prstGeom>
+        </p:spPr>
+        <p:style>
+          <a:lnRef idx="1">
+            <a:schemeClr val="accent1"/>
+          </a:lnRef>
+          <a:fillRef idx="0">
+            <a:schemeClr val="accent1"/>
+          </a:fillRef>
+          <a:effectRef idx="0">
+            <a:schemeClr val="accent1"/>
+          </a:effectRef>
+          <a:fontRef idx="minor">
+            <a:schemeClr val="tx1"/>
+          </a:fontRef>
+        </p:style>
+      </p:cxnSp>
+      <p:cxnSp>
+        <p:nvCxnSpPr>
+          <p:cNvPr id="18" name="肘形接點 17"/>
+          <p:cNvCxnSpPr>
+            <a:stCxn id="10" idx="1"/>
+            <a:endCxn id="7" idx="3"/>
+          </p:cNvCxnSpPr>
+          <p:nvPr/>
+        </p:nvCxnSpPr>
+        <p:spPr>
+          <a:xfrm rot="10800000" flipV="1">
+            <a:off x="3779912" y="3443711"/>
+            <a:ext cx="1368152" cy="348283"/>
+          </a:xfrm>
+          <a:prstGeom prst="bentConnector3">
+            <a:avLst/>
+          </a:prstGeom>
+        </p:spPr>
+        <p:style>
+          <a:lnRef idx="1">
+            <a:schemeClr val="accent1"/>
+          </a:lnRef>
+          <a:fillRef idx="0">
+            <a:schemeClr val="accent1"/>
+          </a:fillRef>
+          <a:effectRef idx="0">
+            <a:schemeClr val="accent1"/>
+          </a:effectRef>
+          <a:fontRef idx="minor">
+            <a:schemeClr val="tx1"/>
+          </a:fontRef>
+        </p:style>
+      </p:cxnSp>
+      <p:cxnSp>
+        <p:nvCxnSpPr>
+          <p:cNvPr id="20" name="肘形接點 19"/>
+          <p:cNvCxnSpPr>
+            <a:stCxn id="8" idx="1"/>
+            <a:endCxn id="7" idx="3"/>
+          </p:cNvCxnSpPr>
+          <p:nvPr/>
+        </p:nvCxnSpPr>
+        <p:spPr>
+          <a:xfrm rot="10800000">
+            <a:off x="3779912" y="3791996"/>
+            <a:ext cx="1368152" cy="521723"/>
+          </a:xfrm>
+          <a:prstGeom prst="bentConnector3">
+            <a:avLst/>
+          </a:prstGeom>
+        </p:spPr>
+        <p:style>
+          <a:lnRef idx="1">
+            <a:schemeClr val="accent1"/>
+          </a:lnRef>
+          <a:fillRef idx="0">
+            <a:schemeClr val="accent1"/>
+          </a:fillRef>
+          <a:effectRef idx="0">
+            <a:schemeClr val="accent1"/>
+          </a:effectRef>
+          <a:fontRef idx="minor">
+            <a:schemeClr val="tx1"/>
+          </a:fontRef>
+        </p:style>
+      </p:cxnSp>
+      <p:cxnSp>
+        <p:nvCxnSpPr>
+          <p:cNvPr id="22" name="肘形接點 21"/>
+          <p:cNvCxnSpPr>
+            <a:stCxn id="11" idx="1"/>
+            <a:endCxn id="7" idx="3"/>
+          </p:cNvCxnSpPr>
+          <p:nvPr/>
+        </p:nvCxnSpPr>
+        <p:spPr>
+          <a:xfrm rot="10800000">
+            <a:off x="3779912" y="3791996"/>
+            <a:ext cx="1368152" cy="1379909"/>
+          </a:xfrm>
+          <a:prstGeom prst="bentConnector3">
+            <a:avLst/>
+          </a:prstGeom>
+        </p:spPr>
+        <p:style>
+          <a:lnRef idx="1">
+            <a:schemeClr val="accent1"/>
+          </a:lnRef>
+          <a:fillRef idx="0">
+            <a:schemeClr val="accent1"/>
+          </a:fillRef>
+          <a:effectRef idx="0">
+            <a:schemeClr val="accent1"/>
+          </a:effectRef>
+          <a:fontRef idx="minor">
+            <a:schemeClr val="tx1"/>
+          </a:fontRef>
+        </p:style>
+      </p:cxnSp>
+      <p:cxnSp>
+        <p:nvCxnSpPr>
+          <p:cNvPr id="24" name="肘形接點 23"/>
+          <p:cNvCxnSpPr>
+            <a:stCxn id="12" idx="1"/>
+            <a:endCxn id="7" idx="3"/>
+          </p:cNvCxnSpPr>
+          <p:nvPr/>
+        </p:nvCxnSpPr>
+        <p:spPr>
+          <a:xfrm rot="10800000">
+            <a:off x="3779912" y="3791996"/>
+            <a:ext cx="1368152" cy="2244005"/>
+          </a:xfrm>
+          <a:prstGeom prst="bentConnector3">
+            <a:avLst/>
+          </a:prstGeom>
+        </p:spPr>
+        <p:style>
+          <a:lnRef idx="1">
+            <a:schemeClr val="accent1"/>
+          </a:lnRef>
+          <a:fillRef idx="0">
+            <a:schemeClr val="accent1"/>
+          </a:fillRef>
+          <a:effectRef idx="0">
+            <a:schemeClr val="accent1"/>
+          </a:effectRef>
+          <a:fontRef idx="minor">
+            <a:schemeClr val="tx1"/>
+          </a:fontRef>
+        </p:style>
+      </p:cxnSp>
+    </p:spTree>
+    <p:extLst>
+      <p:ext uri="{BB962C8B-B14F-4D97-AF65-F5344CB8AC3E}">
+        <p14:creationId xmlns:p14="http://schemas.microsoft.com/office/powerpoint/2010/main" val="3268592478"/>
+      </p:ext>
+    </p:extLst>
+  </p:cSld>
+  <p:clrMapOvr>
+    <a:masterClrMapping/>
+  </p:clrMapOvr>
+  <p:timing>
+    <p:tnLst>
+      <p:par>
+        <p:cTn id="1" dur="indefinite" restart="never" nodeType="tmRoot"/>
+      </p:par>
+    </p:tnLst>
+  </p:timing>
+</p:sld>
+</file>
+
+<file path=ppt/slides/slide3.xml><?xml version="1.0" encoding="utf-8"?>
+<p:sld xmlns:a="http://schemas.openxmlformats.org/drawingml/2006/main" xmlns:r="http://schemas.openxmlformats.org/officeDocument/2006/relationships" xmlns:p="http://schemas.openxmlformats.org/presentationml/2006/main">
+  <p:cSld>
+    <p:spTree>
+      <p:nvGrpSpPr>
+        <p:cNvPr id="1" name=""/>
+        <p:cNvGrpSpPr/>
+        <p:nvPr/>
+      </p:nvGrpSpPr>
+      <p:grpSpPr>
+        <a:xfrm>
+          <a:off x="0" y="0"/>
+          <a:ext cx="0" cy="0"/>
+          <a:chOff x="0" y="0"/>
+          <a:chExt cx="0" cy="0"/>
+        </a:xfrm>
+      </p:grpSpPr>
+      <p:sp>
+        <p:nvSpPr>
+          <p:cNvPr id="4" name="標題 1"/>
+          <p:cNvSpPr txBox="1">
+            <a:spLocks/>
+          </p:cNvSpPr>
+          <p:nvPr/>
+        </p:nvSpPr>
+        <p:spPr>
+          <a:xfrm>
+            <a:off x="914211" y="764704"/>
+            <a:ext cx="7543800" cy="720080"/>
+          </a:xfrm>
+          <a:prstGeom prst="rect">
+            <a:avLst/>
+          </a:prstGeom>
+        </p:spPr>
+        <p:txBody>
+          <a:bodyPr vert="horz" lIns="91440" tIns="45720" rIns="91440" bIns="45720" rtlCol="0" anchor="b">
+            <a:noAutofit/>
+          </a:bodyPr>
+          <a:lstStyle>
+            <a:lvl1pPr algn="l" defTabSz="914400" rtl="0" eaLnBrk="1" latinLnBrk="0" hangingPunct="1">
+              <a:spcBef>
+                <a:spcPct val="0"/>
+              </a:spcBef>
+              <a:buNone/>
+              <a:defRPr sz="6000" kern="1200">
+                <a:solidFill>
+                  <a:schemeClr val="tx1"/>
+                </a:solidFill>
+                <a:effectLst>
+                  <a:outerShdw blurRad="38100" dist="38100" dir="2700000" algn="tl">
+                    <a:srgbClr val="000000">
+                      <a:alpha val="43137"/>
+                    </a:srgbClr>
+                  </a:outerShdw>
+                </a:effectLst>
+                <a:latin typeface="+mj-lt"/>
+                <a:ea typeface="+mj-ea"/>
+                <a:cs typeface="+mj-cs"/>
+              </a:defRPr>
+            </a:lvl1pPr>
+            <a:lvl2pPr eaLnBrk="1" hangingPunct="1">
+              <a:defRPr>
+                <a:solidFill>
+                  <a:schemeClr val="tx2"/>
+                </a:solidFill>
+              </a:defRPr>
+            </a:lvl2pPr>
+            <a:lvl3pPr eaLnBrk="1" hangingPunct="1">
+              <a:defRPr>
+                <a:solidFill>
+                  <a:schemeClr val="tx2"/>
+                </a:solidFill>
+              </a:defRPr>
+            </a:lvl3pPr>
+            <a:lvl4pPr eaLnBrk="1" hangingPunct="1">
+              <a:defRPr>
+                <a:solidFill>
+                  <a:schemeClr val="tx2"/>
+                </a:solidFill>
+              </a:defRPr>
+            </a:lvl4pPr>
+            <a:lvl5pPr eaLnBrk="1" hangingPunct="1">
+              <a:defRPr>
+                <a:solidFill>
+                  <a:schemeClr val="tx2"/>
+                </a:solidFill>
+              </a:defRPr>
+            </a:lvl5pPr>
+            <a:lvl6pPr eaLnBrk="1" hangingPunct="1">
+              <a:defRPr>
+                <a:solidFill>
+                  <a:schemeClr val="tx2"/>
+                </a:solidFill>
+              </a:defRPr>
+            </a:lvl6pPr>
+            <a:lvl7pPr eaLnBrk="1" hangingPunct="1">
+              <a:defRPr>
+                <a:solidFill>
+                  <a:schemeClr val="tx2"/>
+                </a:solidFill>
+              </a:defRPr>
+            </a:lvl7pPr>
+            <a:lvl8pPr eaLnBrk="1" hangingPunct="1">
+              <a:defRPr>
+                <a:solidFill>
+                  <a:schemeClr val="tx2"/>
+                </a:solidFill>
+              </a:defRPr>
+            </a:lvl8pPr>
+            <a:lvl9pPr eaLnBrk="1" hangingPunct="1">
+              <a:defRPr>
+                <a:solidFill>
+                  <a:schemeClr val="tx2"/>
+                </a:solidFill>
+              </a:defRPr>
+            </a:lvl9pPr>
+          </a:lstStyle>
+          <a:p>
+            <a:r>
+              <a:rPr lang="zh-TW" altLang="en-US" sz="4000" b="1" dirty="0"/>
+              <a:t>全</a:t>
+            </a:r>
+            <a:r>
+              <a:rPr lang="zh-TW" altLang="en-US" sz="4000" b="1" dirty="0" smtClean="0"/>
+              <a:t>幅展示</a:t>
+            </a:r>
+            <a:r>
+              <a:rPr lang="zh-TW" altLang="en-US" sz="4000" b="1" dirty="0" smtClean="0"/>
+              <a:t> </a:t>
+            </a:r>
+            <a:endParaRPr lang="zh-TW" altLang="en-US" sz="4000" b="1" dirty="0"/>
+          </a:p>
+        </p:txBody>
+      </p:sp>
+      <p:pic>
+        <p:nvPicPr>
+          <p:cNvPr id="1026" name="Picture 2"/>
+          <p:cNvPicPr>
+            <a:picLocks noChangeAspect="1" noChangeArrowheads="1"/>
+          </p:cNvPicPr>
+          <p:nvPr/>
+        </p:nvPicPr>
+        <p:blipFill>
+          <a:blip r:embed="rId2">
+            <a:extLst>
+              <a:ext uri="{28A0092B-C50C-407E-A947-70E740481C1C}">
+                <a14:useLocalDpi xmlns:a14="http://schemas.microsoft.com/office/drawing/2010/main" val="0"/>
+              </a:ext>
+            </a:extLst>
+          </a:blip>
+          <a:srcRect/>
+          <a:stretch>
+            <a:fillRect/>
+          </a:stretch>
+        </p:blipFill>
+        <p:spPr bwMode="auto">
+          <a:xfrm>
+            <a:off x="395535" y="2204865"/>
+            <a:ext cx="8386187" cy="4137776"/>
+          </a:xfrm>
+          <a:prstGeom prst="rect">
+            <a:avLst/>
+          </a:prstGeom>
+          <a:noFill/>
+          <a:ln>
+            <a:noFill/>
+          </a:ln>
+          <a:effectLst/>
+          <a:extLst>
+            <a:ext uri="{909E8E84-426E-40DD-AFC4-6F175D3DCCD1}">
+              <a14:hiddenFill xmlns:a14="http://schemas.microsoft.com/office/drawing/2010/main">
+                <a:solidFill>
+                  <a:schemeClr val="accent1"/>
+                </a:solidFill>
+              </a14:hiddenFill>
+            </a:ext>
+            <a:ext uri="{91240B29-F687-4F45-9708-019B960494DF}">
+              <a14:hiddenLine xmlns:a14="http://schemas.microsoft.com/office/drawing/2010/main" w="9525">
+                <a:solidFill>
+                  <a:schemeClr val="tx1"/>
+                </a:solidFill>
+                <a:miter lim="800000"/>
+                <a:headEnd/>
+                <a:tailEnd/>
+              </a14:hiddenLine>
+            </a:ext>
+            <a:ext uri="{AF507438-7753-43E0-B8FC-AC1667EBCBE1}">
+              <a14:hiddenEffects xmlns:a14="http://schemas.microsoft.com/office/drawing/2010/main">
+                <a:effectLst>
+                  <a:outerShdw dist="35921" dir="2700000" algn="ctr" rotWithShape="0">
+                    <a:schemeClr val="bg2"/>
+                  </a:outerShdw>
+                </a:effectLst>
+              </a14:hiddenEffects>
+            </a:ext>
+          </a:extLst>
+        </p:spPr>
+      </p:pic>
+    </p:spTree>
+    <p:extLst>
+      <p:ext uri="{BB962C8B-B14F-4D97-AF65-F5344CB8AC3E}">
+        <p14:creationId xmlns:p14="http://schemas.microsoft.com/office/powerpoint/2010/main" val="1364279349"/>
+      </p:ext>
+    </p:extLst>
+  </p:cSld>
+  <p:clrMapOvr>
+    <a:masterClrMapping/>
+  </p:clrMapOvr>
+  <p:timing>
+    <p:tnLst>
+      <p:par>
+        <p:cTn id="1" dur="indefinite" restart="never" nodeType="tmRoot"/>
+      </p:par>
+    </p:tnLst>
+  </p:timing>
+</p:sld>
+</file>
+
+<file path=ppt/slides/slide4.xml><?xml version="1.0" encoding="utf-8"?>
+<p:sld xmlns:a="http://schemas.openxmlformats.org/drawingml/2006/main" xmlns:r="http://schemas.openxmlformats.org/officeDocument/2006/relationships" xmlns:p="http://schemas.openxmlformats.org/presentationml/2006/main">
+  <p:cSld>
+    <p:spTree>
+      <p:nvGrpSpPr>
+        <p:cNvPr id="1" name=""/>
+        <p:cNvGrpSpPr/>
+        <p:nvPr/>
+      </p:nvGrpSpPr>
+      <p:grpSpPr>
+        <a:xfrm>
+          <a:off x="0" y="0"/>
+          <a:ext cx="0" cy="0"/>
+          <a:chOff x="0" y="0"/>
+          <a:chExt cx="0" cy="0"/>
+        </a:xfrm>
+      </p:grpSpPr>
+      <p:sp>
+        <p:nvSpPr>
+          <p:cNvPr id="4" name="標題 1"/>
+          <p:cNvSpPr txBox="1">
+            <a:spLocks/>
+          </p:cNvSpPr>
+          <p:nvPr/>
+        </p:nvSpPr>
+        <p:spPr>
+          <a:xfrm>
+            <a:off x="914211" y="764704"/>
+            <a:ext cx="7543800" cy="720080"/>
+          </a:xfrm>
+          <a:prstGeom prst="rect">
+            <a:avLst/>
+          </a:prstGeom>
+        </p:spPr>
+        <p:txBody>
+          <a:bodyPr vert="horz" lIns="91440" tIns="45720" rIns="91440" bIns="45720" rtlCol="0" anchor="b">
+            <a:noAutofit/>
+          </a:bodyPr>
+          <a:lstStyle>
+            <a:lvl1pPr algn="l" defTabSz="914400" rtl="0" eaLnBrk="1" latinLnBrk="0" hangingPunct="1">
+              <a:spcBef>
+                <a:spcPct val="0"/>
+              </a:spcBef>
+              <a:buNone/>
+              <a:defRPr sz="6000" kern="1200">
+                <a:solidFill>
+                  <a:schemeClr val="tx1"/>
+                </a:solidFill>
+                <a:effectLst>
+                  <a:outerShdw blurRad="38100" dist="38100" dir="2700000" algn="tl">
+                    <a:srgbClr val="000000">
+                      <a:alpha val="43137"/>
+                    </a:srgbClr>
+                  </a:outerShdw>
+                </a:effectLst>
+                <a:latin typeface="+mj-lt"/>
+                <a:ea typeface="+mj-ea"/>
+                <a:cs typeface="+mj-cs"/>
+              </a:defRPr>
+            </a:lvl1pPr>
+            <a:lvl2pPr eaLnBrk="1" hangingPunct="1">
+              <a:defRPr>
+                <a:solidFill>
+                  <a:schemeClr val="tx2"/>
+                </a:solidFill>
+              </a:defRPr>
+            </a:lvl2pPr>
+            <a:lvl3pPr eaLnBrk="1" hangingPunct="1">
+              <a:defRPr>
+                <a:solidFill>
+                  <a:schemeClr val="tx2"/>
+                </a:solidFill>
+              </a:defRPr>
+            </a:lvl3pPr>
+            <a:lvl4pPr eaLnBrk="1" hangingPunct="1">
+              <a:defRPr>
+                <a:solidFill>
+                  <a:schemeClr val="tx2"/>
+                </a:solidFill>
+              </a:defRPr>
+            </a:lvl4pPr>
+            <a:lvl5pPr eaLnBrk="1" hangingPunct="1">
+              <a:defRPr>
+                <a:solidFill>
+                  <a:schemeClr val="tx2"/>
+                </a:solidFill>
+              </a:defRPr>
+            </a:lvl5pPr>
+            <a:lvl6pPr eaLnBrk="1" hangingPunct="1">
+              <a:defRPr>
+                <a:solidFill>
+                  <a:schemeClr val="tx2"/>
+                </a:solidFill>
+              </a:defRPr>
+            </a:lvl6pPr>
+            <a:lvl7pPr eaLnBrk="1" hangingPunct="1">
+              <a:defRPr>
+                <a:solidFill>
+                  <a:schemeClr val="tx2"/>
+                </a:solidFill>
+              </a:defRPr>
+            </a:lvl7pPr>
+            <a:lvl8pPr eaLnBrk="1" hangingPunct="1">
+              <a:defRPr>
+                <a:solidFill>
+                  <a:schemeClr val="tx2"/>
+                </a:solidFill>
+              </a:defRPr>
+            </a:lvl8pPr>
+            <a:lvl9pPr eaLnBrk="1" hangingPunct="1">
+              <a:defRPr>
+                <a:solidFill>
+                  <a:schemeClr val="tx2"/>
+                </a:solidFill>
+              </a:defRPr>
+            </a:lvl9pPr>
+          </a:lstStyle>
+          <a:p>
+            <a:r>
+              <a:rPr lang="zh-TW" altLang="en-US" sz="4000" b="1" dirty="0" smtClean="0"/>
               <a:t>首頁 </a:t>
             </a:r>
             <a:r>
@@ -4342,8 +5731,8 @@
         </p:blipFill>
         <p:spPr bwMode="auto">
           <a:xfrm>
-            <a:off x="4686111" y="1403454"/>
-            <a:ext cx="2880320" cy="4916796"/>
+            <a:off x="4572000" y="1628800"/>
+            <a:ext cx="2851372" cy="4867379"/>
           </a:xfrm>
           <a:prstGeom prst="rect">
             <a:avLst/>
@@ -4403,7 +5792,7 @@
 </p:sld>
 </file>
 
-<file path=ppt/slides/slide3.xml><?xml version="1.0" encoding="utf-8"?>
+<file path=ppt/slides/slide5.xml><?xml version="1.0" encoding="utf-8"?>
 <p:sld xmlns:a="http://schemas.openxmlformats.org/drawingml/2006/main" xmlns:r="http://schemas.openxmlformats.org/officeDocument/2006/relationships" xmlns:p="http://schemas.openxmlformats.org/presentationml/2006/main">
   <p:cSld>
     <p:spTree>
@@ -4539,7 +5928,7 @@
       </p:sp>
       <p:pic>
         <p:nvPicPr>
-          <p:cNvPr id="8194" name="Picture 2"/>
+          <p:cNvPr id="2050" name="Picture 2"/>
           <p:cNvPicPr>
             <a:picLocks noChangeAspect="1" noChangeArrowheads="1"/>
           </p:cNvPicPr>
@@ -4560,8 +5949,8 @@
         </p:blipFill>
         <p:spPr bwMode="auto">
           <a:xfrm>
-            <a:off x="824682" y="2857512"/>
-            <a:ext cx="7722858" cy="792088"/>
+            <a:off x="1763687" y="2204864"/>
+            <a:ext cx="5610525" cy="3701240"/>
           </a:xfrm>
           <a:prstGeom prst="rect">
             <a:avLst/>
@@ -4621,7 +6010,7 @@
 </p:sld>
 </file>
 
-<file path=ppt/slides/slide4.xml><?xml version="1.0" encoding="utf-8"?>
+<file path=ppt/slides/slide6.xml><?xml version="1.0" encoding="utf-8"?>
 <p:sld xmlns:a="http://schemas.openxmlformats.org/drawingml/2006/main" xmlns:r="http://schemas.openxmlformats.org/officeDocument/2006/relationships" xmlns:p="http://schemas.openxmlformats.org/presentationml/2006/main">
   <p:cSld>
     <p:spTree>
@@ -4837,7 +6226,7 @@
 </p:sld>
 </file>
 
-<file path=ppt/slides/slide5.xml><?xml version="1.0" encoding="utf-8"?>
+<file path=ppt/slides/slide7.xml><?xml version="1.0" encoding="utf-8"?>
 <p:sld xmlns:a="http://schemas.openxmlformats.org/drawingml/2006/main" xmlns:r="http://schemas.openxmlformats.org/officeDocument/2006/relationships" xmlns:p="http://schemas.openxmlformats.org/presentationml/2006/main">
   <p:cSld>
     <p:spTree>
@@ -5053,7 +6442,7 @@
 </p:sld>
 </file>
 
-<file path=ppt/slides/slide6.xml><?xml version="1.0" encoding="utf-8"?>
+<file path=ppt/slides/slide8.xml><?xml version="1.0" encoding="utf-8"?>
 <p:sld xmlns:a="http://schemas.openxmlformats.org/drawingml/2006/main" xmlns:r="http://schemas.openxmlformats.org/officeDocument/2006/relationships" xmlns:p="http://schemas.openxmlformats.org/presentationml/2006/main">
   <p:cSld>
     <p:spTree>
@@ -5269,7 +6658,7 @@
 </p:sld>
 </file>
 
-<file path=ppt/slides/slide7.xml><?xml version="1.0" encoding="utf-8"?>
+<file path=ppt/slides/slide9.xml><?xml version="1.0" encoding="utf-8"?>
 <p:sld xmlns:a="http://schemas.openxmlformats.org/drawingml/2006/main" xmlns:r="http://schemas.openxmlformats.org/officeDocument/2006/relationships" xmlns:p="http://schemas.openxmlformats.org/presentationml/2006/main">
   <p:cSld>
     <p:spTree>
@@ -5397,11 +6786,7 @@
             </a:r>
             <a:r>
               <a:rPr lang="zh-TW" altLang="en-US" sz="4000" b="1" dirty="0"/>
-              <a:t> 點數</a:t>
-            </a:r>
-            <a:r>
-              <a:rPr lang="zh-TW" altLang="en-US" sz="4000" b="1" dirty="0"/>
-              <a:t>列表</a:t>
+              <a:t> 點數列表</a:t>
             </a:r>
           </a:p>
         </p:txBody>
@@ -5472,450 +6857,6 @@
     <p:extLst>
       <p:ext uri="{BB962C8B-B14F-4D97-AF65-F5344CB8AC3E}">
         <p14:creationId xmlns:p14="http://schemas.microsoft.com/office/powerpoint/2010/main" val="928717673"/>
-      </p:ext>
-    </p:extLst>
-  </p:cSld>
-  <p:clrMapOvr>
-    <a:masterClrMapping/>
-  </p:clrMapOvr>
-  <p:timing>
-    <p:tnLst>
-      <p:par>
-        <p:cTn id="1" dur="indefinite" restart="never" nodeType="tmRoot"/>
-      </p:par>
-    </p:tnLst>
-  </p:timing>
-</p:sld>
-</file>
-
-<file path=ppt/slides/slide8.xml><?xml version="1.0" encoding="utf-8"?>
-<p:sld xmlns:a="http://schemas.openxmlformats.org/drawingml/2006/main" xmlns:r="http://schemas.openxmlformats.org/officeDocument/2006/relationships" xmlns:p="http://schemas.openxmlformats.org/presentationml/2006/main">
-  <p:cSld>
-    <p:spTree>
-      <p:nvGrpSpPr>
-        <p:cNvPr id="1" name=""/>
-        <p:cNvGrpSpPr/>
-        <p:nvPr/>
-      </p:nvGrpSpPr>
-      <p:grpSpPr>
-        <a:xfrm>
-          <a:off x="0" y="0"/>
-          <a:ext cx="0" cy="0"/>
-          <a:chOff x="0" y="0"/>
-          <a:chExt cx="0" cy="0"/>
-        </a:xfrm>
-      </p:grpSpPr>
-      <p:sp>
-        <p:nvSpPr>
-          <p:cNvPr id="4" name="標題 1"/>
-          <p:cNvSpPr txBox="1">
-            <a:spLocks/>
-          </p:cNvSpPr>
-          <p:nvPr/>
-        </p:nvSpPr>
-        <p:spPr>
-          <a:xfrm>
-            <a:off x="914211" y="764704"/>
-            <a:ext cx="7543800" cy="720080"/>
-          </a:xfrm>
-          <a:prstGeom prst="rect">
-            <a:avLst/>
-          </a:prstGeom>
-        </p:spPr>
-        <p:txBody>
-          <a:bodyPr vert="horz" lIns="91440" tIns="45720" rIns="91440" bIns="45720" rtlCol="0" anchor="b">
-            <a:noAutofit/>
-          </a:bodyPr>
-          <a:lstStyle>
-            <a:lvl1pPr algn="l" defTabSz="914400" rtl="0" eaLnBrk="1" latinLnBrk="0" hangingPunct="1">
-              <a:spcBef>
-                <a:spcPct val="0"/>
-              </a:spcBef>
-              <a:buNone/>
-              <a:defRPr sz="6000" kern="1200">
-                <a:solidFill>
-                  <a:schemeClr val="tx1"/>
-                </a:solidFill>
-                <a:effectLst>
-                  <a:outerShdw blurRad="38100" dist="38100" dir="2700000" algn="tl">
-                    <a:srgbClr val="000000">
-                      <a:alpha val="43137"/>
-                    </a:srgbClr>
-                  </a:outerShdw>
-                </a:effectLst>
-                <a:latin typeface="+mj-lt"/>
-                <a:ea typeface="+mj-ea"/>
-                <a:cs typeface="+mj-cs"/>
-              </a:defRPr>
-            </a:lvl1pPr>
-            <a:lvl2pPr eaLnBrk="1" hangingPunct="1">
-              <a:defRPr>
-                <a:solidFill>
-                  <a:schemeClr val="tx2"/>
-                </a:solidFill>
-              </a:defRPr>
-            </a:lvl2pPr>
-            <a:lvl3pPr eaLnBrk="1" hangingPunct="1">
-              <a:defRPr>
-                <a:solidFill>
-                  <a:schemeClr val="tx2"/>
-                </a:solidFill>
-              </a:defRPr>
-            </a:lvl3pPr>
-            <a:lvl4pPr eaLnBrk="1" hangingPunct="1">
-              <a:defRPr>
-                <a:solidFill>
-                  <a:schemeClr val="tx2"/>
-                </a:solidFill>
-              </a:defRPr>
-            </a:lvl4pPr>
-            <a:lvl5pPr eaLnBrk="1" hangingPunct="1">
-              <a:defRPr>
-                <a:solidFill>
-                  <a:schemeClr val="tx2"/>
-                </a:solidFill>
-              </a:defRPr>
-            </a:lvl5pPr>
-            <a:lvl6pPr eaLnBrk="1" hangingPunct="1">
-              <a:defRPr>
-                <a:solidFill>
-                  <a:schemeClr val="tx2"/>
-                </a:solidFill>
-              </a:defRPr>
-            </a:lvl6pPr>
-            <a:lvl7pPr eaLnBrk="1" hangingPunct="1">
-              <a:defRPr>
-                <a:solidFill>
-                  <a:schemeClr val="tx2"/>
-                </a:solidFill>
-              </a:defRPr>
-            </a:lvl7pPr>
-            <a:lvl8pPr eaLnBrk="1" hangingPunct="1">
-              <a:defRPr>
-                <a:solidFill>
-                  <a:schemeClr val="tx2"/>
-                </a:solidFill>
-              </a:defRPr>
-            </a:lvl8pPr>
-            <a:lvl9pPr eaLnBrk="1" hangingPunct="1">
-              <a:defRPr>
-                <a:solidFill>
-                  <a:schemeClr val="tx2"/>
-                </a:solidFill>
-              </a:defRPr>
-            </a:lvl9pPr>
-          </a:lstStyle>
-          <a:p>
-            <a:r>
-              <a:rPr lang="zh-TW" altLang="en-US" sz="4000" b="1" dirty="0" smtClean="0"/>
-              <a:t>首頁 </a:t>
-            </a:r>
-            <a:r>
-              <a:rPr lang="en-US" altLang="zh-TW" sz="4000" b="1" dirty="0"/>
-              <a:t>/</a:t>
-            </a:r>
-            <a:r>
-              <a:rPr lang="zh-TW" altLang="en-US" sz="4000" b="1" dirty="0"/>
-              <a:t> </a:t>
-            </a:r>
-            <a:r>
-              <a:rPr lang="zh-TW" altLang="en-US" sz="4000" b="1" dirty="0" smtClean="0"/>
-              <a:t>兌換紀錄</a:t>
-            </a:r>
-            <a:endParaRPr lang="zh-TW" altLang="en-US" sz="4000" b="1" dirty="0"/>
-          </a:p>
-        </p:txBody>
-      </p:sp>
-      <p:pic>
-        <p:nvPicPr>
-          <p:cNvPr id="5122" name="Picture 2"/>
-          <p:cNvPicPr>
-            <a:picLocks noChangeAspect="1" noChangeArrowheads="1"/>
-          </p:cNvPicPr>
-          <p:nvPr/>
-        </p:nvPicPr>
-        <p:blipFill>
-          <a:blip r:embed="rId2">
-            <a:extLst>
-              <a:ext uri="{28A0092B-C50C-407E-A947-70E740481C1C}">
-                <a14:useLocalDpi xmlns:a14="http://schemas.microsoft.com/office/drawing/2010/main" val="0"/>
-              </a:ext>
-            </a:extLst>
-          </a:blip>
-          <a:srcRect/>
-          <a:stretch>
-            <a:fillRect/>
-          </a:stretch>
-        </p:blipFill>
-        <p:spPr bwMode="auto">
-          <a:xfrm>
-            <a:off x="251519" y="2132856"/>
-            <a:ext cx="8598371" cy="3734016"/>
-          </a:xfrm>
-          <a:prstGeom prst="rect">
-            <a:avLst/>
-          </a:prstGeom>
-          <a:noFill/>
-          <a:ln>
-            <a:noFill/>
-          </a:ln>
-          <a:effectLst/>
-          <a:extLst>
-            <a:ext uri="{909E8E84-426E-40DD-AFC4-6F175D3DCCD1}">
-              <a14:hiddenFill xmlns:a14="http://schemas.microsoft.com/office/drawing/2010/main">
-                <a:solidFill>
-                  <a:schemeClr val="accent1"/>
-                </a:solidFill>
-              </a14:hiddenFill>
-            </a:ext>
-            <a:ext uri="{91240B29-F687-4F45-9708-019B960494DF}">
-              <a14:hiddenLine xmlns:a14="http://schemas.microsoft.com/office/drawing/2010/main" w="9525">
-                <a:solidFill>
-                  <a:schemeClr val="tx1"/>
-                </a:solidFill>
-                <a:miter lim="800000"/>
-                <a:headEnd/>
-                <a:tailEnd/>
-              </a14:hiddenLine>
-            </a:ext>
-            <a:ext uri="{AF507438-7753-43E0-B8FC-AC1667EBCBE1}">
-              <a14:hiddenEffects xmlns:a14="http://schemas.microsoft.com/office/drawing/2010/main">
-                <a:effectLst>
-                  <a:outerShdw dist="35921" dir="2700000" algn="ctr" rotWithShape="0">
-                    <a:schemeClr val="bg2"/>
-                  </a:outerShdw>
-                </a:effectLst>
-              </a14:hiddenEffects>
-            </a:ext>
-          </a:extLst>
-        </p:spPr>
-      </p:pic>
-    </p:spTree>
-    <p:extLst>
-      <p:ext uri="{BB962C8B-B14F-4D97-AF65-F5344CB8AC3E}">
-        <p14:creationId xmlns:p14="http://schemas.microsoft.com/office/powerpoint/2010/main" val="4261227779"/>
-      </p:ext>
-    </p:extLst>
-  </p:cSld>
-  <p:clrMapOvr>
-    <a:masterClrMapping/>
-  </p:clrMapOvr>
-  <p:timing>
-    <p:tnLst>
-      <p:par>
-        <p:cTn id="1" dur="indefinite" restart="never" nodeType="tmRoot"/>
-      </p:par>
-    </p:tnLst>
-  </p:timing>
-</p:sld>
-</file>
-
-<file path=ppt/slides/slide9.xml><?xml version="1.0" encoding="utf-8"?>
-<p:sld xmlns:a="http://schemas.openxmlformats.org/drawingml/2006/main" xmlns:r="http://schemas.openxmlformats.org/officeDocument/2006/relationships" xmlns:p="http://schemas.openxmlformats.org/presentationml/2006/main">
-  <p:cSld>
-    <p:spTree>
-      <p:nvGrpSpPr>
-        <p:cNvPr id="1" name=""/>
-        <p:cNvGrpSpPr/>
-        <p:nvPr/>
-      </p:nvGrpSpPr>
-      <p:grpSpPr>
-        <a:xfrm>
-          <a:off x="0" y="0"/>
-          <a:ext cx="0" cy="0"/>
-          <a:chOff x="0" y="0"/>
-          <a:chExt cx="0" cy="0"/>
-        </a:xfrm>
-      </p:grpSpPr>
-      <p:sp>
-        <p:nvSpPr>
-          <p:cNvPr id="4" name="標題 1"/>
-          <p:cNvSpPr txBox="1">
-            <a:spLocks/>
-          </p:cNvSpPr>
-          <p:nvPr/>
-        </p:nvSpPr>
-        <p:spPr>
-          <a:xfrm>
-            <a:off x="914211" y="764704"/>
-            <a:ext cx="7543800" cy="720080"/>
-          </a:xfrm>
-          <a:prstGeom prst="rect">
-            <a:avLst/>
-          </a:prstGeom>
-        </p:spPr>
-        <p:txBody>
-          <a:bodyPr vert="horz" lIns="91440" tIns="45720" rIns="91440" bIns="45720" rtlCol="0" anchor="b">
-            <a:noAutofit/>
-          </a:bodyPr>
-          <a:lstStyle>
-            <a:lvl1pPr algn="l" defTabSz="914400" rtl="0" eaLnBrk="1" latinLnBrk="0" hangingPunct="1">
-              <a:spcBef>
-                <a:spcPct val="0"/>
-              </a:spcBef>
-              <a:buNone/>
-              <a:defRPr sz="6000" kern="1200">
-                <a:solidFill>
-                  <a:schemeClr val="tx1"/>
-                </a:solidFill>
-                <a:effectLst>
-                  <a:outerShdw blurRad="38100" dist="38100" dir="2700000" algn="tl">
-                    <a:srgbClr val="000000">
-                      <a:alpha val="43137"/>
-                    </a:srgbClr>
-                  </a:outerShdw>
-                </a:effectLst>
-                <a:latin typeface="+mj-lt"/>
-                <a:ea typeface="+mj-ea"/>
-                <a:cs typeface="+mj-cs"/>
-              </a:defRPr>
-            </a:lvl1pPr>
-            <a:lvl2pPr eaLnBrk="1" hangingPunct="1">
-              <a:defRPr>
-                <a:solidFill>
-                  <a:schemeClr val="tx2"/>
-                </a:solidFill>
-              </a:defRPr>
-            </a:lvl2pPr>
-            <a:lvl3pPr eaLnBrk="1" hangingPunct="1">
-              <a:defRPr>
-                <a:solidFill>
-                  <a:schemeClr val="tx2"/>
-                </a:solidFill>
-              </a:defRPr>
-            </a:lvl3pPr>
-            <a:lvl4pPr eaLnBrk="1" hangingPunct="1">
-              <a:defRPr>
-                <a:solidFill>
-                  <a:schemeClr val="tx2"/>
-                </a:solidFill>
-              </a:defRPr>
-            </a:lvl4pPr>
-            <a:lvl5pPr eaLnBrk="1" hangingPunct="1">
-              <a:defRPr>
-                <a:solidFill>
-                  <a:schemeClr val="tx2"/>
-                </a:solidFill>
-              </a:defRPr>
-            </a:lvl5pPr>
-            <a:lvl6pPr eaLnBrk="1" hangingPunct="1">
-              <a:defRPr>
-                <a:solidFill>
-                  <a:schemeClr val="tx2"/>
-                </a:solidFill>
-              </a:defRPr>
-            </a:lvl6pPr>
-            <a:lvl7pPr eaLnBrk="1" hangingPunct="1">
-              <a:defRPr>
-                <a:solidFill>
-                  <a:schemeClr val="tx2"/>
-                </a:solidFill>
-              </a:defRPr>
-            </a:lvl7pPr>
-            <a:lvl8pPr eaLnBrk="1" hangingPunct="1">
-              <a:defRPr>
-                <a:solidFill>
-                  <a:schemeClr val="tx2"/>
-                </a:solidFill>
-              </a:defRPr>
-            </a:lvl8pPr>
-            <a:lvl9pPr eaLnBrk="1" hangingPunct="1">
-              <a:defRPr>
-                <a:solidFill>
-                  <a:schemeClr val="tx2"/>
-                </a:solidFill>
-              </a:defRPr>
-            </a:lvl9pPr>
-          </a:lstStyle>
-          <a:p>
-            <a:r>
-              <a:rPr lang="zh-TW" altLang="en-US" sz="4000" b="1" dirty="0" smtClean="0"/>
-              <a:t>首頁 </a:t>
-            </a:r>
-            <a:r>
-              <a:rPr lang="en-US" altLang="zh-TW" sz="4000" b="1" dirty="0"/>
-              <a:t>/</a:t>
-            </a:r>
-            <a:r>
-              <a:rPr lang="zh-TW" altLang="en-US" sz="4000" b="1" dirty="0"/>
-              <a:t> 系統帳號</a:t>
-            </a:r>
-            <a:r>
-              <a:rPr lang="zh-TW" altLang="en-US" sz="4000" b="1" dirty="0" smtClean="0"/>
-              <a:t>管理</a:t>
-            </a:r>
-            <a:endParaRPr lang="zh-TW" altLang="en-US" sz="4000" b="1" dirty="0"/>
-          </a:p>
-        </p:txBody>
-      </p:sp>
-      <p:pic>
-        <p:nvPicPr>
-          <p:cNvPr id="6146" name="Picture 2"/>
-          <p:cNvPicPr>
-            <a:picLocks noChangeAspect="1" noChangeArrowheads="1"/>
-          </p:cNvPicPr>
-          <p:nvPr/>
-        </p:nvPicPr>
-        <p:blipFill>
-          <a:blip r:embed="rId2">
-            <a:extLst>
-              <a:ext uri="{28A0092B-C50C-407E-A947-70E740481C1C}">
-                <a14:useLocalDpi xmlns:a14="http://schemas.microsoft.com/office/drawing/2010/main" val="0"/>
-              </a:ext>
-            </a:extLst>
-          </a:blip>
-          <a:srcRect/>
-          <a:stretch>
-            <a:fillRect/>
-          </a:stretch>
-        </p:blipFill>
-        <p:spPr bwMode="auto">
-          <a:xfrm>
-            <a:off x="209325" y="2276872"/>
-            <a:ext cx="8758833" cy="3826520"/>
-          </a:xfrm>
-          <a:prstGeom prst="rect">
-            <a:avLst/>
-          </a:prstGeom>
-          <a:noFill/>
-          <a:ln>
-            <a:noFill/>
-          </a:ln>
-          <a:effectLst/>
-          <a:extLst>
-            <a:ext uri="{909E8E84-426E-40DD-AFC4-6F175D3DCCD1}">
-              <a14:hiddenFill xmlns:a14="http://schemas.microsoft.com/office/drawing/2010/main">
-                <a:solidFill>
-                  <a:schemeClr val="accent1"/>
-                </a:solidFill>
-              </a14:hiddenFill>
-            </a:ext>
-            <a:ext uri="{91240B29-F687-4F45-9708-019B960494DF}">
-              <a14:hiddenLine xmlns:a14="http://schemas.microsoft.com/office/drawing/2010/main" w="9525">
-                <a:solidFill>
-                  <a:schemeClr val="tx1"/>
-                </a:solidFill>
-                <a:miter lim="800000"/>
-                <a:headEnd/>
-                <a:tailEnd/>
-              </a14:hiddenLine>
-            </a:ext>
-            <a:ext uri="{AF507438-7753-43E0-B8FC-AC1667EBCBE1}">
-              <a14:hiddenEffects xmlns:a14="http://schemas.microsoft.com/office/drawing/2010/main">
-                <a:effectLst>
-                  <a:outerShdw dist="35921" dir="2700000" algn="ctr" rotWithShape="0">
-                    <a:schemeClr val="bg2"/>
-                  </a:outerShdw>
-                </a:effectLst>
-              </a14:hiddenEffects>
-            </a:ext>
-          </a:extLst>
-        </p:spPr>
-      </p:pic>
-    </p:spTree>
-    <p:extLst>
-      <p:ext uri="{BB962C8B-B14F-4D97-AF65-F5344CB8AC3E}">
-        <p14:creationId xmlns:p14="http://schemas.microsoft.com/office/powerpoint/2010/main" val="969067509"/>
       </p:ext>
     </p:extLst>
   </p:cSld>

--- a/doc/愛心便當收銀系統.pptx
+++ b/doc/愛心便當收銀系統.pptx
@@ -4,6 +4,9 @@
   <p:sldMasterIdLst>
     <p:sldMasterId id="2147483744" r:id="rId1"/>
   </p:sldMasterIdLst>
+  <p:notesMasterIdLst>
+    <p:notesMasterId r:id="rId15"/>
+  </p:notesMasterIdLst>
   <p:sldIdLst>
     <p:sldId id="256" r:id="rId2"/>
     <p:sldId id="267" r:id="rId3"/>
@@ -119,6 +122,356 @@
 </p:presentation>
 </file>
 
+<file path=ppt/notesMasters/notesMaster1.xml><?xml version="1.0" encoding="utf-8"?>
+<p:notesMaster xmlns:a="http://schemas.openxmlformats.org/drawingml/2006/main" xmlns:r="http://schemas.openxmlformats.org/officeDocument/2006/relationships" xmlns:p="http://schemas.openxmlformats.org/presentationml/2006/main">
+  <p:cSld>
+    <p:bg>
+      <p:bgRef idx="1001">
+        <a:schemeClr val="bg1"/>
+      </p:bgRef>
+    </p:bg>
+    <p:spTree>
+      <p:nvGrpSpPr>
+        <p:cNvPr id="1" name=""/>
+        <p:cNvGrpSpPr/>
+        <p:nvPr/>
+      </p:nvGrpSpPr>
+      <p:grpSpPr>
+        <a:xfrm>
+          <a:off x="0" y="0"/>
+          <a:ext cx="0" cy="0"/>
+          <a:chOff x="0" y="0"/>
+          <a:chExt cx="0" cy="0"/>
+        </a:xfrm>
+      </p:grpSpPr>
+      <p:sp>
+        <p:nvSpPr>
+          <p:cNvPr id="2" name="頁首版面配置區 1"/>
+          <p:cNvSpPr>
+            <a:spLocks noGrp="1"/>
+          </p:cNvSpPr>
+          <p:nvPr>
+            <p:ph type="hdr" sz="quarter"/>
+          </p:nvPr>
+        </p:nvSpPr>
+        <p:spPr>
+          <a:xfrm>
+            <a:off x="0" y="0"/>
+            <a:ext cx="2971800" cy="457200"/>
+          </a:xfrm>
+          <a:prstGeom prst="rect">
+            <a:avLst/>
+          </a:prstGeom>
+        </p:spPr>
+        <p:txBody>
+          <a:bodyPr vert="horz" lIns="91440" tIns="45720" rIns="91440" bIns="45720" rtlCol="0"/>
+          <a:lstStyle>
+            <a:lvl1pPr algn="l">
+              <a:defRPr sz="1200"/>
+            </a:lvl1pPr>
+          </a:lstStyle>
+          <a:p>
+            <a:endParaRPr lang="zh-TW" altLang="en-US"/>
+          </a:p>
+        </p:txBody>
+      </p:sp>
+      <p:sp>
+        <p:nvSpPr>
+          <p:cNvPr id="3" name="日期版面配置區 2"/>
+          <p:cNvSpPr>
+            <a:spLocks noGrp="1"/>
+          </p:cNvSpPr>
+          <p:nvPr>
+            <p:ph type="dt" idx="1"/>
+          </p:nvPr>
+        </p:nvSpPr>
+        <p:spPr>
+          <a:xfrm>
+            <a:off x="3884613" y="0"/>
+            <a:ext cx="2971800" cy="457200"/>
+          </a:xfrm>
+          <a:prstGeom prst="rect">
+            <a:avLst/>
+          </a:prstGeom>
+        </p:spPr>
+        <p:txBody>
+          <a:bodyPr vert="horz" lIns="91440" tIns="45720" rIns="91440" bIns="45720" rtlCol="0"/>
+          <a:lstStyle>
+            <a:lvl1pPr algn="r">
+              <a:defRPr sz="1200"/>
+            </a:lvl1pPr>
+          </a:lstStyle>
+          <a:p>
+            <a:fld id="{2C3013C8-5289-4B46-A0DA-00AFDEE65F87}" type="datetimeFigureOut">
+              <a:rPr lang="zh-TW" altLang="en-US" smtClean="0"/>
+              <a:t>2017/6/30</a:t>
+            </a:fld>
+            <a:endParaRPr lang="zh-TW" altLang="en-US"/>
+          </a:p>
+        </p:txBody>
+      </p:sp>
+      <p:sp>
+        <p:nvSpPr>
+          <p:cNvPr id="4" name="投影片圖像版面配置區 3"/>
+          <p:cNvSpPr>
+            <a:spLocks noGrp="1" noRot="1" noChangeAspect="1"/>
+          </p:cNvSpPr>
+          <p:nvPr>
+            <p:ph type="sldImg" idx="2"/>
+          </p:nvPr>
+        </p:nvSpPr>
+        <p:spPr>
+          <a:xfrm>
+            <a:off x="1143000" y="685800"/>
+            <a:ext cx="4572000" cy="3429000"/>
+          </a:xfrm>
+          <a:prstGeom prst="rect">
+            <a:avLst/>
+          </a:prstGeom>
+          <a:noFill/>
+          <a:ln w="12700">
+            <a:solidFill>
+              <a:prstClr val="black"/>
+            </a:solidFill>
+          </a:ln>
+        </p:spPr>
+        <p:txBody>
+          <a:bodyPr vert="horz" lIns="91440" tIns="45720" rIns="91440" bIns="45720" rtlCol="0" anchor="ctr"/>
+          <a:lstStyle/>
+          <a:p>
+            <a:endParaRPr lang="zh-TW" altLang="en-US"/>
+          </a:p>
+        </p:txBody>
+      </p:sp>
+      <p:sp>
+        <p:nvSpPr>
+          <p:cNvPr id="5" name="備忘稿版面配置區 4"/>
+          <p:cNvSpPr>
+            <a:spLocks noGrp="1"/>
+          </p:cNvSpPr>
+          <p:nvPr>
+            <p:ph type="body" sz="quarter" idx="3"/>
+          </p:nvPr>
+        </p:nvSpPr>
+        <p:spPr>
+          <a:xfrm>
+            <a:off x="685800" y="4343400"/>
+            <a:ext cx="5486400" cy="4114800"/>
+          </a:xfrm>
+          <a:prstGeom prst="rect">
+            <a:avLst/>
+          </a:prstGeom>
+        </p:spPr>
+        <p:txBody>
+          <a:bodyPr vert="horz" lIns="91440" tIns="45720" rIns="91440" bIns="45720" rtlCol="0"/>
+          <a:lstStyle/>
+          <a:p>
+            <a:pPr lvl="0"/>
+            <a:r>
+              <a:rPr lang="zh-TW" altLang="en-US" smtClean="0"/>
+              <a:t>按一下以編輯母片文字樣式</a:t>
+            </a:r>
+          </a:p>
+          <a:p>
+            <a:pPr lvl="1"/>
+            <a:r>
+              <a:rPr lang="zh-TW" altLang="en-US" smtClean="0"/>
+              <a:t>第二層</a:t>
+            </a:r>
+          </a:p>
+          <a:p>
+            <a:pPr lvl="2"/>
+            <a:r>
+              <a:rPr lang="zh-TW" altLang="en-US" smtClean="0"/>
+              <a:t>第三層</a:t>
+            </a:r>
+          </a:p>
+          <a:p>
+            <a:pPr lvl="3"/>
+            <a:r>
+              <a:rPr lang="zh-TW" altLang="en-US" smtClean="0"/>
+              <a:t>第四層</a:t>
+            </a:r>
+          </a:p>
+          <a:p>
+            <a:pPr lvl="4"/>
+            <a:r>
+              <a:rPr lang="zh-TW" altLang="en-US" smtClean="0"/>
+              <a:t>第五層</a:t>
+            </a:r>
+            <a:endParaRPr lang="zh-TW" altLang="en-US"/>
+          </a:p>
+        </p:txBody>
+      </p:sp>
+      <p:sp>
+        <p:nvSpPr>
+          <p:cNvPr id="6" name="頁尾版面配置區 5"/>
+          <p:cNvSpPr>
+            <a:spLocks noGrp="1"/>
+          </p:cNvSpPr>
+          <p:nvPr>
+            <p:ph type="ftr" sz="quarter" idx="4"/>
+          </p:nvPr>
+        </p:nvSpPr>
+        <p:spPr>
+          <a:xfrm>
+            <a:off x="0" y="8685213"/>
+            <a:ext cx="2971800" cy="457200"/>
+          </a:xfrm>
+          <a:prstGeom prst="rect">
+            <a:avLst/>
+          </a:prstGeom>
+        </p:spPr>
+        <p:txBody>
+          <a:bodyPr vert="horz" lIns="91440" tIns="45720" rIns="91440" bIns="45720" rtlCol="0" anchor="b"/>
+          <a:lstStyle>
+            <a:lvl1pPr algn="l">
+              <a:defRPr sz="1200"/>
+            </a:lvl1pPr>
+          </a:lstStyle>
+          <a:p>
+            <a:endParaRPr lang="zh-TW" altLang="en-US"/>
+          </a:p>
+        </p:txBody>
+      </p:sp>
+      <p:sp>
+        <p:nvSpPr>
+          <p:cNvPr id="7" name="投影片編號版面配置區 6"/>
+          <p:cNvSpPr>
+            <a:spLocks noGrp="1"/>
+          </p:cNvSpPr>
+          <p:nvPr>
+            <p:ph type="sldNum" sz="quarter" idx="5"/>
+          </p:nvPr>
+        </p:nvSpPr>
+        <p:spPr>
+          <a:xfrm>
+            <a:off x="3884613" y="8685213"/>
+            <a:ext cx="2971800" cy="457200"/>
+          </a:xfrm>
+          <a:prstGeom prst="rect">
+            <a:avLst/>
+          </a:prstGeom>
+        </p:spPr>
+        <p:txBody>
+          <a:bodyPr vert="horz" lIns="91440" tIns="45720" rIns="91440" bIns="45720" rtlCol="0" anchor="b"/>
+          <a:lstStyle>
+            <a:lvl1pPr algn="r">
+              <a:defRPr sz="1200"/>
+            </a:lvl1pPr>
+          </a:lstStyle>
+          <a:p>
+            <a:fld id="{72C27BF0-4327-4DD6-91A8-FBE0C552A2E6}" type="slidenum">
+              <a:rPr lang="zh-TW" altLang="en-US" smtClean="0"/>
+              <a:t>‹#›</a:t>
+            </a:fld>
+            <a:endParaRPr lang="zh-TW" altLang="en-US"/>
+          </a:p>
+        </p:txBody>
+      </p:sp>
+    </p:spTree>
+    <p:extLst>
+      <p:ext uri="{BB962C8B-B14F-4D97-AF65-F5344CB8AC3E}">
+        <p14:creationId xmlns:p14="http://schemas.microsoft.com/office/powerpoint/2010/main" val="3626597357"/>
+      </p:ext>
+    </p:extLst>
+  </p:cSld>
+  <p:clrMap bg1="lt1" tx1="dk1" bg2="lt2" tx2="dk2" accent1="accent1" accent2="accent2" accent3="accent3" accent4="accent4" accent5="accent5" accent6="accent6" hlink="hlink" folHlink="folHlink"/>
+  <p:notesStyle>
+    <a:lvl1pPr marL="0" algn="l" defTabSz="914400" rtl="0" eaLnBrk="1" latinLnBrk="0" hangingPunct="1">
+      <a:defRPr sz="1200" kern="1200">
+        <a:solidFill>
+          <a:schemeClr val="tx1"/>
+        </a:solidFill>
+        <a:latin typeface="+mn-lt"/>
+        <a:ea typeface="+mn-ea"/>
+        <a:cs typeface="+mn-cs"/>
+      </a:defRPr>
+    </a:lvl1pPr>
+    <a:lvl2pPr marL="457200" algn="l" defTabSz="914400" rtl="0" eaLnBrk="1" latinLnBrk="0" hangingPunct="1">
+      <a:defRPr sz="1200" kern="1200">
+        <a:solidFill>
+          <a:schemeClr val="tx1"/>
+        </a:solidFill>
+        <a:latin typeface="+mn-lt"/>
+        <a:ea typeface="+mn-ea"/>
+        <a:cs typeface="+mn-cs"/>
+      </a:defRPr>
+    </a:lvl2pPr>
+    <a:lvl3pPr marL="914400" algn="l" defTabSz="914400" rtl="0" eaLnBrk="1" latinLnBrk="0" hangingPunct="1">
+      <a:defRPr sz="1200" kern="1200">
+        <a:solidFill>
+          <a:schemeClr val="tx1"/>
+        </a:solidFill>
+        <a:latin typeface="+mn-lt"/>
+        <a:ea typeface="+mn-ea"/>
+        <a:cs typeface="+mn-cs"/>
+      </a:defRPr>
+    </a:lvl3pPr>
+    <a:lvl4pPr marL="1371600" algn="l" defTabSz="914400" rtl="0" eaLnBrk="1" latinLnBrk="0" hangingPunct="1">
+      <a:defRPr sz="1200" kern="1200">
+        <a:solidFill>
+          <a:schemeClr val="tx1"/>
+        </a:solidFill>
+        <a:latin typeface="+mn-lt"/>
+        <a:ea typeface="+mn-ea"/>
+        <a:cs typeface="+mn-cs"/>
+      </a:defRPr>
+    </a:lvl4pPr>
+    <a:lvl5pPr marL="1828800" algn="l" defTabSz="914400" rtl="0" eaLnBrk="1" latinLnBrk="0" hangingPunct="1">
+      <a:defRPr sz="1200" kern="1200">
+        <a:solidFill>
+          <a:schemeClr val="tx1"/>
+        </a:solidFill>
+        <a:latin typeface="+mn-lt"/>
+        <a:ea typeface="+mn-ea"/>
+        <a:cs typeface="+mn-cs"/>
+      </a:defRPr>
+    </a:lvl5pPr>
+    <a:lvl6pPr marL="2286000" algn="l" defTabSz="914400" rtl="0" eaLnBrk="1" latinLnBrk="0" hangingPunct="1">
+      <a:defRPr sz="1200" kern="1200">
+        <a:solidFill>
+          <a:schemeClr val="tx1"/>
+        </a:solidFill>
+        <a:latin typeface="+mn-lt"/>
+        <a:ea typeface="+mn-ea"/>
+        <a:cs typeface="+mn-cs"/>
+      </a:defRPr>
+    </a:lvl6pPr>
+    <a:lvl7pPr marL="2743200" algn="l" defTabSz="914400" rtl="0" eaLnBrk="1" latinLnBrk="0" hangingPunct="1">
+      <a:defRPr sz="1200" kern="1200">
+        <a:solidFill>
+          <a:schemeClr val="tx1"/>
+        </a:solidFill>
+        <a:latin typeface="+mn-lt"/>
+        <a:ea typeface="+mn-ea"/>
+        <a:cs typeface="+mn-cs"/>
+      </a:defRPr>
+    </a:lvl7pPr>
+    <a:lvl8pPr marL="3200400" algn="l" defTabSz="914400" rtl="0" eaLnBrk="1" latinLnBrk="0" hangingPunct="1">
+      <a:defRPr sz="1200" kern="1200">
+        <a:solidFill>
+          <a:schemeClr val="tx1"/>
+        </a:solidFill>
+        <a:latin typeface="+mn-lt"/>
+        <a:ea typeface="+mn-ea"/>
+        <a:cs typeface="+mn-cs"/>
+      </a:defRPr>
+    </a:lvl8pPr>
+    <a:lvl9pPr marL="3657600" algn="l" defTabSz="914400" rtl="0" eaLnBrk="1" latinLnBrk="0" hangingPunct="1">
+      <a:defRPr sz="1200" kern="1200">
+        <a:solidFill>
+          <a:schemeClr val="tx1"/>
+        </a:solidFill>
+        <a:latin typeface="+mn-lt"/>
+        <a:ea typeface="+mn-ea"/>
+        <a:cs typeface="+mn-cs"/>
+      </a:defRPr>
+    </a:lvl9pPr>
+  </p:notesStyle>
+</p:notesMaster>
+</file>
+
 <file path=ppt/slideLayouts/slideLayout1.xml><?xml version="1.0" encoding="utf-8"?>
 <p:sldLayout xmlns:a="http://schemas.openxmlformats.org/drawingml/2006/main" xmlns:r="http://schemas.openxmlformats.org/officeDocument/2006/relationships" xmlns:p="http://schemas.openxmlformats.org/presentationml/2006/main" type="title" preserve="1">
   <p:cSld name="標題投影片">
@@ -306,11 +659,11 @@
           <a:bodyPr/>
           <a:lstStyle/>
           <a:p>
-            <a:fld id="{1D0F5498-48D7-4024-8382-4412B9BDA0BF}" type="datetimeFigureOut">
+            <a:fld id="{62375EB7-F849-4ED7-8995-17C54956643A}" type="datetime1">
               <a:rPr lang="zh-TW" altLang="en-US" smtClean="0"/>
               <a:t>2017/6/30</a:t>
             </a:fld>
-            <a:endParaRPr lang="zh-TW" altLang="en-US"/>
+            <a:endParaRPr lang="zh-TW" altLang="en-US" dirty="0"/>
           </a:p>
         </p:txBody>
       </p:sp>
@@ -324,7 +677,12 @@
             <p:ph type="sldNum" sz="quarter" idx="11"/>
           </p:nvPr>
         </p:nvSpPr>
-        <p:spPr/>
+        <p:spPr>
+          <a:xfrm>
+            <a:off x="251520" y="6364560"/>
+            <a:ext cx="2133600" cy="304800"/>
+          </a:xfrm>
+        </p:spPr>
         <p:txBody>
           <a:bodyPr/>
           <a:lstStyle/>
@@ -476,7 +834,7 @@
           <a:bodyPr/>
           <a:lstStyle/>
           <a:p>
-            <a:fld id="{1D0F5498-48D7-4024-8382-4412B9BDA0BF}" type="datetimeFigureOut">
+            <a:fld id="{88554FC7-D1B7-4B50-967E-2CD84D539A78}" type="datetime1">
               <a:rPr lang="zh-TW" altLang="en-US" smtClean="0"/>
               <a:t>2017/6/30</a:t>
             </a:fld>
@@ -651,7 +1009,7 @@
           <a:bodyPr/>
           <a:lstStyle/>
           <a:p>
-            <a:fld id="{1D0F5498-48D7-4024-8382-4412B9BDA0BF}" type="datetimeFigureOut">
+            <a:fld id="{5C15730F-09FF-49E0-90B0-EE7605BD2D12}" type="datetime1">
               <a:rPr lang="zh-TW" altLang="en-US" smtClean="0"/>
               <a:t>2017/6/30</a:t>
             </a:fld>
@@ -816,7 +1174,7 @@
           <a:bodyPr/>
           <a:lstStyle/>
           <a:p>
-            <a:fld id="{1D0F5498-48D7-4024-8382-4412B9BDA0BF}" type="datetimeFigureOut">
+            <a:fld id="{CE40E13B-3AF4-4149-8225-08191EBA492E}" type="datetime1">
               <a:rPr lang="zh-TW" altLang="en-US" smtClean="0"/>
               <a:t>2017/6/30</a:t>
             </a:fld>
@@ -1073,7 +1431,7 @@
           <a:bodyPr/>
           <a:lstStyle/>
           <a:p>
-            <a:fld id="{1D0F5498-48D7-4024-8382-4412B9BDA0BF}" type="datetimeFigureOut">
+            <a:fld id="{FBCCADBE-5C96-4992-899E-21C6761812B1}" type="datetime1">
               <a:rPr lang="zh-TW" altLang="en-US" smtClean="0"/>
               <a:t>2017/6/30</a:t>
             </a:fld>
@@ -1213,7 +1571,7 @@
           <a:bodyPr/>
           <a:lstStyle/>
           <a:p>
-            <a:fld id="{1D0F5498-48D7-4024-8382-4412B9BDA0BF}" type="datetimeFigureOut">
+            <a:fld id="{A58F1FC5-3127-416A-A85E-B115F8DADC64}" type="datetime1">
               <a:rPr lang="zh-TW" altLang="en-US" smtClean="0"/>
               <a:t>2017/6/30</a:t>
             </a:fld>
@@ -1863,7 +2221,7 @@
           <a:bodyPr/>
           <a:lstStyle/>
           <a:p>
-            <a:fld id="{1D0F5498-48D7-4024-8382-4412B9BDA0BF}" type="datetimeFigureOut">
+            <a:fld id="{A5AFD62B-8666-4EF6-8B97-D2B25CF4DA65}" type="datetime1">
               <a:rPr lang="zh-TW" altLang="en-US" smtClean="0"/>
               <a:t>2017/6/30</a:t>
             </a:fld>
@@ -1976,7 +2334,7 @@
           <a:bodyPr/>
           <a:lstStyle/>
           <a:p>
-            <a:fld id="{1D0F5498-48D7-4024-8382-4412B9BDA0BF}" type="datetimeFigureOut">
+            <a:fld id="{AEA15E4C-9489-46C5-B4A2-2E7B05F0EF05}" type="datetime1">
               <a:rPr lang="zh-TW" altLang="en-US" smtClean="0"/>
               <a:t>2017/6/30</a:t>
             </a:fld>
@@ -2066,7 +2424,7 @@
           <a:bodyPr/>
           <a:lstStyle/>
           <a:p>
-            <a:fld id="{1D0F5498-48D7-4024-8382-4412B9BDA0BF}" type="datetimeFigureOut">
+            <a:fld id="{58FAD2A1-118B-4CBF-B3E7-0F2A7D867D33}" type="datetime1">
               <a:rPr lang="zh-TW" altLang="en-US" smtClean="0"/>
               <a:t>2017/6/30</a:t>
             </a:fld>
@@ -2356,7 +2714,7 @@
           <a:bodyPr/>
           <a:lstStyle/>
           <a:p>
-            <a:fld id="{1D0F5498-48D7-4024-8382-4412B9BDA0BF}" type="datetimeFigureOut">
+            <a:fld id="{3CD5A74B-EB00-4533-AB1F-D802885A13B8}" type="datetime1">
               <a:rPr lang="zh-TW" altLang="en-US" smtClean="0"/>
               <a:t>2017/6/30</a:t>
             </a:fld>
@@ -2679,7 +3037,7 @@
           <a:bodyPr/>
           <a:lstStyle/>
           <a:p>
-            <a:fld id="{1D0F5498-48D7-4024-8382-4412B9BDA0BF}" type="datetimeFigureOut">
+            <a:fld id="{0B090541-36A3-459B-A1C4-C5E4082789B0}" type="datetime1">
               <a:rPr lang="zh-TW" altLang="en-US" smtClean="0"/>
               <a:t>2017/6/30</a:t>
             </a:fld>
@@ -3136,7 +3494,7 @@
             </a:lvl1pPr>
           </a:lstStyle>
           <a:p>
-            <a:fld id="{1D0F5498-48D7-4024-8382-4412B9BDA0BF}" type="datetimeFigureOut">
+            <a:fld id="{38919335-A7C0-4D9E-B423-0B4038F1A46C}" type="datetime1">
               <a:rPr lang="zh-TW" altLang="en-US" smtClean="0"/>
               <a:t>2017/6/30</a:t>
             </a:fld>
@@ -3240,6 +3598,7 @@
     <p:sldLayoutId id="2147483754" r:id="rId10"/>
     <p:sldLayoutId id="2147483755" r:id="rId11"/>
   </p:sldLayoutIdLst>
+  <p:hf hdr="0" ftr="0" dt="0"/>
   <p:txStyles>
     <p:titleStyle>
       <a:lvl1pPr algn="l" defTabSz="914400" rtl="0" eaLnBrk="1" latinLnBrk="0" hangingPunct="1">
@@ -3660,8 +4019,8 @@
         </p:nvSpPr>
         <p:spPr>
           <a:xfrm>
-            <a:off x="777240" y="1219200"/>
-            <a:ext cx="7543800" cy="2209800"/>
+            <a:off x="777240" y="2060848"/>
+            <a:ext cx="7543800" cy="1152128"/>
           </a:xfrm>
         </p:spPr>
         <p:txBody>
@@ -3671,7 +4030,11 @@
             <a:pPr algn="ctr"/>
             <a:r>
               <a:rPr lang="zh-TW" altLang="en-US" b="1" dirty="0" smtClean="0"/>
-              <a:t>愛心便當收銀系統</a:t>
+              <a:t>愛心</a:t>
+            </a:r>
+            <a:r>
+              <a:rPr lang="zh-TW" altLang="en-US" b="1" dirty="0" smtClean="0"/>
+              <a:t>便當收銀系統</a:t>
             </a:r>
             <a:endParaRPr lang="zh-TW" altLang="en-US" b="1" dirty="0"/>
           </a:p>
@@ -3687,7 +4050,7 @@
         </p:nvSpPr>
         <p:spPr>
           <a:xfrm>
-            <a:off x="929640" y="3501008"/>
+            <a:off x="929640" y="3284984"/>
             <a:ext cx="7543800" cy="720080"/>
           </a:xfrm>
           <a:prstGeom prst="rect">
@@ -3781,20 +4144,53 @@
             <a:pPr algn="ctr"/>
             <a:r>
               <a:rPr lang="zh-TW" altLang="en-US" sz="4000" b="1" dirty="0" smtClean="0"/>
-              <a:t>－ </a:t>
-            </a:r>
-            <a:r>
-              <a:rPr lang="zh-TW" altLang="en-US" sz="4000" b="1" dirty="0" smtClean="0"/>
-              <a:t>後</a:t>
-            </a:r>
-            <a:r>
-              <a:rPr lang="zh-TW" altLang="en-US" sz="4000" b="1" dirty="0" smtClean="0"/>
-              <a:t>台展示</a:t>
+              <a:t>－ 後台展示</a:t>
             </a:r>
             <a:endParaRPr lang="zh-TW" altLang="en-US" sz="4000" b="1" dirty="0"/>
           </a:p>
         </p:txBody>
       </p:sp>
+      <p:pic>
+        <p:nvPicPr>
+          <p:cNvPr id="2050" name="Picture 2" descr="E:\Project\Case\2017-iShare計畫\iShareLoveMeal\html\store\img\logo1.png"/>
+          <p:cNvPicPr>
+            <a:picLocks noChangeAspect="1" noChangeArrowheads="1"/>
+          </p:cNvPicPr>
+          <p:nvPr/>
+        </p:nvPicPr>
+        <p:blipFill>
+          <a:blip r:embed="rId2">
+            <a:extLst>
+              <a:ext uri="{28A0092B-C50C-407E-A947-70E740481C1C}">
+                <a14:useLocalDpi xmlns:a14="http://schemas.microsoft.com/office/drawing/2010/main" val="0"/>
+              </a:ext>
+            </a:extLst>
+          </a:blip>
+          <a:srcRect/>
+          <a:stretch>
+            <a:fillRect/>
+          </a:stretch>
+        </p:blipFill>
+        <p:spPr bwMode="auto">
+          <a:xfrm>
+            <a:off x="4139952" y="4509120"/>
+            <a:ext cx="933450" cy="914400"/>
+          </a:xfrm>
+          <a:prstGeom prst="rect">
+            <a:avLst/>
+          </a:prstGeom>
+          <a:noFill/>
+          <a:extLst>
+            <a:ext uri="{909E8E84-426E-40DD-AFC4-6F175D3DCCD1}">
+              <a14:hiddenFill xmlns:a14="http://schemas.microsoft.com/office/drawing/2010/main">
+                <a:solidFill>
+                  <a:srgbClr val="FFFFFF"/>
+                </a:solidFill>
+              </a14:hiddenFill>
+            </a:ext>
+          </a:extLst>
+        </p:spPr>
+      </p:pic>
     </p:spTree>
     <p:extLst>
       <p:ext uri="{BB962C8B-B14F-4D97-AF65-F5344CB8AC3E}">
@@ -3976,8 +4372,8 @@
         </p:blipFill>
         <p:spPr bwMode="auto">
           <a:xfrm>
-            <a:off x="251519" y="2132856"/>
-            <a:ext cx="8598371" cy="3734016"/>
+            <a:off x="707664" y="2780928"/>
+            <a:ext cx="7776865" cy="3377260"/>
           </a:xfrm>
           <a:prstGeom prst="rect">
             <a:avLst/>
@@ -4017,6 +4413,75 @@
           </a:extLst>
         </p:spPr>
       </p:pic>
+      <p:sp>
+        <p:nvSpPr>
+          <p:cNvPr id="5" name="文字方塊 4"/>
+          <p:cNvSpPr txBox="1"/>
+          <p:nvPr/>
+        </p:nvSpPr>
+        <p:spPr>
+          <a:xfrm>
+            <a:off x="1043608" y="1926487"/>
+            <a:ext cx="6696744" cy="430887"/>
+          </a:xfrm>
+          <a:prstGeom prst="rect">
+            <a:avLst/>
+          </a:prstGeom>
+          <a:noFill/>
+        </p:spPr>
+        <p:txBody>
+          <a:bodyPr wrap="square" rtlCol="0">
+            <a:spAutoFit/>
+          </a:bodyPr>
+          <a:lstStyle/>
+          <a:p>
+            <a:pPr marL="342900" indent="-342900">
+              <a:buFont typeface="Arial" pitchFamily="34" charset="0"/>
+              <a:buChar char="•"/>
+            </a:pPr>
+            <a:r>
+              <a:rPr lang="zh-TW" altLang="en-US" sz="2200" dirty="0"/>
+              <a:t>此</a:t>
+            </a:r>
+            <a:r>
+              <a:rPr lang="zh-TW" altLang="en-US" sz="2200" dirty="0" smtClean="0"/>
+              <a:t>功能</a:t>
+            </a:r>
+            <a:r>
+              <a:rPr lang="zh-TW" altLang="en-US" sz="2200" dirty="0"/>
+              <a:t>為</a:t>
+            </a:r>
+            <a:r>
+              <a:rPr lang="zh-TW" altLang="en-US" sz="2200" dirty="0" smtClean="0"/>
+              <a:t>每筆便當兌換紀錄</a:t>
+            </a:r>
+            <a:endParaRPr lang="en-US" altLang="zh-TW" sz="2200" dirty="0" smtClean="0"/>
+          </a:p>
+        </p:txBody>
+      </p:sp>
+      <p:sp>
+        <p:nvSpPr>
+          <p:cNvPr id="2" name="投影片編號版面配置區 1"/>
+          <p:cNvSpPr>
+            <a:spLocks noGrp="1"/>
+          </p:cNvSpPr>
+          <p:nvPr>
+            <p:ph type="sldNum" sz="quarter" idx="11"/>
+          </p:nvPr>
+        </p:nvSpPr>
+        <p:spPr/>
+        <p:txBody>
+          <a:bodyPr/>
+          <a:lstStyle/>
+          <a:p>
+            <a:fld id="{2F1FFCCD-F281-4AA3-8926-41B83FC06AAE}" type="slidenum">
+              <a:rPr lang="zh-TW" altLang="en-US" smtClean="0"/>
+              <a:t>10</a:t>
+            </a:fld>
+            <a:endParaRPr lang="zh-TW" altLang="en-US"/>
+          </a:p>
+        </p:txBody>
+      </p:sp>
     </p:spTree>
     <p:extLst>
       <p:ext uri="{BB962C8B-B14F-4D97-AF65-F5344CB8AC3E}">
@@ -4198,8 +4663,8 @@
         </p:blipFill>
         <p:spPr bwMode="auto">
           <a:xfrm>
-            <a:off x="209325" y="2276872"/>
-            <a:ext cx="8758833" cy="3826520"/>
+            <a:off x="827584" y="3122136"/>
+            <a:ext cx="7474213" cy="3265301"/>
           </a:xfrm>
           <a:prstGeom prst="rect">
             <a:avLst/>
@@ -4239,6 +4704,78 @@
           </a:extLst>
         </p:spPr>
       </p:pic>
+      <p:sp>
+        <p:nvSpPr>
+          <p:cNvPr id="5" name="文字方塊 4"/>
+          <p:cNvSpPr txBox="1"/>
+          <p:nvPr/>
+        </p:nvSpPr>
+        <p:spPr>
+          <a:xfrm>
+            <a:off x="1043608" y="1926487"/>
+            <a:ext cx="6696744" cy="769441"/>
+          </a:xfrm>
+          <a:prstGeom prst="rect">
+            <a:avLst/>
+          </a:prstGeom>
+          <a:noFill/>
+        </p:spPr>
+        <p:txBody>
+          <a:bodyPr wrap="square" rtlCol="0">
+            <a:spAutoFit/>
+          </a:bodyPr>
+          <a:lstStyle/>
+          <a:p>
+            <a:pPr marL="342900" indent="-342900">
+              <a:buFont typeface="Arial" pitchFamily="34" charset="0"/>
+              <a:buChar char="•"/>
+            </a:pPr>
+            <a:r>
+              <a:rPr lang="zh-TW" altLang="en-US" sz="2200" dirty="0"/>
+              <a:t>系統</a:t>
+            </a:r>
+            <a:r>
+              <a:rPr lang="zh-TW" altLang="en-US" sz="2200" dirty="0" smtClean="0"/>
+              <a:t>帳號可設定各使用者功能</a:t>
+            </a:r>
+            <a:endParaRPr lang="en-US" altLang="zh-TW" sz="2200" dirty="0" smtClean="0"/>
+          </a:p>
+          <a:p>
+            <a:pPr marL="342900" indent="-342900">
+              <a:buFont typeface="Arial" pitchFamily="34" charset="0"/>
+              <a:buChar char="•"/>
+            </a:pPr>
+            <a:r>
+              <a:rPr lang="zh-TW" altLang="en-US" sz="2200" dirty="0" smtClean="0"/>
+              <a:t>點數儲存作業僅系統帳號可進行</a:t>
+            </a:r>
+            <a:endParaRPr lang="en-US" altLang="zh-TW" sz="2200" dirty="0" smtClean="0"/>
+          </a:p>
+        </p:txBody>
+      </p:sp>
+      <p:sp>
+        <p:nvSpPr>
+          <p:cNvPr id="2" name="投影片編號版面配置區 1"/>
+          <p:cNvSpPr>
+            <a:spLocks noGrp="1"/>
+          </p:cNvSpPr>
+          <p:nvPr>
+            <p:ph type="sldNum" sz="quarter" idx="11"/>
+          </p:nvPr>
+        </p:nvSpPr>
+        <p:spPr/>
+        <p:txBody>
+          <a:bodyPr/>
+          <a:lstStyle/>
+          <a:p>
+            <a:fld id="{2F1FFCCD-F281-4AA3-8926-41B83FC06AAE}" type="slidenum">
+              <a:rPr lang="zh-TW" altLang="en-US" smtClean="0"/>
+              <a:t>11</a:t>
+            </a:fld>
+            <a:endParaRPr lang="zh-TW" altLang="en-US"/>
+          </a:p>
+        </p:txBody>
+      </p:sp>
     </p:spTree>
     <p:extLst>
       <p:ext uri="{BB962C8B-B14F-4D97-AF65-F5344CB8AC3E}">
@@ -4420,7 +4957,7 @@
         </p:blipFill>
         <p:spPr bwMode="auto">
           <a:xfrm>
-            <a:off x="1600200" y="2302732"/>
+            <a:off x="1115616" y="3140968"/>
             <a:ext cx="5943600" cy="2219325"/>
           </a:xfrm>
           <a:prstGeom prst="rect">
@@ -4461,6 +4998,78 @@
           </a:extLst>
         </p:spPr>
       </p:pic>
+      <p:sp>
+        <p:nvSpPr>
+          <p:cNvPr id="5" name="文字方塊 4"/>
+          <p:cNvSpPr txBox="1"/>
+          <p:nvPr/>
+        </p:nvSpPr>
+        <p:spPr>
+          <a:xfrm>
+            <a:off x="1043608" y="1926487"/>
+            <a:ext cx="6696744" cy="769441"/>
+          </a:xfrm>
+          <a:prstGeom prst="rect">
+            <a:avLst/>
+          </a:prstGeom>
+          <a:noFill/>
+        </p:spPr>
+        <p:txBody>
+          <a:bodyPr wrap="square" rtlCol="0">
+            <a:spAutoFit/>
+          </a:bodyPr>
+          <a:lstStyle/>
+          <a:p>
+            <a:pPr marL="342900" indent="-342900">
+              <a:buFont typeface="Arial" pitchFamily="34" charset="0"/>
+              <a:buChar char="•"/>
+            </a:pPr>
+            <a:r>
+              <a:rPr lang="zh-TW" altLang="en-US" sz="2200" dirty="0" smtClean="0"/>
+              <a:t>所有店家便當兌換時間統一於此設定</a:t>
+            </a:r>
+            <a:endParaRPr lang="en-US" altLang="zh-TW" sz="2200" dirty="0" smtClean="0"/>
+          </a:p>
+          <a:p>
+            <a:pPr marL="342900" indent="-342900">
+              <a:buFont typeface="Arial" pitchFamily="34" charset="0"/>
+              <a:buChar char="•"/>
+            </a:pPr>
+            <a:r>
+              <a:rPr lang="zh-TW" altLang="en-US" sz="2200" dirty="0"/>
+              <a:t>每日</a:t>
+            </a:r>
+            <a:r>
+              <a:rPr lang="zh-TW" altLang="en-US" sz="2200" dirty="0" smtClean="0"/>
+              <a:t>兌換上限為兩次</a:t>
+            </a:r>
+            <a:endParaRPr lang="en-US" altLang="zh-TW" sz="2200" dirty="0" smtClean="0"/>
+          </a:p>
+        </p:txBody>
+      </p:sp>
+      <p:sp>
+        <p:nvSpPr>
+          <p:cNvPr id="2" name="投影片編號版面配置區 1"/>
+          <p:cNvSpPr>
+            <a:spLocks noGrp="1"/>
+          </p:cNvSpPr>
+          <p:nvPr>
+            <p:ph type="sldNum" sz="quarter" idx="11"/>
+          </p:nvPr>
+        </p:nvSpPr>
+        <p:spPr/>
+        <p:txBody>
+          <a:bodyPr/>
+          <a:lstStyle/>
+          <a:p>
+            <a:fld id="{2F1FFCCD-F281-4AA3-8926-41B83FC06AAE}" type="slidenum">
+              <a:rPr lang="zh-TW" altLang="en-US" smtClean="0"/>
+              <a:t>12</a:t>
+            </a:fld>
+            <a:endParaRPr lang="zh-TW" altLang="en-US"/>
+          </a:p>
+        </p:txBody>
+      </p:sp>
     </p:spTree>
     <p:extLst>
       <p:ext uri="{BB962C8B-B14F-4D97-AF65-F5344CB8AC3E}">
@@ -4642,8 +5251,8 @@
         </p:blipFill>
         <p:spPr bwMode="auto">
           <a:xfrm>
-            <a:off x="251520" y="2079096"/>
-            <a:ext cx="8655760" cy="3798176"/>
+            <a:off x="827584" y="2780928"/>
+            <a:ext cx="7272808" cy="3191332"/>
           </a:xfrm>
           <a:prstGeom prst="rect">
             <a:avLst/>
@@ -4683,6 +5292,67 @@
           </a:extLst>
         </p:spPr>
       </p:pic>
+      <p:sp>
+        <p:nvSpPr>
+          <p:cNvPr id="5" name="文字方塊 4"/>
+          <p:cNvSpPr txBox="1"/>
+          <p:nvPr/>
+        </p:nvSpPr>
+        <p:spPr>
+          <a:xfrm>
+            <a:off x="1043608" y="1926487"/>
+            <a:ext cx="6696744" cy="430887"/>
+          </a:xfrm>
+          <a:prstGeom prst="rect">
+            <a:avLst/>
+          </a:prstGeom>
+          <a:noFill/>
+        </p:spPr>
+        <p:txBody>
+          <a:bodyPr wrap="square" rtlCol="0">
+            <a:spAutoFit/>
+          </a:bodyPr>
+          <a:lstStyle/>
+          <a:p>
+            <a:pPr marL="342900" indent="-342900">
+              <a:buFont typeface="Arial" pitchFamily="34" charset="0"/>
+              <a:buChar char="•"/>
+            </a:pPr>
+            <a:r>
+              <a:rPr lang="zh-TW" altLang="en-US" sz="2200" dirty="0"/>
+              <a:t>只要使用者登入皆會被記錄</a:t>
+            </a:r>
+            <a:r>
+              <a:rPr lang="zh-TW" altLang="en-US" sz="2200" dirty="0" smtClean="0"/>
+              <a:t>下來</a:t>
+            </a:r>
+            <a:endParaRPr lang="en-US" altLang="zh-TW" sz="2200" dirty="0" smtClean="0"/>
+          </a:p>
+        </p:txBody>
+      </p:sp>
+      <p:sp>
+        <p:nvSpPr>
+          <p:cNvPr id="2" name="投影片編號版面配置區 1"/>
+          <p:cNvSpPr>
+            <a:spLocks noGrp="1"/>
+          </p:cNvSpPr>
+          <p:nvPr>
+            <p:ph type="sldNum" sz="quarter" idx="11"/>
+          </p:nvPr>
+        </p:nvSpPr>
+        <p:spPr/>
+        <p:txBody>
+          <a:bodyPr/>
+          <a:lstStyle/>
+          <a:p>
+            <a:fld id="{2F1FFCCD-F281-4AA3-8926-41B83FC06AAE}" type="slidenum">
+              <a:rPr lang="zh-TW" altLang="en-US" smtClean="0"/>
+              <a:t>13</a:t>
+            </a:fld>
+            <a:endParaRPr lang="zh-TW" altLang="en-US"/>
+          </a:p>
+        </p:txBody>
+      </p:sp>
     </p:spTree>
     <p:extLst>
       <p:ext uri="{BB962C8B-B14F-4D97-AF65-F5344CB8AC3E}">
@@ -5336,6 +6006,29 @@
           </a:fontRef>
         </p:style>
       </p:cxnSp>
+      <p:sp>
+        <p:nvSpPr>
+          <p:cNvPr id="3" name="投影片編號版面配置區 2"/>
+          <p:cNvSpPr>
+            <a:spLocks noGrp="1"/>
+          </p:cNvSpPr>
+          <p:nvPr>
+            <p:ph type="sldNum" sz="quarter" idx="11"/>
+          </p:nvPr>
+        </p:nvSpPr>
+        <p:spPr/>
+        <p:txBody>
+          <a:bodyPr/>
+          <a:lstStyle/>
+          <a:p>
+            <a:fld id="{2F1FFCCD-F281-4AA3-8926-41B83FC06AAE}" type="slidenum">
+              <a:rPr lang="zh-TW" altLang="en-US" smtClean="0"/>
+              <a:t>2</a:t>
+            </a:fld>
+            <a:endParaRPr lang="zh-TW" altLang="en-US" dirty="0"/>
+          </a:p>
+        </p:txBody>
+      </p:sp>
     </p:spTree>
     <p:extLst>
       <p:ext uri="{BB962C8B-B14F-4D97-AF65-F5344CB8AC3E}">
@@ -5480,11 +6173,7 @@
             </a:r>
             <a:r>
               <a:rPr lang="zh-TW" altLang="en-US" sz="4000" b="1" dirty="0" smtClean="0"/>
-              <a:t>幅展示</a:t>
-            </a:r>
-            <a:r>
-              <a:rPr lang="zh-TW" altLang="en-US" sz="4000" b="1" dirty="0" smtClean="0"/>
-              <a:t> </a:t>
+              <a:t>幅展示 </a:t>
             </a:r>
             <a:endParaRPr lang="zh-TW" altLang="en-US" sz="4000" b="1" dirty="0"/>
           </a:p>
@@ -5499,7 +6188,7 @@
           <p:nvPr/>
         </p:nvPicPr>
         <p:blipFill>
-          <a:blip r:embed="rId2">
+          <a:blip r:embed="rId2" cstate="print">
             <a:extLst>
               <a:ext uri="{28A0092B-C50C-407E-A947-70E740481C1C}">
                 <a14:useLocalDpi xmlns:a14="http://schemas.microsoft.com/office/drawing/2010/main" val="0"/>
@@ -5513,8 +6202,8 @@
         </p:blipFill>
         <p:spPr bwMode="auto">
           <a:xfrm>
-            <a:off x="395535" y="2204865"/>
-            <a:ext cx="8386187" cy="4137776"/>
+            <a:off x="1202241" y="2890817"/>
+            <a:ext cx="7402206" cy="3652276"/>
           </a:xfrm>
           <a:prstGeom prst="rect">
             <a:avLst/>
@@ -5554,6 +6243,87 @@
           </a:extLst>
         </p:spPr>
       </p:pic>
+      <p:sp>
+        <p:nvSpPr>
+          <p:cNvPr id="2" name="矩形 1"/>
+          <p:cNvSpPr/>
+          <p:nvPr/>
+        </p:nvSpPr>
+        <p:spPr>
+          <a:xfrm>
+            <a:off x="914210" y="1700808"/>
+            <a:ext cx="7690237" cy="923330"/>
+          </a:xfrm>
+          <a:prstGeom prst="rect">
+            <a:avLst/>
+          </a:prstGeom>
+        </p:spPr>
+        <p:txBody>
+          <a:bodyPr wrap="square">
+            <a:spAutoFit/>
+          </a:bodyPr>
+          <a:lstStyle/>
+          <a:p>
+            <a:pPr marL="342900" indent="-342900">
+              <a:buFont typeface="Arial" pitchFamily="34" charset="0"/>
+              <a:buChar char="•"/>
+            </a:pPr>
+            <a:r>
+              <a:rPr lang="zh-TW" altLang="en-US" dirty="0" smtClean="0"/>
+              <a:t>網站版型以左選單為輔右畫面為主</a:t>
+            </a:r>
+            <a:endParaRPr lang="en-US" altLang="zh-TW" dirty="0"/>
+          </a:p>
+          <a:p>
+            <a:pPr marL="342900" indent="-342900">
+              <a:buFont typeface="Arial" pitchFamily="34" charset="0"/>
+              <a:buChar char="•"/>
+            </a:pPr>
+            <a:r>
+              <a:rPr lang="zh-TW" altLang="en-US" dirty="0" smtClean="0"/>
+              <a:t>標題列左側為網站主標題可放置</a:t>
+            </a:r>
+            <a:r>
+              <a:rPr lang="en-US" altLang="zh-TW" dirty="0" smtClean="0"/>
+              <a:t>LOGO</a:t>
+            </a:r>
+          </a:p>
+          <a:p>
+            <a:pPr marL="342900" indent="-342900">
+              <a:buFont typeface="Arial" pitchFamily="34" charset="0"/>
+              <a:buChar char="•"/>
+            </a:pPr>
+            <a:r>
+              <a:rPr lang="zh-TW" altLang="en-US" dirty="0" smtClean="0"/>
+              <a:t>標題列右側為相關通知及登出功能</a:t>
+            </a:r>
+            <a:endParaRPr lang="en-US" altLang="zh-TW" dirty="0"/>
+          </a:p>
+        </p:txBody>
+      </p:sp>
+      <p:sp>
+        <p:nvSpPr>
+          <p:cNvPr id="3" name="投影片編號版面配置區 2"/>
+          <p:cNvSpPr>
+            <a:spLocks noGrp="1"/>
+          </p:cNvSpPr>
+          <p:nvPr>
+            <p:ph type="sldNum" sz="quarter" idx="11"/>
+          </p:nvPr>
+        </p:nvSpPr>
+        <p:spPr/>
+        <p:txBody>
+          <a:bodyPr/>
+          <a:lstStyle/>
+          <a:p>
+            <a:fld id="{2F1FFCCD-F281-4AA3-8926-41B83FC06AAE}" type="slidenum">
+              <a:rPr lang="zh-TW" altLang="en-US" smtClean="0"/>
+              <a:t>3</a:t>
+            </a:fld>
+            <a:endParaRPr lang="zh-TW" altLang="en-US"/>
+          </a:p>
+        </p:txBody>
+      </p:sp>
     </p:spTree>
     <p:extLst>
       <p:ext uri="{BB962C8B-B14F-4D97-AF65-F5344CB8AC3E}">
@@ -5708,9 +6478,77 @@
           </a:p>
         </p:txBody>
       </p:sp>
+      <p:sp>
+        <p:nvSpPr>
+          <p:cNvPr id="2" name="文字方塊 1"/>
+          <p:cNvSpPr txBox="1"/>
+          <p:nvPr/>
+        </p:nvSpPr>
+        <p:spPr>
+          <a:xfrm>
+            <a:off x="755576" y="2243753"/>
+            <a:ext cx="4248472" cy="1107996"/>
+          </a:xfrm>
+          <a:prstGeom prst="rect">
+            <a:avLst/>
+          </a:prstGeom>
+          <a:noFill/>
+        </p:spPr>
+        <p:txBody>
+          <a:bodyPr wrap="square" rtlCol="0">
+            <a:spAutoFit/>
+          </a:bodyPr>
+          <a:lstStyle/>
+          <a:p>
+            <a:pPr marL="342900" indent="-342900">
+              <a:buFont typeface="Arial" pitchFamily="34" charset="0"/>
+              <a:buChar char="•"/>
+            </a:pPr>
+            <a:r>
+              <a:rPr lang="zh-TW" altLang="en-US" sz="2200" dirty="0" smtClean="0"/>
+              <a:t>選單部分以直條形式呈現</a:t>
+            </a:r>
+            <a:endParaRPr lang="en-US" altLang="zh-TW" sz="2200" dirty="0" smtClean="0"/>
+          </a:p>
+          <a:p>
+            <a:pPr marL="342900" indent="-342900">
+              <a:buFont typeface="Arial" pitchFamily="34" charset="0"/>
+              <a:buChar char="•"/>
+            </a:pPr>
+            <a:r>
+              <a:rPr lang="zh-TW" altLang="en-US" sz="2200" dirty="0"/>
+              <a:t>子選單</a:t>
+            </a:r>
+            <a:r>
+              <a:rPr lang="zh-TW" altLang="en-US" sz="2200" dirty="0" smtClean="0"/>
+              <a:t>部分點選</a:t>
+            </a:r>
+            <a:r>
+              <a:rPr lang="zh-TW" altLang="en-US" sz="2200" dirty="0"/>
+              <a:t>後向下</a:t>
+            </a:r>
+            <a:r>
+              <a:rPr lang="zh-TW" altLang="en-US" sz="2200" dirty="0" smtClean="0"/>
+              <a:t>展開</a:t>
+            </a:r>
+            <a:endParaRPr lang="en-US" altLang="zh-TW" sz="2200" dirty="0" smtClean="0"/>
+          </a:p>
+          <a:p>
+            <a:pPr marL="342900" indent="-342900">
+              <a:buFont typeface="Arial" pitchFamily="34" charset="0"/>
+              <a:buChar char="•"/>
+            </a:pPr>
+            <a:r>
+              <a:rPr lang="zh-TW" altLang="en-US" sz="2200" dirty="0" smtClean="0"/>
+              <a:t>選單底色以淺灰對應當前網頁</a:t>
+            </a:r>
+            <a:endParaRPr lang="en-US" altLang="zh-TW" sz="2200" dirty="0" smtClean="0"/>
+          </a:p>
+        </p:txBody>
+      </p:sp>
       <p:pic>
         <p:nvPicPr>
-          <p:cNvPr id="1029" name="Picture 5"/>
+          <p:cNvPr id="1026" name="Picture 2"/>
           <p:cNvPicPr>
             <a:picLocks noChangeAspect="1" noChangeArrowheads="1"/>
           </p:cNvPicPr>
@@ -5731,8 +6569,8 @@
         </p:blipFill>
         <p:spPr bwMode="auto">
           <a:xfrm>
-            <a:off x="4572000" y="1628800"/>
-            <a:ext cx="2851372" cy="4867379"/>
+            <a:off x="5364088" y="1018537"/>
+            <a:ext cx="2428875" cy="5343525"/>
           </a:xfrm>
           <a:prstGeom prst="rect">
             <a:avLst/>
@@ -5772,6 +6610,29 @@
           </a:extLst>
         </p:spPr>
       </p:pic>
+      <p:sp>
+        <p:nvSpPr>
+          <p:cNvPr id="3" name="投影片編號版面配置區 2"/>
+          <p:cNvSpPr>
+            <a:spLocks noGrp="1"/>
+          </p:cNvSpPr>
+          <p:nvPr>
+            <p:ph type="sldNum" sz="quarter" idx="11"/>
+          </p:nvPr>
+        </p:nvSpPr>
+        <p:spPr/>
+        <p:txBody>
+          <a:bodyPr/>
+          <a:lstStyle/>
+          <a:p>
+            <a:fld id="{2F1FFCCD-F281-4AA3-8926-41B83FC06AAE}" type="slidenum">
+              <a:rPr lang="zh-TW" altLang="en-US" smtClean="0"/>
+              <a:t>4</a:t>
+            </a:fld>
+            <a:endParaRPr lang="zh-TW" altLang="en-US"/>
+          </a:p>
+        </p:txBody>
+      </p:sp>
     </p:spTree>
     <p:extLst>
       <p:ext uri="{BB962C8B-B14F-4D97-AF65-F5344CB8AC3E}">
@@ -5949,8 +6810,8 @@
         </p:blipFill>
         <p:spPr bwMode="auto">
           <a:xfrm>
-            <a:off x="1763687" y="2204864"/>
-            <a:ext cx="5610525" cy="3701240"/>
+            <a:off x="1979712" y="3140968"/>
+            <a:ext cx="4752529" cy="3135224"/>
           </a:xfrm>
           <a:prstGeom prst="rect">
             <a:avLst/>
@@ -5990,6 +6851,90 @@
           </a:extLst>
         </p:spPr>
       </p:pic>
+      <p:sp>
+        <p:nvSpPr>
+          <p:cNvPr id="5" name="文字方塊 4"/>
+          <p:cNvSpPr txBox="1"/>
+          <p:nvPr/>
+        </p:nvSpPr>
+        <p:spPr>
+          <a:xfrm>
+            <a:off x="1043608" y="1926487"/>
+            <a:ext cx="6696744" cy="769441"/>
+          </a:xfrm>
+          <a:prstGeom prst="rect">
+            <a:avLst/>
+          </a:prstGeom>
+          <a:noFill/>
+        </p:spPr>
+        <p:txBody>
+          <a:bodyPr wrap="square" rtlCol="0">
+            <a:spAutoFit/>
+          </a:bodyPr>
+          <a:lstStyle/>
+          <a:p>
+            <a:pPr marL="342900" indent="-342900">
+              <a:buFont typeface="Arial" pitchFamily="34" charset="0"/>
+              <a:buChar char="•"/>
+            </a:pPr>
+            <a:r>
+              <a:rPr lang="zh-TW" altLang="en-US" sz="2200" dirty="0" smtClean="0"/>
+              <a:t>標題通知列展開後為條列式項目</a:t>
+            </a:r>
+            <a:endParaRPr lang="en-US" altLang="zh-TW" sz="2200" dirty="0" smtClean="0"/>
+          </a:p>
+          <a:p>
+            <a:pPr marL="342900" indent="-342900">
+              <a:buFont typeface="Arial" pitchFamily="34" charset="0"/>
+              <a:buChar char="•"/>
+            </a:pPr>
+            <a:r>
+              <a:rPr lang="zh-TW" altLang="en-US" sz="2200" dirty="0" smtClean="0"/>
+              <a:t>快速搜尋「</a:t>
+            </a:r>
+            <a:r>
+              <a:rPr lang="zh-TW" altLang="en-US" sz="2200" dirty="0"/>
+              <a:t>找學童</a:t>
+            </a:r>
+            <a:r>
+              <a:rPr lang="zh-TW" altLang="en-US" sz="2200" dirty="0" smtClean="0"/>
+              <a:t>」預設跳轉至「</a:t>
+            </a:r>
+            <a:r>
+              <a:rPr lang="zh-TW" altLang="en-US" sz="2200" dirty="0"/>
+              <a:t>學童管理</a:t>
+            </a:r>
+            <a:r>
+              <a:rPr lang="zh-TW" altLang="en-US" sz="2200" dirty="0" smtClean="0"/>
+              <a:t>」頁面</a:t>
+            </a:r>
+            <a:endParaRPr lang="en-US" altLang="zh-TW" sz="2200" dirty="0" smtClean="0"/>
+          </a:p>
+        </p:txBody>
+      </p:sp>
+      <p:sp>
+        <p:nvSpPr>
+          <p:cNvPr id="2" name="投影片編號版面配置區 1"/>
+          <p:cNvSpPr>
+            <a:spLocks noGrp="1"/>
+          </p:cNvSpPr>
+          <p:nvPr>
+            <p:ph type="sldNum" sz="quarter" idx="11"/>
+          </p:nvPr>
+        </p:nvSpPr>
+        <p:spPr/>
+        <p:txBody>
+          <a:bodyPr/>
+          <a:lstStyle/>
+          <a:p>
+            <a:fld id="{2F1FFCCD-F281-4AA3-8926-41B83FC06AAE}" type="slidenum">
+              <a:rPr lang="zh-TW" altLang="en-US" smtClean="0"/>
+              <a:t>5</a:t>
+            </a:fld>
+            <a:endParaRPr lang="zh-TW" altLang="en-US"/>
+          </a:p>
+        </p:txBody>
+      </p:sp>
     </p:spTree>
     <p:extLst>
       <p:ext uri="{BB962C8B-B14F-4D97-AF65-F5344CB8AC3E}">
@@ -6165,8 +7110,8 @@
         </p:blipFill>
         <p:spPr bwMode="auto">
           <a:xfrm>
-            <a:off x="410163" y="2128837"/>
-            <a:ext cx="8271181" cy="4360969"/>
+            <a:off x="1305484" y="2924944"/>
+            <a:ext cx="6761254" cy="3564862"/>
           </a:xfrm>
           <a:prstGeom prst="rect">
             <a:avLst/>
@@ -6206,6 +7151,74 @@
           </a:extLst>
         </p:spPr>
       </p:pic>
+      <p:sp>
+        <p:nvSpPr>
+          <p:cNvPr id="5" name="文字方塊 4"/>
+          <p:cNvSpPr txBox="1"/>
+          <p:nvPr/>
+        </p:nvSpPr>
+        <p:spPr>
+          <a:xfrm>
+            <a:off x="1043608" y="1926487"/>
+            <a:ext cx="6696744" cy="769441"/>
+          </a:xfrm>
+          <a:prstGeom prst="rect">
+            <a:avLst/>
+          </a:prstGeom>
+          <a:noFill/>
+        </p:spPr>
+        <p:txBody>
+          <a:bodyPr wrap="square" rtlCol="0">
+            <a:spAutoFit/>
+          </a:bodyPr>
+          <a:lstStyle/>
+          <a:p>
+            <a:pPr marL="342900" indent="-342900">
+              <a:buFont typeface="Arial" pitchFamily="34" charset="0"/>
+              <a:buChar char="•"/>
+            </a:pPr>
+            <a:r>
+              <a:rPr lang="zh-TW" altLang="en-US" sz="2200" dirty="0" smtClean="0"/>
+              <a:t>資訊刊版提供四個卡片通知</a:t>
+            </a:r>
+            <a:endParaRPr lang="en-US" altLang="zh-TW" sz="2200" dirty="0" smtClean="0"/>
+          </a:p>
+          <a:p>
+            <a:pPr marL="342900" indent="-342900">
+              <a:buFont typeface="Arial" pitchFamily="34" charset="0"/>
+              <a:buChar char="•"/>
+            </a:pPr>
+            <a:r>
+              <a:rPr lang="zh-TW" altLang="en-US" sz="2200" dirty="0" smtClean="0"/>
+              <a:t>下方為每日兌換紀錄曲線圖</a:t>
+            </a:r>
+            <a:endParaRPr lang="en-US" altLang="zh-TW" sz="2200" dirty="0" smtClean="0"/>
+          </a:p>
+        </p:txBody>
+      </p:sp>
+      <p:sp>
+        <p:nvSpPr>
+          <p:cNvPr id="2" name="投影片編號版面配置區 1"/>
+          <p:cNvSpPr>
+            <a:spLocks noGrp="1"/>
+          </p:cNvSpPr>
+          <p:nvPr>
+            <p:ph type="sldNum" sz="quarter" idx="11"/>
+          </p:nvPr>
+        </p:nvSpPr>
+        <p:spPr/>
+        <p:txBody>
+          <a:bodyPr/>
+          <a:lstStyle/>
+          <a:p>
+            <a:fld id="{2F1FFCCD-F281-4AA3-8926-41B83FC06AAE}" type="slidenum">
+              <a:rPr lang="zh-TW" altLang="en-US" smtClean="0"/>
+              <a:t>6</a:t>
+            </a:fld>
+            <a:endParaRPr lang="zh-TW" altLang="en-US"/>
+          </a:p>
+        </p:txBody>
+      </p:sp>
     </p:spTree>
     <p:extLst>
       <p:ext uri="{BB962C8B-B14F-4D97-AF65-F5344CB8AC3E}">
@@ -6381,8 +7394,8 @@
         </p:blipFill>
         <p:spPr bwMode="auto">
           <a:xfrm>
-            <a:off x="413628" y="1988840"/>
-            <a:ext cx="8364577" cy="3799746"/>
+            <a:off x="1133547" y="2924944"/>
+            <a:ext cx="7342395" cy="3335404"/>
           </a:xfrm>
           <a:prstGeom prst="rect">
             <a:avLst/>
@@ -6422,6 +7435,78 @@
           </a:extLst>
         </p:spPr>
       </p:pic>
+      <p:sp>
+        <p:nvSpPr>
+          <p:cNvPr id="5" name="文字方塊 4"/>
+          <p:cNvSpPr txBox="1"/>
+          <p:nvPr/>
+        </p:nvSpPr>
+        <p:spPr>
+          <a:xfrm>
+            <a:off x="1043608" y="1926487"/>
+            <a:ext cx="6696744" cy="769441"/>
+          </a:xfrm>
+          <a:prstGeom prst="rect">
+            <a:avLst/>
+          </a:prstGeom>
+          <a:noFill/>
+        </p:spPr>
+        <p:txBody>
+          <a:bodyPr wrap="square" rtlCol="0">
+            <a:spAutoFit/>
+          </a:bodyPr>
+          <a:lstStyle/>
+          <a:p>
+            <a:pPr marL="342900" indent="-342900">
+              <a:buFont typeface="Arial" pitchFamily="34" charset="0"/>
+              <a:buChar char="•"/>
+            </a:pPr>
+            <a:r>
+              <a:rPr lang="zh-TW" altLang="en-US" sz="2200" dirty="0" smtClean="0"/>
+              <a:t>學童基本資料管理</a:t>
+            </a:r>
+            <a:endParaRPr lang="en-US" altLang="zh-TW" sz="2200" dirty="0" smtClean="0"/>
+          </a:p>
+          <a:p>
+            <a:pPr marL="342900" indent="-342900">
+              <a:buFont typeface="Arial" pitchFamily="34" charset="0"/>
+              <a:buChar char="•"/>
+            </a:pPr>
+            <a:r>
+              <a:rPr lang="zh-TW" altLang="en-US" sz="2200" dirty="0" smtClean="0"/>
+              <a:t>右側按鈕為</a:t>
+            </a:r>
+            <a:r>
+              <a:rPr lang="zh-TW" altLang="en-US" sz="2200" dirty="0"/>
+              <a:t>學童新增功能</a:t>
+            </a:r>
+            <a:endParaRPr lang="en-US" altLang="zh-TW" sz="2200" dirty="0" smtClean="0"/>
+          </a:p>
+        </p:txBody>
+      </p:sp>
+      <p:sp>
+        <p:nvSpPr>
+          <p:cNvPr id="2" name="投影片編號版面配置區 1"/>
+          <p:cNvSpPr>
+            <a:spLocks noGrp="1"/>
+          </p:cNvSpPr>
+          <p:nvPr>
+            <p:ph type="sldNum" sz="quarter" idx="11"/>
+          </p:nvPr>
+        </p:nvSpPr>
+        <p:spPr/>
+        <p:txBody>
+          <a:bodyPr/>
+          <a:lstStyle/>
+          <a:p>
+            <a:fld id="{2F1FFCCD-F281-4AA3-8926-41B83FC06AAE}" type="slidenum">
+              <a:rPr lang="zh-TW" altLang="en-US" smtClean="0"/>
+              <a:t>7</a:t>
+            </a:fld>
+            <a:endParaRPr lang="zh-TW" altLang="en-US"/>
+          </a:p>
+        </p:txBody>
+      </p:sp>
     </p:spTree>
     <p:extLst>
       <p:ext uri="{BB962C8B-B14F-4D97-AF65-F5344CB8AC3E}">
@@ -6597,8 +7682,8 @@
         </p:blipFill>
         <p:spPr bwMode="auto">
           <a:xfrm>
-            <a:off x="395536" y="2060848"/>
-            <a:ext cx="8352928" cy="4328234"/>
+            <a:off x="1763688" y="2996952"/>
+            <a:ext cx="6561582" cy="3400013"/>
           </a:xfrm>
           <a:prstGeom prst="rect">
             <a:avLst/>
@@ -6638,6 +7723,86 @@
           </a:extLst>
         </p:spPr>
       </p:pic>
+      <p:sp>
+        <p:nvSpPr>
+          <p:cNvPr id="5" name="文字方塊 4"/>
+          <p:cNvSpPr txBox="1"/>
+          <p:nvPr/>
+        </p:nvSpPr>
+        <p:spPr>
+          <a:xfrm>
+            <a:off x="1043608" y="1926487"/>
+            <a:ext cx="6696744" cy="769441"/>
+          </a:xfrm>
+          <a:prstGeom prst="rect">
+            <a:avLst/>
+          </a:prstGeom>
+          <a:noFill/>
+        </p:spPr>
+        <p:txBody>
+          <a:bodyPr wrap="square" rtlCol="0">
+            <a:spAutoFit/>
+          </a:bodyPr>
+          <a:lstStyle/>
+          <a:p>
+            <a:pPr marL="342900" indent="-342900">
+              <a:buFont typeface="Arial" pitchFamily="34" charset="0"/>
+              <a:buChar char="•"/>
+            </a:pPr>
+            <a:r>
+              <a:rPr lang="zh-TW" altLang="en-US" sz="2200" dirty="0" smtClean="0"/>
+              <a:t>店家基本資料</a:t>
+            </a:r>
+            <a:r>
+              <a:rPr lang="zh-TW" altLang="en-US" sz="2200" dirty="0"/>
+              <a:t>管理</a:t>
+            </a:r>
+            <a:endParaRPr lang="en-US" altLang="zh-TW" sz="2200" dirty="0" smtClean="0"/>
+          </a:p>
+          <a:p>
+            <a:pPr marL="342900" indent="-342900">
+              <a:buFont typeface="Arial" pitchFamily="34" charset="0"/>
+              <a:buChar char="•"/>
+            </a:pPr>
+            <a:r>
+              <a:rPr lang="zh-TW" altLang="en-US" sz="2200" dirty="0" smtClean="0"/>
+              <a:t>整體功能與「</a:t>
+            </a:r>
+            <a:r>
+              <a:rPr lang="zh-TW" altLang="en-US" sz="2200" dirty="0"/>
+              <a:t>學童管理</a:t>
+            </a:r>
+            <a:r>
+              <a:rPr lang="zh-TW" altLang="en-US" sz="2200" dirty="0" smtClean="0"/>
+              <a:t>」相似</a:t>
+            </a:r>
+            <a:endParaRPr lang="en-US" altLang="zh-TW" sz="2200" dirty="0" smtClean="0"/>
+          </a:p>
+        </p:txBody>
+      </p:sp>
+      <p:sp>
+        <p:nvSpPr>
+          <p:cNvPr id="2" name="投影片編號版面配置區 1"/>
+          <p:cNvSpPr>
+            <a:spLocks noGrp="1"/>
+          </p:cNvSpPr>
+          <p:nvPr>
+            <p:ph type="sldNum" sz="quarter" idx="11"/>
+          </p:nvPr>
+        </p:nvSpPr>
+        <p:spPr/>
+        <p:txBody>
+          <a:bodyPr/>
+          <a:lstStyle/>
+          <a:p>
+            <a:fld id="{2F1FFCCD-F281-4AA3-8926-41B83FC06AAE}" type="slidenum">
+              <a:rPr lang="zh-TW" altLang="en-US" smtClean="0"/>
+              <a:t>8</a:t>
+            </a:fld>
+            <a:endParaRPr lang="zh-TW" altLang="en-US"/>
+          </a:p>
+        </p:txBody>
+      </p:sp>
     </p:spTree>
     <p:extLst>
       <p:ext uri="{BB962C8B-B14F-4D97-AF65-F5344CB8AC3E}">
@@ -6812,8 +7977,8 @@
         </p:blipFill>
         <p:spPr bwMode="auto">
           <a:xfrm>
-            <a:off x="251520" y="2060848"/>
-            <a:ext cx="8568952" cy="3158653"/>
+            <a:off x="914211" y="3068960"/>
+            <a:ext cx="7272808" cy="2680874"/>
           </a:xfrm>
           <a:prstGeom prst="rect">
             <a:avLst/>
@@ -6853,6 +8018,63 @@
           </a:extLst>
         </p:spPr>
       </p:pic>
+      <p:sp>
+        <p:nvSpPr>
+          <p:cNvPr id="5" name="文字方塊 4"/>
+          <p:cNvSpPr txBox="1"/>
+          <p:nvPr/>
+        </p:nvSpPr>
+        <p:spPr>
+          <a:xfrm>
+            <a:off x="1043608" y="1926487"/>
+            <a:ext cx="6696744" cy="430887"/>
+          </a:xfrm>
+          <a:prstGeom prst="rect">
+            <a:avLst/>
+          </a:prstGeom>
+          <a:noFill/>
+        </p:spPr>
+        <p:txBody>
+          <a:bodyPr wrap="square" rtlCol="0">
+            <a:spAutoFit/>
+          </a:bodyPr>
+          <a:lstStyle/>
+          <a:p>
+            <a:pPr marL="342900" indent="-342900">
+              <a:buFont typeface="Arial" pitchFamily="34" charset="0"/>
+              <a:buChar char="•"/>
+            </a:pPr>
+            <a:r>
+              <a:rPr lang="zh-TW" altLang="en-US" sz="2200" dirty="0" smtClean="0"/>
+              <a:t>點數列表功能尚未明訂，暫以三類卡片區塊引導</a:t>
+            </a:r>
+            <a:endParaRPr lang="en-US" altLang="zh-TW" sz="2200" dirty="0" smtClean="0"/>
+          </a:p>
+        </p:txBody>
+      </p:sp>
+      <p:sp>
+        <p:nvSpPr>
+          <p:cNvPr id="2" name="投影片編號版面配置區 1"/>
+          <p:cNvSpPr>
+            <a:spLocks noGrp="1"/>
+          </p:cNvSpPr>
+          <p:nvPr>
+            <p:ph type="sldNum" sz="quarter" idx="11"/>
+          </p:nvPr>
+        </p:nvSpPr>
+        <p:spPr/>
+        <p:txBody>
+          <a:bodyPr/>
+          <a:lstStyle/>
+          <a:p>
+            <a:fld id="{2F1FFCCD-F281-4AA3-8926-41B83FC06AAE}" type="slidenum">
+              <a:rPr lang="zh-TW" altLang="en-US" smtClean="0"/>
+              <a:t>9</a:t>
+            </a:fld>
+            <a:endParaRPr lang="zh-TW" altLang="en-US"/>
+          </a:p>
+        </p:txBody>
+      </p:sp>
     </p:spTree>
     <p:extLst>
       <p:ext uri="{BB962C8B-B14F-4D97-AF65-F5344CB8AC3E}">
@@ -7148,4 +8370,289 @@
   <a:objectDefaults/>
   <a:extraClrSchemeLst/>
 </a:theme>
+</file>
+
+<file path=ppt/theme/theme2.xml><?xml version="1.0" encoding="utf-8"?>
+<a:theme xmlns:a="http://schemas.openxmlformats.org/drawingml/2006/main" name="Office 佈景主題">
+  <a:themeElements>
+    <a:clrScheme name="Office">
+      <a:dk1>
+        <a:sysClr val="windowText" lastClr="000000"/>
+      </a:dk1>
+      <a:lt1>
+        <a:sysClr val="window" lastClr="FFFFFF"/>
+      </a:lt1>
+      <a:dk2>
+        <a:srgbClr val="1F497D"/>
+      </a:dk2>
+      <a:lt2>
+        <a:srgbClr val="EEECE1"/>
+      </a:lt2>
+      <a:accent1>
+        <a:srgbClr val="4F81BD"/>
+      </a:accent1>
+      <a:accent2>
+        <a:srgbClr val="C0504D"/>
+      </a:accent2>
+      <a:accent3>
+        <a:srgbClr val="9BBB59"/>
+      </a:accent3>
+      <a:accent4>
+        <a:srgbClr val="8064A2"/>
+      </a:accent4>
+      <a:accent5>
+        <a:srgbClr val="4BACC6"/>
+      </a:accent5>
+      <a:accent6>
+        <a:srgbClr val="F79646"/>
+      </a:accent6>
+      <a:hlink>
+        <a:srgbClr val="0000FF"/>
+      </a:hlink>
+      <a:folHlink>
+        <a:srgbClr val="800080"/>
+      </a:folHlink>
+    </a:clrScheme>
+    <a:fontScheme name="Office">
+      <a:majorFont>
+        <a:latin typeface="Calibri"/>
+        <a:ea typeface=""/>
+        <a:cs typeface=""/>
+        <a:font script="Jpan" typeface="ＭＳ Ｐゴシック"/>
+        <a:font script="Hang" typeface="맑은 고딕"/>
+        <a:font script="Hans" typeface="宋体"/>
+        <a:font script="Hant" typeface="新細明體"/>
+        <a:font script="Arab" typeface="Times New Roman"/>
+        <a:font script="Hebr" typeface="Times New Roman"/>
+        <a:font script="Thai" typeface="Angsana New"/>
+        <a:font script="Ethi" typeface="Nyala"/>
+        <a:font script="Beng" typeface="Vrinda"/>
+        <a:font script="Gujr" typeface="Shruti"/>
+        <a:font script="Khmr" typeface="MoolBoran"/>
+        <a:font script="Knda" typeface="Tunga"/>
+        <a:font script="Guru" typeface="Raavi"/>
+        <a:font script="Cans" typeface="Euphemia"/>
+        <a:font script="Cher" typeface="Plantagenet Cherokee"/>
+        <a:font script="Yiii" typeface="Microsoft Yi Baiti"/>
+        <a:font script="Tibt" typeface="Microsoft Himalaya"/>
+        <a:font script="Thaa" typeface="MV Boli"/>
+        <a:font script="Deva" typeface="Mangal"/>
+        <a:font script="Telu" typeface="Gautami"/>
+        <a:font script="Taml" typeface="Latha"/>
+        <a:font script="Syrc" typeface="Estrangelo Edessa"/>
+        <a:font script="Orya" typeface="Kalinga"/>
+        <a:font script="Mlym" typeface="Kartika"/>
+        <a:font script="Laoo" typeface="DokChampa"/>
+        <a:font script="Sinh" typeface="Iskoola Pota"/>
+        <a:font script="Mong" typeface="Mongolian Baiti"/>
+        <a:font script="Viet" typeface="Times New Roman"/>
+        <a:font script="Uigh" typeface="Microsoft Uighur"/>
+        <a:font script="Geor" typeface="Sylfaen"/>
+      </a:majorFont>
+      <a:minorFont>
+        <a:latin typeface="Calibri"/>
+        <a:ea typeface=""/>
+        <a:cs typeface=""/>
+        <a:font script="Jpan" typeface="ＭＳ Ｐゴシック"/>
+        <a:font script="Hang" typeface="맑은 고딕"/>
+        <a:font script="Hans" typeface="宋体"/>
+        <a:font script="Hant" typeface="新細明體"/>
+        <a:font script="Arab" typeface="Arial"/>
+        <a:font script="Hebr" typeface="Arial"/>
+        <a:font script="Thai" typeface="Cordia New"/>
+        <a:font script="Ethi" typeface="Nyala"/>
+        <a:font script="Beng" typeface="Vrinda"/>
+        <a:font script="Gujr" typeface="Shruti"/>
+        <a:font script="Khmr" typeface="DaunPenh"/>
+        <a:font script="Knda" typeface="Tunga"/>
+        <a:font script="Guru" typeface="Raavi"/>
+        <a:font script="Cans" typeface="Euphemia"/>
+        <a:font script="Cher" typeface="Plantagenet Cherokee"/>
+        <a:font script="Yiii" typeface="Microsoft Yi Baiti"/>
+        <a:font script="Tibt" typeface="Microsoft Himalaya"/>
+        <a:font script="Thaa" typeface="MV Boli"/>
+        <a:font script="Deva" typeface="Mangal"/>
+        <a:font script="Telu" typeface="Gautami"/>
+        <a:font script="Taml" typeface="Latha"/>
+        <a:font script="Syrc" typeface="Estrangelo Edessa"/>
+        <a:font script="Orya" typeface="Kalinga"/>
+        <a:font script="Mlym" typeface="Kartika"/>
+        <a:font script="Laoo" typeface="DokChampa"/>
+        <a:font script="Sinh" typeface="Iskoola Pota"/>
+        <a:font script="Mong" typeface="Mongolian Baiti"/>
+        <a:font script="Viet" typeface="Arial"/>
+        <a:font script="Uigh" typeface="Microsoft Uighur"/>
+        <a:font script="Geor" typeface="Sylfaen"/>
+      </a:minorFont>
+    </a:fontScheme>
+    <a:fmtScheme name="Office">
+      <a:fillStyleLst>
+        <a:solidFill>
+          <a:schemeClr val="phClr"/>
+        </a:solidFill>
+        <a:gradFill rotWithShape="1">
+          <a:gsLst>
+            <a:gs pos="0">
+              <a:schemeClr val="phClr">
+                <a:tint val="50000"/>
+                <a:satMod val="300000"/>
+              </a:schemeClr>
+            </a:gs>
+            <a:gs pos="35000">
+              <a:schemeClr val="phClr">
+                <a:tint val="37000"/>
+                <a:satMod val="300000"/>
+              </a:schemeClr>
+            </a:gs>
+            <a:gs pos="100000">
+              <a:schemeClr val="phClr">
+                <a:tint val="15000"/>
+                <a:satMod val="350000"/>
+              </a:schemeClr>
+            </a:gs>
+          </a:gsLst>
+          <a:lin ang="16200000" scaled="1"/>
+        </a:gradFill>
+        <a:gradFill rotWithShape="1">
+          <a:gsLst>
+            <a:gs pos="0">
+              <a:schemeClr val="phClr">
+                <a:shade val="51000"/>
+                <a:satMod val="130000"/>
+              </a:schemeClr>
+            </a:gs>
+            <a:gs pos="80000">
+              <a:schemeClr val="phClr">
+                <a:shade val="93000"/>
+                <a:satMod val="130000"/>
+              </a:schemeClr>
+            </a:gs>
+            <a:gs pos="100000">
+              <a:schemeClr val="phClr">
+                <a:shade val="94000"/>
+                <a:satMod val="135000"/>
+              </a:schemeClr>
+            </a:gs>
+          </a:gsLst>
+          <a:lin ang="16200000" scaled="0"/>
+        </a:gradFill>
+      </a:fillStyleLst>
+      <a:lnStyleLst>
+        <a:ln w="9525" cap="flat" cmpd="sng" algn="ctr">
+          <a:solidFill>
+            <a:schemeClr val="phClr">
+              <a:shade val="95000"/>
+              <a:satMod val="105000"/>
+            </a:schemeClr>
+          </a:solidFill>
+          <a:prstDash val="solid"/>
+        </a:ln>
+        <a:ln w="25400" cap="flat" cmpd="sng" algn="ctr">
+          <a:solidFill>
+            <a:schemeClr val="phClr"/>
+          </a:solidFill>
+          <a:prstDash val="solid"/>
+        </a:ln>
+        <a:ln w="38100" cap="flat" cmpd="sng" algn="ctr">
+          <a:solidFill>
+            <a:schemeClr val="phClr"/>
+          </a:solidFill>
+          <a:prstDash val="solid"/>
+        </a:ln>
+      </a:lnStyleLst>
+      <a:effectStyleLst>
+        <a:effectStyle>
+          <a:effectLst>
+            <a:outerShdw blurRad="40000" dist="20000" dir="5400000" rotWithShape="0">
+              <a:srgbClr val="000000">
+                <a:alpha val="38000"/>
+              </a:srgbClr>
+            </a:outerShdw>
+          </a:effectLst>
+        </a:effectStyle>
+        <a:effectStyle>
+          <a:effectLst>
+            <a:outerShdw blurRad="40000" dist="23000" dir="5400000" rotWithShape="0">
+              <a:srgbClr val="000000">
+                <a:alpha val="35000"/>
+              </a:srgbClr>
+            </a:outerShdw>
+          </a:effectLst>
+        </a:effectStyle>
+        <a:effectStyle>
+          <a:effectLst>
+            <a:outerShdw blurRad="40000" dist="23000" dir="5400000" rotWithShape="0">
+              <a:srgbClr val="000000">
+                <a:alpha val="35000"/>
+              </a:srgbClr>
+            </a:outerShdw>
+          </a:effectLst>
+          <a:scene3d>
+            <a:camera prst="orthographicFront">
+              <a:rot lat="0" lon="0" rev="0"/>
+            </a:camera>
+            <a:lightRig rig="threePt" dir="t">
+              <a:rot lat="0" lon="0" rev="1200000"/>
+            </a:lightRig>
+          </a:scene3d>
+          <a:sp3d>
+            <a:bevelT w="63500" h="25400"/>
+          </a:sp3d>
+        </a:effectStyle>
+      </a:effectStyleLst>
+      <a:bgFillStyleLst>
+        <a:solidFill>
+          <a:schemeClr val="phClr"/>
+        </a:solidFill>
+        <a:gradFill rotWithShape="1">
+          <a:gsLst>
+            <a:gs pos="0">
+              <a:schemeClr val="phClr">
+                <a:tint val="40000"/>
+                <a:satMod val="350000"/>
+              </a:schemeClr>
+            </a:gs>
+            <a:gs pos="40000">
+              <a:schemeClr val="phClr">
+                <a:tint val="45000"/>
+                <a:shade val="99000"/>
+                <a:satMod val="350000"/>
+              </a:schemeClr>
+            </a:gs>
+            <a:gs pos="100000">
+              <a:schemeClr val="phClr">
+                <a:shade val="20000"/>
+                <a:satMod val="255000"/>
+              </a:schemeClr>
+            </a:gs>
+          </a:gsLst>
+          <a:path path="circle">
+            <a:fillToRect l="50000" t="-80000" r="50000" b="180000"/>
+          </a:path>
+        </a:gradFill>
+        <a:gradFill rotWithShape="1">
+          <a:gsLst>
+            <a:gs pos="0">
+              <a:schemeClr val="phClr">
+                <a:tint val="80000"/>
+                <a:satMod val="300000"/>
+              </a:schemeClr>
+            </a:gs>
+            <a:gs pos="100000">
+              <a:schemeClr val="phClr">
+                <a:shade val="30000"/>
+                <a:satMod val="200000"/>
+              </a:schemeClr>
+            </a:gs>
+          </a:gsLst>
+          <a:path path="circle">
+            <a:fillToRect l="50000" t="50000" r="50000" b="50000"/>
+          </a:path>
+        </a:gradFill>
+      </a:bgFillStyleLst>
+    </a:fmtScheme>
+  </a:themeElements>
+  <a:objectDefaults/>
+  <a:extraClrSchemeLst/>
+</a:theme>
 </file>
--- a/doc/愛心便當收銀系統.pptx
+++ b/doc/愛心便當收銀系統.pptx
@@ -5,22 +5,32 @@
     <p:sldMasterId id="2147483744" r:id="rId1"/>
   </p:sldMasterIdLst>
   <p:notesMasterIdLst>
-    <p:notesMasterId r:id="rId15"/>
+    <p:notesMasterId r:id="rId25"/>
   </p:notesMasterIdLst>
   <p:sldIdLst>
     <p:sldId id="256" r:id="rId2"/>
-    <p:sldId id="267" r:id="rId3"/>
-    <p:sldId id="268" r:id="rId4"/>
-    <p:sldId id="257" r:id="rId5"/>
-    <p:sldId id="266" r:id="rId6"/>
-    <p:sldId id="265" r:id="rId7"/>
-    <p:sldId id="258" r:id="rId8"/>
-    <p:sldId id="259" r:id="rId9"/>
-    <p:sldId id="260" r:id="rId10"/>
-    <p:sldId id="261" r:id="rId11"/>
-    <p:sldId id="262" r:id="rId12"/>
-    <p:sldId id="263" r:id="rId13"/>
-    <p:sldId id="264" r:id="rId14"/>
+    <p:sldId id="270" r:id="rId3"/>
+    <p:sldId id="271" r:id="rId4"/>
+    <p:sldId id="278" r:id="rId5"/>
+    <p:sldId id="272" r:id="rId6"/>
+    <p:sldId id="273" r:id="rId7"/>
+    <p:sldId id="274" r:id="rId8"/>
+    <p:sldId id="277" r:id="rId9"/>
+    <p:sldId id="276" r:id="rId10"/>
+    <p:sldId id="275" r:id="rId11"/>
+    <p:sldId id="269" r:id="rId12"/>
+    <p:sldId id="267" r:id="rId13"/>
+    <p:sldId id="268" r:id="rId14"/>
+    <p:sldId id="257" r:id="rId15"/>
+    <p:sldId id="266" r:id="rId16"/>
+    <p:sldId id="265" r:id="rId17"/>
+    <p:sldId id="258" r:id="rId18"/>
+    <p:sldId id="259" r:id="rId19"/>
+    <p:sldId id="260" r:id="rId20"/>
+    <p:sldId id="261" r:id="rId21"/>
+    <p:sldId id="262" r:id="rId22"/>
+    <p:sldId id="263" r:id="rId23"/>
+    <p:sldId id="264" r:id="rId24"/>
   </p:sldIdLst>
   <p:sldSz cx="9144000" cy="6858000" type="screen4x3"/>
   <p:notesSz cx="6858000" cy="9144000"/>
@@ -4030,11 +4040,7 @@
             <a:pPr algn="ctr"/>
             <a:r>
               <a:rPr lang="zh-TW" altLang="en-US" b="1" dirty="0" smtClean="0"/>
-              <a:t>愛心</a:t>
-            </a:r>
-            <a:r>
-              <a:rPr lang="zh-TW" altLang="en-US" b="1" dirty="0" smtClean="0"/>
-              <a:t>便當收銀系統</a:t>
+              <a:t>愛心便當收銀系統</a:t>
             </a:r>
             <a:endParaRPr lang="zh-TW" altLang="en-US" b="1" dirty="0"/>
           </a:p>
@@ -4144,7 +4150,11 @@
             <a:pPr algn="ctr"/>
             <a:r>
               <a:rPr lang="zh-TW" altLang="en-US" sz="4000" b="1" dirty="0" smtClean="0"/>
-              <a:t>－ 後台展示</a:t>
+              <a:t>－ </a:t>
+            </a:r>
+            <a:r>
+              <a:rPr lang="zh-TW" altLang="en-US" sz="4000" b="1" dirty="0" smtClean="0"/>
+              <a:t>前後台雛形展示</a:t>
             </a:r>
             <a:endParaRPr lang="zh-TW" altLang="en-US" sz="4000" b="1" dirty="0"/>
           </a:p>
@@ -4330,28 +4340,97 @@
           </a:lstStyle>
           <a:p>
             <a:r>
+              <a:rPr lang="zh-TW" altLang="en-US" sz="4000" b="1" dirty="0"/>
+              <a:t>前台</a:t>
+            </a:r>
+            <a:r>
               <a:rPr lang="zh-TW" altLang="en-US" sz="4000" b="1" dirty="0" smtClean="0"/>
-              <a:t>首頁 </a:t>
-            </a:r>
-            <a:r>
-              <a:rPr lang="en-US" altLang="zh-TW" sz="4000" b="1" dirty="0"/>
+              <a:t> </a:t>
+            </a:r>
+            <a:r>
+              <a:rPr lang="en-US" altLang="zh-TW" sz="4000" b="1" dirty="0" smtClean="0"/>
               <a:t>/</a:t>
             </a:r>
             <a:r>
+              <a:rPr lang="zh-TW" altLang="en-US" sz="4000" b="1" dirty="0" smtClean="0"/>
+              <a:t> </a:t>
+            </a:r>
+            <a:r>
               <a:rPr lang="zh-TW" altLang="en-US" sz="4000" b="1" dirty="0"/>
-              <a:t> </a:t>
+              <a:t>點數不足</a:t>
             </a:r>
             <a:r>
               <a:rPr lang="zh-TW" altLang="en-US" sz="4000" b="1" dirty="0" smtClean="0"/>
-              <a:t>兌換紀錄</a:t>
+              <a:t>警示</a:t>
             </a:r>
             <a:endParaRPr lang="zh-TW" altLang="en-US" sz="4000" b="1" dirty="0"/>
+          </a:p>
+        </p:txBody>
+      </p:sp>
+      <p:sp>
+        <p:nvSpPr>
+          <p:cNvPr id="5" name="文字方塊 4"/>
+          <p:cNvSpPr txBox="1"/>
+          <p:nvPr/>
+        </p:nvSpPr>
+        <p:spPr>
+          <a:xfrm>
+            <a:off x="1043608" y="1926487"/>
+            <a:ext cx="6696744" cy="430887"/>
+          </a:xfrm>
+          <a:prstGeom prst="rect">
+            <a:avLst/>
+          </a:prstGeom>
+          <a:noFill/>
+        </p:spPr>
+        <p:txBody>
+          <a:bodyPr wrap="square" rtlCol="0">
+            <a:spAutoFit/>
+          </a:bodyPr>
+          <a:lstStyle/>
+          <a:p>
+            <a:pPr marL="342900" indent="-342900">
+              <a:buFont typeface="Arial" pitchFamily="34" charset="0"/>
+              <a:buChar char="•"/>
+            </a:pPr>
+            <a:r>
+              <a:rPr lang="zh-TW" altLang="en-US" sz="2200" dirty="0"/>
+              <a:t>當點數不足時則顯示</a:t>
+            </a:r>
+            <a:r>
+              <a:rPr lang="zh-TW" altLang="en-US" sz="2200" dirty="0" smtClean="0"/>
+              <a:t>通知點數過少</a:t>
+            </a:r>
+            <a:endParaRPr lang="en-US" altLang="zh-TW" sz="2200" dirty="0" smtClean="0"/>
+          </a:p>
+        </p:txBody>
+      </p:sp>
+      <p:sp>
+        <p:nvSpPr>
+          <p:cNvPr id="2" name="投影片編號版面配置區 1"/>
+          <p:cNvSpPr>
+            <a:spLocks noGrp="1"/>
+          </p:cNvSpPr>
+          <p:nvPr>
+            <p:ph type="sldNum" sz="quarter" idx="11"/>
+          </p:nvPr>
+        </p:nvSpPr>
+        <p:spPr/>
+        <p:txBody>
+          <a:bodyPr/>
+          <a:lstStyle/>
+          <a:p>
+            <a:fld id="{2F1FFCCD-F281-4AA3-8926-41B83FC06AAE}" type="slidenum">
+              <a:rPr lang="zh-TW" altLang="en-US" smtClean="0"/>
+              <a:t>10</a:t>
+            </a:fld>
+            <a:endParaRPr lang="zh-TW" altLang="en-US"/>
           </a:p>
         </p:txBody>
       </p:sp>
       <p:pic>
         <p:nvPicPr>
-          <p:cNvPr id="5122" name="Picture 2"/>
+          <p:cNvPr id="4099" name="Picture 3"/>
           <p:cNvPicPr>
             <a:picLocks noChangeAspect="1" noChangeArrowheads="1"/>
           </p:cNvPicPr>
@@ -4372,8 +4451,8 @@
         </p:blipFill>
         <p:spPr bwMode="auto">
           <a:xfrm>
-            <a:off x="707664" y="2780928"/>
-            <a:ext cx="7776865" cy="3377260"/>
+            <a:off x="1785748" y="2708920"/>
+            <a:ext cx="5800725" cy="3743325"/>
           </a:xfrm>
           <a:prstGeom prst="rect">
             <a:avLst/>
@@ -4413,79 +4492,10 @@
           </a:extLst>
         </p:spPr>
       </p:pic>
-      <p:sp>
-        <p:nvSpPr>
-          <p:cNvPr id="5" name="文字方塊 4"/>
-          <p:cNvSpPr txBox="1"/>
-          <p:nvPr/>
-        </p:nvSpPr>
-        <p:spPr>
-          <a:xfrm>
-            <a:off x="1043608" y="1926487"/>
-            <a:ext cx="6696744" cy="430887"/>
-          </a:xfrm>
-          <a:prstGeom prst="rect">
-            <a:avLst/>
-          </a:prstGeom>
-          <a:noFill/>
-        </p:spPr>
-        <p:txBody>
-          <a:bodyPr wrap="square" rtlCol="0">
-            <a:spAutoFit/>
-          </a:bodyPr>
-          <a:lstStyle/>
-          <a:p>
-            <a:pPr marL="342900" indent="-342900">
-              <a:buFont typeface="Arial" pitchFamily="34" charset="0"/>
-              <a:buChar char="•"/>
-            </a:pPr>
-            <a:r>
-              <a:rPr lang="zh-TW" altLang="en-US" sz="2200" dirty="0"/>
-              <a:t>此</a:t>
-            </a:r>
-            <a:r>
-              <a:rPr lang="zh-TW" altLang="en-US" sz="2200" dirty="0" smtClean="0"/>
-              <a:t>功能</a:t>
-            </a:r>
-            <a:r>
-              <a:rPr lang="zh-TW" altLang="en-US" sz="2200" dirty="0"/>
-              <a:t>為</a:t>
-            </a:r>
-            <a:r>
-              <a:rPr lang="zh-TW" altLang="en-US" sz="2200" dirty="0" smtClean="0"/>
-              <a:t>每筆便當兌換紀錄</a:t>
-            </a:r>
-            <a:endParaRPr lang="en-US" altLang="zh-TW" sz="2200" dirty="0" smtClean="0"/>
-          </a:p>
-        </p:txBody>
-      </p:sp>
-      <p:sp>
-        <p:nvSpPr>
-          <p:cNvPr id="2" name="投影片編號版面配置區 1"/>
-          <p:cNvSpPr>
-            <a:spLocks noGrp="1"/>
-          </p:cNvSpPr>
-          <p:nvPr>
-            <p:ph type="sldNum" sz="quarter" idx="11"/>
-          </p:nvPr>
-        </p:nvSpPr>
-        <p:spPr/>
-        <p:txBody>
-          <a:bodyPr/>
-          <a:lstStyle/>
-          <a:p>
-            <a:fld id="{2F1FFCCD-F281-4AA3-8926-41B83FC06AAE}" type="slidenum">
-              <a:rPr lang="zh-TW" altLang="en-US" smtClean="0"/>
-              <a:t>10</a:t>
-            </a:fld>
-            <a:endParaRPr lang="zh-TW" altLang="en-US"/>
-          </a:p>
-        </p:txBody>
-      </p:sp>
     </p:spTree>
     <p:extLst>
       <p:ext uri="{BB962C8B-B14F-4D97-AF65-F5344CB8AC3E}">
-        <p14:creationId xmlns:p14="http://schemas.microsoft.com/office/powerpoint/2010/main" val="4261227779"/>
+        <p14:creationId xmlns:p14="http://schemas.microsoft.com/office/powerpoint/2010/main" val="1720552918"/>
       </p:ext>
     </p:extLst>
   </p:cSld>
@@ -4529,7 +4539,7 @@
         </p:nvSpPr>
         <p:spPr>
           <a:xfrm>
-            <a:off x="914211" y="764704"/>
+            <a:off x="914211" y="3140968"/>
             <a:ext cx="7543800" cy="720080"/>
           </a:xfrm>
           <a:prstGeom prst="rect">
@@ -4620,142 +4630,26 @@
             </a:lvl9pPr>
           </a:lstStyle>
           <a:p>
+            <a:pPr algn="ctr"/>
             <a:r>
               <a:rPr lang="zh-TW" altLang="en-US" sz="4000" b="1" dirty="0" smtClean="0"/>
-              <a:t>首頁 </a:t>
-            </a:r>
-            <a:r>
-              <a:rPr lang="en-US" altLang="zh-TW" sz="4000" b="1" dirty="0"/>
-              <a:t>/</a:t>
-            </a:r>
-            <a:r>
-              <a:rPr lang="zh-TW" altLang="en-US" sz="4000" b="1" dirty="0"/>
-              <a:t> 系統帳號</a:t>
-            </a:r>
-            <a:r>
-              <a:rPr lang="zh-TW" altLang="en-US" sz="4000" b="1" dirty="0" smtClean="0"/>
-              <a:t>管理</a:t>
+              <a:t>後</a:t>
+            </a:r>
+            <a:r>
+              <a:rPr lang="zh-TW" altLang="en-US" sz="4000" b="1" smtClean="0"/>
+              <a:t>台</a:t>
+            </a:r>
+            <a:r>
+              <a:rPr lang="zh-TW" altLang="en-US" sz="4000" b="1" smtClean="0"/>
+              <a:t>系統</a:t>
             </a:r>
             <a:endParaRPr lang="zh-TW" altLang="en-US" sz="4000" b="1" dirty="0"/>
           </a:p>
         </p:txBody>
       </p:sp>
-      <p:pic>
-        <p:nvPicPr>
-          <p:cNvPr id="6146" name="Picture 2"/>
-          <p:cNvPicPr>
-            <a:picLocks noChangeAspect="1" noChangeArrowheads="1"/>
-          </p:cNvPicPr>
-          <p:nvPr/>
-        </p:nvPicPr>
-        <p:blipFill>
-          <a:blip r:embed="rId2">
-            <a:extLst>
-              <a:ext uri="{28A0092B-C50C-407E-A947-70E740481C1C}">
-                <a14:useLocalDpi xmlns:a14="http://schemas.microsoft.com/office/drawing/2010/main" val="0"/>
-              </a:ext>
-            </a:extLst>
-          </a:blip>
-          <a:srcRect/>
-          <a:stretch>
-            <a:fillRect/>
-          </a:stretch>
-        </p:blipFill>
-        <p:spPr bwMode="auto">
-          <a:xfrm>
-            <a:off x="827584" y="3122136"/>
-            <a:ext cx="7474213" cy="3265301"/>
-          </a:xfrm>
-          <a:prstGeom prst="rect">
-            <a:avLst/>
-          </a:prstGeom>
-          <a:noFill/>
-          <a:ln>
-            <a:noFill/>
-          </a:ln>
-          <a:effectLst/>
-          <a:extLst>
-            <a:ext uri="{909E8E84-426E-40DD-AFC4-6F175D3DCCD1}">
-              <a14:hiddenFill xmlns:a14="http://schemas.microsoft.com/office/drawing/2010/main">
-                <a:solidFill>
-                  <a:schemeClr val="accent1"/>
-                </a:solidFill>
-              </a14:hiddenFill>
-            </a:ext>
-            <a:ext uri="{91240B29-F687-4F45-9708-019B960494DF}">
-              <a14:hiddenLine xmlns:a14="http://schemas.microsoft.com/office/drawing/2010/main" w="9525">
-                <a:solidFill>
-                  <a:schemeClr val="tx1"/>
-                </a:solidFill>
-                <a:miter lim="800000"/>
-                <a:headEnd/>
-                <a:tailEnd/>
-              </a14:hiddenLine>
-            </a:ext>
-            <a:ext uri="{AF507438-7753-43E0-B8FC-AC1667EBCBE1}">
-              <a14:hiddenEffects xmlns:a14="http://schemas.microsoft.com/office/drawing/2010/main">
-                <a:effectLst>
-                  <a:outerShdw dist="35921" dir="2700000" algn="ctr" rotWithShape="0">
-                    <a:schemeClr val="bg2"/>
-                  </a:outerShdw>
-                </a:effectLst>
-              </a14:hiddenEffects>
-            </a:ext>
-          </a:extLst>
-        </p:spPr>
-      </p:pic>
-      <p:sp>
-        <p:nvSpPr>
-          <p:cNvPr id="5" name="文字方塊 4"/>
-          <p:cNvSpPr txBox="1"/>
-          <p:nvPr/>
-        </p:nvSpPr>
-        <p:spPr>
-          <a:xfrm>
-            <a:off x="1043608" y="1926487"/>
-            <a:ext cx="6696744" cy="769441"/>
-          </a:xfrm>
-          <a:prstGeom prst="rect">
-            <a:avLst/>
-          </a:prstGeom>
-          <a:noFill/>
-        </p:spPr>
-        <p:txBody>
-          <a:bodyPr wrap="square" rtlCol="0">
-            <a:spAutoFit/>
-          </a:bodyPr>
-          <a:lstStyle/>
-          <a:p>
-            <a:pPr marL="342900" indent="-342900">
-              <a:buFont typeface="Arial" pitchFamily="34" charset="0"/>
-              <a:buChar char="•"/>
-            </a:pPr>
-            <a:r>
-              <a:rPr lang="zh-TW" altLang="en-US" sz="2200" dirty="0"/>
-              <a:t>系統</a:t>
-            </a:r>
-            <a:r>
-              <a:rPr lang="zh-TW" altLang="en-US" sz="2200" dirty="0" smtClean="0"/>
-              <a:t>帳號可設定各使用者功能</a:t>
-            </a:r>
-            <a:endParaRPr lang="en-US" altLang="zh-TW" sz="2200" dirty="0" smtClean="0"/>
-          </a:p>
-          <a:p>
-            <a:pPr marL="342900" indent="-342900">
-              <a:buFont typeface="Arial" pitchFamily="34" charset="0"/>
-              <a:buChar char="•"/>
-            </a:pPr>
-            <a:r>
-              <a:rPr lang="zh-TW" altLang="en-US" sz="2200" dirty="0" smtClean="0"/>
-              <a:t>點數儲存作業僅系統帳號可進行</a:t>
-            </a:r>
-            <a:endParaRPr lang="en-US" altLang="zh-TW" sz="2200" dirty="0" smtClean="0"/>
-          </a:p>
-        </p:txBody>
-      </p:sp>
-      <p:sp>
-        <p:nvSpPr>
-          <p:cNvPr id="2" name="投影片編號版面配置區 1"/>
+      <p:sp>
+        <p:nvSpPr>
+          <p:cNvPr id="3" name="投影片編號版面配置區 2"/>
           <p:cNvSpPr>
             <a:spLocks noGrp="1"/>
           </p:cNvSpPr>
@@ -4772,14 +4666,14 @@
               <a:rPr lang="zh-TW" altLang="en-US" smtClean="0"/>
               <a:t>11</a:t>
             </a:fld>
-            <a:endParaRPr lang="zh-TW" altLang="en-US"/>
+            <a:endParaRPr lang="zh-TW" altLang="en-US" dirty="0"/>
           </a:p>
         </p:txBody>
       </p:sp>
     </p:spTree>
     <p:extLst>
       <p:ext uri="{BB962C8B-B14F-4D97-AF65-F5344CB8AC3E}">
-        <p14:creationId xmlns:p14="http://schemas.microsoft.com/office/powerpoint/2010/main" val="969067509"/>
+        <p14:creationId xmlns:p14="http://schemas.microsoft.com/office/powerpoint/2010/main" val="3789829527"/>
       </p:ext>
     </p:extLst>
   </p:cSld>
@@ -4916,140 +4810,522 @@
           <a:p>
             <a:r>
               <a:rPr lang="zh-TW" altLang="en-US" sz="4000" b="1" dirty="0" smtClean="0"/>
-              <a:t>首頁 </a:t>
-            </a:r>
-            <a:r>
-              <a:rPr lang="en-US" altLang="zh-TW" sz="4000" b="1" dirty="0"/>
-              <a:t>/</a:t>
-            </a:r>
-            <a:r>
-              <a:rPr lang="zh-TW" altLang="en-US" sz="4000" b="1" dirty="0"/>
-              <a:t> 時段</a:t>
-            </a:r>
-            <a:r>
-              <a:rPr lang="zh-TW" altLang="en-US" sz="4000" b="1" dirty="0" smtClean="0"/>
-              <a:t>管理</a:t>
+              <a:t>後台系統架構</a:t>
             </a:r>
             <a:endParaRPr lang="zh-TW" altLang="en-US" sz="4000" b="1" dirty="0"/>
           </a:p>
         </p:txBody>
       </p:sp>
-      <p:pic>
-        <p:nvPicPr>
-          <p:cNvPr id="3074" name="Picture 2"/>
-          <p:cNvPicPr>
-            <a:picLocks noChangeAspect="1" noChangeArrowheads="1"/>
-          </p:cNvPicPr>
+      <p:sp>
+        <p:nvSpPr>
+          <p:cNvPr id="2" name="矩形 1"/>
+          <p:cNvSpPr/>
           <p:nvPr/>
-        </p:nvPicPr>
-        <p:blipFill>
-          <a:blip r:embed="rId2">
-            <a:extLst>
-              <a:ext uri="{28A0092B-C50C-407E-A947-70E740481C1C}">
-                <a14:useLocalDpi xmlns:a14="http://schemas.microsoft.com/office/drawing/2010/main" val="0"/>
-              </a:ext>
-            </a:extLst>
-          </a:blip>
-          <a:srcRect/>
-          <a:stretch>
-            <a:fillRect/>
-          </a:stretch>
-        </p:blipFill>
-        <p:spPr bwMode="auto">
+        </p:nvSpPr>
+        <p:spPr>
           <a:xfrm>
-            <a:off x="1115616" y="3140968"/>
-            <a:ext cx="5943600" cy="2219325"/>
+            <a:off x="5148064" y="1340768"/>
+            <a:ext cx="1224136" cy="725990"/>
           </a:xfrm>
           <a:prstGeom prst="rect">
             <a:avLst/>
           </a:prstGeom>
-          <a:noFill/>
-          <a:ln>
-            <a:noFill/>
-          </a:ln>
-          <a:effectLst/>
-          <a:extLst>
-            <a:ext uri="{909E8E84-426E-40DD-AFC4-6F175D3DCCD1}">
-              <a14:hiddenFill xmlns:a14="http://schemas.microsoft.com/office/drawing/2010/main">
-                <a:solidFill>
-                  <a:schemeClr val="accent1"/>
-                </a:solidFill>
-              </a14:hiddenFill>
-            </a:ext>
-            <a:ext uri="{91240B29-F687-4F45-9708-019B960494DF}">
-              <a14:hiddenLine xmlns:a14="http://schemas.microsoft.com/office/drawing/2010/main" w="9525">
-                <a:solidFill>
-                  <a:schemeClr val="tx1"/>
-                </a:solidFill>
-                <a:miter lim="800000"/>
-                <a:headEnd/>
-                <a:tailEnd/>
-              </a14:hiddenLine>
-            </a:ext>
-            <a:ext uri="{AF507438-7753-43E0-B8FC-AC1667EBCBE1}">
-              <a14:hiddenEffects xmlns:a14="http://schemas.microsoft.com/office/drawing/2010/main">
-                <a:effectLst>
-                  <a:outerShdw dist="35921" dir="2700000" algn="ctr" rotWithShape="0">
-                    <a:schemeClr val="bg2"/>
-                  </a:outerShdw>
-                </a:effectLst>
-              </a14:hiddenEffects>
-            </a:ext>
-          </a:extLst>
-        </p:spPr>
-      </p:pic>
-      <p:sp>
-        <p:nvSpPr>
-          <p:cNvPr id="5" name="文字方塊 4"/>
-          <p:cNvSpPr txBox="1"/>
+        </p:spPr>
+        <p:style>
+          <a:lnRef idx="2">
+            <a:schemeClr val="accent1">
+              <a:shade val="50000"/>
+            </a:schemeClr>
+          </a:lnRef>
+          <a:fillRef idx="1">
+            <a:schemeClr val="accent1"/>
+          </a:fillRef>
+          <a:effectRef idx="0">
+            <a:schemeClr val="accent1"/>
+          </a:effectRef>
+          <a:fontRef idx="minor">
+            <a:schemeClr val="lt1"/>
+          </a:fontRef>
+        </p:style>
+        <p:txBody>
+          <a:bodyPr rtlCol="0" anchor="ctr"/>
+          <a:lstStyle/>
+          <a:p>
+            <a:pPr algn="ctr"/>
+            <a:r>
+              <a:rPr lang="zh-TW" altLang="en-US" dirty="0" smtClean="0"/>
+              <a:t>學童管理</a:t>
+            </a:r>
+            <a:endParaRPr lang="zh-TW" altLang="en-US" dirty="0"/>
+          </a:p>
+        </p:txBody>
+      </p:sp>
+      <p:sp>
+        <p:nvSpPr>
+          <p:cNvPr id="7" name="矩形 6"/>
+          <p:cNvSpPr/>
           <p:nvPr/>
         </p:nvSpPr>
         <p:spPr>
           <a:xfrm>
-            <a:off x="1043608" y="1926487"/>
-            <a:ext cx="6696744" cy="769441"/>
+            <a:off x="2555776" y="3429000"/>
+            <a:ext cx="1224136" cy="725990"/>
           </a:xfrm>
           <a:prstGeom prst="rect">
             <a:avLst/>
           </a:prstGeom>
-          <a:noFill/>
-        </p:spPr>
-        <p:txBody>
-          <a:bodyPr wrap="square" rtlCol="0">
-            <a:spAutoFit/>
-          </a:bodyPr>
+        </p:spPr>
+        <p:style>
+          <a:lnRef idx="2">
+            <a:schemeClr val="accent1">
+              <a:shade val="50000"/>
+            </a:schemeClr>
+          </a:lnRef>
+          <a:fillRef idx="1">
+            <a:schemeClr val="accent1"/>
+          </a:fillRef>
+          <a:effectRef idx="0">
+            <a:schemeClr val="accent1"/>
+          </a:effectRef>
+          <a:fontRef idx="minor">
+            <a:schemeClr val="lt1"/>
+          </a:fontRef>
+        </p:style>
+        <p:txBody>
+          <a:bodyPr rtlCol="0" anchor="ctr"/>
           <a:lstStyle/>
           <a:p>
-            <a:pPr marL="342900" indent="-342900">
-              <a:buFont typeface="Arial" pitchFamily="34" charset="0"/>
-              <a:buChar char="•"/>
-            </a:pPr>
-            <a:r>
-              <a:rPr lang="zh-TW" altLang="en-US" sz="2200" dirty="0" smtClean="0"/>
-              <a:t>所有店家便當兌換時間統一於此設定</a:t>
-            </a:r>
-            <a:endParaRPr lang="en-US" altLang="zh-TW" sz="2200" dirty="0" smtClean="0"/>
-          </a:p>
-          <a:p>
-            <a:pPr marL="342900" indent="-342900">
-              <a:buFont typeface="Arial" pitchFamily="34" charset="0"/>
-              <a:buChar char="•"/>
-            </a:pPr>
-            <a:r>
-              <a:rPr lang="zh-TW" altLang="en-US" sz="2200" dirty="0"/>
-              <a:t>每日</a:t>
-            </a:r>
-            <a:r>
-              <a:rPr lang="zh-TW" altLang="en-US" sz="2200" dirty="0" smtClean="0"/>
-              <a:t>兌換上限為兩次</a:t>
-            </a:r>
-            <a:endParaRPr lang="en-US" altLang="zh-TW" sz="2200" dirty="0" smtClean="0"/>
-          </a:p>
-        </p:txBody>
-      </p:sp>
-      <p:sp>
-        <p:nvSpPr>
-          <p:cNvPr id="2" name="投影片編號版面配置區 1"/>
+            <a:pPr algn="ctr"/>
+            <a:r>
+              <a:rPr lang="zh-TW" altLang="en-US" dirty="0" smtClean="0"/>
+              <a:t>首頁</a:t>
+            </a:r>
+            <a:endParaRPr lang="zh-TW" altLang="en-US" dirty="0"/>
+          </a:p>
+        </p:txBody>
+      </p:sp>
+      <p:sp>
+        <p:nvSpPr>
+          <p:cNvPr id="8" name="矩形 7"/>
+          <p:cNvSpPr/>
+          <p:nvPr/>
+        </p:nvSpPr>
+        <p:spPr>
+          <a:xfrm>
+            <a:off x="5148064" y="3950723"/>
+            <a:ext cx="1224136" cy="725990"/>
+          </a:xfrm>
+          <a:prstGeom prst="rect">
+            <a:avLst/>
+          </a:prstGeom>
+        </p:spPr>
+        <p:style>
+          <a:lnRef idx="2">
+            <a:schemeClr val="accent1">
+              <a:shade val="50000"/>
+            </a:schemeClr>
+          </a:lnRef>
+          <a:fillRef idx="1">
+            <a:schemeClr val="accent1"/>
+          </a:fillRef>
+          <a:effectRef idx="0">
+            <a:schemeClr val="accent1"/>
+          </a:effectRef>
+          <a:fontRef idx="minor">
+            <a:schemeClr val="lt1"/>
+          </a:fontRef>
+        </p:style>
+        <p:txBody>
+          <a:bodyPr rtlCol="0" anchor="ctr"/>
+          <a:lstStyle/>
+          <a:p>
+            <a:pPr algn="ctr"/>
+            <a:r>
+              <a:rPr lang="zh-TW" altLang="en-US" dirty="0" smtClean="0"/>
+              <a:t>兌換紀錄</a:t>
+            </a:r>
+            <a:endParaRPr lang="zh-TW" altLang="en-US" dirty="0"/>
+          </a:p>
+        </p:txBody>
+      </p:sp>
+      <p:sp>
+        <p:nvSpPr>
+          <p:cNvPr id="9" name="矩形 8"/>
+          <p:cNvSpPr/>
+          <p:nvPr/>
+        </p:nvSpPr>
+        <p:spPr>
+          <a:xfrm>
+            <a:off x="5148064" y="2216621"/>
+            <a:ext cx="1224136" cy="725990"/>
+          </a:xfrm>
+          <a:prstGeom prst="rect">
+            <a:avLst/>
+          </a:prstGeom>
+        </p:spPr>
+        <p:style>
+          <a:lnRef idx="2">
+            <a:schemeClr val="accent1">
+              <a:shade val="50000"/>
+            </a:schemeClr>
+          </a:lnRef>
+          <a:fillRef idx="1">
+            <a:schemeClr val="accent1"/>
+          </a:fillRef>
+          <a:effectRef idx="0">
+            <a:schemeClr val="accent1"/>
+          </a:effectRef>
+          <a:fontRef idx="minor">
+            <a:schemeClr val="lt1"/>
+          </a:fontRef>
+        </p:style>
+        <p:txBody>
+          <a:bodyPr rtlCol="0" anchor="ctr"/>
+          <a:lstStyle/>
+          <a:p>
+            <a:pPr algn="ctr"/>
+            <a:r>
+              <a:rPr lang="zh-TW" altLang="en-US" dirty="0" smtClean="0"/>
+              <a:t>店家管理</a:t>
+            </a:r>
+            <a:endParaRPr lang="zh-TW" altLang="en-US" dirty="0"/>
+          </a:p>
+        </p:txBody>
+      </p:sp>
+      <p:sp>
+        <p:nvSpPr>
+          <p:cNvPr id="10" name="矩形 9"/>
+          <p:cNvSpPr/>
+          <p:nvPr/>
+        </p:nvSpPr>
+        <p:spPr>
+          <a:xfrm>
+            <a:off x="5148064" y="3080717"/>
+            <a:ext cx="1224136" cy="725990"/>
+          </a:xfrm>
+          <a:prstGeom prst="rect">
+            <a:avLst/>
+          </a:prstGeom>
+        </p:spPr>
+        <p:style>
+          <a:lnRef idx="2">
+            <a:schemeClr val="accent1">
+              <a:shade val="50000"/>
+            </a:schemeClr>
+          </a:lnRef>
+          <a:fillRef idx="1">
+            <a:schemeClr val="accent1"/>
+          </a:fillRef>
+          <a:effectRef idx="0">
+            <a:schemeClr val="accent1"/>
+          </a:effectRef>
+          <a:fontRef idx="minor">
+            <a:schemeClr val="lt1"/>
+          </a:fontRef>
+        </p:style>
+        <p:txBody>
+          <a:bodyPr rtlCol="0" anchor="ctr"/>
+          <a:lstStyle/>
+          <a:p>
+            <a:pPr algn="ctr"/>
+            <a:r>
+              <a:rPr lang="zh-TW" altLang="en-US" dirty="0" smtClean="0"/>
+              <a:t>點數管理</a:t>
+            </a:r>
+            <a:endParaRPr lang="zh-TW" altLang="en-US" dirty="0"/>
+          </a:p>
+        </p:txBody>
+      </p:sp>
+      <p:sp>
+        <p:nvSpPr>
+          <p:cNvPr id="11" name="矩形 10"/>
+          <p:cNvSpPr/>
+          <p:nvPr/>
+        </p:nvSpPr>
+        <p:spPr>
+          <a:xfrm>
+            <a:off x="5148064" y="4808909"/>
+            <a:ext cx="1224136" cy="725990"/>
+          </a:xfrm>
+          <a:prstGeom prst="rect">
+            <a:avLst/>
+          </a:prstGeom>
+        </p:spPr>
+        <p:style>
+          <a:lnRef idx="2">
+            <a:schemeClr val="accent1">
+              <a:shade val="50000"/>
+            </a:schemeClr>
+          </a:lnRef>
+          <a:fillRef idx="1">
+            <a:schemeClr val="accent1"/>
+          </a:fillRef>
+          <a:effectRef idx="0">
+            <a:schemeClr val="accent1"/>
+          </a:effectRef>
+          <a:fontRef idx="minor">
+            <a:schemeClr val="lt1"/>
+          </a:fontRef>
+        </p:style>
+        <p:txBody>
+          <a:bodyPr rtlCol="0" anchor="ctr"/>
+          <a:lstStyle/>
+          <a:p>
+            <a:pPr algn="ctr"/>
+            <a:r>
+              <a:rPr lang="zh-TW" altLang="en-US" dirty="0" smtClean="0"/>
+              <a:t>系統參數</a:t>
+            </a:r>
+            <a:endParaRPr lang="zh-TW" altLang="en-US" dirty="0"/>
+          </a:p>
+        </p:txBody>
+      </p:sp>
+      <p:sp>
+        <p:nvSpPr>
+          <p:cNvPr id="12" name="矩形 11"/>
+          <p:cNvSpPr/>
+          <p:nvPr/>
+        </p:nvSpPr>
+        <p:spPr>
+          <a:xfrm>
+            <a:off x="5148064" y="5673005"/>
+            <a:ext cx="1224136" cy="725990"/>
+          </a:xfrm>
+          <a:prstGeom prst="rect">
+            <a:avLst/>
+          </a:prstGeom>
+        </p:spPr>
+        <p:style>
+          <a:lnRef idx="2">
+            <a:schemeClr val="accent1">
+              <a:shade val="50000"/>
+            </a:schemeClr>
+          </a:lnRef>
+          <a:fillRef idx="1">
+            <a:schemeClr val="accent1"/>
+          </a:fillRef>
+          <a:effectRef idx="0">
+            <a:schemeClr val="accent1"/>
+          </a:effectRef>
+          <a:fontRef idx="minor">
+            <a:schemeClr val="lt1"/>
+          </a:fontRef>
+        </p:style>
+        <p:txBody>
+          <a:bodyPr rtlCol="0" anchor="ctr"/>
+          <a:lstStyle/>
+          <a:p>
+            <a:pPr algn="ctr"/>
+            <a:r>
+              <a:rPr lang="zh-TW" altLang="en-US" dirty="0" smtClean="0"/>
+              <a:t>系統日誌</a:t>
+            </a:r>
+            <a:endParaRPr lang="zh-TW" altLang="en-US" dirty="0"/>
+          </a:p>
+        </p:txBody>
+      </p:sp>
+      <p:cxnSp>
+        <p:nvCxnSpPr>
+          <p:cNvPr id="13" name="肘形接點 12"/>
+          <p:cNvCxnSpPr>
+            <a:stCxn id="2" idx="1"/>
+            <a:endCxn id="7" idx="3"/>
+          </p:cNvCxnSpPr>
+          <p:nvPr/>
+        </p:nvCxnSpPr>
+        <p:spPr>
+          <a:xfrm rot="10800000" flipV="1">
+            <a:off x="3779912" y="1703763"/>
+            <a:ext cx="1368152" cy="2088232"/>
+          </a:xfrm>
+          <a:prstGeom prst="bentConnector3">
+            <a:avLst/>
+          </a:prstGeom>
+        </p:spPr>
+        <p:style>
+          <a:lnRef idx="1">
+            <a:schemeClr val="accent1"/>
+          </a:lnRef>
+          <a:fillRef idx="0">
+            <a:schemeClr val="accent1"/>
+          </a:fillRef>
+          <a:effectRef idx="0">
+            <a:schemeClr val="accent1"/>
+          </a:effectRef>
+          <a:fontRef idx="minor">
+            <a:schemeClr val="tx1"/>
+          </a:fontRef>
+        </p:style>
+      </p:cxnSp>
+      <p:cxnSp>
+        <p:nvCxnSpPr>
+          <p:cNvPr id="15" name="肘形接點 14"/>
+          <p:cNvCxnSpPr>
+            <a:stCxn id="9" idx="1"/>
+          </p:cNvCxnSpPr>
+          <p:nvPr/>
+        </p:nvCxnSpPr>
+        <p:spPr>
+          <a:xfrm rot="10800000" flipV="1">
+            <a:off x="3779912" y="2579615"/>
+            <a:ext cx="1368152" cy="1227091"/>
+          </a:xfrm>
+          <a:prstGeom prst="bentConnector3">
+            <a:avLst>
+              <a:gd name="adj1" fmla="val 50000"/>
+            </a:avLst>
+          </a:prstGeom>
+        </p:spPr>
+        <p:style>
+          <a:lnRef idx="1">
+            <a:schemeClr val="accent1"/>
+          </a:lnRef>
+          <a:fillRef idx="0">
+            <a:schemeClr val="accent1"/>
+          </a:fillRef>
+          <a:effectRef idx="0">
+            <a:schemeClr val="accent1"/>
+          </a:effectRef>
+          <a:fontRef idx="minor">
+            <a:schemeClr val="tx1"/>
+          </a:fontRef>
+        </p:style>
+      </p:cxnSp>
+      <p:cxnSp>
+        <p:nvCxnSpPr>
+          <p:cNvPr id="18" name="肘形接點 17"/>
+          <p:cNvCxnSpPr>
+            <a:stCxn id="10" idx="1"/>
+            <a:endCxn id="7" idx="3"/>
+          </p:cNvCxnSpPr>
+          <p:nvPr/>
+        </p:nvCxnSpPr>
+        <p:spPr>
+          <a:xfrm rot="10800000" flipV="1">
+            <a:off x="3779912" y="3443711"/>
+            <a:ext cx="1368152" cy="348283"/>
+          </a:xfrm>
+          <a:prstGeom prst="bentConnector3">
+            <a:avLst/>
+          </a:prstGeom>
+        </p:spPr>
+        <p:style>
+          <a:lnRef idx="1">
+            <a:schemeClr val="accent1"/>
+          </a:lnRef>
+          <a:fillRef idx="0">
+            <a:schemeClr val="accent1"/>
+          </a:fillRef>
+          <a:effectRef idx="0">
+            <a:schemeClr val="accent1"/>
+          </a:effectRef>
+          <a:fontRef idx="minor">
+            <a:schemeClr val="tx1"/>
+          </a:fontRef>
+        </p:style>
+      </p:cxnSp>
+      <p:cxnSp>
+        <p:nvCxnSpPr>
+          <p:cNvPr id="20" name="肘形接點 19"/>
+          <p:cNvCxnSpPr>
+            <a:stCxn id="8" idx="1"/>
+            <a:endCxn id="7" idx="3"/>
+          </p:cNvCxnSpPr>
+          <p:nvPr/>
+        </p:nvCxnSpPr>
+        <p:spPr>
+          <a:xfrm rot="10800000">
+            <a:off x="3779912" y="3791996"/>
+            <a:ext cx="1368152" cy="521723"/>
+          </a:xfrm>
+          <a:prstGeom prst="bentConnector3">
+            <a:avLst/>
+          </a:prstGeom>
+        </p:spPr>
+        <p:style>
+          <a:lnRef idx="1">
+            <a:schemeClr val="accent1"/>
+          </a:lnRef>
+          <a:fillRef idx="0">
+            <a:schemeClr val="accent1"/>
+          </a:fillRef>
+          <a:effectRef idx="0">
+            <a:schemeClr val="accent1"/>
+          </a:effectRef>
+          <a:fontRef idx="minor">
+            <a:schemeClr val="tx1"/>
+          </a:fontRef>
+        </p:style>
+      </p:cxnSp>
+      <p:cxnSp>
+        <p:nvCxnSpPr>
+          <p:cNvPr id="22" name="肘形接點 21"/>
+          <p:cNvCxnSpPr>
+            <a:stCxn id="11" idx="1"/>
+            <a:endCxn id="7" idx="3"/>
+          </p:cNvCxnSpPr>
+          <p:nvPr/>
+        </p:nvCxnSpPr>
+        <p:spPr>
+          <a:xfrm rot="10800000">
+            <a:off x="3779912" y="3791996"/>
+            <a:ext cx="1368152" cy="1379909"/>
+          </a:xfrm>
+          <a:prstGeom prst="bentConnector3">
+            <a:avLst/>
+          </a:prstGeom>
+        </p:spPr>
+        <p:style>
+          <a:lnRef idx="1">
+            <a:schemeClr val="accent1"/>
+          </a:lnRef>
+          <a:fillRef idx="0">
+            <a:schemeClr val="accent1"/>
+          </a:fillRef>
+          <a:effectRef idx="0">
+            <a:schemeClr val="accent1"/>
+          </a:effectRef>
+          <a:fontRef idx="minor">
+            <a:schemeClr val="tx1"/>
+          </a:fontRef>
+        </p:style>
+      </p:cxnSp>
+      <p:cxnSp>
+        <p:nvCxnSpPr>
+          <p:cNvPr id="24" name="肘形接點 23"/>
+          <p:cNvCxnSpPr>
+            <a:stCxn id="12" idx="1"/>
+            <a:endCxn id="7" idx="3"/>
+          </p:cNvCxnSpPr>
+          <p:nvPr/>
+        </p:nvCxnSpPr>
+        <p:spPr>
+          <a:xfrm rot="10800000">
+            <a:off x="3779912" y="3791996"/>
+            <a:ext cx="1368152" cy="2244005"/>
+          </a:xfrm>
+          <a:prstGeom prst="bentConnector3">
+            <a:avLst/>
+          </a:prstGeom>
+        </p:spPr>
+        <p:style>
+          <a:lnRef idx="1">
+            <a:schemeClr val="accent1"/>
+          </a:lnRef>
+          <a:fillRef idx="0">
+            <a:schemeClr val="accent1"/>
+          </a:fillRef>
+          <a:effectRef idx="0">
+            <a:schemeClr val="accent1"/>
+          </a:effectRef>
+          <a:fontRef idx="minor">
+            <a:schemeClr val="tx1"/>
+          </a:fontRef>
+        </p:style>
+      </p:cxnSp>
+      <p:sp>
+        <p:nvSpPr>
+          <p:cNvPr id="3" name="投影片編號版面配置區 2"/>
           <p:cNvSpPr>
             <a:spLocks noGrp="1"/>
           </p:cNvSpPr>
@@ -5066,14 +5342,14 @@
               <a:rPr lang="zh-TW" altLang="en-US" smtClean="0"/>
               <a:t>12</a:t>
             </a:fld>
-            <a:endParaRPr lang="zh-TW" altLang="en-US"/>
+            <a:endParaRPr lang="zh-TW" altLang="en-US" dirty="0"/>
           </a:p>
         </p:txBody>
       </p:sp>
     </p:spTree>
     <p:extLst>
       <p:ext uri="{BB962C8B-B14F-4D97-AF65-F5344CB8AC3E}">
-        <p14:creationId xmlns:p14="http://schemas.microsoft.com/office/powerpoint/2010/main" val="1382579170"/>
+        <p14:creationId xmlns:p14="http://schemas.microsoft.com/office/powerpoint/2010/main" val="3268592478"/>
       </p:ext>
     </p:extLst>
   </p:cSld>
@@ -5209,28 +5485,387 @@
           </a:lstStyle>
           <a:p>
             <a:r>
+              <a:rPr lang="zh-TW" altLang="en-US" sz="4000" b="1" dirty="0"/>
+              <a:t>全</a:t>
+            </a:r>
+            <a:r>
+              <a:rPr lang="zh-TW" altLang="en-US" sz="4000" b="1" dirty="0" smtClean="0"/>
+              <a:t>幅展示 </a:t>
+            </a:r>
+            <a:endParaRPr lang="zh-TW" altLang="en-US" sz="4000" b="1" dirty="0"/>
+          </a:p>
+        </p:txBody>
+      </p:sp>
+      <p:pic>
+        <p:nvPicPr>
+          <p:cNvPr id="1026" name="Picture 2"/>
+          <p:cNvPicPr>
+            <a:picLocks noChangeAspect="1" noChangeArrowheads="1"/>
+          </p:cNvPicPr>
+          <p:nvPr/>
+        </p:nvPicPr>
+        <p:blipFill>
+          <a:blip r:embed="rId2" cstate="print">
+            <a:extLst>
+              <a:ext uri="{28A0092B-C50C-407E-A947-70E740481C1C}">
+                <a14:useLocalDpi xmlns:a14="http://schemas.microsoft.com/office/drawing/2010/main" val="0"/>
+              </a:ext>
+            </a:extLst>
+          </a:blip>
+          <a:srcRect/>
+          <a:stretch>
+            <a:fillRect/>
+          </a:stretch>
+        </p:blipFill>
+        <p:spPr bwMode="auto">
+          <a:xfrm>
+            <a:off x="1202241" y="2890817"/>
+            <a:ext cx="7402206" cy="3652276"/>
+          </a:xfrm>
+          <a:prstGeom prst="rect">
+            <a:avLst/>
+          </a:prstGeom>
+          <a:noFill/>
+          <a:ln>
+            <a:noFill/>
+          </a:ln>
+          <a:effectLst/>
+          <a:extLst>
+            <a:ext uri="{909E8E84-426E-40DD-AFC4-6F175D3DCCD1}">
+              <a14:hiddenFill xmlns:a14="http://schemas.microsoft.com/office/drawing/2010/main">
+                <a:solidFill>
+                  <a:schemeClr val="accent1"/>
+                </a:solidFill>
+              </a14:hiddenFill>
+            </a:ext>
+            <a:ext uri="{91240B29-F687-4F45-9708-019B960494DF}">
+              <a14:hiddenLine xmlns:a14="http://schemas.microsoft.com/office/drawing/2010/main" w="9525">
+                <a:solidFill>
+                  <a:schemeClr val="tx1"/>
+                </a:solidFill>
+                <a:miter lim="800000"/>
+                <a:headEnd/>
+                <a:tailEnd/>
+              </a14:hiddenLine>
+            </a:ext>
+            <a:ext uri="{AF507438-7753-43E0-B8FC-AC1667EBCBE1}">
+              <a14:hiddenEffects xmlns:a14="http://schemas.microsoft.com/office/drawing/2010/main">
+                <a:effectLst>
+                  <a:outerShdw dist="35921" dir="2700000" algn="ctr" rotWithShape="0">
+                    <a:schemeClr val="bg2"/>
+                  </a:outerShdw>
+                </a:effectLst>
+              </a14:hiddenEffects>
+            </a:ext>
+          </a:extLst>
+        </p:spPr>
+      </p:pic>
+      <p:sp>
+        <p:nvSpPr>
+          <p:cNvPr id="2" name="矩形 1"/>
+          <p:cNvSpPr/>
+          <p:nvPr/>
+        </p:nvSpPr>
+        <p:spPr>
+          <a:xfrm>
+            <a:off x="914210" y="1700808"/>
+            <a:ext cx="7690237" cy="923330"/>
+          </a:xfrm>
+          <a:prstGeom prst="rect">
+            <a:avLst/>
+          </a:prstGeom>
+        </p:spPr>
+        <p:txBody>
+          <a:bodyPr wrap="square">
+            <a:spAutoFit/>
+          </a:bodyPr>
+          <a:lstStyle/>
+          <a:p>
+            <a:pPr marL="342900" indent="-342900">
+              <a:buFont typeface="Arial" pitchFamily="34" charset="0"/>
+              <a:buChar char="•"/>
+            </a:pPr>
+            <a:r>
+              <a:rPr lang="zh-TW" altLang="en-US" dirty="0" smtClean="0"/>
+              <a:t>網站版型以左選單為輔右畫面為主</a:t>
+            </a:r>
+            <a:endParaRPr lang="en-US" altLang="zh-TW" dirty="0"/>
+          </a:p>
+          <a:p>
+            <a:pPr marL="342900" indent="-342900">
+              <a:buFont typeface="Arial" pitchFamily="34" charset="0"/>
+              <a:buChar char="•"/>
+            </a:pPr>
+            <a:r>
+              <a:rPr lang="zh-TW" altLang="en-US" dirty="0" smtClean="0"/>
+              <a:t>標題列左側為網站主標題可放置</a:t>
+            </a:r>
+            <a:r>
+              <a:rPr lang="en-US" altLang="zh-TW" dirty="0" smtClean="0"/>
+              <a:t>LOGO</a:t>
+            </a:r>
+          </a:p>
+          <a:p>
+            <a:pPr marL="342900" indent="-342900">
+              <a:buFont typeface="Arial" pitchFamily="34" charset="0"/>
+              <a:buChar char="•"/>
+            </a:pPr>
+            <a:r>
+              <a:rPr lang="zh-TW" altLang="en-US" dirty="0" smtClean="0"/>
+              <a:t>標題列右側為相關通知及登出功能</a:t>
+            </a:r>
+            <a:endParaRPr lang="en-US" altLang="zh-TW" dirty="0"/>
+          </a:p>
+        </p:txBody>
+      </p:sp>
+      <p:sp>
+        <p:nvSpPr>
+          <p:cNvPr id="3" name="投影片編號版面配置區 2"/>
+          <p:cNvSpPr>
+            <a:spLocks noGrp="1"/>
+          </p:cNvSpPr>
+          <p:nvPr>
+            <p:ph type="sldNum" sz="quarter" idx="11"/>
+          </p:nvPr>
+        </p:nvSpPr>
+        <p:spPr/>
+        <p:txBody>
+          <a:bodyPr/>
+          <a:lstStyle/>
+          <a:p>
+            <a:fld id="{2F1FFCCD-F281-4AA3-8926-41B83FC06AAE}" type="slidenum">
+              <a:rPr lang="zh-TW" altLang="en-US" smtClean="0"/>
+              <a:t>13</a:t>
+            </a:fld>
+            <a:endParaRPr lang="zh-TW" altLang="en-US"/>
+          </a:p>
+        </p:txBody>
+      </p:sp>
+    </p:spTree>
+    <p:extLst>
+      <p:ext uri="{BB962C8B-B14F-4D97-AF65-F5344CB8AC3E}">
+        <p14:creationId xmlns:p14="http://schemas.microsoft.com/office/powerpoint/2010/main" val="1364279349"/>
+      </p:ext>
+    </p:extLst>
+  </p:cSld>
+  <p:clrMapOvr>
+    <a:masterClrMapping/>
+  </p:clrMapOvr>
+  <p:timing>
+    <p:tnLst>
+      <p:par>
+        <p:cTn id="1" dur="indefinite" restart="never" nodeType="tmRoot"/>
+      </p:par>
+    </p:tnLst>
+  </p:timing>
+</p:sld>
+</file>
+
+<file path=ppt/slides/slide14.xml><?xml version="1.0" encoding="utf-8"?>
+<p:sld xmlns:a="http://schemas.openxmlformats.org/drawingml/2006/main" xmlns:r="http://schemas.openxmlformats.org/officeDocument/2006/relationships" xmlns:p="http://schemas.openxmlformats.org/presentationml/2006/main">
+  <p:cSld>
+    <p:spTree>
+      <p:nvGrpSpPr>
+        <p:cNvPr id="1" name=""/>
+        <p:cNvGrpSpPr/>
+        <p:nvPr/>
+      </p:nvGrpSpPr>
+      <p:grpSpPr>
+        <a:xfrm>
+          <a:off x="0" y="0"/>
+          <a:ext cx="0" cy="0"/>
+          <a:chOff x="0" y="0"/>
+          <a:chExt cx="0" cy="0"/>
+        </a:xfrm>
+      </p:grpSpPr>
+      <p:sp>
+        <p:nvSpPr>
+          <p:cNvPr id="4" name="標題 1"/>
+          <p:cNvSpPr txBox="1">
+            <a:spLocks/>
+          </p:cNvSpPr>
+          <p:nvPr/>
+        </p:nvSpPr>
+        <p:spPr>
+          <a:xfrm>
+            <a:off x="914211" y="764704"/>
+            <a:ext cx="7543800" cy="720080"/>
+          </a:xfrm>
+          <a:prstGeom prst="rect">
+            <a:avLst/>
+          </a:prstGeom>
+        </p:spPr>
+        <p:txBody>
+          <a:bodyPr vert="horz" lIns="91440" tIns="45720" rIns="91440" bIns="45720" rtlCol="0" anchor="b">
+            <a:noAutofit/>
+          </a:bodyPr>
+          <a:lstStyle>
+            <a:lvl1pPr algn="l" defTabSz="914400" rtl="0" eaLnBrk="1" latinLnBrk="0" hangingPunct="1">
+              <a:spcBef>
+                <a:spcPct val="0"/>
+              </a:spcBef>
+              <a:buNone/>
+              <a:defRPr sz="6000" kern="1200">
+                <a:solidFill>
+                  <a:schemeClr val="tx1"/>
+                </a:solidFill>
+                <a:effectLst>
+                  <a:outerShdw blurRad="38100" dist="38100" dir="2700000" algn="tl">
+                    <a:srgbClr val="000000">
+                      <a:alpha val="43137"/>
+                    </a:srgbClr>
+                  </a:outerShdw>
+                </a:effectLst>
+                <a:latin typeface="+mj-lt"/>
+                <a:ea typeface="+mj-ea"/>
+                <a:cs typeface="+mj-cs"/>
+              </a:defRPr>
+            </a:lvl1pPr>
+            <a:lvl2pPr eaLnBrk="1" hangingPunct="1">
+              <a:defRPr>
+                <a:solidFill>
+                  <a:schemeClr val="tx2"/>
+                </a:solidFill>
+              </a:defRPr>
+            </a:lvl2pPr>
+            <a:lvl3pPr eaLnBrk="1" hangingPunct="1">
+              <a:defRPr>
+                <a:solidFill>
+                  <a:schemeClr val="tx2"/>
+                </a:solidFill>
+              </a:defRPr>
+            </a:lvl3pPr>
+            <a:lvl4pPr eaLnBrk="1" hangingPunct="1">
+              <a:defRPr>
+                <a:solidFill>
+                  <a:schemeClr val="tx2"/>
+                </a:solidFill>
+              </a:defRPr>
+            </a:lvl4pPr>
+            <a:lvl5pPr eaLnBrk="1" hangingPunct="1">
+              <a:defRPr>
+                <a:solidFill>
+                  <a:schemeClr val="tx2"/>
+                </a:solidFill>
+              </a:defRPr>
+            </a:lvl5pPr>
+            <a:lvl6pPr eaLnBrk="1" hangingPunct="1">
+              <a:defRPr>
+                <a:solidFill>
+                  <a:schemeClr val="tx2"/>
+                </a:solidFill>
+              </a:defRPr>
+            </a:lvl6pPr>
+            <a:lvl7pPr eaLnBrk="1" hangingPunct="1">
+              <a:defRPr>
+                <a:solidFill>
+                  <a:schemeClr val="tx2"/>
+                </a:solidFill>
+              </a:defRPr>
+            </a:lvl7pPr>
+            <a:lvl8pPr eaLnBrk="1" hangingPunct="1">
+              <a:defRPr>
+                <a:solidFill>
+                  <a:schemeClr val="tx2"/>
+                </a:solidFill>
+              </a:defRPr>
+            </a:lvl8pPr>
+            <a:lvl9pPr eaLnBrk="1" hangingPunct="1">
+              <a:defRPr>
+                <a:solidFill>
+                  <a:schemeClr val="tx2"/>
+                </a:solidFill>
+              </a:defRPr>
+            </a:lvl9pPr>
+          </a:lstStyle>
+          <a:p>
+            <a:r>
               <a:rPr lang="zh-TW" altLang="en-US" sz="4000" b="1" dirty="0" smtClean="0"/>
               <a:t>首頁 </a:t>
             </a:r>
             <a:r>
-              <a:rPr lang="en-US" altLang="zh-TW" sz="4000" b="1" dirty="0"/>
+              <a:rPr lang="en-US" altLang="zh-TW" sz="4000" b="1" dirty="0" smtClean="0"/>
               <a:t>/</a:t>
             </a:r>
             <a:r>
-              <a:rPr lang="zh-TW" altLang="en-US" sz="4000" b="1" dirty="0"/>
-              <a:t> </a:t>
-            </a:r>
-            <a:r>
               <a:rPr lang="zh-TW" altLang="en-US" sz="4000" b="1" dirty="0" smtClean="0"/>
-              <a:t>系統日誌</a:t>
+              <a:t> 選單</a:t>
             </a:r>
             <a:endParaRPr lang="zh-TW" altLang="en-US" sz="4000" b="1" dirty="0"/>
+          </a:p>
+        </p:txBody>
+      </p:sp>
+      <p:sp>
+        <p:nvSpPr>
+          <p:cNvPr id="2" name="文字方塊 1"/>
+          <p:cNvSpPr txBox="1"/>
+          <p:nvPr/>
+        </p:nvSpPr>
+        <p:spPr>
+          <a:xfrm>
+            <a:off x="755576" y="2243753"/>
+            <a:ext cx="4248472" cy="1107996"/>
+          </a:xfrm>
+          <a:prstGeom prst="rect">
+            <a:avLst/>
+          </a:prstGeom>
+          <a:noFill/>
+        </p:spPr>
+        <p:txBody>
+          <a:bodyPr wrap="square" rtlCol="0">
+            <a:spAutoFit/>
+          </a:bodyPr>
+          <a:lstStyle/>
+          <a:p>
+            <a:pPr marL="342900" indent="-342900">
+              <a:buFont typeface="Arial" pitchFamily="34" charset="0"/>
+              <a:buChar char="•"/>
+            </a:pPr>
+            <a:r>
+              <a:rPr lang="zh-TW" altLang="en-US" sz="2200" dirty="0" smtClean="0"/>
+              <a:t>選單部分以直條形式呈現</a:t>
+            </a:r>
+            <a:endParaRPr lang="en-US" altLang="zh-TW" sz="2200" dirty="0" smtClean="0"/>
+          </a:p>
+          <a:p>
+            <a:pPr marL="342900" indent="-342900">
+              <a:buFont typeface="Arial" pitchFamily="34" charset="0"/>
+              <a:buChar char="•"/>
+            </a:pPr>
+            <a:r>
+              <a:rPr lang="zh-TW" altLang="en-US" sz="2200" dirty="0"/>
+              <a:t>子選單</a:t>
+            </a:r>
+            <a:r>
+              <a:rPr lang="zh-TW" altLang="en-US" sz="2200" dirty="0" smtClean="0"/>
+              <a:t>部分點選</a:t>
+            </a:r>
+            <a:r>
+              <a:rPr lang="zh-TW" altLang="en-US" sz="2200" dirty="0"/>
+              <a:t>後向下</a:t>
+            </a:r>
+            <a:r>
+              <a:rPr lang="zh-TW" altLang="en-US" sz="2200" dirty="0" smtClean="0"/>
+              <a:t>展開</a:t>
+            </a:r>
+            <a:endParaRPr lang="en-US" altLang="zh-TW" sz="2200" dirty="0" smtClean="0"/>
+          </a:p>
+          <a:p>
+            <a:pPr marL="342900" indent="-342900">
+              <a:buFont typeface="Arial" pitchFamily="34" charset="0"/>
+              <a:buChar char="•"/>
+            </a:pPr>
+            <a:r>
+              <a:rPr lang="zh-TW" altLang="en-US" sz="2200" dirty="0" smtClean="0"/>
+              <a:t>選單底色以淺灰對應當前網頁</a:t>
+            </a:r>
+            <a:endParaRPr lang="en-US" altLang="zh-TW" sz="2200" dirty="0" smtClean="0"/>
           </a:p>
         </p:txBody>
       </p:sp>
       <p:pic>
         <p:nvPicPr>
-          <p:cNvPr id="7170" name="Picture 2"/>
+          <p:cNvPr id="1026" name="Picture 2"/>
           <p:cNvPicPr>
             <a:picLocks noChangeAspect="1" noChangeArrowheads="1"/>
           </p:cNvPicPr>
@@ -5251,8 +5886,8 @@
         </p:blipFill>
         <p:spPr bwMode="auto">
           <a:xfrm>
-            <a:off x="827584" y="2780928"/>
-            <a:ext cx="7272808" cy="3191332"/>
+            <a:off x="5364088" y="1018537"/>
+            <a:ext cx="2428875" cy="5343525"/>
           </a:xfrm>
           <a:prstGeom prst="rect">
             <a:avLst/>
@@ -5294,19 +5929,260 @@
       </p:pic>
       <p:sp>
         <p:nvSpPr>
-          <p:cNvPr id="5" name="文字方塊 4"/>
-          <p:cNvSpPr txBox="1"/>
+          <p:cNvPr id="3" name="投影片編號版面配置區 2"/>
+          <p:cNvSpPr>
+            <a:spLocks noGrp="1"/>
+          </p:cNvSpPr>
+          <p:nvPr>
+            <p:ph type="sldNum" sz="quarter" idx="11"/>
+          </p:nvPr>
+        </p:nvSpPr>
+        <p:spPr/>
+        <p:txBody>
+          <a:bodyPr/>
+          <a:lstStyle/>
+          <a:p>
+            <a:fld id="{2F1FFCCD-F281-4AA3-8926-41B83FC06AAE}" type="slidenum">
+              <a:rPr lang="zh-TW" altLang="en-US" smtClean="0"/>
+              <a:t>14</a:t>
+            </a:fld>
+            <a:endParaRPr lang="zh-TW" altLang="en-US"/>
+          </a:p>
+        </p:txBody>
+      </p:sp>
+    </p:spTree>
+    <p:extLst>
+      <p:ext uri="{BB962C8B-B14F-4D97-AF65-F5344CB8AC3E}">
+        <p14:creationId xmlns:p14="http://schemas.microsoft.com/office/powerpoint/2010/main" val="4264708643"/>
+      </p:ext>
+    </p:extLst>
+  </p:cSld>
+  <p:clrMapOvr>
+    <a:masterClrMapping/>
+  </p:clrMapOvr>
+  <p:timing>
+    <p:tnLst>
+      <p:par>
+        <p:cTn id="1" dur="indefinite" restart="never" nodeType="tmRoot"/>
+      </p:par>
+    </p:tnLst>
+  </p:timing>
+</p:sld>
+</file>
+
+<file path=ppt/slides/slide15.xml><?xml version="1.0" encoding="utf-8"?>
+<p:sld xmlns:a="http://schemas.openxmlformats.org/drawingml/2006/main" xmlns:r="http://schemas.openxmlformats.org/officeDocument/2006/relationships" xmlns:p="http://schemas.openxmlformats.org/presentationml/2006/main">
+  <p:cSld>
+    <p:spTree>
+      <p:nvGrpSpPr>
+        <p:cNvPr id="1" name=""/>
+        <p:cNvGrpSpPr/>
+        <p:nvPr/>
+      </p:nvGrpSpPr>
+      <p:grpSpPr>
+        <a:xfrm>
+          <a:off x="0" y="0"/>
+          <a:ext cx="0" cy="0"/>
+          <a:chOff x="0" y="0"/>
+          <a:chExt cx="0" cy="0"/>
+        </a:xfrm>
+      </p:grpSpPr>
+      <p:sp>
+        <p:nvSpPr>
+          <p:cNvPr id="4" name="標題 1"/>
+          <p:cNvSpPr txBox="1">
+            <a:spLocks/>
+          </p:cNvSpPr>
           <p:nvPr/>
         </p:nvSpPr>
         <p:spPr>
           <a:xfrm>
-            <a:off x="1043608" y="1926487"/>
-            <a:ext cx="6696744" cy="430887"/>
+            <a:off x="914211" y="764704"/>
+            <a:ext cx="7543800" cy="720080"/>
+          </a:xfrm>
+          <a:prstGeom prst="rect">
+            <a:avLst/>
+          </a:prstGeom>
+        </p:spPr>
+        <p:txBody>
+          <a:bodyPr vert="horz" lIns="91440" tIns="45720" rIns="91440" bIns="45720" rtlCol="0" anchor="b">
+            <a:noAutofit/>
+          </a:bodyPr>
+          <a:lstStyle>
+            <a:lvl1pPr algn="l" defTabSz="914400" rtl="0" eaLnBrk="1" latinLnBrk="0" hangingPunct="1">
+              <a:spcBef>
+                <a:spcPct val="0"/>
+              </a:spcBef>
+              <a:buNone/>
+              <a:defRPr sz="6000" kern="1200">
+                <a:solidFill>
+                  <a:schemeClr val="tx1"/>
+                </a:solidFill>
+                <a:effectLst>
+                  <a:outerShdw blurRad="38100" dist="38100" dir="2700000" algn="tl">
+                    <a:srgbClr val="000000">
+                      <a:alpha val="43137"/>
+                    </a:srgbClr>
+                  </a:outerShdw>
+                </a:effectLst>
+                <a:latin typeface="+mj-lt"/>
+                <a:ea typeface="+mj-ea"/>
+                <a:cs typeface="+mj-cs"/>
+              </a:defRPr>
+            </a:lvl1pPr>
+            <a:lvl2pPr eaLnBrk="1" hangingPunct="1">
+              <a:defRPr>
+                <a:solidFill>
+                  <a:schemeClr val="tx2"/>
+                </a:solidFill>
+              </a:defRPr>
+            </a:lvl2pPr>
+            <a:lvl3pPr eaLnBrk="1" hangingPunct="1">
+              <a:defRPr>
+                <a:solidFill>
+                  <a:schemeClr val="tx2"/>
+                </a:solidFill>
+              </a:defRPr>
+            </a:lvl3pPr>
+            <a:lvl4pPr eaLnBrk="1" hangingPunct="1">
+              <a:defRPr>
+                <a:solidFill>
+                  <a:schemeClr val="tx2"/>
+                </a:solidFill>
+              </a:defRPr>
+            </a:lvl4pPr>
+            <a:lvl5pPr eaLnBrk="1" hangingPunct="1">
+              <a:defRPr>
+                <a:solidFill>
+                  <a:schemeClr val="tx2"/>
+                </a:solidFill>
+              </a:defRPr>
+            </a:lvl5pPr>
+            <a:lvl6pPr eaLnBrk="1" hangingPunct="1">
+              <a:defRPr>
+                <a:solidFill>
+                  <a:schemeClr val="tx2"/>
+                </a:solidFill>
+              </a:defRPr>
+            </a:lvl6pPr>
+            <a:lvl7pPr eaLnBrk="1" hangingPunct="1">
+              <a:defRPr>
+                <a:solidFill>
+                  <a:schemeClr val="tx2"/>
+                </a:solidFill>
+              </a:defRPr>
+            </a:lvl7pPr>
+            <a:lvl8pPr eaLnBrk="1" hangingPunct="1">
+              <a:defRPr>
+                <a:solidFill>
+                  <a:schemeClr val="tx2"/>
+                </a:solidFill>
+              </a:defRPr>
+            </a:lvl8pPr>
+            <a:lvl9pPr eaLnBrk="1" hangingPunct="1">
+              <a:defRPr>
+                <a:solidFill>
+                  <a:schemeClr val="tx2"/>
+                </a:solidFill>
+              </a:defRPr>
+            </a:lvl9pPr>
+          </a:lstStyle>
+          <a:p>
+            <a:r>
+              <a:rPr lang="zh-TW" altLang="en-US" sz="4000" b="1" dirty="0" smtClean="0"/>
+              <a:t>首頁 </a:t>
+            </a:r>
+            <a:r>
+              <a:rPr lang="en-US" altLang="zh-TW" sz="4000" b="1" dirty="0" smtClean="0"/>
+              <a:t>/</a:t>
+            </a:r>
+            <a:r>
+              <a:rPr lang="zh-TW" altLang="en-US" sz="4000" b="1" dirty="0" smtClean="0"/>
+              <a:t> 標題列</a:t>
+            </a:r>
+            <a:endParaRPr lang="zh-TW" altLang="en-US" sz="4000" b="1" dirty="0"/>
+          </a:p>
+        </p:txBody>
+      </p:sp>
+      <p:pic>
+        <p:nvPicPr>
+          <p:cNvPr id="2050" name="Picture 2"/>
+          <p:cNvPicPr>
+            <a:picLocks noChangeAspect="1" noChangeArrowheads="1"/>
+          </p:cNvPicPr>
+          <p:nvPr/>
+        </p:nvPicPr>
+        <p:blipFill>
+          <a:blip r:embed="rId2">
+            <a:extLst>
+              <a:ext uri="{28A0092B-C50C-407E-A947-70E740481C1C}">
+                <a14:useLocalDpi xmlns:a14="http://schemas.microsoft.com/office/drawing/2010/main" val="0"/>
+              </a:ext>
+            </a:extLst>
+          </a:blip>
+          <a:srcRect/>
+          <a:stretch>
+            <a:fillRect/>
+          </a:stretch>
+        </p:blipFill>
+        <p:spPr bwMode="auto">
+          <a:xfrm>
+            <a:off x="1979712" y="3140968"/>
+            <a:ext cx="4752529" cy="3135224"/>
           </a:xfrm>
           <a:prstGeom prst="rect">
             <a:avLst/>
           </a:prstGeom>
           <a:noFill/>
+          <a:ln>
+            <a:noFill/>
+          </a:ln>
+          <a:effectLst/>
+          <a:extLst>
+            <a:ext uri="{909E8E84-426E-40DD-AFC4-6F175D3DCCD1}">
+              <a14:hiddenFill xmlns:a14="http://schemas.microsoft.com/office/drawing/2010/main">
+                <a:solidFill>
+                  <a:schemeClr val="accent1"/>
+                </a:solidFill>
+              </a14:hiddenFill>
+            </a:ext>
+            <a:ext uri="{91240B29-F687-4F45-9708-019B960494DF}">
+              <a14:hiddenLine xmlns:a14="http://schemas.microsoft.com/office/drawing/2010/main" w="9525">
+                <a:solidFill>
+                  <a:schemeClr val="tx1"/>
+                </a:solidFill>
+                <a:miter lim="800000"/>
+                <a:headEnd/>
+                <a:tailEnd/>
+              </a14:hiddenLine>
+            </a:ext>
+            <a:ext uri="{AF507438-7753-43E0-B8FC-AC1667EBCBE1}">
+              <a14:hiddenEffects xmlns:a14="http://schemas.microsoft.com/office/drawing/2010/main">
+                <a:effectLst>
+                  <a:outerShdw dist="35921" dir="2700000" algn="ctr" rotWithShape="0">
+                    <a:schemeClr val="bg2"/>
+                  </a:outerShdw>
+                </a:effectLst>
+              </a14:hiddenEffects>
+            </a:ext>
+          </a:extLst>
+        </p:spPr>
+      </p:pic>
+      <p:sp>
+        <p:nvSpPr>
+          <p:cNvPr id="5" name="文字方塊 4"/>
+          <p:cNvSpPr txBox="1"/>
+          <p:nvPr/>
+        </p:nvSpPr>
+        <p:spPr>
+          <a:xfrm>
+            <a:off x="1043608" y="1926487"/>
+            <a:ext cx="6696744" cy="769441"/>
+          </a:xfrm>
+          <a:prstGeom prst="rect">
+            <a:avLst/>
+          </a:prstGeom>
+          <a:noFill/>
         </p:spPr>
         <p:txBody>
           <a:bodyPr wrap="square" rtlCol="0">
@@ -5319,12 +6195,35 @@
               <a:buChar char="•"/>
             </a:pPr>
             <a:r>
+              <a:rPr lang="zh-TW" altLang="en-US" sz="2200" dirty="0" smtClean="0"/>
+              <a:t>標題通知列展開後為條列式項目</a:t>
+            </a:r>
+            <a:endParaRPr lang="en-US" altLang="zh-TW" sz="2200" dirty="0" smtClean="0"/>
+          </a:p>
+          <a:p>
+            <a:pPr marL="342900" indent="-342900">
+              <a:buFont typeface="Arial" pitchFamily="34" charset="0"/>
+              <a:buChar char="•"/>
+            </a:pPr>
+            <a:r>
+              <a:rPr lang="zh-TW" altLang="en-US" sz="2200" dirty="0" smtClean="0"/>
+              <a:t>快速搜尋「</a:t>
+            </a:r>
+            <a:r>
               <a:rPr lang="zh-TW" altLang="en-US" sz="2200" dirty="0"/>
-              <a:t>只要使用者登入皆會被記錄</a:t>
+              <a:t>找學童</a:t>
             </a:r>
             <a:r>
               <a:rPr lang="zh-TW" altLang="en-US" sz="2200" dirty="0" smtClean="0"/>
-              <a:t>下來</a:t>
+              <a:t>」預設跳轉至「</a:t>
+            </a:r>
+            <a:r>
+              <a:rPr lang="zh-TW" altLang="en-US" sz="2200" dirty="0"/>
+              <a:t>學童管理</a:t>
+            </a:r>
+            <a:r>
+              <a:rPr lang="zh-TW" altLang="en-US" sz="2200" dirty="0" smtClean="0"/>
+              <a:t>」頁面</a:t>
             </a:r>
             <a:endParaRPr lang="en-US" altLang="zh-TW" sz="2200" dirty="0" smtClean="0"/>
           </a:p>
@@ -5347,7 +6246,7 @@
           <a:p>
             <a:fld id="{2F1FFCCD-F281-4AA3-8926-41B83FC06AAE}" type="slidenum">
               <a:rPr lang="zh-TW" altLang="en-US" smtClean="0"/>
-              <a:t>13</a:t>
+              <a:t>15</a:t>
             </a:fld>
             <a:endParaRPr lang="zh-TW" altLang="en-US"/>
           </a:p>
@@ -5356,7 +6255,1147 @@
     </p:spTree>
     <p:extLst>
       <p:ext uri="{BB962C8B-B14F-4D97-AF65-F5344CB8AC3E}">
-        <p14:creationId xmlns:p14="http://schemas.microsoft.com/office/powerpoint/2010/main" val="3487433072"/>
+        <p14:creationId xmlns:p14="http://schemas.microsoft.com/office/powerpoint/2010/main" val="654172958"/>
+      </p:ext>
+    </p:extLst>
+  </p:cSld>
+  <p:clrMapOvr>
+    <a:masterClrMapping/>
+  </p:clrMapOvr>
+  <p:timing>
+    <p:tnLst>
+      <p:par>
+        <p:cTn id="1" dur="indefinite" restart="never" nodeType="tmRoot"/>
+      </p:par>
+    </p:tnLst>
+  </p:timing>
+</p:sld>
+</file>
+
+<file path=ppt/slides/slide16.xml><?xml version="1.0" encoding="utf-8"?>
+<p:sld xmlns:a="http://schemas.openxmlformats.org/drawingml/2006/main" xmlns:r="http://schemas.openxmlformats.org/officeDocument/2006/relationships" xmlns:p="http://schemas.openxmlformats.org/presentationml/2006/main">
+  <p:cSld>
+    <p:spTree>
+      <p:nvGrpSpPr>
+        <p:cNvPr id="1" name=""/>
+        <p:cNvGrpSpPr/>
+        <p:nvPr/>
+      </p:nvGrpSpPr>
+      <p:grpSpPr>
+        <a:xfrm>
+          <a:off x="0" y="0"/>
+          <a:ext cx="0" cy="0"/>
+          <a:chOff x="0" y="0"/>
+          <a:chExt cx="0" cy="0"/>
+        </a:xfrm>
+      </p:grpSpPr>
+      <p:sp>
+        <p:nvSpPr>
+          <p:cNvPr id="4" name="標題 1"/>
+          <p:cNvSpPr txBox="1">
+            <a:spLocks/>
+          </p:cNvSpPr>
+          <p:nvPr/>
+        </p:nvSpPr>
+        <p:spPr>
+          <a:xfrm>
+            <a:off x="914211" y="764704"/>
+            <a:ext cx="7543800" cy="720080"/>
+          </a:xfrm>
+          <a:prstGeom prst="rect">
+            <a:avLst/>
+          </a:prstGeom>
+        </p:spPr>
+        <p:txBody>
+          <a:bodyPr vert="horz" lIns="91440" tIns="45720" rIns="91440" bIns="45720" rtlCol="0" anchor="b">
+            <a:noAutofit/>
+          </a:bodyPr>
+          <a:lstStyle>
+            <a:lvl1pPr algn="l" defTabSz="914400" rtl="0" eaLnBrk="1" latinLnBrk="0" hangingPunct="1">
+              <a:spcBef>
+                <a:spcPct val="0"/>
+              </a:spcBef>
+              <a:buNone/>
+              <a:defRPr sz="6000" kern="1200">
+                <a:solidFill>
+                  <a:schemeClr val="tx1"/>
+                </a:solidFill>
+                <a:effectLst>
+                  <a:outerShdw blurRad="38100" dist="38100" dir="2700000" algn="tl">
+                    <a:srgbClr val="000000">
+                      <a:alpha val="43137"/>
+                    </a:srgbClr>
+                  </a:outerShdw>
+                </a:effectLst>
+                <a:latin typeface="+mj-lt"/>
+                <a:ea typeface="+mj-ea"/>
+                <a:cs typeface="+mj-cs"/>
+              </a:defRPr>
+            </a:lvl1pPr>
+            <a:lvl2pPr eaLnBrk="1" hangingPunct="1">
+              <a:defRPr>
+                <a:solidFill>
+                  <a:schemeClr val="tx2"/>
+                </a:solidFill>
+              </a:defRPr>
+            </a:lvl2pPr>
+            <a:lvl3pPr eaLnBrk="1" hangingPunct="1">
+              <a:defRPr>
+                <a:solidFill>
+                  <a:schemeClr val="tx2"/>
+                </a:solidFill>
+              </a:defRPr>
+            </a:lvl3pPr>
+            <a:lvl4pPr eaLnBrk="1" hangingPunct="1">
+              <a:defRPr>
+                <a:solidFill>
+                  <a:schemeClr val="tx2"/>
+                </a:solidFill>
+              </a:defRPr>
+            </a:lvl4pPr>
+            <a:lvl5pPr eaLnBrk="1" hangingPunct="1">
+              <a:defRPr>
+                <a:solidFill>
+                  <a:schemeClr val="tx2"/>
+                </a:solidFill>
+              </a:defRPr>
+            </a:lvl5pPr>
+            <a:lvl6pPr eaLnBrk="1" hangingPunct="1">
+              <a:defRPr>
+                <a:solidFill>
+                  <a:schemeClr val="tx2"/>
+                </a:solidFill>
+              </a:defRPr>
+            </a:lvl6pPr>
+            <a:lvl7pPr eaLnBrk="1" hangingPunct="1">
+              <a:defRPr>
+                <a:solidFill>
+                  <a:schemeClr val="tx2"/>
+                </a:solidFill>
+              </a:defRPr>
+            </a:lvl7pPr>
+            <a:lvl8pPr eaLnBrk="1" hangingPunct="1">
+              <a:defRPr>
+                <a:solidFill>
+                  <a:schemeClr val="tx2"/>
+                </a:solidFill>
+              </a:defRPr>
+            </a:lvl8pPr>
+            <a:lvl9pPr eaLnBrk="1" hangingPunct="1">
+              <a:defRPr>
+                <a:solidFill>
+                  <a:schemeClr val="tx2"/>
+                </a:solidFill>
+              </a:defRPr>
+            </a:lvl9pPr>
+          </a:lstStyle>
+          <a:p>
+            <a:r>
+              <a:rPr lang="zh-TW" altLang="en-US" sz="4000" b="1" dirty="0" smtClean="0"/>
+              <a:t>首頁 </a:t>
+            </a:r>
+            <a:r>
+              <a:rPr lang="en-US" altLang="zh-TW" sz="4000" b="1" dirty="0" smtClean="0"/>
+              <a:t>/</a:t>
+            </a:r>
+            <a:r>
+              <a:rPr lang="zh-TW" altLang="en-US" sz="4000" b="1" dirty="0" smtClean="0"/>
+              <a:t> 資訊刊版</a:t>
+            </a:r>
+            <a:endParaRPr lang="zh-TW" altLang="en-US" sz="4000" b="1" dirty="0"/>
+          </a:p>
+        </p:txBody>
+      </p:sp>
+      <p:pic>
+        <p:nvPicPr>
+          <p:cNvPr id="1028" name="Picture 4"/>
+          <p:cNvPicPr>
+            <a:picLocks noChangeAspect="1" noChangeArrowheads="1"/>
+          </p:cNvPicPr>
+          <p:nvPr/>
+        </p:nvPicPr>
+        <p:blipFill rotWithShape="1">
+          <a:blip r:embed="rId2">
+            <a:extLst>
+              <a:ext uri="{28A0092B-C50C-407E-A947-70E740481C1C}">
+                <a14:useLocalDpi xmlns:a14="http://schemas.microsoft.com/office/drawing/2010/main" val="0"/>
+              </a:ext>
+            </a:extLst>
+          </a:blip>
+          <a:srcRect l="18250" t="8937"/>
+          <a:stretch/>
+        </p:blipFill>
+        <p:spPr bwMode="auto">
+          <a:xfrm>
+            <a:off x="1305484" y="2924944"/>
+            <a:ext cx="6761254" cy="3564862"/>
+          </a:xfrm>
+          <a:prstGeom prst="rect">
+            <a:avLst/>
+          </a:prstGeom>
+          <a:noFill/>
+          <a:ln>
+            <a:noFill/>
+          </a:ln>
+          <a:effectLst/>
+          <a:extLst>
+            <a:ext uri="{909E8E84-426E-40DD-AFC4-6F175D3DCCD1}">
+              <a14:hiddenFill xmlns:a14="http://schemas.microsoft.com/office/drawing/2010/main">
+                <a:solidFill>
+                  <a:schemeClr val="accent1"/>
+                </a:solidFill>
+              </a14:hiddenFill>
+            </a:ext>
+            <a:ext uri="{91240B29-F687-4F45-9708-019B960494DF}">
+              <a14:hiddenLine xmlns:a14="http://schemas.microsoft.com/office/drawing/2010/main" w="9525">
+                <a:solidFill>
+                  <a:schemeClr val="tx1"/>
+                </a:solidFill>
+                <a:miter lim="800000"/>
+                <a:headEnd/>
+                <a:tailEnd/>
+              </a14:hiddenLine>
+            </a:ext>
+            <a:ext uri="{AF507438-7753-43E0-B8FC-AC1667EBCBE1}">
+              <a14:hiddenEffects xmlns:a14="http://schemas.microsoft.com/office/drawing/2010/main">
+                <a:effectLst>
+                  <a:outerShdw dist="35921" dir="2700000" algn="ctr" rotWithShape="0">
+                    <a:schemeClr val="bg2"/>
+                  </a:outerShdw>
+                </a:effectLst>
+              </a14:hiddenEffects>
+            </a:ext>
+          </a:extLst>
+        </p:spPr>
+      </p:pic>
+      <p:sp>
+        <p:nvSpPr>
+          <p:cNvPr id="5" name="文字方塊 4"/>
+          <p:cNvSpPr txBox="1"/>
+          <p:nvPr/>
+        </p:nvSpPr>
+        <p:spPr>
+          <a:xfrm>
+            <a:off x="1043608" y="1926487"/>
+            <a:ext cx="6696744" cy="769441"/>
+          </a:xfrm>
+          <a:prstGeom prst="rect">
+            <a:avLst/>
+          </a:prstGeom>
+          <a:noFill/>
+        </p:spPr>
+        <p:txBody>
+          <a:bodyPr wrap="square" rtlCol="0">
+            <a:spAutoFit/>
+          </a:bodyPr>
+          <a:lstStyle/>
+          <a:p>
+            <a:pPr marL="342900" indent="-342900">
+              <a:buFont typeface="Arial" pitchFamily="34" charset="0"/>
+              <a:buChar char="•"/>
+            </a:pPr>
+            <a:r>
+              <a:rPr lang="zh-TW" altLang="en-US" sz="2200" dirty="0" smtClean="0"/>
+              <a:t>資訊刊版提供四個卡片通知</a:t>
+            </a:r>
+            <a:endParaRPr lang="en-US" altLang="zh-TW" sz="2200" dirty="0" smtClean="0"/>
+          </a:p>
+          <a:p>
+            <a:pPr marL="342900" indent="-342900">
+              <a:buFont typeface="Arial" pitchFamily="34" charset="0"/>
+              <a:buChar char="•"/>
+            </a:pPr>
+            <a:r>
+              <a:rPr lang="zh-TW" altLang="en-US" sz="2200" dirty="0" smtClean="0"/>
+              <a:t>下方為每日兌換紀錄曲線圖</a:t>
+            </a:r>
+            <a:endParaRPr lang="en-US" altLang="zh-TW" sz="2200" dirty="0" smtClean="0"/>
+          </a:p>
+        </p:txBody>
+      </p:sp>
+      <p:sp>
+        <p:nvSpPr>
+          <p:cNvPr id="2" name="投影片編號版面配置區 1"/>
+          <p:cNvSpPr>
+            <a:spLocks noGrp="1"/>
+          </p:cNvSpPr>
+          <p:nvPr>
+            <p:ph type="sldNum" sz="quarter" idx="11"/>
+          </p:nvPr>
+        </p:nvSpPr>
+        <p:spPr/>
+        <p:txBody>
+          <a:bodyPr/>
+          <a:lstStyle/>
+          <a:p>
+            <a:fld id="{2F1FFCCD-F281-4AA3-8926-41B83FC06AAE}" type="slidenum">
+              <a:rPr lang="zh-TW" altLang="en-US" smtClean="0"/>
+              <a:t>16</a:t>
+            </a:fld>
+            <a:endParaRPr lang="zh-TW" altLang="en-US"/>
+          </a:p>
+        </p:txBody>
+      </p:sp>
+    </p:spTree>
+    <p:extLst>
+      <p:ext uri="{BB962C8B-B14F-4D97-AF65-F5344CB8AC3E}">
+        <p14:creationId xmlns:p14="http://schemas.microsoft.com/office/powerpoint/2010/main" val="1805853273"/>
+      </p:ext>
+    </p:extLst>
+  </p:cSld>
+  <p:clrMapOvr>
+    <a:masterClrMapping/>
+  </p:clrMapOvr>
+  <p:timing>
+    <p:tnLst>
+      <p:par>
+        <p:cTn id="1" dur="indefinite" restart="never" nodeType="tmRoot"/>
+      </p:par>
+    </p:tnLst>
+  </p:timing>
+</p:sld>
+</file>
+
+<file path=ppt/slides/slide17.xml><?xml version="1.0" encoding="utf-8"?>
+<p:sld xmlns:a="http://schemas.openxmlformats.org/drawingml/2006/main" xmlns:r="http://schemas.openxmlformats.org/officeDocument/2006/relationships" xmlns:p="http://schemas.openxmlformats.org/presentationml/2006/main">
+  <p:cSld>
+    <p:spTree>
+      <p:nvGrpSpPr>
+        <p:cNvPr id="1" name=""/>
+        <p:cNvGrpSpPr/>
+        <p:nvPr/>
+      </p:nvGrpSpPr>
+      <p:grpSpPr>
+        <a:xfrm>
+          <a:off x="0" y="0"/>
+          <a:ext cx="0" cy="0"/>
+          <a:chOff x="0" y="0"/>
+          <a:chExt cx="0" cy="0"/>
+        </a:xfrm>
+      </p:grpSpPr>
+      <p:sp>
+        <p:nvSpPr>
+          <p:cNvPr id="4" name="標題 1"/>
+          <p:cNvSpPr txBox="1">
+            <a:spLocks/>
+          </p:cNvSpPr>
+          <p:nvPr/>
+        </p:nvSpPr>
+        <p:spPr>
+          <a:xfrm>
+            <a:off x="914211" y="764704"/>
+            <a:ext cx="7543800" cy="720080"/>
+          </a:xfrm>
+          <a:prstGeom prst="rect">
+            <a:avLst/>
+          </a:prstGeom>
+        </p:spPr>
+        <p:txBody>
+          <a:bodyPr vert="horz" lIns="91440" tIns="45720" rIns="91440" bIns="45720" rtlCol="0" anchor="b">
+            <a:noAutofit/>
+          </a:bodyPr>
+          <a:lstStyle>
+            <a:lvl1pPr algn="l" defTabSz="914400" rtl="0" eaLnBrk="1" latinLnBrk="0" hangingPunct="1">
+              <a:spcBef>
+                <a:spcPct val="0"/>
+              </a:spcBef>
+              <a:buNone/>
+              <a:defRPr sz="6000" kern="1200">
+                <a:solidFill>
+                  <a:schemeClr val="tx1"/>
+                </a:solidFill>
+                <a:effectLst>
+                  <a:outerShdw blurRad="38100" dist="38100" dir="2700000" algn="tl">
+                    <a:srgbClr val="000000">
+                      <a:alpha val="43137"/>
+                    </a:srgbClr>
+                  </a:outerShdw>
+                </a:effectLst>
+                <a:latin typeface="+mj-lt"/>
+                <a:ea typeface="+mj-ea"/>
+                <a:cs typeface="+mj-cs"/>
+              </a:defRPr>
+            </a:lvl1pPr>
+            <a:lvl2pPr eaLnBrk="1" hangingPunct="1">
+              <a:defRPr>
+                <a:solidFill>
+                  <a:schemeClr val="tx2"/>
+                </a:solidFill>
+              </a:defRPr>
+            </a:lvl2pPr>
+            <a:lvl3pPr eaLnBrk="1" hangingPunct="1">
+              <a:defRPr>
+                <a:solidFill>
+                  <a:schemeClr val="tx2"/>
+                </a:solidFill>
+              </a:defRPr>
+            </a:lvl3pPr>
+            <a:lvl4pPr eaLnBrk="1" hangingPunct="1">
+              <a:defRPr>
+                <a:solidFill>
+                  <a:schemeClr val="tx2"/>
+                </a:solidFill>
+              </a:defRPr>
+            </a:lvl4pPr>
+            <a:lvl5pPr eaLnBrk="1" hangingPunct="1">
+              <a:defRPr>
+                <a:solidFill>
+                  <a:schemeClr val="tx2"/>
+                </a:solidFill>
+              </a:defRPr>
+            </a:lvl5pPr>
+            <a:lvl6pPr eaLnBrk="1" hangingPunct="1">
+              <a:defRPr>
+                <a:solidFill>
+                  <a:schemeClr val="tx2"/>
+                </a:solidFill>
+              </a:defRPr>
+            </a:lvl6pPr>
+            <a:lvl7pPr eaLnBrk="1" hangingPunct="1">
+              <a:defRPr>
+                <a:solidFill>
+                  <a:schemeClr val="tx2"/>
+                </a:solidFill>
+              </a:defRPr>
+            </a:lvl7pPr>
+            <a:lvl8pPr eaLnBrk="1" hangingPunct="1">
+              <a:defRPr>
+                <a:solidFill>
+                  <a:schemeClr val="tx2"/>
+                </a:solidFill>
+              </a:defRPr>
+            </a:lvl8pPr>
+            <a:lvl9pPr eaLnBrk="1" hangingPunct="1">
+              <a:defRPr>
+                <a:solidFill>
+                  <a:schemeClr val="tx2"/>
+                </a:solidFill>
+              </a:defRPr>
+            </a:lvl9pPr>
+          </a:lstStyle>
+          <a:p>
+            <a:r>
+              <a:rPr lang="zh-TW" altLang="en-US" sz="4000" b="1" dirty="0" smtClean="0"/>
+              <a:t>首頁 </a:t>
+            </a:r>
+            <a:r>
+              <a:rPr lang="en-US" altLang="zh-TW" sz="4000" b="1" dirty="0" smtClean="0"/>
+              <a:t>/</a:t>
+            </a:r>
+            <a:r>
+              <a:rPr lang="zh-TW" altLang="en-US" sz="4000" b="1" dirty="0" smtClean="0"/>
+              <a:t> 學童管理</a:t>
+            </a:r>
+            <a:endParaRPr lang="zh-TW" altLang="en-US" sz="4000" b="1" dirty="0"/>
+          </a:p>
+        </p:txBody>
+      </p:sp>
+      <p:pic>
+        <p:nvPicPr>
+          <p:cNvPr id="2050" name="Picture 2"/>
+          <p:cNvPicPr>
+            <a:picLocks noChangeAspect="1" noChangeArrowheads="1"/>
+          </p:cNvPicPr>
+          <p:nvPr/>
+        </p:nvPicPr>
+        <p:blipFill rotWithShape="1">
+          <a:blip r:embed="rId2">
+            <a:extLst>
+              <a:ext uri="{28A0092B-C50C-407E-A947-70E740481C1C}">
+                <a14:useLocalDpi xmlns:a14="http://schemas.microsoft.com/office/drawing/2010/main" val="0"/>
+              </a:ext>
+            </a:extLst>
+          </a:blip>
+          <a:srcRect l="18000" t="9795"/>
+          <a:stretch/>
+        </p:blipFill>
+        <p:spPr bwMode="auto">
+          <a:xfrm>
+            <a:off x="1133547" y="2924944"/>
+            <a:ext cx="7342395" cy="3335404"/>
+          </a:xfrm>
+          <a:prstGeom prst="rect">
+            <a:avLst/>
+          </a:prstGeom>
+          <a:noFill/>
+          <a:ln>
+            <a:noFill/>
+          </a:ln>
+          <a:effectLst/>
+          <a:extLst>
+            <a:ext uri="{909E8E84-426E-40DD-AFC4-6F175D3DCCD1}">
+              <a14:hiddenFill xmlns:a14="http://schemas.microsoft.com/office/drawing/2010/main">
+                <a:solidFill>
+                  <a:schemeClr val="accent1"/>
+                </a:solidFill>
+              </a14:hiddenFill>
+            </a:ext>
+            <a:ext uri="{91240B29-F687-4F45-9708-019B960494DF}">
+              <a14:hiddenLine xmlns:a14="http://schemas.microsoft.com/office/drawing/2010/main" w="9525">
+                <a:solidFill>
+                  <a:schemeClr val="tx1"/>
+                </a:solidFill>
+                <a:miter lim="800000"/>
+                <a:headEnd/>
+                <a:tailEnd/>
+              </a14:hiddenLine>
+            </a:ext>
+            <a:ext uri="{AF507438-7753-43E0-B8FC-AC1667EBCBE1}">
+              <a14:hiddenEffects xmlns:a14="http://schemas.microsoft.com/office/drawing/2010/main">
+                <a:effectLst>
+                  <a:outerShdw dist="35921" dir="2700000" algn="ctr" rotWithShape="0">
+                    <a:schemeClr val="bg2"/>
+                  </a:outerShdw>
+                </a:effectLst>
+              </a14:hiddenEffects>
+            </a:ext>
+          </a:extLst>
+        </p:spPr>
+      </p:pic>
+      <p:sp>
+        <p:nvSpPr>
+          <p:cNvPr id="5" name="文字方塊 4"/>
+          <p:cNvSpPr txBox="1"/>
+          <p:nvPr/>
+        </p:nvSpPr>
+        <p:spPr>
+          <a:xfrm>
+            <a:off x="1043608" y="1926487"/>
+            <a:ext cx="6696744" cy="769441"/>
+          </a:xfrm>
+          <a:prstGeom prst="rect">
+            <a:avLst/>
+          </a:prstGeom>
+          <a:noFill/>
+        </p:spPr>
+        <p:txBody>
+          <a:bodyPr wrap="square" rtlCol="0">
+            <a:spAutoFit/>
+          </a:bodyPr>
+          <a:lstStyle/>
+          <a:p>
+            <a:pPr marL="342900" indent="-342900">
+              <a:buFont typeface="Arial" pitchFamily="34" charset="0"/>
+              <a:buChar char="•"/>
+            </a:pPr>
+            <a:r>
+              <a:rPr lang="zh-TW" altLang="en-US" sz="2200" dirty="0" smtClean="0"/>
+              <a:t>學童基本資料管理</a:t>
+            </a:r>
+            <a:endParaRPr lang="en-US" altLang="zh-TW" sz="2200" dirty="0" smtClean="0"/>
+          </a:p>
+          <a:p>
+            <a:pPr marL="342900" indent="-342900">
+              <a:buFont typeface="Arial" pitchFamily="34" charset="0"/>
+              <a:buChar char="•"/>
+            </a:pPr>
+            <a:r>
+              <a:rPr lang="zh-TW" altLang="en-US" sz="2200" dirty="0" smtClean="0"/>
+              <a:t>右側按鈕為</a:t>
+            </a:r>
+            <a:r>
+              <a:rPr lang="zh-TW" altLang="en-US" sz="2200" dirty="0"/>
+              <a:t>學童新增功能</a:t>
+            </a:r>
+            <a:endParaRPr lang="en-US" altLang="zh-TW" sz="2200" dirty="0" smtClean="0"/>
+          </a:p>
+        </p:txBody>
+      </p:sp>
+      <p:sp>
+        <p:nvSpPr>
+          <p:cNvPr id="2" name="投影片編號版面配置區 1"/>
+          <p:cNvSpPr>
+            <a:spLocks noGrp="1"/>
+          </p:cNvSpPr>
+          <p:nvPr>
+            <p:ph type="sldNum" sz="quarter" idx="11"/>
+          </p:nvPr>
+        </p:nvSpPr>
+        <p:spPr/>
+        <p:txBody>
+          <a:bodyPr/>
+          <a:lstStyle/>
+          <a:p>
+            <a:fld id="{2F1FFCCD-F281-4AA3-8926-41B83FC06AAE}" type="slidenum">
+              <a:rPr lang="zh-TW" altLang="en-US" smtClean="0"/>
+              <a:t>17</a:t>
+            </a:fld>
+            <a:endParaRPr lang="zh-TW" altLang="en-US"/>
+          </a:p>
+        </p:txBody>
+      </p:sp>
+    </p:spTree>
+    <p:extLst>
+      <p:ext uri="{BB962C8B-B14F-4D97-AF65-F5344CB8AC3E}">
+        <p14:creationId xmlns:p14="http://schemas.microsoft.com/office/powerpoint/2010/main" val="3031370556"/>
+      </p:ext>
+    </p:extLst>
+  </p:cSld>
+  <p:clrMapOvr>
+    <a:masterClrMapping/>
+  </p:clrMapOvr>
+  <p:timing>
+    <p:tnLst>
+      <p:par>
+        <p:cTn id="1" dur="indefinite" restart="never" nodeType="tmRoot"/>
+      </p:par>
+    </p:tnLst>
+  </p:timing>
+</p:sld>
+</file>
+
+<file path=ppt/slides/slide18.xml><?xml version="1.0" encoding="utf-8"?>
+<p:sld xmlns:a="http://schemas.openxmlformats.org/drawingml/2006/main" xmlns:r="http://schemas.openxmlformats.org/officeDocument/2006/relationships" xmlns:p="http://schemas.openxmlformats.org/presentationml/2006/main">
+  <p:cSld>
+    <p:spTree>
+      <p:nvGrpSpPr>
+        <p:cNvPr id="1" name=""/>
+        <p:cNvGrpSpPr/>
+        <p:nvPr/>
+      </p:nvGrpSpPr>
+      <p:grpSpPr>
+        <a:xfrm>
+          <a:off x="0" y="0"/>
+          <a:ext cx="0" cy="0"/>
+          <a:chOff x="0" y="0"/>
+          <a:chExt cx="0" cy="0"/>
+        </a:xfrm>
+      </p:grpSpPr>
+      <p:sp>
+        <p:nvSpPr>
+          <p:cNvPr id="4" name="標題 1"/>
+          <p:cNvSpPr txBox="1">
+            <a:spLocks/>
+          </p:cNvSpPr>
+          <p:nvPr/>
+        </p:nvSpPr>
+        <p:spPr>
+          <a:xfrm>
+            <a:off x="914211" y="764704"/>
+            <a:ext cx="7543800" cy="720080"/>
+          </a:xfrm>
+          <a:prstGeom prst="rect">
+            <a:avLst/>
+          </a:prstGeom>
+        </p:spPr>
+        <p:txBody>
+          <a:bodyPr vert="horz" lIns="91440" tIns="45720" rIns="91440" bIns="45720" rtlCol="0" anchor="b">
+            <a:noAutofit/>
+          </a:bodyPr>
+          <a:lstStyle>
+            <a:lvl1pPr algn="l" defTabSz="914400" rtl="0" eaLnBrk="1" latinLnBrk="0" hangingPunct="1">
+              <a:spcBef>
+                <a:spcPct val="0"/>
+              </a:spcBef>
+              <a:buNone/>
+              <a:defRPr sz="6000" kern="1200">
+                <a:solidFill>
+                  <a:schemeClr val="tx1"/>
+                </a:solidFill>
+                <a:effectLst>
+                  <a:outerShdw blurRad="38100" dist="38100" dir="2700000" algn="tl">
+                    <a:srgbClr val="000000">
+                      <a:alpha val="43137"/>
+                    </a:srgbClr>
+                  </a:outerShdw>
+                </a:effectLst>
+                <a:latin typeface="+mj-lt"/>
+                <a:ea typeface="+mj-ea"/>
+                <a:cs typeface="+mj-cs"/>
+              </a:defRPr>
+            </a:lvl1pPr>
+            <a:lvl2pPr eaLnBrk="1" hangingPunct="1">
+              <a:defRPr>
+                <a:solidFill>
+                  <a:schemeClr val="tx2"/>
+                </a:solidFill>
+              </a:defRPr>
+            </a:lvl2pPr>
+            <a:lvl3pPr eaLnBrk="1" hangingPunct="1">
+              <a:defRPr>
+                <a:solidFill>
+                  <a:schemeClr val="tx2"/>
+                </a:solidFill>
+              </a:defRPr>
+            </a:lvl3pPr>
+            <a:lvl4pPr eaLnBrk="1" hangingPunct="1">
+              <a:defRPr>
+                <a:solidFill>
+                  <a:schemeClr val="tx2"/>
+                </a:solidFill>
+              </a:defRPr>
+            </a:lvl4pPr>
+            <a:lvl5pPr eaLnBrk="1" hangingPunct="1">
+              <a:defRPr>
+                <a:solidFill>
+                  <a:schemeClr val="tx2"/>
+                </a:solidFill>
+              </a:defRPr>
+            </a:lvl5pPr>
+            <a:lvl6pPr eaLnBrk="1" hangingPunct="1">
+              <a:defRPr>
+                <a:solidFill>
+                  <a:schemeClr val="tx2"/>
+                </a:solidFill>
+              </a:defRPr>
+            </a:lvl6pPr>
+            <a:lvl7pPr eaLnBrk="1" hangingPunct="1">
+              <a:defRPr>
+                <a:solidFill>
+                  <a:schemeClr val="tx2"/>
+                </a:solidFill>
+              </a:defRPr>
+            </a:lvl7pPr>
+            <a:lvl8pPr eaLnBrk="1" hangingPunct="1">
+              <a:defRPr>
+                <a:solidFill>
+                  <a:schemeClr val="tx2"/>
+                </a:solidFill>
+              </a:defRPr>
+            </a:lvl8pPr>
+            <a:lvl9pPr eaLnBrk="1" hangingPunct="1">
+              <a:defRPr>
+                <a:solidFill>
+                  <a:schemeClr val="tx2"/>
+                </a:solidFill>
+              </a:defRPr>
+            </a:lvl9pPr>
+          </a:lstStyle>
+          <a:p>
+            <a:r>
+              <a:rPr lang="zh-TW" altLang="en-US" sz="4000" b="1" dirty="0" smtClean="0"/>
+              <a:t>首頁 </a:t>
+            </a:r>
+            <a:r>
+              <a:rPr lang="en-US" altLang="zh-TW" sz="4000" b="1" dirty="0" smtClean="0"/>
+              <a:t>/</a:t>
+            </a:r>
+            <a:r>
+              <a:rPr lang="zh-TW" altLang="en-US" sz="4000" b="1" dirty="0" smtClean="0"/>
+              <a:t> 店家管理</a:t>
+            </a:r>
+            <a:endParaRPr lang="zh-TW" altLang="en-US" sz="4000" b="1" dirty="0"/>
+          </a:p>
+        </p:txBody>
+      </p:sp>
+      <p:pic>
+        <p:nvPicPr>
+          <p:cNvPr id="3074" name="Picture 2"/>
+          <p:cNvPicPr>
+            <a:picLocks noChangeAspect="1" noChangeArrowheads="1"/>
+          </p:cNvPicPr>
+          <p:nvPr/>
+        </p:nvPicPr>
+        <p:blipFill rotWithShape="1">
+          <a:blip r:embed="rId2">
+            <a:extLst>
+              <a:ext uri="{28A0092B-C50C-407E-A947-70E740481C1C}">
+                <a14:useLocalDpi xmlns:a14="http://schemas.microsoft.com/office/drawing/2010/main" val="0"/>
+              </a:ext>
+            </a:extLst>
+          </a:blip>
+          <a:srcRect l="18674" t="9261"/>
+          <a:stretch/>
+        </p:blipFill>
+        <p:spPr bwMode="auto">
+          <a:xfrm>
+            <a:off x="1763688" y="2996952"/>
+            <a:ext cx="6561582" cy="3400013"/>
+          </a:xfrm>
+          <a:prstGeom prst="rect">
+            <a:avLst/>
+          </a:prstGeom>
+          <a:noFill/>
+          <a:ln>
+            <a:noFill/>
+          </a:ln>
+          <a:effectLst/>
+          <a:extLst>
+            <a:ext uri="{909E8E84-426E-40DD-AFC4-6F175D3DCCD1}">
+              <a14:hiddenFill xmlns:a14="http://schemas.microsoft.com/office/drawing/2010/main">
+                <a:solidFill>
+                  <a:schemeClr val="accent1"/>
+                </a:solidFill>
+              </a14:hiddenFill>
+            </a:ext>
+            <a:ext uri="{91240B29-F687-4F45-9708-019B960494DF}">
+              <a14:hiddenLine xmlns:a14="http://schemas.microsoft.com/office/drawing/2010/main" w="9525">
+                <a:solidFill>
+                  <a:schemeClr val="tx1"/>
+                </a:solidFill>
+                <a:miter lim="800000"/>
+                <a:headEnd/>
+                <a:tailEnd/>
+              </a14:hiddenLine>
+            </a:ext>
+            <a:ext uri="{AF507438-7753-43E0-B8FC-AC1667EBCBE1}">
+              <a14:hiddenEffects xmlns:a14="http://schemas.microsoft.com/office/drawing/2010/main">
+                <a:effectLst>
+                  <a:outerShdw dist="35921" dir="2700000" algn="ctr" rotWithShape="0">
+                    <a:schemeClr val="bg2"/>
+                  </a:outerShdw>
+                </a:effectLst>
+              </a14:hiddenEffects>
+            </a:ext>
+          </a:extLst>
+        </p:spPr>
+      </p:pic>
+      <p:sp>
+        <p:nvSpPr>
+          <p:cNvPr id="5" name="文字方塊 4"/>
+          <p:cNvSpPr txBox="1"/>
+          <p:nvPr/>
+        </p:nvSpPr>
+        <p:spPr>
+          <a:xfrm>
+            <a:off x="1043608" y="1926487"/>
+            <a:ext cx="6696744" cy="769441"/>
+          </a:xfrm>
+          <a:prstGeom prst="rect">
+            <a:avLst/>
+          </a:prstGeom>
+          <a:noFill/>
+        </p:spPr>
+        <p:txBody>
+          <a:bodyPr wrap="square" rtlCol="0">
+            <a:spAutoFit/>
+          </a:bodyPr>
+          <a:lstStyle/>
+          <a:p>
+            <a:pPr marL="342900" indent="-342900">
+              <a:buFont typeface="Arial" pitchFamily="34" charset="0"/>
+              <a:buChar char="•"/>
+            </a:pPr>
+            <a:r>
+              <a:rPr lang="zh-TW" altLang="en-US" sz="2200" dirty="0" smtClean="0"/>
+              <a:t>店家基本資料</a:t>
+            </a:r>
+            <a:r>
+              <a:rPr lang="zh-TW" altLang="en-US" sz="2200" dirty="0"/>
+              <a:t>管理</a:t>
+            </a:r>
+            <a:endParaRPr lang="en-US" altLang="zh-TW" sz="2200" dirty="0" smtClean="0"/>
+          </a:p>
+          <a:p>
+            <a:pPr marL="342900" indent="-342900">
+              <a:buFont typeface="Arial" pitchFamily="34" charset="0"/>
+              <a:buChar char="•"/>
+            </a:pPr>
+            <a:r>
+              <a:rPr lang="zh-TW" altLang="en-US" sz="2200" dirty="0" smtClean="0"/>
+              <a:t>整體功能與「</a:t>
+            </a:r>
+            <a:r>
+              <a:rPr lang="zh-TW" altLang="en-US" sz="2200" dirty="0"/>
+              <a:t>學童管理</a:t>
+            </a:r>
+            <a:r>
+              <a:rPr lang="zh-TW" altLang="en-US" sz="2200" dirty="0" smtClean="0"/>
+              <a:t>」相似</a:t>
+            </a:r>
+            <a:endParaRPr lang="en-US" altLang="zh-TW" sz="2200" dirty="0" smtClean="0"/>
+          </a:p>
+        </p:txBody>
+      </p:sp>
+      <p:sp>
+        <p:nvSpPr>
+          <p:cNvPr id="2" name="投影片編號版面配置區 1"/>
+          <p:cNvSpPr>
+            <a:spLocks noGrp="1"/>
+          </p:cNvSpPr>
+          <p:nvPr>
+            <p:ph type="sldNum" sz="quarter" idx="11"/>
+          </p:nvPr>
+        </p:nvSpPr>
+        <p:spPr/>
+        <p:txBody>
+          <a:bodyPr/>
+          <a:lstStyle/>
+          <a:p>
+            <a:fld id="{2F1FFCCD-F281-4AA3-8926-41B83FC06AAE}" type="slidenum">
+              <a:rPr lang="zh-TW" altLang="en-US" smtClean="0"/>
+              <a:t>18</a:t>
+            </a:fld>
+            <a:endParaRPr lang="zh-TW" altLang="en-US"/>
+          </a:p>
+        </p:txBody>
+      </p:sp>
+    </p:spTree>
+    <p:extLst>
+      <p:ext uri="{BB962C8B-B14F-4D97-AF65-F5344CB8AC3E}">
+        <p14:creationId xmlns:p14="http://schemas.microsoft.com/office/powerpoint/2010/main" val="1723434752"/>
+      </p:ext>
+    </p:extLst>
+  </p:cSld>
+  <p:clrMapOvr>
+    <a:masterClrMapping/>
+  </p:clrMapOvr>
+  <p:timing>
+    <p:tnLst>
+      <p:par>
+        <p:cTn id="1" dur="indefinite" restart="never" nodeType="tmRoot"/>
+      </p:par>
+    </p:tnLst>
+  </p:timing>
+</p:sld>
+</file>
+
+<file path=ppt/slides/slide19.xml><?xml version="1.0" encoding="utf-8"?>
+<p:sld xmlns:a="http://schemas.openxmlformats.org/drawingml/2006/main" xmlns:r="http://schemas.openxmlformats.org/officeDocument/2006/relationships" xmlns:p="http://schemas.openxmlformats.org/presentationml/2006/main">
+  <p:cSld>
+    <p:spTree>
+      <p:nvGrpSpPr>
+        <p:cNvPr id="1" name=""/>
+        <p:cNvGrpSpPr/>
+        <p:nvPr/>
+      </p:nvGrpSpPr>
+      <p:grpSpPr>
+        <a:xfrm>
+          <a:off x="0" y="0"/>
+          <a:ext cx="0" cy="0"/>
+          <a:chOff x="0" y="0"/>
+          <a:chExt cx="0" cy="0"/>
+        </a:xfrm>
+      </p:grpSpPr>
+      <p:sp>
+        <p:nvSpPr>
+          <p:cNvPr id="4" name="標題 1"/>
+          <p:cNvSpPr txBox="1">
+            <a:spLocks/>
+          </p:cNvSpPr>
+          <p:nvPr/>
+        </p:nvSpPr>
+        <p:spPr>
+          <a:xfrm>
+            <a:off x="914211" y="764704"/>
+            <a:ext cx="7543800" cy="720080"/>
+          </a:xfrm>
+          <a:prstGeom prst="rect">
+            <a:avLst/>
+          </a:prstGeom>
+        </p:spPr>
+        <p:txBody>
+          <a:bodyPr vert="horz" lIns="91440" tIns="45720" rIns="91440" bIns="45720" rtlCol="0" anchor="b">
+            <a:noAutofit/>
+          </a:bodyPr>
+          <a:lstStyle>
+            <a:lvl1pPr algn="l" defTabSz="914400" rtl="0" eaLnBrk="1" latinLnBrk="0" hangingPunct="1">
+              <a:spcBef>
+                <a:spcPct val="0"/>
+              </a:spcBef>
+              <a:buNone/>
+              <a:defRPr sz="6000" kern="1200">
+                <a:solidFill>
+                  <a:schemeClr val="tx1"/>
+                </a:solidFill>
+                <a:effectLst>
+                  <a:outerShdw blurRad="38100" dist="38100" dir="2700000" algn="tl">
+                    <a:srgbClr val="000000">
+                      <a:alpha val="43137"/>
+                    </a:srgbClr>
+                  </a:outerShdw>
+                </a:effectLst>
+                <a:latin typeface="+mj-lt"/>
+                <a:ea typeface="+mj-ea"/>
+                <a:cs typeface="+mj-cs"/>
+              </a:defRPr>
+            </a:lvl1pPr>
+            <a:lvl2pPr eaLnBrk="1" hangingPunct="1">
+              <a:defRPr>
+                <a:solidFill>
+                  <a:schemeClr val="tx2"/>
+                </a:solidFill>
+              </a:defRPr>
+            </a:lvl2pPr>
+            <a:lvl3pPr eaLnBrk="1" hangingPunct="1">
+              <a:defRPr>
+                <a:solidFill>
+                  <a:schemeClr val="tx2"/>
+                </a:solidFill>
+              </a:defRPr>
+            </a:lvl3pPr>
+            <a:lvl4pPr eaLnBrk="1" hangingPunct="1">
+              <a:defRPr>
+                <a:solidFill>
+                  <a:schemeClr val="tx2"/>
+                </a:solidFill>
+              </a:defRPr>
+            </a:lvl4pPr>
+            <a:lvl5pPr eaLnBrk="1" hangingPunct="1">
+              <a:defRPr>
+                <a:solidFill>
+                  <a:schemeClr val="tx2"/>
+                </a:solidFill>
+              </a:defRPr>
+            </a:lvl5pPr>
+            <a:lvl6pPr eaLnBrk="1" hangingPunct="1">
+              <a:defRPr>
+                <a:solidFill>
+                  <a:schemeClr val="tx2"/>
+                </a:solidFill>
+              </a:defRPr>
+            </a:lvl6pPr>
+            <a:lvl7pPr eaLnBrk="1" hangingPunct="1">
+              <a:defRPr>
+                <a:solidFill>
+                  <a:schemeClr val="tx2"/>
+                </a:solidFill>
+              </a:defRPr>
+            </a:lvl7pPr>
+            <a:lvl8pPr eaLnBrk="1" hangingPunct="1">
+              <a:defRPr>
+                <a:solidFill>
+                  <a:schemeClr val="tx2"/>
+                </a:solidFill>
+              </a:defRPr>
+            </a:lvl8pPr>
+            <a:lvl9pPr eaLnBrk="1" hangingPunct="1">
+              <a:defRPr>
+                <a:solidFill>
+                  <a:schemeClr val="tx2"/>
+                </a:solidFill>
+              </a:defRPr>
+            </a:lvl9pPr>
+          </a:lstStyle>
+          <a:p>
+            <a:r>
+              <a:rPr lang="zh-TW" altLang="en-US" sz="4000" b="1" dirty="0" smtClean="0"/>
+              <a:t>首頁 </a:t>
+            </a:r>
+            <a:r>
+              <a:rPr lang="en-US" altLang="zh-TW" sz="4000" b="1" dirty="0"/>
+              <a:t>/</a:t>
+            </a:r>
+            <a:r>
+              <a:rPr lang="zh-TW" altLang="en-US" sz="4000" b="1" dirty="0"/>
+              <a:t> 點數列表</a:t>
+            </a:r>
+          </a:p>
+        </p:txBody>
+      </p:sp>
+      <p:pic>
+        <p:nvPicPr>
+          <p:cNvPr id="4098" name="Picture 2"/>
+          <p:cNvPicPr>
+            <a:picLocks noChangeAspect="1" noChangeArrowheads="1"/>
+          </p:cNvPicPr>
+          <p:nvPr/>
+        </p:nvPicPr>
+        <p:blipFill rotWithShape="1">
+          <a:blip r:embed="rId2">
+            <a:extLst>
+              <a:ext uri="{28A0092B-C50C-407E-A947-70E740481C1C}">
+                <a14:useLocalDpi xmlns:a14="http://schemas.microsoft.com/office/drawing/2010/main" val="0"/>
+              </a:ext>
+            </a:extLst>
+          </a:blip>
+          <a:srcRect t="10479"/>
+          <a:stretch/>
+        </p:blipFill>
+        <p:spPr bwMode="auto">
+          <a:xfrm>
+            <a:off x="914211" y="3068960"/>
+            <a:ext cx="7272808" cy="2680874"/>
+          </a:xfrm>
+          <a:prstGeom prst="rect">
+            <a:avLst/>
+          </a:prstGeom>
+          <a:noFill/>
+          <a:ln>
+            <a:noFill/>
+          </a:ln>
+          <a:effectLst/>
+          <a:extLst>
+            <a:ext uri="{909E8E84-426E-40DD-AFC4-6F175D3DCCD1}">
+              <a14:hiddenFill xmlns:a14="http://schemas.microsoft.com/office/drawing/2010/main">
+                <a:solidFill>
+                  <a:schemeClr val="accent1"/>
+                </a:solidFill>
+              </a14:hiddenFill>
+            </a:ext>
+            <a:ext uri="{91240B29-F687-4F45-9708-019B960494DF}">
+              <a14:hiddenLine xmlns:a14="http://schemas.microsoft.com/office/drawing/2010/main" w="9525">
+                <a:solidFill>
+                  <a:schemeClr val="tx1"/>
+                </a:solidFill>
+                <a:miter lim="800000"/>
+                <a:headEnd/>
+                <a:tailEnd/>
+              </a14:hiddenLine>
+            </a:ext>
+            <a:ext uri="{AF507438-7753-43E0-B8FC-AC1667EBCBE1}">
+              <a14:hiddenEffects xmlns:a14="http://schemas.microsoft.com/office/drawing/2010/main">
+                <a:effectLst>
+                  <a:outerShdw dist="35921" dir="2700000" algn="ctr" rotWithShape="0">
+                    <a:schemeClr val="bg2"/>
+                  </a:outerShdw>
+                </a:effectLst>
+              </a14:hiddenEffects>
+            </a:ext>
+          </a:extLst>
+        </p:spPr>
+      </p:pic>
+      <p:sp>
+        <p:nvSpPr>
+          <p:cNvPr id="5" name="文字方塊 4"/>
+          <p:cNvSpPr txBox="1"/>
+          <p:nvPr/>
+        </p:nvSpPr>
+        <p:spPr>
+          <a:xfrm>
+            <a:off x="1043608" y="1926487"/>
+            <a:ext cx="6696744" cy="430887"/>
+          </a:xfrm>
+          <a:prstGeom prst="rect">
+            <a:avLst/>
+          </a:prstGeom>
+          <a:noFill/>
+        </p:spPr>
+        <p:txBody>
+          <a:bodyPr wrap="square" rtlCol="0">
+            <a:spAutoFit/>
+          </a:bodyPr>
+          <a:lstStyle/>
+          <a:p>
+            <a:pPr marL="342900" indent="-342900">
+              <a:buFont typeface="Arial" pitchFamily="34" charset="0"/>
+              <a:buChar char="•"/>
+            </a:pPr>
+            <a:r>
+              <a:rPr lang="zh-TW" altLang="en-US" sz="2200" dirty="0" smtClean="0"/>
+              <a:t>點數列表功能尚未明訂，暫以三類卡片區塊引導</a:t>
+            </a:r>
+            <a:endParaRPr lang="en-US" altLang="zh-TW" sz="2200" dirty="0" smtClean="0"/>
+          </a:p>
+        </p:txBody>
+      </p:sp>
+      <p:sp>
+        <p:nvSpPr>
+          <p:cNvPr id="2" name="投影片編號版面配置區 1"/>
+          <p:cNvSpPr>
+            <a:spLocks noGrp="1"/>
+          </p:cNvSpPr>
+          <p:nvPr>
+            <p:ph type="sldNum" sz="quarter" idx="11"/>
+          </p:nvPr>
+        </p:nvSpPr>
+        <p:spPr/>
+        <p:txBody>
+          <a:bodyPr/>
+          <a:lstStyle/>
+          <a:p>
+            <a:fld id="{2F1FFCCD-F281-4AA3-8926-41B83FC06AAE}" type="slidenum">
+              <a:rPr lang="zh-TW" altLang="en-US" smtClean="0"/>
+              <a:t>19</a:t>
+            </a:fld>
+            <a:endParaRPr lang="zh-TW" altLang="en-US"/>
+          </a:p>
+        </p:txBody>
+      </p:sp>
+    </p:spTree>
+    <p:extLst>
+      <p:ext uri="{BB962C8B-B14F-4D97-AF65-F5344CB8AC3E}">
+        <p14:creationId xmlns:p14="http://schemas.microsoft.com/office/powerpoint/2010/main" val="928717673"/>
       </p:ext>
     </p:extLst>
   </p:cSld>
@@ -5400,7 +7439,7 @@
         </p:nvSpPr>
         <p:spPr>
           <a:xfrm>
-            <a:off x="914211" y="764704"/>
+            <a:off x="914211" y="3140968"/>
             <a:ext cx="7543800" cy="720080"/>
           </a:xfrm>
           <a:prstGeom prst="rect">
@@ -5491,521 +7530,19 @@
             </a:lvl9pPr>
           </a:lstStyle>
           <a:p>
+            <a:pPr algn="ctr"/>
+            <a:r>
+              <a:rPr lang="zh-TW" altLang="en-US" sz="4000" b="1" dirty="0"/>
+              <a:t>前台</a:t>
+            </a:r>
             <a:r>
               <a:rPr lang="zh-TW" altLang="en-US" sz="4000" b="1" dirty="0" smtClean="0"/>
-              <a:t>後台系統架構</a:t>
+              <a:t>系統</a:t>
             </a:r>
             <a:endParaRPr lang="zh-TW" altLang="en-US" sz="4000" b="1" dirty="0"/>
           </a:p>
         </p:txBody>
       </p:sp>
-      <p:sp>
-        <p:nvSpPr>
-          <p:cNvPr id="2" name="矩形 1"/>
-          <p:cNvSpPr/>
-          <p:nvPr/>
-        </p:nvSpPr>
-        <p:spPr>
-          <a:xfrm>
-            <a:off x="5148064" y="1340768"/>
-            <a:ext cx="1224136" cy="725990"/>
-          </a:xfrm>
-          <a:prstGeom prst="rect">
-            <a:avLst/>
-          </a:prstGeom>
-        </p:spPr>
-        <p:style>
-          <a:lnRef idx="2">
-            <a:schemeClr val="accent1">
-              <a:shade val="50000"/>
-            </a:schemeClr>
-          </a:lnRef>
-          <a:fillRef idx="1">
-            <a:schemeClr val="accent1"/>
-          </a:fillRef>
-          <a:effectRef idx="0">
-            <a:schemeClr val="accent1"/>
-          </a:effectRef>
-          <a:fontRef idx="minor">
-            <a:schemeClr val="lt1"/>
-          </a:fontRef>
-        </p:style>
-        <p:txBody>
-          <a:bodyPr rtlCol="0" anchor="ctr"/>
-          <a:lstStyle/>
-          <a:p>
-            <a:pPr algn="ctr"/>
-            <a:r>
-              <a:rPr lang="zh-TW" altLang="en-US" dirty="0" smtClean="0"/>
-              <a:t>學童管理</a:t>
-            </a:r>
-            <a:endParaRPr lang="zh-TW" altLang="en-US" dirty="0"/>
-          </a:p>
-        </p:txBody>
-      </p:sp>
-      <p:sp>
-        <p:nvSpPr>
-          <p:cNvPr id="7" name="矩形 6"/>
-          <p:cNvSpPr/>
-          <p:nvPr/>
-        </p:nvSpPr>
-        <p:spPr>
-          <a:xfrm>
-            <a:off x="2555776" y="3429000"/>
-            <a:ext cx="1224136" cy="725990"/>
-          </a:xfrm>
-          <a:prstGeom prst="rect">
-            <a:avLst/>
-          </a:prstGeom>
-        </p:spPr>
-        <p:style>
-          <a:lnRef idx="2">
-            <a:schemeClr val="accent1">
-              <a:shade val="50000"/>
-            </a:schemeClr>
-          </a:lnRef>
-          <a:fillRef idx="1">
-            <a:schemeClr val="accent1"/>
-          </a:fillRef>
-          <a:effectRef idx="0">
-            <a:schemeClr val="accent1"/>
-          </a:effectRef>
-          <a:fontRef idx="minor">
-            <a:schemeClr val="lt1"/>
-          </a:fontRef>
-        </p:style>
-        <p:txBody>
-          <a:bodyPr rtlCol="0" anchor="ctr"/>
-          <a:lstStyle/>
-          <a:p>
-            <a:pPr algn="ctr"/>
-            <a:r>
-              <a:rPr lang="zh-TW" altLang="en-US" dirty="0" smtClean="0"/>
-              <a:t>首頁</a:t>
-            </a:r>
-            <a:endParaRPr lang="zh-TW" altLang="en-US" dirty="0"/>
-          </a:p>
-        </p:txBody>
-      </p:sp>
-      <p:sp>
-        <p:nvSpPr>
-          <p:cNvPr id="8" name="矩形 7"/>
-          <p:cNvSpPr/>
-          <p:nvPr/>
-        </p:nvSpPr>
-        <p:spPr>
-          <a:xfrm>
-            <a:off x="5148064" y="3950723"/>
-            <a:ext cx="1224136" cy="725990"/>
-          </a:xfrm>
-          <a:prstGeom prst="rect">
-            <a:avLst/>
-          </a:prstGeom>
-        </p:spPr>
-        <p:style>
-          <a:lnRef idx="2">
-            <a:schemeClr val="accent1">
-              <a:shade val="50000"/>
-            </a:schemeClr>
-          </a:lnRef>
-          <a:fillRef idx="1">
-            <a:schemeClr val="accent1"/>
-          </a:fillRef>
-          <a:effectRef idx="0">
-            <a:schemeClr val="accent1"/>
-          </a:effectRef>
-          <a:fontRef idx="minor">
-            <a:schemeClr val="lt1"/>
-          </a:fontRef>
-        </p:style>
-        <p:txBody>
-          <a:bodyPr rtlCol="0" anchor="ctr"/>
-          <a:lstStyle/>
-          <a:p>
-            <a:pPr algn="ctr"/>
-            <a:r>
-              <a:rPr lang="zh-TW" altLang="en-US" dirty="0" smtClean="0"/>
-              <a:t>兌換紀錄</a:t>
-            </a:r>
-            <a:endParaRPr lang="zh-TW" altLang="en-US" dirty="0"/>
-          </a:p>
-        </p:txBody>
-      </p:sp>
-      <p:sp>
-        <p:nvSpPr>
-          <p:cNvPr id="9" name="矩形 8"/>
-          <p:cNvSpPr/>
-          <p:nvPr/>
-        </p:nvSpPr>
-        <p:spPr>
-          <a:xfrm>
-            <a:off x="5148064" y="2216621"/>
-            <a:ext cx="1224136" cy="725990"/>
-          </a:xfrm>
-          <a:prstGeom prst="rect">
-            <a:avLst/>
-          </a:prstGeom>
-        </p:spPr>
-        <p:style>
-          <a:lnRef idx="2">
-            <a:schemeClr val="accent1">
-              <a:shade val="50000"/>
-            </a:schemeClr>
-          </a:lnRef>
-          <a:fillRef idx="1">
-            <a:schemeClr val="accent1"/>
-          </a:fillRef>
-          <a:effectRef idx="0">
-            <a:schemeClr val="accent1"/>
-          </a:effectRef>
-          <a:fontRef idx="minor">
-            <a:schemeClr val="lt1"/>
-          </a:fontRef>
-        </p:style>
-        <p:txBody>
-          <a:bodyPr rtlCol="0" anchor="ctr"/>
-          <a:lstStyle/>
-          <a:p>
-            <a:pPr algn="ctr"/>
-            <a:r>
-              <a:rPr lang="zh-TW" altLang="en-US" dirty="0" smtClean="0"/>
-              <a:t>店家管理</a:t>
-            </a:r>
-            <a:endParaRPr lang="zh-TW" altLang="en-US" dirty="0"/>
-          </a:p>
-        </p:txBody>
-      </p:sp>
-      <p:sp>
-        <p:nvSpPr>
-          <p:cNvPr id="10" name="矩形 9"/>
-          <p:cNvSpPr/>
-          <p:nvPr/>
-        </p:nvSpPr>
-        <p:spPr>
-          <a:xfrm>
-            <a:off x="5148064" y="3080717"/>
-            <a:ext cx="1224136" cy="725990"/>
-          </a:xfrm>
-          <a:prstGeom prst="rect">
-            <a:avLst/>
-          </a:prstGeom>
-        </p:spPr>
-        <p:style>
-          <a:lnRef idx="2">
-            <a:schemeClr val="accent1">
-              <a:shade val="50000"/>
-            </a:schemeClr>
-          </a:lnRef>
-          <a:fillRef idx="1">
-            <a:schemeClr val="accent1"/>
-          </a:fillRef>
-          <a:effectRef idx="0">
-            <a:schemeClr val="accent1"/>
-          </a:effectRef>
-          <a:fontRef idx="minor">
-            <a:schemeClr val="lt1"/>
-          </a:fontRef>
-        </p:style>
-        <p:txBody>
-          <a:bodyPr rtlCol="0" anchor="ctr"/>
-          <a:lstStyle/>
-          <a:p>
-            <a:pPr algn="ctr"/>
-            <a:r>
-              <a:rPr lang="zh-TW" altLang="en-US" dirty="0" smtClean="0"/>
-              <a:t>點數管理</a:t>
-            </a:r>
-            <a:endParaRPr lang="zh-TW" altLang="en-US" dirty="0"/>
-          </a:p>
-        </p:txBody>
-      </p:sp>
-      <p:sp>
-        <p:nvSpPr>
-          <p:cNvPr id="11" name="矩形 10"/>
-          <p:cNvSpPr/>
-          <p:nvPr/>
-        </p:nvSpPr>
-        <p:spPr>
-          <a:xfrm>
-            <a:off x="5148064" y="4808909"/>
-            <a:ext cx="1224136" cy="725990"/>
-          </a:xfrm>
-          <a:prstGeom prst="rect">
-            <a:avLst/>
-          </a:prstGeom>
-        </p:spPr>
-        <p:style>
-          <a:lnRef idx="2">
-            <a:schemeClr val="accent1">
-              <a:shade val="50000"/>
-            </a:schemeClr>
-          </a:lnRef>
-          <a:fillRef idx="1">
-            <a:schemeClr val="accent1"/>
-          </a:fillRef>
-          <a:effectRef idx="0">
-            <a:schemeClr val="accent1"/>
-          </a:effectRef>
-          <a:fontRef idx="minor">
-            <a:schemeClr val="lt1"/>
-          </a:fontRef>
-        </p:style>
-        <p:txBody>
-          <a:bodyPr rtlCol="0" anchor="ctr"/>
-          <a:lstStyle/>
-          <a:p>
-            <a:pPr algn="ctr"/>
-            <a:r>
-              <a:rPr lang="zh-TW" altLang="en-US" dirty="0" smtClean="0"/>
-              <a:t>系統參數</a:t>
-            </a:r>
-            <a:endParaRPr lang="zh-TW" altLang="en-US" dirty="0"/>
-          </a:p>
-        </p:txBody>
-      </p:sp>
-      <p:sp>
-        <p:nvSpPr>
-          <p:cNvPr id="12" name="矩形 11"/>
-          <p:cNvSpPr/>
-          <p:nvPr/>
-        </p:nvSpPr>
-        <p:spPr>
-          <a:xfrm>
-            <a:off x="5148064" y="5673005"/>
-            <a:ext cx="1224136" cy="725990"/>
-          </a:xfrm>
-          <a:prstGeom prst="rect">
-            <a:avLst/>
-          </a:prstGeom>
-        </p:spPr>
-        <p:style>
-          <a:lnRef idx="2">
-            <a:schemeClr val="accent1">
-              <a:shade val="50000"/>
-            </a:schemeClr>
-          </a:lnRef>
-          <a:fillRef idx="1">
-            <a:schemeClr val="accent1"/>
-          </a:fillRef>
-          <a:effectRef idx="0">
-            <a:schemeClr val="accent1"/>
-          </a:effectRef>
-          <a:fontRef idx="minor">
-            <a:schemeClr val="lt1"/>
-          </a:fontRef>
-        </p:style>
-        <p:txBody>
-          <a:bodyPr rtlCol="0" anchor="ctr"/>
-          <a:lstStyle/>
-          <a:p>
-            <a:pPr algn="ctr"/>
-            <a:r>
-              <a:rPr lang="zh-TW" altLang="en-US" dirty="0" smtClean="0"/>
-              <a:t>系統日誌</a:t>
-            </a:r>
-            <a:endParaRPr lang="zh-TW" altLang="en-US" dirty="0"/>
-          </a:p>
-        </p:txBody>
-      </p:sp>
-      <p:cxnSp>
-        <p:nvCxnSpPr>
-          <p:cNvPr id="13" name="肘形接點 12"/>
-          <p:cNvCxnSpPr>
-            <a:stCxn id="2" idx="1"/>
-            <a:endCxn id="7" idx="3"/>
-          </p:cNvCxnSpPr>
-          <p:nvPr/>
-        </p:nvCxnSpPr>
-        <p:spPr>
-          <a:xfrm rot="10800000" flipV="1">
-            <a:off x="3779912" y="1703763"/>
-            <a:ext cx="1368152" cy="2088232"/>
-          </a:xfrm>
-          <a:prstGeom prst="bentConnector3">
-            <a:avLst/>
-          </a:prstGeom>
-        </p:spPr>
-        <p:style>
-          <a:lnRef idx="1">
-            <a:schemeClr val="accent1"/>
-          </a:lnRef>
-          <a:fillRef idx="0">
-            <a:schemeClr val="accent1"/>
-          </a:fillRef>
-          <a:effectRef idx="0">
-            <a:schemeClr val="accent1"/>
-          </a:effectRef>
-          <a:fontRef idx="minor">
-            <a:schemeClr val="tx1"/>
-          </a:fontRef>
-        </p:style>
-      </p:cxnSp>
-      <p:cxnSp>
-        <p:nvCxnSpPr>
-          <p:cNvPr id="15" name="肘形接點 14"/>
-          <p:cNvCxnSpPr>
-            <a:stCxn id="9" idx="1"/>
-          </p:cNvCxnSpPr>
-          <p:nvPr/>
-        </p:nvCxnSpPr>
-        <p:spPr>
-          <a:xfrm rot="10800000" flipV="1">
-            <a:off x="3779912" y="2579615"/>
-            <a:ext cx="1368152" cy="1227091"/>
-          </a:xfrm>
-          <a:prstGeom prst="bentConnector3">
-            <a:avLst>
-              <a:gd name="adj1" fmla="val 50000"/>
-            </a:avLst>
-          </a:prstGeom>
-        </p:spPr>
-        <p:style>
-          <a:lnRef idx="1">
-            <a:schemeClr val="accent1"/>
-          </a:lnRef>
-          <a:fillRef idx="0">
-            <a:schemeClr val="accent1"/>
-          </a:fillRef>
-          <a:effectRef idx="0">
-            <a:schemeClr val="accent1"/>
-          </a:effectRef>
-          <a:fontRef idx="minor">
-            <a:schemeClr val="tx1"/>
-          </a:fontRef>
-        </p:style>
-      </p:cxnSp>
-      <p:cxnSp>
-        <p:nvCxnSpPr>
-          <p:cNvPr id="18" name="肘形接點 17"/>
-          <p:cNvCxnSpPr>
-            <a:stCxn id="10" idx="1"/>
-            <a:endCxn id="7" idx="3"/>
-          </p:cNvCxnSpPr>
-          <p:nvPr/>
-        </p:nvCxnSpPr>
-        <p:spPr>
-          <a:xfrm rot="10800000" flipV="1">
-            <a:off x="3779912" y="3443711"/>
-            <a:ext cx="1368152" cy="348283"/>
-          </a:xfrm>
-          <a:prstGeom prst="bentConnector3">
-            <a:avLst/>
-          </a:prstGeom>
-        </p:spPr>
-        <p:style>
-          <a:lnRef idx="1">
-            <a:schemeClr val="accent1"/>
-          </a:lnRef>
-          <a:fillRef idx="0">
-            <a:schemeClr val="accent1"/>
-          </a:fillRef>
-          <a:effectRef idx="0">
-            <a:schemeClr val="accent1"/>
-          </a:effectRef>
-          <a:fontRef idx="minor">
-            <a:schemeClr val="tx1"/>
-          </a:fontRef>
-        </p:style>
-      </p:cxnSp>
-      <p:cxnSp>
-        <p:nvCxnSpPr>
-          <p:cNvPr id="20" name="肘形接點 19"/>
-          <p:cNvCxnSpPr>
-            <a:stCxn id="8" idx="1"/>
-            <a:endCxn id="7" idx="3"/>
-          </p:cNvCxnSpPr>
-          <p:nvPr/>
-        </p:nvCxnSpPr>
-        <p:spPr>
-          <a:xfrm rot="10800000">
-            <a:off x="3779912" y="3791996"/>
-            <a:ext cx="1368152" cy="521723"/>
-          </a:xfrm>
-          <a:prstGeom prst="bentConnector3">
-            <a:avLst/>
-          </a:prstGeom>
-        </p:spPr>
-        <p:style>
-          <a:lnRef idx="1">
-            <a:schemeClr val="accent1"/>
-          </a:lnRef>
-          <a:fillRef idx="0">
-            <a:schemeClr val="accent1"/>
-          </a:fillRef>
-          <a:effectRef idx="0">
-            <a:schemeClr val="accent1"/>
-          </a:effectRef>
-          <a:fontRef idx="minor">
-            <a:schemeClr val="tx1"/>
-          </a:fontRef>
-        </p:style>
-      </p:cxnSp>
-      <p:cxnSp>
-        <p:nvCxnSpPr>
-          <p:cNvPr id="22" name="肘形接點 21"/>
-          <p:cNvCxnSpPr>
-            <a:stCxn id="11" idx="1"/>
-            <a:endCxn id="7" idx="3"/>
-          </p:cNvCxnSpPr>
-          <p:nvPr/>
-        </p:nvCxnSpPr>
-        <p:spPr>
-          <a:xfrm rot="10800000">
-            <a:off x="3779912" y="3791996"/>
-            <a:ext cx="1368152" cy="1379909"/>
-          </a:xfrm>
-          <a:prstGeom prst="bentConnector3">
-            <a:avLst/>
-          </a:prstGeom>
-        </p:spPr>
-        <p:style>
-          <a:lnRef idx="1">
-            <a:schemeClr val="accent1"/>
-          </a:lnRef>
-          <a:fillRef idx="0">
-            <a:schemeClr val="accent1"/>
-          </a:fillRef>
-          <a:effectRef idx="0">
-            <a:schemeClr val="accent1"/>
-          </a:effectRef>
-          <a:fontRef idx="minor">
-            <a:schemeClr val="tx1"/>
-          </a:fontRef>
-        </p:style>
-      </p:cxnSp>
-      <p:cxnSp>
-        <p:nvCxnSpPr>
-          <p:cNvPr id="24" name="肘形接點 23"/>
-          <p:cNvCxnSpPr>
-            <a:stCxn id="12" idx="1"/>
-            <a:endCxn id="7" idx="3"/>
-          </p:cNvCxnSpPr>
-          <p:nvPr/>
-        </p:nvCxnSpPr>
-        <p:spPr>
-          <a:xfrm rot="10800000">
-            <a:off x="3779912" y="3791996"/>
-            <a:ext cx="1368152" cy="2244005"/>
-          </a:xfrm>
-          <a:prstGeom prst="bentConnector3">
-            <a:avLst/>
-          </a:prstGeom>
-        </p:spPr>
-        <p:style>
-          <a:lnRef idx="1">
-            <a:schemeClr val="accent1"/>
-          </a:lnRef>
-          <a:fillRef idx="0">
-            <a:schemeClr val="accent1"/>
-          </a:fillRef>
-          <a:effectRef idx="0">
-            <a:schemeClr val="accent1"/>
-          </a:effectRef>
-          <a:fontRef idx="minor">
-            <a:schemeClr val="tx1"/>
-          </a:fontRef>
-        </p:style>
-      </p:cxnSp>
       <p:sp>
         <p:nvSpPr>
           <p:cNvPr id="3" name="投影片編號版面配置區 2"/>
@@ -6032,7 +7569,1169 @@
     </p:spTree>
     <p:extLst>
       <p:ext uri="{BB962C8B-B14F-4D97-AF65-F5344CB8AC3E}">
-        <p14:creationId xmlns:p14="http://schemas.microsoft.com/office/powerpoint/2010/main" val="3268592478"/>
+        <p14:creationId xmlns:p14="http://schemas.microsoft.com/office/powerpoint/2010/main" val="596567591"/>
+      </p:ext>
+    </p:extLst>
+  </p:cSld>
+  <p:clrMapOvr>
+    <a:masterClrMapping/>
+  </p:clrMapOvr>
+  <p:timing>
+    <p:tnLst>
+      <p:par>
+        <p:cTn id="1" dur="indefinite" restart="never" nodeType="tmRoot"/>
+      </p:par>
+    </p:tnLst>
+  </p:timing>
+</p:sld>
+</file>
+
+<file path=ppt/slides/slide20.xml><?xml version="1.0" encoding="utf-8"?>
+<p:sld xmlns:a="http://schemas.openxmlformats.org/drawingml/2006/main" xmlns:r="http://schemas.openxmlformats.org/officeDocument/2006/relationships" xmlns:p="http://schemas.openxmlformats.org/presentationml/2006/main">
+  <p:cSld>
+    <p:spTree>
+      <p:nvGrpSpPr>
+        <p:cNvPr id="1" name=""/>
+        <p:cNvGrpSpPr/>
+        <p:nvPr/>
+      </p:nvGrpSpPr>
+      <p:grpSpPr>
+        <a:xfrm>
+          <a:off x="0" y="0"/>
+          <a:ext cx="0" cy="0"/>
+          <a:chOff x="0" y="0"/>
+          <a:chExt cx="0" cy="0"/>
+        </a:xfrm>
+      </p:grpSpPr>
+      <p:sp>
+        <p:nvSpPr>
+          <p:cNvPr id="4" name="標題 1"/>
+          <p:cNvSpPr txBox="1">
+            <a:spLocks/>
+          </p:cNvSpPr>
+          <p:nvPr/>
+        </p:nvSpPr>
+        <p:spPr>
+          <a:xfrm>
+            <a:off x="914211" y="764704"/>
+            <a:ext cx="7543800" cy="720080"/>
+          </a:xfrm>
+          <a:prstGeom prst="rect">
+            <a:avLst/>
+          </a:prstGeom>
+        </p:spPr>
+        <p:txBody>
+          <a:bodyPr vert="horz" lIns="91440" tIns="45720" rIns="91440" bIns="45720" rtlCol="0" anchor="b">
+            <a:noAutofit/>
+          </a:bodyPr>
+          <a:lstStyle>
+            <a:lvl1pPr algn="l" defTabSz="914400" rtl="0" eaLnBrk="1" latinLnBrk="0" hangingPunct="1">
+              <a:spcBef>
+                <a:spcPct val="0"/>
+              </a:spcBef>
+              <a:buNone/>
+              <a:defRPr sz="6000" kern="1200">
+                <a:solidFill>
+                  <a:schemeClr val="tx1"/>
+                </a:solidFill>
+                <a:effectLst>
+                  <a:outerShdw blurRad="38100" dist="38100" dir="2700000" algn="tl">
+                    <a:srgbClr val="000000">
+                      <a:alpha val="43137"/>
+                    </a:srgbClr>
+                  </a:outerShdw>
+                </a:effectLst>
+                <a:latin typeface="+mj-lt"/>
+                <a:ea typeface="+mj-ea"/>
+                <a:cs typeface="+mj-cs"/>
+              </a:defRPr>
+            </a:lvl1pPr>
+            <a:lvl2pPr eaLnBrk="1" hangingPunct="1">
+              <a:defRPr>
+                <a:solidFill>
+                  <a:schemeClr val="tx2"/>
+                </a:solidFill>
+              </a:defRPr>
+            </a:lvl2pPr>
+            <a:lvl3pPr eaLnBrk="1" hangingPunct="1">
+              <a:defRPr>
+                <a:solidFill>
+                  <a:schemeClr val="tx2"/>
+                </a:solidFill>
+              </a:defRPr>
+            </a:lvl3pPr>
+            <a:lvl4pPr eaLnBrk="1" hangingPunct="1">
+              <a:defRPr>
+                <a:solidFill>
+                  <a:schemeClr val="tx2"/>
+                </a:solidFill>
+              </a:defRPr>
+            </a:lvl4pPr>
+            <a:lvl5pPr eaLnBrk="1" hangingPunct="1">
+              <a:defRPr>
+                <a:solidFill>
+                  <a:schemeClr val="tx2"/>
+                </a:solidFill>
+              </a:defRPr>
+            </a:lvl5pPr>
+            <a:lvl6pPr eaLnBrk="1" hangingPunct="1">
+              <a:defRPr>
+                <a:solidFill>
+                  <a:schemeClr val="tx2"/>
+                </a:solidFill>
+              </a:defRPr>
+            </a:lvl6pPr>
+            <a:lvl7pPr eaLnBrk="1" hangingPunct="1">
+              <a:defRPr>
+                <a:solidFill>
+                  <a:schemeClr val="tx2"/>
+                </a:solidFill>
+              </a:defRPr>
+            </a:lvl7pPr>
+            <a:lvl8pPr eaLnBrk="1" hangingPunct="1">
+              <a:defRPr>
+                <a:solidFill>
+                  <a:schemeClr val="tx2"/>
+                </a:solidFill>
+              </a:defRPr>
+            </a:lvl8pPr>
+            <a:lvl9pPr eaLnBrk="1" hangingPunct="1">
+              <a:defRPr>
+                <a:solidFill>
+                  <a:schemeClr val="tx2"/>
+                </a:solidFill>
+              </a:defRPr>
+            </a:lvl9pPr>
+          </a:lstStyle>
+          <a:p>
+            <a:r>
+              <a:rPr lang="zh-TW" altLang="en-US" sz="4000" b="1" dirty="0" smtClean="0"/>
+              <a:t>首頁 </a:t>
+            </a:r>
+            <a:r>
+              <a:rPr lang="en-US" altLang="zh-TW" sz="4000" b="1" dirty="0"/>
+              <a:t>/</a:t>
+            </a:r>
+            <a:r>
+              <a:rPr lang="zh-TW" altLang="en-US" sz="4000" b="1" dirty="0"/>
+              <a:t> </a:t>
+            </a:r>
+            <a:r>
+              <a:rPr lang="zh-TW" altLang="en-US" sz="4000" b="1" dirty="0" smtClean="0"/>
+              <a:t>兌換紀錄</a:t>
+            </a:r>
+            <a:endParaRPr lang="zh-TW" altLang="en-US" sz="4000" b="1" dirty="0"/>
+          </a:p>
+        </p:txBody>
+      </p:sp>
+      <p:pic>
+        <p:nvPicPr>
+          <p:cNvPr id="5122" name="Picture 2"/>
+          <p:cNvPicPr>
+            <a:picLocks noChangeAspect="1" noChangeArrowheads="1"/>
+          </p:cNvPicPr>
+          <p:nvPr/>
+        </p:nvPicPr>
+        <p:blipFill>
+          <a:blip r:embed="rId2">
+            <a:extLst>
+              <a:ext uri="{28A0092B-C50C-407E-A947-70E740481C1C}">
+                <a14:useLocalDpi xmlns:a14="http://schemas.microsoft.com/office/drawing/2010/main" val="0"/>
+              </a:ext>
+            </a:extLst>
+          </a:blip>
+          <a:srcRect/>
+          <a:stretch>
+            <a:fillRect/>
+          </a:stretch>
+        </p:blipFill>
+        <p:spPr bwMode="auto">
+          <a:xfrm>
+            <a:off x="707664" y="2780928"/>
+            <a:ext cx="7776865" cy="3377260"/>
+          </a:xfrm>
+          <a:prstGeom prst="rect">
+            <a:avLst/>
+          </a:prstGeom>
+          <a:noFill/>
+          <a:ln>
+            <a:noFill/>
+          </a:ln>
+          <a:effectLst/>
+          <a:extLst>
+            <a:ext uri="{909E8E84-426E-40DD-AFC4-6F175D3DCCD1}">
+              <a14:hiddenFill xmlns:a14="http://schemas.microsoft.com/office/drawing/2010/main">
+                <a:solidFill>
+                  <a:schemeClr val="accent1"/>
+                </a:solidFill>
+              </a14:hiddenFill>
+            </a:ext>
+            <a:ext uri="{91240B29-F687-4F45-9708-019B960494DF}">
+              <a14:hiddenLine xmlns:a14="http://schemas.microsoft.com/office/drawing/2010/main" w="9525">
+                <a:solidFill>
+                  <a:schemeClr val="tx1"/>
+                </a:solidFill>
+                <a:miter lim="800000"/>
+                <a:headEnd/>
+                <a:tailEnd/>
+              </a14:hiddenLine>
+            </a:ext>
+            <a:ext uri="{AF507438-7753-43E0-B8FC-AC1667EBCBE1}">
+              <a14:hiddenEffects xmlns:a14="http://schemas.microsoft.com/office/drawing/2010/main">
+                <a:effectLst>
+                  <a:outerShdw dist="35921" dir="2700000" algn="ctr" rotWithShape="0">
+                    <a:schemeClr val="bg2"/>
+                  </a:outerShdw>
+                </a:effectLst>
+              </a14:hiddenEffects>
+            </a:ext>
+          </a:extLst>
+        </p:spPr>
+      </p:pic>
+      <p:sp>
+        <p:nvSpPr>
+          <p:cNvPr id="5" name="文字方塊 4"/>
+          <p:cNvSpPr txBox="1"/>
+          <p:nvPr/>
+        </p:nvSpPr>
+        <p:spPr>
+          <a:xfrm>
+            <a:off x="1043608" y="1926487"/>
+            <a:ext cx="6696744" cy="430887"/>
+          </a:xfrm>
+          <a:prstGeom prst="rect">
+            <a:avLst/>
+          </a:prstGeom>
+          <a:noFill/>
+        </p:spPr>
+        <p:txBody>
+          <a:bodyPr wrap="square" rtlCol="0">
+            <a:spAutoFit/>
+          </a:bodyPr>
+          <a:lstStyle/>
+          <a:p>
+            <a:pPr marL="342900" indent="-342900">
+              <a:buFont typeface="Arial" pitchFamily="34" charset="0"/>
+              <a:buChar char="•"/>
+            </a:pPr>
+            <a:r>
+              <a:rPr lang="zh-TW" altLang="en-US" sz="2200" dirty="0"/>
+              <a:t>此</a:t>
+            </a:r>
+            <a:r>
+              <a:rPr lang="zh-TW" altLang="en-US" sz="2200" dirty="0" smtClean="0"/>
+              <a:t>功能</a:t>
+            </a:r>
+            <a:r>
+              <a:rPr lang="zh-TW" altLang="en-US" sz="2200" dirty="0"/>
+              <a:t>為</a:t>
+            </a:r>
+            <a:r>
+              <a:rPr lang="zh-TW" altLang="en-US" sz="2200" dirty="0" smtClean="0"/>
+              <a:t>每筆便當兌換紀錄</a:t>
+            </a:r>
+            <a:endParaRPr lang="en-US" altLang="zh-TW" sz="2200" dirty="0" smtClean="0"/>
+          </a:p>
+        </p:txBody>
+      </p:sp>
+      <p:sp>
+        <p:nvSpPr>
+          <p:cNvPr id="2" name="投影片編號版面配置區 1"/>
+          <p:cNvSpPr>
+            <a:spLocks noGrp="1"/>
+          </p:cNvSpPr>
+          <p:nvPr>
+            <p:ph type="sldNum" sz="quarter" idx="11"/>
+          </p:nvPr>
+        </p:nvSpPr>
+        <p:spPr/>
+        <p:txBody>
+          <a:bodyPr/>
+          <a:lstStyle/>
+          <a:p>
+            <a:fld id="{2F1FFCCD-F281-4AA3-8926-41B83FC06AAE}" type="slidenum">
+              <a:rPr lang="zh-TW" altLang="en-US" smtClean="0"/>
+              <a:t>20</a:t>
+            </a:fld>
+            <a:endParaRPr lang="zh-TW" altLang="en-US"/>
+          </a:p>
+        </p:txBody>
+      </p:sp>
+    </p:spTree>
+    <p:extLst>
+      <p:ext uri="{BB962C8B-B14F-4D97-AF65-F5344CB8AC3E}">
+        <p14:creationId xmlns:p14="http://schemas.microsoft.com/office/powerpoint/2010/main" val="4261227779"/>
+      </p:ext>
+    </p:extLst>
+  </p:cSld>
+  <p:clrMapOvr>
+    <a:masterClrMapping/>
+  </p:clrMapOvr>
+  <p:timing>
+    <p:tnLst>
+      <p:par>
+        <p:cTn id="1" dur="indefinite" restart="never" nodeType="tmRoot"/>
+      </p:par>
+    </p:tnLst>
+  </p:timing>
+</p:sld>
+</file>
+
+<file path=ppt/slides/slide21.xml><?xml version="1.0" encoding="utf-8"?>
+<p:sld xmlns:a="http://schemas.openxmlformats.org/drawingml/2006/main" xmlns:r="http://schemas.openxmlformats.org/officeDocument/2006/relationships" xmlns:p="http://schemas.openxmlformats.org/presentationml/2006/main">
+  <p:cSld>
+    <p:spTree>
+      <p:nvGrpSpPr>
+        <p:cNvPr id="1" name=""/>
+        <p:cNvGrpSpPr/>
+        <p:nvPr/>
+      </p:nvGrpSpPr>
+      <p:grpSpPr>
+        <a:xfrm>
+          <a:off x="0" y="0"/>
+          <a:ext cx="0" cy="0"/>
+          <a:chOff x="0" y="0"/>
+          <a:chExt cx="0" cy="0"/>
+        </a:xfrm>
+      </p:grpSpPr>
+      <p:sp>
+        <p:nvSpPr>
+          <p:cNvPr id="4" name="標題 1"/>
+          <p:cNvSpPr txBox="1">
+            <a:spLocks/>
+          </p:cNvSpPr>
+          <p:nvPr/>
+        </p:nvSpPr>
+        <p:spPr>
+          <a:xfrm>
+            <a:off x="914211" y="764704"/>
+            <a:ext cx="7543800" cy="720080"/>
+          </a:xfrm>
+          <a:prstGeom prst="rect">
+            <a:avLst/>
+          </a:prstGeom>
+        </p:spPr>
+        <p:txBody>
+          <a:bodyPr vert="horz" lIns="91440" tIns="45720" rIns="91440" bIns="45720" rtlCol="0" anchor="b">
+            <a:noAutofit/>
+          </a:bodyPr>
+          <a:lstStyle>
+            <a:lvl1pPr algn="l" defTabSz="914400" rtl="0" eaLnBrk="1" latinLnBrk="0" hangingPunct="1">
+              <a:spcBef>
+                <a:spcPct val="0"/>
+              </a:spcBef>
+              <a:buNone/>
+              <a:defRPr sz="6000" kern="1200">
+                <a:solidFill>
+                  <a:schemeClr val="tx1"/>
+                </a:solidFill>
+                <a:effectLst>
+                  <a:outerShdw blurRad="38100" dist="38100" dir="2700000" algn="tl">
+                    <a:srgbClr val="000000">
+                      <a:alpha val="43137"/>
+                    </a:srgbClr>
+                  </a:outerShdw>
+                </a:effectLst>
+                <a:latin typeface="+mj-lt"/>
+                <a:ea typeface="+mj-ea"/>
+                <a:cs typeface="+mj-cs"/>
+              </a:defRPr>
+            </a:lvl1pPr>
+            <a:lvl2pPr eaLnBrk="1" hangingPunct="1">
+              <a:defRPr>
+                <a:solidFill>
+                  <a:schemeClr val="tx2"/>
+                </a:solidFill>
+              </a:defRPr>
+            </a:lvl2pPr>
+            <a:lvl3pPr eaLnBrk="1" hangingPunct="1">
+              <a:defRPr>
+                <a:solidFill>
+                  <a:schemeClr val="tx2"/>
+                </a:solidFill>
+              </a:defRPr>
+            </a:lvl3pPr>
+            <a:lvl4pPr eaLnBrk="1" hangingPunct="1">
+              <a:defRPr>
+                <a:solidFill>
+                  <a:schemeClr val="tx2"/>
+                </a:solidFill>
+              </a:defRPr>
+            </a:lvl4pPr>
+            <a:lvl5pPr eaLnBrk="1" hangingPunct="1">
+              <a:defRPr>
+                <a:solidFill>
+                  <a:schemeClr val="tx2"/>
+                </a:solidFill>
+              </a:defRPr>
+            </a:lvl5pPr>
+            <a:lvl6pPr eaLnBrk="1" hangingPunct="1">
+              <a:defRPr>
+                <a:solidFill>
+                  <a:schemeClr val="tx2"/>
+                </a:solidFill>
+              </a:defRPr>
+            </a:lvl6pPr>
+            <a:lvl7pPr eaLnBrk="1" hangingPunct="1">
+              <a:defRPr>
+                <a:solidFill>
+                  <a:schemeClr val="tx2"/>
+                </a:solidFill>
+              </a:defRPr>
+            </a:lvl7pPr>
+            <a:lvl8pPr eaLnBrk="1" hangingPunct="1">
+              <a:defRPr>
+                <a:solidFill>
+                  <a:schemeClr val="tx2"/>
+                </a:solidFill>
+              </a:defRPr>
+            </a:lvl8pPr>
+            <a:lvl9pPr eaLnBrk="1" hangingPunct="1">
+              <a:defRPr>
+                <a:solidFill>
+                  <a:schemeClr val="tx2"/>
+                </a:solidFill>
+              </a:defRPr>
+            </a:lvl9pPr>
+          </a:lstStyle>
+          <a:p>
+            <a:r>
+              <a:rPr lang="zh-TW" altLang="en-US" sz="4000" b="1" dirty="0" smtClean="0"/>
+              <a:t>首頁 </a:t>
+            </a:r>
+            <a:r>
+              <a:rPr lang="en-US" altLang="zh-TW" sz="4000" b="1" dirty="0"/>
+              <a:t>/</a:t>
+            </a:r>
+            <a:r>
+              <a:rPr lang="zh-TW" altLang="en-US" sz="4000" b="1" dirty="0"/>
+              <a:t> 系統帳號</a:t>
+            </a:r>
+            <a:r>
+              <a:rPr lang="zh-TW" altLang="en-US" sz="4000" b="1" dirty="0" smtClean="0"/>
+              <a:t>管理</a:t>
+            </a:r>
+            <a:endParaRPr lang="zh-TW" altLang="en-US" sz="4000" b="1" dirty="0"/>
+          </a:p>
+        </p:txBody>
+      </p:sp>
+      <p:pic>
+        <p:nvPicPr>
+          <p:cNvPr id="6146" name="Picture 2"/>
+          <p:cNvPicPr>
+            <a:picLocks noChangeAspect="1" noChangeArrowheads="1"/>
+          </p:cNvPicPr>
+          <p:nvPr/>
+        </p:nvPicPr>
+        <p:blipFill>
+          <a:blip r:embed="rId2">
+            <a:extLst>
+              <a:ext uri="{28A0092B-C50C-407E-A947-70E740481C1C}">
+                <a14:useLocalDpi xmlns:a14="http://schemas.microsoft.com/office/drawing/2010/main" val="0"/>
+              </a:ext>
+            </a:extLst>
+          </a:blip>
+          <a:srcRect/>
+          <a:stretch>
+            <a:fillRect/>
+          </a:stretch>
+        </p:blipFill>
+        <p:spPr bwMode="auto">
+          <a:xfrm>
+            <a:off x="827584" y="3122136"/>
+            <a:ext cx="7474213" cy="3265301"/>
+          </a:xfrm>
+          <a:prstGeom prst="rect">
+            <a:avLst/>
+          </a:prstGeom>
+          <a:noFill/>
+          <a:ln>
+            <a:noFill/>
+          </a:ln>
+          <a:effectLst/>
+          <a:extLst>
+            <a:ext uri="{909E8E84-426E-40DD-AFC4-6F175D3DCCD1}">
+              <a14:hiddenFill xmlns:a14="http://schemas.microsoft.com/office/drawing/2010/main">
+                <a:solidFill>
+                  <a:schemeClr val="accent1"/>
+                </a:solidFill>
+              </a14:hiddenFill>
+            </a:ext>
+            <a:ext uri="{91240B29-F687-4F45-9708-019B960494DF}">
+              <a14:hiddenLine xmlns:a14="http://schemas.microsoft.com/office/drawing/2010/main" w="9525">
+                <a:solidFill>
+                  <a:schemeClr val="tx1"/>
+                </a:solidFill>
+                <a:miter lim="800000"/>
+                <a:headEnd/>
+                <a:tailEnd/>
+              </a14:hiddenLine>
+            </a:ext>
+            <a:ext uri="{AF507438-7753-43E0-B8FC-AC1667EBCBE1}">
+              <a14:hiddenEffects xmlns:a14="http://schemas.microsoft.com/office/drawing/2010/main">
+                <a:effectLst>
+                  <a:outerShdw dist="35921" dir="2700000" algn="ctr" rotWithShape="0">
+                    <a:schemeClr val="bg2"/>
+                  </a:outerShdw>
+                </a:effectLst>
+              </a14:hiddenEffects>
+            </a:ext>
+          </a:extLst>
+        </p:spPr>
+      </p:pic>
+      <p:sp>
+        <p:nvSpPr>
+          <p:cNvPr id="5" name="文字方塊 4"/>
+          <p:cNvSpPr txBox="1"/>
+          <p:nvPr/>
+        </p:nvSpPr>
+        <p:spPr>
+          <a:xfrm>
+            <a:off x="1043608" y="1926487"/>
+            <a:ext cx="6696744" cy="769441"/>
+          </a:xfrm>
+          <a:prstGeom prst="rect">
+            <a:avLst/>
+          </a:prstGeom>
+          <a:noFill/>
+        </p:spPr>
+        <p:txBody>
+          <a:bodyPr wrap="square" rtlCol="0">
+            <a:spAutoFit/>
+          </a:bodyPr>
+          <a:lstStyle/>
+          <a:p>
+            <a:pPr marL="342900" indent="-342900">
+              <a:buFont typeface="Arial" pitchFamily="34" charset="0"/>
+              <a:buChar char="•"/>
+            </a:pPr>
+            <a:r>
+              <a:rPr lang="zh-TW" altLang="en-US" sz="2200" dirty="0"/>
+              <a:t>系統</a:t>
+            </a:r>
+            <a:r>
+              <a:rPr lang="zh-TW" altLang="en-US" sz="2200" dirty="0" smtClean="0"/>
+              <a:t>帳號可設定各使用者功能</a:t>
+            </a:r>
+            <a:endParaRPr lang="en-US" altLang="zh-TW" sz="2200" dirty="0" smtClean="0"/>
+          </a:p>
+          <a:p>
+            <a:pPr marL="342900" indent="-342900">
+              <a:buFont typeface="Arial" pitchFamily="34" charset="0"/>
+              <a:buChar char="•"/>
+            </a:pPr>
+            <a:r>
+              <a:rPr lang="zh-TW" altLang="en-US" sz="2200" dirty="0" smtClean="0"/>
+              <a:t>點數儲存作業僅系統帳號可進行</a:t>
+            </a:r>
+            <a:endParaRPr lang="en-US" altLang="zh-TW" sz="2200" dirty="0" smtClean="0"/>
+          </a:p>
+        </p:txBody>
+      </p:sp>
+      <p:sp>
+        <p:nvSpPr>
+          <p:cNvPr id="2" name="投影片編號版面配置區 1"/>
+          <p:cNvSpPr>
+            <a:spLocks noGrp="1"/>
+          </p:cNvSpPr>
+          <p:nvPr>
+            <p:ph type="sldNum" sz="quarter" idx="11"/>
+          </p:nvPr>
+        </p:nvSpPr>
+        <p:spPr/>
+        <p:txBody>
+          <a:bodyPr/>
+          <a:lstStyle/>
+          <a:p>
+            <a:fld id="{2F1FFCCD-F281-4AA3-8926-41B83FC06AAE}" type="slidenum">
+              <a:rPr lang="zh-TW" altLang="en-US" smtClean="0"/>
+              <a:t>21</a:t>
+            </a:fld>
+            <a:endParaRPr lang="zh-TW" altLang="en-US"/>
+          </a:p>
+        </p:txBody>
+      </p:sp>
+    </p:spTree>
+    <p:extLst>
+      <p:ext uri="{BB962C8B-B14F-4D97-AF65-F5344CB8AC3E}">
+        <p14:creationId xmlns:p14="http://schemas.microsoft.com/office/powerpoint/2010/main" val="969067509"/>
+      </p:ext>
+    </p:extLst>
+  </p:cSld>
+  <p:clrMapOvr>
+    <a:masterClrMapping/>
+  </p:clrMapOvr>
+  <p:timing>
+    <p:tnLst>
+      <p:par>
+        <p:cTn id="1" dur="indefinite" restart="never" nodeType="tmRoot"/>
+      </p:par>
+    </p:tnLst>
+  </p:timing>
+</p:sld>
+</file>
+
+<file path=ppt/slides/slide22.xml><?xml version="1.0" encoding="utf-8"?>
+<p:sld xmlns:a="http://schemas.openxmlformats.org/drawingml/2006/main" xmlns:r="http://schemas.openxmlformats.org/officeDocument/2006/relationships" xmlns:p="http://schemas.openxmlformats.org/presentationml/2006/main">
+  <p:cSld>
+    <p:spTree>
+      <p:nvGrpSpPr>
+        <p:cNvPr id="1" name=""/>
+        <p:cNvGrpSpPr/>
+        <p:nvPr/>
+      </p:nvGrpSpPr>
+      <p:grpSpPr>
+        <a:xfrm>
+          <a:off x="0" y="0"/>
+          <a:ext cx="0" cy="0"/>
+          <a:chOff x="0" y="0"/>
+          <a:chExt cx="0" cy="0"/>
+        </a:xfrm>
+      </p:grpSpPr>
+      <p:sp>
+        <p:nvSpPr>
+          <p:cNvPr id="4" name="標題 1"/>
+          <p:cNvSpPr txBox="1">
+            <a:spLocks/>
+          </p:cNvSpPr>
+          <p:nvPr/>
+        </p:nvSpPr>
+        <p:spPr>
+          <a:xfrm>
+            <a:off x="914211" y="764704"/>
+            <a:ext cx="7543800" cy="720080"/>
+          </a:xfrm>
+          <a:prstGeom prst="rect">
+            <a:avLst/>
+          </a:prstGeom>
+        </p:spPr>
+        <p:txBody>
+          <a:bodyPr vert="horz" lIns="91440" tIns="45720" rIns="91440" bIns="45720" rtlCol="0" anchor="b">
+            <a:noAutofit/>
+          </a:bodyPr>
+          <a:lstStyle>
+            <a:lvl1pPr algn="l" defTabSz="914400" rtl="0" eaLnBrk="1" latinLnBrk="0" hangingPunct="1">
+              <a:spcBef>
+                <a:spcPct val="0"/>
+              </a:spcBef>
+              <a:buNone/>
+              <a:defRPr sz="6000" kern="1200">
+                <a:solidFill>
+                  <a:schemeClr val="tx1"/>
+                </a:solidFill>
+                <a:effectLst>
+                  <a:outerShdw blurRad="38100" dist="38100" dir="2700000" algn="tl">
+                    <a:srgbClr val="000000">
+                      <a:alpha val="43137"/>
+                    </a:srgbClr>
+                  </a:outerShdw>
+                </a:effectLst>
+                <a:latin typeface="+mj-lt"/>
+                <a:ea typeface="+mj-ea"/>
+                <a:cs typeface="+mj-cs"/>
+              </a:defRPr>
+            </a:lvl1pPr>
+            <a:lvl2pPr eaLnBrk="1" hangingPunct="1">
+              <a:defRPr>
+                <a:solidFill>
+                  <a:schemeClr val="tx2"/>
+                </a:solidFill>
+              </a:defRPr>
+            </a:lvl2pPr>
+            <a:lvl3pPr eaLnBrk="1" hangingPunct="1">
+              <a:defRPr>
+                <a:solidFill>
+                  <a:schemeClr val="tx2"/>
+                </a:solidFill>
+              </a:defRPr>
+            </a:lvl3pPr>
+            <a:lvl4pPr eaLnBrk="1" hangingPunct="1">
+              <a:defRPr>
+                <a:solidFill>
+                  <a:schemeClr val="tx2"/>
+                </a:solidFill>
+              </a:defRPr>
+            </a:lvl4pPr>
+            <a:lvl5pPr eaLnBrk="1" hangingPunct="1">
+              <a:defRPr>
+                <a:solidFill>
+                  <a:schemeClr val="tx2"/>
+                </a:solidFill>
+              </a:defRPr>
+            </a:lvl5pPr>
+            <a:lvl6pPr eaLnBrk="1" hangingPunct="1">
+              <a:defRPr>
+                <a:solidFill>
+                  <a:schemeClr val="tx2"/>
+                </a:solidFill>
+              </a:defRPr>
+            </a:lvl6pPr>
+            <a:lvl7pPr eaLnBrk="1" hangingPunct="1">
+              <a:defRPr>
+                <a:solidFill>
+                  <a:schemeClr val="tx2"/>
+                </a:solidFill>
+              </a:defRPr>
+            </a:lvl7pPr>
+            <a:lvl8pPr eaLnBrk="1" hangingPunct="1">
+              <a:defRPr>
+                <a:solidFill>
+                  <a:schemeClr val="tx2"/>
+                </a:solidFill>
+              </a:defRPr>
+            </a:lvl8pPr>
+            <a:lvl9pPr eaLnBrk="1" hangingPunct="1">
+              <a:defRPr>
+                <a:solidFill>
+                  <a:schemeClr val="tx2"/>
+                </a:solidFill>
+              </a:defRPr>
+            </a:lvl9pPr>
+          </a:lstStyle>
+          <a:p>
+            <a:r>
+              <a:rPr lang="zh-TW" altLang="en-US" sz="4000" b="1" dirty="0" smtClean="0"/>
+              <a:t>首頁 </a:t>
+            </a:r>
+            <a:r>
+              <a:rPr lang="en-US" altLang="zh-TW" sz="4000" b="1" dirty="0"/>
+              <a:t>/</a:t>
+            </a:r>
+            <a:r>
+              <a:rPr lang="zh-TW" altLang="en-US" sz="4000" b="1" dirty="0"/>
+              <a:t> 時段</a:t>
+            </a:r>
+            <a:r>
+              <a:rPr lang="zh-TW" altLang="en-US" sz="4000" b="1" dirty="0" smtClean="0"/>
+              <a:t>管理</a:t>
+            </a:r>
+            <a:endParaRPr lang="zh-TW" altLang="en-US" sz="4000" b="1" dirty="0"/>
+          </a:p>
+        </p:txBody>
+      </p:sp>
+      <p:pic>
+        <p:nvPicPr>
+          <p:cNvPr id="3074" name="Picture 2"/>
+          <p:cNvPicPr>
+            <a:picLocks noChangeAspect="1" noChangeArrowheads="1"/>
+          </p:cNvPicPr>
+          <p:nvPr/>
+        </p:nvPicPr>
+        <p:blipFill>
+          <a:blip r:embed="rId2">
+            <a:extLst>
+              <a:ext uri="{28A0092B-C50C-407E-A947-70E740481C1C}">
+                <a14:useLocalDpi xmlns:a14="http://schemas.microsoft.com/office/drawing/2010/main" val="0"/>
+              </a:ext>
+            </a:extLst>
+          </a:blip>
+          <a:srcRect/>
+          <a:stretch>
+            <a:fillRect/>
+          </a:stretch>
+        </p:blipFill>
+        <p:spPr bwMode="auto">
+          <a:xfrm>
+            <a:off x="1115616" y="3140968"/>
+            <a:ext cx="5943600" cy="2219325"/>
+          </a:xfrm>
+          <a:prstGeom prst="rect">
+            <a:avLst/>
+          </a:prstGeom>
+          <a:noFill/>
+          <a:ln>
+            <a:noFill/>
+          </a:ln>
+          <a:effectLst/>
+          <a:extLst>
+            <a:ext uri="{909E8E84-426E-40DD-AFC4-6F175D3DCCD1}">
+              <a14:hiddenFill xmlns:a14="http://schemas.microsoft.com/office/drawing/2010/main">
+                <a:solidFill>
+                  <a:schemeClr val="accent1"/>
+                </a:solidFill>
+              </a14:hiddenFill>
+            </a:ext>
+            <a:ext uri="{91240B29-F687-4F45-9708-019B960494DF}">
+              <a14:hiddenLine xmlns:a14="http://schemas.microsoft.com/office/drawing/2010/main" w="9525">
+                <a:solidFill>
+                  <a:schemeClr val="tx1"/>
+                </a:solidFill>
+                <a:miter lim="800000"/>
+                <a:headEnd/>
+                <a:tailEnd/>
+              </a14:hiddenLine>
+            </a:ext>
+            <a:ext uri="{AF507438-7753-43E0-B8FC-AC1667EBCBE1}">
+              <a14:hiddenEffects xmlns:a14="http://schemas.microsoft.com/office/drawing/2010/main">
+                <a:effectLst>
+                  <a:outerShdw dist="35921" dir="2700000" algn="ctr" rotWithShape="0">
+                    <a:schemeClr val="bg2"/>
+                  </a:outerShdw>
+                </a:effectLst>
+              </a14:hiddenEffects>
+            </a:ext>
+          </a:extLst>
+        </p:spPr>
+      </p:pic>
+      <p:sp>
+        <p:nvSpPr>
+          <p:cNvPr id="5" name="文字方塊 4"/>
+          <p:cNvSpPr txBox="1"/>
+          <p:nvPr/>
+        </p:nvSpPr>
+        <p:spPr>
+          <a:xfrm>
+            <a:off x="1043608" y="1926487"/>
+            <a:ext cx="6696744" cy="769441"/>
+          </a:xfrm>
+          <a:prstGeom prst="rect">
+            <a:avLst/>
+          </a:prstGeom>
+          <a:noFill/>
+        </p:spPr>
+        <p:txBody>
+          <a:bodyPr wrap="square" rtlCol="0">
+            <a:spAutoFit/>
+          </a:bodyPr>
+          <a:lstStyle/>
+          <a:p>
+            <a:pPr marL="342900" indent="-342900">
+              <a:buFont typeface="Arial" pitchFamily="34" charset="0"/>
+              <a:buChar char="•"/>
+            </a:pPr>
+            <a:r>
+              <a:rPr lang="zh-TW" altLang="en-US" sz="2200" dirty="0" smtClean="0"/>
+              <a:t>所有店家便當兌換時間統一於此設定</a:t>
+            </a:r>
+            <a:endParaRPr lang="en-US" altLang="zh-TW" sz="2200" dirty="0" smtClean="0"/>
+          </a:p>
+          <a:p>
+            <a:pPr marL="342900" indent="-342900">
+              <a:buFont typeface="Arial" pitchFamily="34" charset="0"/>
+              <a:buChar char="•"/>
+            </a:pPr>
+            <a:r>
+              <a:rPr lang="zh-TW" altLang="en-US" sz="2200" dirty="0"/>
+              <a:t>每日</a:t>
+            </a:r>
+            <a:r>
+              <a:rPr lang="zh-TW" altLang="en-US" sz="2200" dirty="0" smtClean="0"/>
+              <a:t>兌換上限為兩次</a:t>
+            </a:r>
+            <a:endParaRPr lang="en-US" altLang="zh-TW" sz="2200" dirty="0" smtClean="0"/>
+          </a:p>
+        </p:txBody>
+      </p:sp>
+      <p:sp>
+        <p:nvSpPr>
+          <p:cNvPr id="2" name="投影片編號版面配置區 1"/>
+          <p:cNvSpPr>
+            <a:spLocks noGrp="1"/>
+          </p:cNvSpPr>
+          <p:nvPr>
+            <p:ph type="sldNum" sz="quarter" idx="11"/>
+          </p:nvPr>
+        </p:nvSpPr>
+        <p:spPr/>
+        <p:txBody>
+          <a:bodyPr/>
+          <a:lstStyle/>
+          <a:p>
+            <a:fld id="{2F1FFCCD-F281-4AA3-8926-41B83FC06AAE}" type="slidenum">
+              <a:rPr lang="zh-TW" altLang="en-US" smtClean="0"/>
+              <a:t>22</a:t>
+            </a:fld>
+            <a:endParaRPr lang="zh-TW" altLang="en-US"/>
+          </a:p>
+        </p:txBody>
+      </p:sp>
+    </p:spTree>
+    <p:extLst>
+      <p:ext uri="{BB962C8B-B14F-4D97-AF65-F5344CB8AC3E}">
+        <p14:creationId xmlns:p14="http://schemas.microsoft.com/office/powerpoint/2010/main" val="1382579170"/>
+      </p:ext>
+    </p:extLst>
+  </p:cSld>
+  <p:clrMapOvr>
+    <a:masterClrMapping/>
+  </p:clrMapOvr>
+  <p:timing>
+    <p:tnLst>
+      <p:par>
+        <p:cTn id="1" dur="indefinite" restart="never" nodeType="tmRoot"/>
+      </p:par>
+    </p:tnLst>
+  </p:timing>
+</p:sld>
+</file>
+
+<file path=ppt/slides/slide23.xml><?xml version="1.0" encoding="utf-8"?>
+<p:sld xmlns:a="http://schemas.openxmlformats.org/drawingml/2006/main" xmlns:r="http://schemas.openxmlformats.org/officeDocument/2006/relationships" xmlns:p="http://schemas.openxmlformats.org/presentationml/2006/main">
+  <p:cSld>
+    <p:spTree>
+      <p:nvGrpSpPr>
+        <p:cNvPr id="1" name=""/>
+        <p:cNvGrpSpPr/>
+        <p:nvPr/>
+      </p:nvGrpSpPr>
+      <p:grpSpPr>
+        <a:xfrm>
+          <a:off x="0" y="0"/>
+          <a:ext cx="0" cy="0"/>
+          <a:chOff x="0" y="0"/>
+          <a:chExt cx="0" cy="0"/>
+        </a:xfrm>
+      </p:grpSpPr>
+      <p:sp>
+        <p:nvSpPr>
+          <p:cNvPr id="4" name="標題 1"/>
+          <p:cNvSpPr txBox="1">
+            <a:spLocks/>
+          </p:cNvSpPr>
+          <p:nvPr/>
+        </p:nvSpPr>
+        <p:spPr>
+          <a:xfrm>
+            <a:off x="914211" y="764704"/>
+            <a:ext cx="7543800" cy="720080"/>
+          </a:xfrm>
+          <a:prstGeom prst="rect">
+            <a:avLst/>
+          </a:prstGeom>
+        </p:spPr>
+        <p:txBody>
+          <a:bodyPr vert="horz" lIns="91440" tIns="45720" rIns="91440" bIns="45720" rtlCol="0" anchor="b">
+            <a:noAutofit/>
+          </a:bodyPr>
+          <a:lstStyle>
+            <a:lvl1pPr algn="l" defTabSz="914400" rtl="0" eaLnBrk="1" latinLnBrk="0" hangingPunct="1">
+              <a:spcBef>
+                <a:spcPct val="0"/>
+              </a:spcBef>
+              <a:buNone/>
+              <a:defRPr sz="6000" kern="1200">
+                <a:solidFill>
+                  <a:schemeClr val="tx1"/>
+                </a:solidFill>
+                <a:effectLst>
+                  <a:outerShdw blurRad="38100" dist="38100" dir="2700000" algn="tl">
+                    <a:srgbClr val="000000">
+                      <a:alpha val="43137"/>
+                    </a:srgbClr>
+                  </a:outerShdw>
+                </a:effectLst>
+                <a:latin typeface="+mj-lt"/>
+                <a:ea typeface="+mj-ea"/>
+                <a:cs typeface="+mj-cs"/>
+              </a:defRPr>
+            </a:lvl1pPr>
+            <a:lvl2pPr eaLnBrk="1" hangingPunct="1">
+              <a:defRPr>
+                <a:solidFill>
+                  <a:schemeClr val="tx2"/>
+                </a:solidFill>
+              </a:defRPr>
+            </a:lvl2pPr>
+            <a:lvl3pPr eaLnBrk="1" hangingPunct="1">
+              <a:defRPr>
+                <a:solidFill>
+                  <a:schemeClr val="tx2"/>
+                </a:solidFill>
+              </a:defRPr>
+            </a:lvl3pPr>
+            <a:lvl4pPr eaLnBrk="1" hangingPunct="1">
+              <a:defRPr>
+                <a:solidFill>
+                  <a:schemeClr val="tx2"/>
+                </a:solidFill>
+              </a:defRPr>
+            </a:lvl4pPr>
+            <a:lvl5pPr eaLnBrk="1" hangingPunct="1">
+              <a:defRPr>
+                <a:solidFill>
+                  <a:schemeClr val="tx2"/>
+                </a:solidFill>
+              </a:defRPr>
+            </a:lvl5pPr>
+            <a:lvl6pPr eaLnBrk="1" hangingPunct="1">
+              <a:defRPr>
+                <a:solidFill>
+                  <a:schemeClr val="tx2"/>
+                </a:solidFill>
+              </a:defRPr>
+            </a:lvl6pPr>
+            <a:lvl7pPr eaLnBrk="1" hangingPunct="1">
+              <a:defRPr>
+                <a:solidFill>
+                  <a:schemeClr val="tx2"/>
+                </a:solidFill>
+              </a:defRPr>
+            </a:lvl7pPr>
+            <a:lvl8pPr eaLnBrk="1" hangingPunct="1">
+              <a:defRPr>
+                <a:solidFill>
+                  <a:schemeClr val="tx2"/>
+                </a:solidFill>
+              </a:defRPr>
+            </a:lvl8pPr>
+            <a:lvl9pPr eaLnBrk="1" hangingPunct="1">
+              <a:defRPr>
+                <a:solidFill>
+                  <a:schemeClr val="tx2"/>
+                </a:solidFill>
+              </a:defRPr>
+            </a:lvl9pPr>
+          </a:lstStyle>
+          <a:p>
+            <a:r>
+              <a:rPr lang="zh-TW" altLang="en-US" sz="4000" b="1" dirty="0" smtClean="0"/>
+              <a:t>首頁 </a:t>
+            </a:r>
+            <a:r>
+              <a:rPr lang="en-US" altLang="zh-TW" sz="4000" b="1" dirty="0"/>
+              <a:t>/</a:t>
+            </a:r>
+            <a:r>
+              <a:rPr lang="zh-TW" altLang="en-US" sz="4000" b="1" dirty="0"/>
+              <a:t> </a:t>
+            </a:r>
+            <a:r>
+              <a:rPr lang="zh-TW" altLang="en-US" sz="4000" b="1" dirty="0" smtClean="0"/>
+              <a:t>系統日誌</a:t>
+            </a:r>
+            <a:endParaRPr lang="zh-TW" altLang="en-US" sz="4000" b="1" dirty="0"/>
+          </a:p>
+        </p:txBody>
+      </p:sp>
+      <p:pic>
+        <p:nvPicPr>
+          <p:cNvPr id="7170" name="Picture 2"/>
+          <p:cNvPicPr>
+            <a:picLocks noChangeAspect="1" noChangeArrowheads="1"/>
+          </p:cNvPicPr>
+          <p:nvPr/>
+        </p:nvPicPr>
+        <p:blipFill>
+          <a:blip r:embed="rId2">
+            <a:extLst>
+              <a:ext uri="{28A0092B-C50C-407E-A947-70E740481C1C}">
+                <a14:useLocalDpi xmlns:a14="http://schemas.microsoft.com/office/drawing/2010/main" val="0"/>
+              </a:ext>
+            </a:extLst>
+          </a:blip>
+          <a:srcRect/>
+          <a:stretch>
+            <a:fillRect/>
+          </a:stretch>
+        </p:blipFill>
+        <p:spPr bwMode="auto">
+          <a:xfrm>
+            <a:off x="827584" y="2780928"/>
+            <a:ext cx="7272808" cy="3191332"/>
+          </a:xfrm>
+          <a:prstGeom prst="rect">
+            <a:avLst/>
+          </a:prstGeom>
+          <a:noFill/>
+          <a:ln>
+            <a:noFill/>
+          </a:ln>
+          <a:effectLst/>
+          <a:extLst>
+            <a:ext uri="{909E8E84-426E-40DD-AFC4-6F175D3DCCD1}">
+              <a14:hiddenFill xmlns:a14="http://schemas.microsoft.com/office/drawing/2010/main">
+                <a:solidFill>
+                  <a:schemeClr val="accent1"/>
+                </a:solidFill>
+              </a14:hiddenFill>
+            </a:ext>
+            <a:ext uri="{91240B29-F687-4F45-9708-019B960494DF}">
+              <a14:hiddenLine xmlns:a14="http://schemas.microsoft.com/office/drawing/2010/main" w="9525">
+                <a:solidFill>
+                  <a:schemeClr val="tx1"/>
+                </a:solidFill>
+                <a:miter lim="800000"/>
+                <a:headEnd/>
+                <a:tailEnd/>
+              </a14:hiddenLine>
+            </a:ext>
+            <a:ext uri="{AF507438-7753-43E0-B8FC-AC1667EBCBE1}">
+              <a14:hiddenEffects xmlns:a14="http://schemas.microsoft.com/office/drawing/2010/main">
+                <a:effectLst>
+                  <a:outerShdw dist="35921" dir="2700000" algn="ctr" rotWithShape="0">
+                    <a:schemeClr val="bg2"/>
+                  </a:outerShdw>
+                </a:effectLst>
+              </a14:hiddenEffects>
+            </a:ext>
+          </a:extLst>
+        </p:spPr>
+      </p:pic>
+      <p:sp>
+        <p:nvSpPr>
+          <p:cNvPr id="5" name="文字方塊 4"/>
+          <p:cNvSpPr txBox="1"/>
+          <p:nvPr/>
+        </p:nvSpPr>
+        <p:spPr>
+          <a:xfrm>
+            <a:off x="1043608" y="1926487"/>
+            <a:ext cx="6696744" cy="430887"/>
+          </a:xfrm>
+          <a:prstGeom prst="rect">
+            <a:avLst/>
+          </a:prstGeom>
+          <a:noFill/>
+        </p:spPr>
+        <p:txBody>
+          <a:bodyPr wrap="square" rtlCol="0">
+            <a:spAutoFit/>
+          </a:bodyPr>
+          <a:lstStyle/>
+          <a:p>
+            <a:pPr marL="342900" indent="-342900">
+              <a:buFont typeface="Arial" pitchFamily="34" charset="0"/>
+              <a:buChar char="•"/>
+            </a:pPr>
+            <a:r>
+              <a:rPr lang="zh-TW" altLang="en-US" sz="2200" dirty="0"/>
+              <a:t>只要使用者登入皆會被記錄</a:t>
+            </a:r>
+            <a:r>
+              <a:rPr lang="zh-TW" altLang="en-US" sz="2200" dirty="0" smtClean="0"/>
+              <a:t>下來</a:t>
+            </a:r>
+            <a:endParaRPr lang="en-US" altLang="zh-TW" sz="2200" dirty="0" smtClean="0"/>
+          </a:p>
+        </p:txBody>
+      </p:sp>
+      <p:sp>
+        <p:nvSpPr>
+          <p:cNvPr id="2" name="投影片編號版面配置區 1"/>
+          <p:cNvSpPr>
+            <a:spLocks noGrp="1"/>
+          </p:cNvSpPr>
+          <p:nvPr>
+            <p:ph type="sldNum" sz="quarter" idx="11"/>
+          </p:nvPr>
+        </p:nvSpPr>
+        <p:spPr/>
+        <p:txBody>
+          <a:bodyPr/>
+          <a:lstStyle/>
+          <a:p>
+            <a:fld id="{2F1FFCCD-F281-4AA3-8926-41B83FC06AAE}" type="slidenum">
+              <a:rPr lang="zh-TW" altLang="en-US" smtClean="0"/>
+              <a:t>23</a:t>
+            </a:fld>
+            <a:endParaRPr lang="zh-TW" altLang="en-US"/>
+          </a:p>
+        </p:txBody>
+      </p:sp>
+    </p:spTree>
+    <p:extLst>
+      <p:ext uri="{BB962C8B-B14F-4D97-AF65-F5344CB8AC3E}">
+        <p14:creationId xmlns:p14="http://schemas.microsoft.com/office/powerpoint/2010/main" val="3487433072"/>
       </p:ext>
     </p:extLst>
   </p:cSld>
@@ -6169,138 +8868,365 @@
           <a:p>
             <a:r>
               <a:rPr lang="zh-TW" altLang="en-US" sz="4000" b="1" dirty="0"/>
-              <a:t>全</a:t>
+              <a:t>前台</a:t>
             </a:r>
             <a:r>
               <a:rPr lang="zh-TW" altLang="en-US" sz="4000" b="1" dirty="0" smtClean="0"/>
-              <a:t>幅展示 </a:t>
+              <a:t>系統</a:t>
+            </a:r>
+            <a:r>
+              <a:rPr lang="zh-TW" altLang="en-US" sz="4000" b="1" dirty="0" smtClean="0"/>
+              <a:t>架構</a:t>
             </a:r>
             <a:endParaRPr lang="zh-TW" altLang="en-US" sz="4000" b="1" dirty="0"/>
           </a:p>
         </p:txBody>
       </p:sp>
-      <p:pic>
-        <p:nvPicPr>
-          <p:cNvPr id="1026" name="Picture 2"/>
-          <p:cNvPicPr>
-            <a:picLocks noChangeAspect="1" noChangeArrowheads="1"/>
-          </p:cNvPicPr>
+      <p:sp>
+        <p:nvSpPr>
+          <p:cNvPr id="2" name="矩形 1"/>
+          <p:cNvSpPr/>
           <p:nvPr/>
-        </p:nvPicPr>
-        <p:blipFill>
-          <a:blip r:embed="rId2" cstate="print">
-            <a:extLst>
-              <a:ext uri="{28A0092B-C50C-407E-A947-70E740481C1C}">
-                <a14:useLocalDpi xmlns:a14="http://schemas.microsoft.com/office/drawing/2010/main" val="0"/>
-              </a:ext>
-            </a:extLst>
-          </a:blip>
-          <a:srcRect/>
-          <a:stretch>
-            <a:fillRect/>
-          </a:stretch>
-        </p:blipFill>
-        <p:spPr bwMode="auto">
+        </p:nvSpPr>
+        <p:spPr>
           <a:xfrm>
-            <a:off x="1202241" y="2890817"/>
-            <a:ext cx="7402206" cy="3652276"/>
+            <a:off x="5161709" y="1340768"/>
+            <a:ext cx="1224136" cy="725990"/>
           </a:xfrm>
           <a:prstGeom prst="rect">
             <a:avLst/>
           </a:prstGeom>
-          <a:noFill/>
-          <a:ln>
-            <a:noFill/>
-          </a:ln>
-          <a:effectLst/>
-          <a:extLst>
-            <a:ext uri="{909E8E84-426E-40DD-AFC4-6F175D3DCCD1}">
-              <a14:hiddenFill xmlns:a14="http://schemas.microsoft.com/office/drawing/2010/main">
-                <a:solidFill>
-                  <a:schemeClr val="accent1"/>
-                </a:solidFill>
-              </a14:hiddenFill>
-            </a:ext>
-            <a:ext uri="{91240B29-F687-4F45-9708-019B960494DF}">
-              <a14:hiddenLine xmlns:a14="http://schemas.microsoft.com/office/drawing/2010/main" w="9525">
-                <a:solidFill>
-                  <a:schemeClr val="tx1"/>
-                </a:solidFill>
-                <a:miter lim="800000"/>
-                <a:headEnd/>
-                <a:tailEnd/>
-              </a14:hiddenLine>
-            </a:ext>
-            <a:ext uri="{AF507438-7753-43E0-B8FC-AC1667EBCBE1}">
-              <a14:hiddenEffects xmlns:a14="http://schemas.microsoft.com/office/drawing/2010/main">
-                <a:effectLst>
-                  <a:outerShdw dist="35921" dir="2700000" algn="ctr" rotWithShape="0">
-                    <a:schemeClr val="bg2"/>
-                  </a:outerShdw>
-                </a:effectLst>
-              </a14:hiddenEffects>
-            </a:ext>
-          </a:extLst>
-        </p:spPr>
-      </p:pic>
-      <p:sp>
-        <p:nvSpPr>
-          <p:cNvPr id="2" name="矩形 1"/>
+        </p:spPr>
+        <p:style>
+          <a:lnRef idx="2">
+            <a:schemeClr val="accent1">
+              <a:shade val="50000"/>
+            </a:schemeClr>
+          </a:lnRef>
+          <a:fillRef idx="1">
+            <a:schemeClr val="accent1"/>
+          </a:fillRef>
+          <a:effectRef idx="0">
+            <a:schemeClr val="accent1"/>
+          </a:effectRef>
+          <a:fontRef idx="minor">
+            <a:schemeClr val="lt1"/>
+          </a:fontRef>
+        </p:style>
+        <p:txBody>
+          <a:bodyPr rtlCol="0" anchor="ctr"/>
+          <a:lstStyle/>
+          <a:p>
+            <a:pPr algn="ctr"/>
+            <a:r>
+              <a:rPr lang="zh-TW" altLang="en-US" dirty="0"/>
+              <a:t>店家登入</a:t>
+            </a:r>
+            <a:endParaRPr lang="zh-TW" altLang="en-US" dirty="0"/>
+          </a:p>
+        </p:txBody>
+      </p:sp>
+      <p:sp>
+        <p:nvSpPr>
+          <p:cNvPr id="7" name="矩形 6"/>
           <p:cNvSpPr/>
           <p:nvPr/>
         </p:nvSpPr>
         <p:spPr>
           <a:xfrm>
-            <a:off x="914210" y="1700808"/>
-            <a:ext cx="7690237" cy="923330"/>
+            <a:off x="2555776" y="3423268"/>
+            <a:ext cx="1224136" cy="725990"/>
           </a:xfrm>
           <a:prstGeom prst="rect">
             <a:avLst/>
           </a:prstGeom>
         </p:spPr>
-        <p:txBody>
-          <a:bodyPr wrap="square">
-            <a:spAutoFit/>
-          </a:bodyPr>
+        <p:style>
+          <a:lnRef idx="2">
+            <a:schemeClr val="accent1">
+              <a:shade val="50000"/>
+            </a:schemeClr>
+          </a:lnRef>
+          <a:fillRef idx="1">
+            <a:schemeClr val="accent1"/>
+          </a:fillRef>
+          <a:effectRef idx="0">
+            <a:schemeClr val="accent1"/>
+          </a:effectRef>
+          <a:fontRef idx="minor">
+            <a:schemeClr val="lt1"/>
+          </a:fontRef>
+        </p:style>
+        <p:txBody>
+          <a:bodyPr rtlCol="0" anchor="ctr"/>
           <a:lstStyle/>
           <a:p>
-            <a:pPr marL="342900" indent="-342900">
-              <a:buFont typeface="Arial" pitchFamily="34" charset="0"/>
-              <a:buChar char="•"/>
-            </a:pPr>
+            <a:pPr algn="ctr"/>
             <a:r>
               <a:rPr lang="zh-TW" altLang="en-US" dirty="0" smtClean="0"/>
-              <a:t>網站版型以左選單為輔右畫面為主</a:t>
-            </a:r>
-            <a:endParaRPr lang="en-US" altLang="zh-TW" dirty="0"/>
-          </a:p>
-          <a:p>
-            <a:pPr marL="342900" indent="-342900">
-              <a:buFont typeface="Arial" pitchFamily="34" charset="0"/>
-              <a:buChar char="•"/>
-            </a:pPr>
+              <a:t>掃描</a:t>
+            </a:r>
+            <a:r>
+              <a:rPr lang="en-US" altLang="zh-TW" dirty="0" err="1" smtClean="0"/>
+              <a:t>QRcode</a:t>
+            </a:r>
+            <a:endParaRPr lang="zh-TW" altLang="en-US" dirty="0"/>
+          </a:p>
+        </p:txBody>
+      </p:sp>
+      <p:sp>
+        <p:nvSpPr>
+          <p:cNvPr id="8" name="矩形 7"/>
+          <p:cNvSpPr/>
+          <p:nvPr/>
+        </p:nvSpPr>
+        <p:spPr>
+          <a:xfrm>
+            <a:off x="4283968" y="4581128"/>
+            <a:ext cx="1224136" cy="725990"/>
+          </a:xfrm>
+          <a:prstGeom prst="rect">
+            <a:avLst/>
+          </a:prstGeom>
+        </p:spPr>
+        <p:style>
+          <a:lnRef idx="2">
+            <a:schemeClr val="accent1">
+              <a:shade val="50000"/>
+            </a:schemeClr>
+          </a:lnRef>
+          <a:fillRef idx="1">
+            <a:schemeClr val="accent1"/>
+          </a:fillRef>
+          <a:effectRef idx="0">
+            <a:schemeClr val="accent1"/>
+          </a:effectRef>
+          <a:fontRef idx="minor">
+            <a:schemeClr val="lt1"/>
+          </a:fontRef>
+        </p:style>
+        <p:txBody>
+          <a:bodyPr rtlCol="0" anchor="ctr"/>
+          <a:lstStyle/>
+          <a:p>
+            <a:pPr algn="ctr"/>
             <a:r>
               <a:rPr lang="zh-TW" altLang="en-US" dirty="0" smtClean="0"/>
-              <a:t>標題列左側為網站主標題可放置</a:t>
-            </a:r>
-            <a:r>
-              <a:rPr lang="en-US" altLang="zh-TW" dirty="0" smtClean="0"/>
-              <a:t>LOGO</a:t>
-            </a:r>
-          </a:p>
-          <a:p>
-            <a:pPr marL="342900" indent="-342900">
-              <a:buFont typeface="Arial" pitchFamily="34" charset="0"/>
-              <a:buChar char="•"/>
-            </a:pPr>
+              <a:t>兌換成功</a:t>
+            </a:r>
+            <a:endParaRPr lang="zh-TW" altLang="en-US" dirty="0"/>
+          </a:p>
+        </p:txBody>
+      </p:sp>
+      <p:sp>
+        <p:nvSpPr>
+          <p:cNvPr id="9" name="矩形 8"/>
+          <p:cNvSpPr/>
+          <p:nvPr/>
+        </p:nvSpPr>
+        <p:spPr>
+          <a:xfrm>
+            <a:off x="5161709" y="2392240"/>
+            <a:ext cx="1224136" cy="725990"/>
+          </a:xfrm>
+          <a:prstGeom prst="rect">
+            <a:avLst/>
+          </a:prstGeom>
+        </p:spPr>
+        <p:style>
+          <a:lnRef idx="2">
+            <a:schemeClr val="accent1">
+              <a:shade val="50000"/>
+            </a:schemeClr>
+          </a:lnRef>
+          <a:fillRef idx="1">
+            <a:schemeClr val="accent1"/>
+          </a:fillRef>
+          <a:effectRef idx="0">
+            <a:schemeClr val="accent1"/>
+          </a:effectRef>
+          <a:fontRef idx="minor">
+            <a:schemeClr val="lt1"/>
+          </a:fontRef>
+        </p:style>
+        <p:txBody>
+          <a:bodyPr rtlCol="0" anchor="ctr"/>
+          <a:lstStyle/>
+          <a:p>
+            <a:pPr algn="ctr"/>
+            <a:r>
+              <a:rPr lang="zh-TW" altLang="en-US" dirty="0"/>
+              <a:t>學童登入</a:t>
+            </a:r>
+            <a:endParaRPr lang="zh-TW" altLang="en-US" dirty="0"/>
+          </a:p>
+        </p:txBody>
+      </p:sp>
+      <p:sp>
+        <p:nvSpPr>
+          <p:cNvPr id="10" name="矩形 9"/>
+          <p:cNvSpPr/>
+          <p:nvPr/>
+        </p:nvSpPr>
+        <p:spPr>
+          <a:xfrm>
+            <a:off x="5161709" y="3443713"/>
+            <a:ext cx="1224136" cy="725990"/>
+          </a:xfrm>
+          <a:prstGeom prst="rect">
+            <a:avLst/>
+          </a:prstGeom>
+        </p:spPr>
+        <p:style>
+          <a:lnRef idx="2">
+            <a:schemeClr val="accent1">
+              <a:shade val="50000"/>
+            </a:schemeClr>
+          </a:lnRef>
+          <a:fillRef idx="1">
+            <a:schemeClr val="accent1"/>
+          </a:fillRef>
+          <a:effectRef idx="0">
+            <a:schemeClr val="accent1"/>
+          </a:effectRef>
+          <a:fontRef idx="minor">
+            <a:schemeClr val="lt1"/>
+          </a:fontRef>
+        </p:style>
+        <p:txBody>
+          <a:bodyPr rtlCol="0" anchor="ctr"/>
+          <a:lstStyle/>
+          <a:p>
+            <a:pPr algn="ctr"/>
             <a:r>
               <a:rPr lang="zh-TW" altLang="en-US" dirty="0" smtClean="0"/>
-              <a:t>標題列右側為相關通知及登出功能</a:t>
-            </a:r>
-            <a:endParaRPr lang="en-US" altLang="zh-TW" dirty="0"/>
-          </a:p>
-        </p:txBody>
-      </p:sp>
+              <a:t>確認換餐</a:t>
+            </a:r>
+            <a:endParaRPr lang="zh-TW" altLang="en-US" dirty="0"/>
+          </a:p>
+        </p:txBody>
+      </p:sp>
+      <p:sp>
+        <p:nvSpPr>
+          <p:cNvPr id="11" name="矩形 10"/>
+          <p:cNvSpPr/>
+          <p:nvPr/>
+        </p:nvSpPr>
+        <p:spPr>
+          <a:xfrm>
+            <a:off x="6804248" y="5669242"/>
+            <a:ext cx="1224136" cy="725990"/>
+          </a:xfrm>
+          <a:prstGeom prst="rect">
+            <a:avLst/>
+          </a:prstGeom>
+        </p:spPr>
+        <p:style>
+          <a:lnRef idx="2">
+            <a:schemeClr val="accent1">
+              <a:shade val="50000"/>
+            </a:schemeClr>
+          </a:lnRef>
+          <a:fillRef idx="1">
+            <a:schemeClr val="accent1"/>
+          </a:fillRef>
+          <a:effectRef idx="0">
+            <a:schemeClr val="accent1"/>
+          </a:effectRef>
+          <a:fontRef idx="minor">
+            <a:schemeClr val="lt1"/>
+          </a:fontRef>
+        </p:style>
+        <p:txBody>
+          <a:bodyPr rtlCol="0" anchor="ctr"/>
+          <a:lstStyle/>
+          <a:p>
+            <a:pPr algn="ctr"/>
+            <a:r>
+              <a:rPr lang="zh-TW" altLang="en-US" dirty="0" smtClean="0"/>
+              <a:t>點數不足</a:t>
+            </a:r>
+            <a:endParaRPr lang="zh-TW" altLang="en-US" dirty="0"/>
+          </a:p>
+        </p:txBody>
+      </p:sp>
+      <p:sp>
+        <p:nvSpPr>
+          <p:cNvPr id="12" name="矩形 11"/>
+          <p:cNvSpPr/>
+          <p:nvPr/>
+        </p:nvSpPr>
+        <p:spPr>
+          <a:xfrm>
+            <a:off x="5292080" y="5669242"/>
+            <a:ext cx="1224136" cy="725990"/>
+          </a:xfrm>
+          <a:prstGeom prst="rect">
+            <a:avLst/>
+          </a:prstGeom>
+        </p:spPr>
+        <p:style>
+          <a:lnRef idx="2">
+            <a:schemeClr val="accent1">
+              <a:shade val="50000"/>
+            </a:schemeClr>
+          </a:lnRef>
+          <a:fillRef idx="1">
+            <a:schemeClr val="accent1"/>
+          </a:fillRef>
+          <a:effectRef idx="0">
+            <a:schemeClr val="accent1"/>
+          </a:effectRef>
+          <a:fontRef idx="minor">
+            <a:schemeClr val="lt1"/>
+          </a:fontRef>
+        </p:style>
+        <p:txBody>
+          <a:bodyPr rtlCol="0" anchor="ctr"/>
+          <a:lstStyle/>
+          <a:p>
+            <a:pPr algn="ctr"/>
+            <a:r>
+              <a:rPr lang="zh-TW" altLang="en-US" dirty="0" smtClean="0"/>
+              <a:t>已兌換過</a:t>
+            </a:r>
+            <a:endParaRPr lang="zh-TW" altLang="en-US" dirty="0"/>
+          </a:p>
+        </p:txBody>
+      </p:sp>
+      <p:cxnSp>
+        <p:nvCxnSpPr>
+          <p:cNvPr id="13" name="肘形接點 12"/>
+          <p:cNvCxnSpPr>
+            <a:stCxn id="2" idx="1"/>
+            <a:endCxn id="7" idx="3"/>
+          </p:cNvCxnSpPr>
+          <p:nvPr/>
+        </p:nvCxnSpPr>
+        <p:spPr>
+          <a:xfrm rot="10800000" flipV="1">
+            <a:off x="3779913" y="1703763"/>
+            <a:ext cx="1381797" cy="2082500"/>
+          </a:xfrm>
+          <a:prstGeom prst="bentConnector3">
+            <a:avLst/>
+          </a:prstGeom>
+        </p:spPr>
+        <p:style>
+          <a:lnRef idx="1">
+            <a:schemeClr val="accent1"/>
+          </a:lnRef>
+          <a:fillRef idx="0">
+            <a:schemeClr val="accent1"/>
+          </a:fillRef>
+          <a:effectRef idx="0">
+            <a:schemeClr val="accent1"/>
+          </a:effectRef>
+          <a:fontRef idx="minor">
+            <a:schemeClr val="tx1"/>
+          </a:fontRef>
+        </p:style>
+      </p:cxnSp>
       <p:sp>
         <p:nvSpPr>
           <p:cNvPr id="3" name="投影片編號版面配置區 2"/>
@@ -6320,14 +9246,408 @@
               <a:rPr lang="zh-TW" altLang="en-US" smtClean="0"/>
               <a:t>3</a:t>
             </a:fld>
-            <a:endParaRPr lang="zh-TW" altLang="en-US"/>
-          </a:p>
-        </p:txBody>
-      </p:sp>
+            <a:endParaRPr lang="zh-TW" altLang="en-US" dirty="0"/>
+          </a:p>
+        </p:txBody>
+      </p:sp>
+      <p:sp>
+        <p:nvSpPr>
+          <p:cNvPr id="17" name="矩形 16"/>
+          <p:cNvSpPr/>
+          <p:nvPr/>
+        </p:nvSpPr>
+        <p:spPr>
+          <a:xfrm>
+            <a:off x="6710524" y="2392240"/>
+            <a:ext cx="1224136" cy="725990"/>
+          </a:xfrm>
+          <a:prstGeom prst="rect">
+            <a:avLst/>
+          </a:prstGeom>
+        </p:spPr>
+        <p:style>
+          <a:lnRef idx="2">
+            <a:schemeClr val="accent1">
+              <a:shade val="50000"/>
+            </a:schemeClr>
+          </a:lnRef>
+          <a:fillRef idx="1">
+            <a:schemeClr val="accent1"/>
+          </a:fillRef>
+          <a:effectRef idx="0">
+            <a:schemeClr val="accent1"/>
+          </a:effectRef>
+          <a:fontRef idx="minor">
+            <a:schemeClr val="lt1"/>
+          </a:fontRef>
+        </p:style>
+        <p:txBody>
+          <a:bodyPr rtlCol="0" anchor="ctr"/>
+          <a:lstStyle/>
+          <a:p>
+            <a:pPr algn="ctr"/>
+            <a:r>
+              <a:rPr lang="zh-TW" altLang="en-US" dirty="0" smtClean="0"/>
+              <a:t>密碼錯誤</a:t>
+            </a:r>
+            <a:endParaRPr lang="zh-TW" altLang="en-US" dirty="0"/>
+          </a:p>
+        </p:txBody>
+      </p:sp>
+      <p:sp>
+        <p:nvSpPr>
+          <p:cNvPr id="21" name="矩形 20"/>
+          <p:cNvSpPr/>
+          <p:nvPr/>
+        </p:nvSpPr>
+        <p:spPr>
+          <a:xfrm>
+            <a:off x="6012160" y="4581128"/>
+            <a:ext cx="1224136" cy="725990"/>
+          </a:xfrm>
+          <a:prstGeom prst="rect">
+            <a:avLst/>
+          </a:prstGeom>
+        </p:spPr>
+        <p:style>
+          <a:lnRef idx="2">
+            <a:schemeClr val="accent1">
+              <a:shade val="50000"/>
+            </a:schemeClr>
+          </a:lnRef>
+          <a:fillRef idx="1">
+            <a:schemeClr val="accent1"/>
+          </a:fillRef>
+          <a:effectRef idx="0">
+            <a:schemeClr val="accent1"/>
+          </a:effectRef>
+          <a:fontRef idx="minor">
+            <a:schemeClr val="lt1"/>
+          </a:fontRef>
+        </p:style>
+        <p:txBody>
+          <a:bodyPr rtlCol="0" anchor="ctr"/>
+          <a:lstStyle/>
+          <a:p>
+            <a:pPr algn="ctr"/>
+            <a:r>
+              <a:rPr lang="zh-TW" altLang="en-US" dirty="0" smtClean="0"/>
+              <a:t>兌換失敗</a:t>
+            </a:r>
+            <a:endParaRPr lang="zh-TW" altLang="en-US" dirty="0"/>
+          </a:p>
+        </p:txBody>
+      </p:sp>
+      <p:cxnSp>
+        <p:nvCxnSpPr>
+          <p:cNvPr id="29" name="直線接點 28"/>
+          <p:cNvCxnSpPr>
+            <a:stCxn id="2" idx="2"/>
+            <a:endCxn id="9" idx="0"/>
+          </p:cNvCxnSpPr>
+          <p:nvPr/>
+        </p:nvCxnSpPr>
+        <p:spPr>
+          <a:xfrm>
+            <a:off x="5773777" y="2066758"/>
+            <a:ext cx="0" cy="325482"/>
+          </a:xfrm>
+          <a:prstGeom prst="line">
+            <a:avLst/>
+          </a:prstGeom>
+        </p:spPr>
+        <p:style>
+          <a:lnRef idx="1">
+            <a:schemeClr val="accent1"/>
+          </a:lnRef>
+          <a:fillRef idx="0">
+            <a:schemeClr val="accent1"/>
+          </a:fillRef>
+          <a:effectRef idx="0">
+            <a:schemeClr val="accent1"/>
+          </a:effectRef>
+          <a:fontRef idx="minor">
+            <a:schemeClr val="tx1"/>
+          </a:fontRef>
+        </p:style>
+      </p:cxnSp>
+      <p:cxnSp>
+        <p:nvCxnSpPr>
+          <p:cNvPr id="31" name="直線接點 30"/>
+          <p:cNvCxnSpPr>
+            <a:stCxn id="17" idx="1"/>
+          </p:cNvCxnSpPr>
+          <p:nvPr/>
+        </p:nvCxnSpPr>
+        <p:spPr>
+          <a:xfrm flipH="1">
+            <a:off x="6385845" y="2755235"/>
+            <a:ext cx="324679" cy="0"/>
+          </a:xfrm>
+          <a:prstGeom prst="line">
+            <a:avLst/>
+          </a:prstGeom>
+        </p:spPr>
+        <p:style>
+          <a:lnRef idx="1">
+            <a:schemeClr val="accent1"/>
+          </a:lnRef>
+          <a:fillRef idx="0">
+            <a:schemeClr val="accent1"/>
+          </a:fillRef>
+          <a:effectRef idx="0">
+            <a:schemeClr val="accent1"/>
+          </a:effectRef>
+          <a:fontRef idx="minor">
+            <a:schemeClr val="tx1"/>
+          </a:fontRef>
+        </p:style>
+      </p:cxnSp>
+      <p:cxnSp>
+        <p:nvCxnSpPr>
+          <p:cNvPr id="33" name="直線接點 32"/>
+          <p:cNvCxnSpPr>
+            <a:stCxn id="9" idx="2"/>
+            <a:endCxn id="10" idx="0"/>
+          </p:cNvCxnSpPr>
+          <p:nvPr/>
+        </p:nvCxnSpPr>
+        <p:spPr>
+          <a:xfrm>
+            <a:off x="5773777" y="3118230"/>
+            <a:ext cx="0" cy="325483"/>
+          </a:xfrm>
+          <a:prstGeom prst="line">
+            <a:avLst/>
+          </a:prstGeom>
+        </p:spPr>
+        <p:style>
+          <a:lnRef idx="1">
+            <a:schemeClr val="accent1"/>
+          </a:lnRef>
+          <a:fillRef idx="0">
+            <a:schemeClr val="accent1"/>
+          </a:fillRef>
+          <a:effectRef idx="0">
+            <a:schemeClr val="accent1"/>
+          </a:effectRef>
+          <a:fontRef idx="minor">
+            <a:schemeClr val="tx1"/>
+          </a:fontRef>
+        </p:style>
+      </p:cxnSp>
+      <p:cxnSp>
+        <p:nvCxnSpPr>
+          <p:cNvPr id="35" name="肘形接點 34"/>
+          <p:cNvCxnSpPr>
+            <a:stCxn id="10" idx="2"/>
+            <a:endCxn id="8" idx="0"/>
+          </p:cNvCxnSpPr>
+          <p:nvPr/>
+        </p:nvCxnSpPr>
+        <p:spPr>
+          <a:xfrm rot="5400000">
+            <a:off x="5129195" y="3936545"/>
+            <a:ext cx="411425" cy="877741"/>
+          </a:xfrm>
+          <a:prstGeom prst="bentConnector3">
+            <a:avLst/>
+          </a:prstGeom>
+        </p:spPr>
+        <p:style>
+          <a:lnRef idx="1">
+            <a:schemeClr val="accent1"/>
+          </a:lnRef>
+          <a:fillRef idx="0">
+            <a:schemeClr val="accent1"/>
+          </a:fillRef>
+          <a:effectRef idx="0">
+            <a:schemeClr val="accent1"/>
+          </a:effectRef>
+          <a:fontRef idx="minor">
+            <a:schemeClr val="tx1"/>
+          </a:fontRef>
+        </p:style>
+      </p:cxnSp>
+      <p:cxnSp>
+        <p:nvCxnSpPr>
+          <p:cNvPr id="37" name="肘形接點 36"/>
+          <p:cNvCxnSpPr>
+            <a:stCxn id="10" idx="2"/>
+            <a:endCxn id="21" idx="0"/>
+          </p:cNvCxnSpPr>
+          <p:nvPr/>
+        </p:nvCxnSpPr>
+        <p:spPr>
+          <a:xfrm rot="16200000" flipH="1">
+            <a:off x="5993290" y="3950189"/>
+            <a:ext cx="411425" cy="850451"/>
+          </a:xfrm>
+          <a:prstGeom prst="bentConnector3">
+            <a:avLst/>
+          </a:prstGeom>
+        </p:spPr>
+        <p:style>
+          <a:lnRef idx="1">
+            <a:schemeClr val="accent1"/>
+          </a:lnRef>
+          <a:fillRef idx="0">
+            <a:schemeClr val="accent1"/>
+          </a:fillRef>
+          <a:effectRef idx="0">
+            <a:schemeClr val="accent1"/>
+          </a:effectRef>
+          <a:fontRef idx="minor">
+            <a:schemeClr val="tx1"/>
+          </a:fontRef>
+        </p:style>
+      </p:cxnSp>
+      <p:cxnSp>
+        <p:nvCxnSpPr>
+          <p:cNvPr id="39" name="肘形接點 38"/>
+          <p:cNvCxnSpPr>
+            <a:stCxn id="21" idx="2"/>
+            <a:endCxn id="12" idx="0"/>
+          </p:cNvCxnSpPr>
+          <p:nvPr/>
+        </p:nvCxnSpPr>
+        <p:spPr>
+          <a:xfrm rot="5400000">
+            <a:off x="6083126" y="5128140"/>
+            <a:ext cx="362124" cy="720080"/>
+          </a:xfrm>
+          <a:prstGeom prst="bentConnector3">
+            <a:avLst/>
+          </a:prstGeom>
+        </p:spPr>
+        <p:style>
+          <a:lnRef idx="1">
+            <a:schemeClr val="accent1"/>
+          </a:lnRef>
+          <a:fillRef idx="0">
+            <a:schemeClr val="accent1"/>
+          </a:fillRef>
+          <a:effectRef idx="0">
+            <a:schemeClr val="accent1"/>
+          </a:effectRef>
+          <a:fontRef idx="minor">
+            <a:schemeClr val="tx1"/>
+          </a:fontRef>
+        </p:style>
+      </p:cxnSp>
+      <p:cxnSp>
+        <p:nvCxnSpPr>
+          <p:cNvPr id="43" name="肘形接點 42"/>
+          <p:cNvCxnSpPr>
+            <a:stCxn id="21" idx="2"/>
+            <a:endCxn id="11" idx="0"/>
+          </p:cNvCxnSpPr>
+          <p:nvPr/>
+        </p:nvCxnSpPr>
+        <p:spPr>
+          <a:xfrm rot="16200000" flipH="1">
+            <a:off x="6839210" y="5092136"/>
+            <a:ext cx="362124" cy="792088"/>
+          </a:xfrm>
+          <a:prstGeom prst="bentConnector3">
+            <a:avLst/>
+          </a:prstGeom>
+        </p:spPr>
+        <p:style>
+          <a:lnRef idx="1">
+            <a:schemeClr val="accent1"/>
+          </a:lnRef>
+          <a:fillRef idx="0">
+            <a:schemeClr val="accent1"/>
+          </a:fillRef>
+          <a:effectRef idx="0">
+            <a:schemeClr val="accent1"/>
+          </a:effectRef>
+          <a:fontRef idx="minor">
+            <a:schemeClr val="tx1"/>
+          </a:fontRef>
+        </p:style>
+      </p:cxnSp>
+      <p:sp>
+        <p:nvSpPr>
+          <p:cNvPr id="44" name="矩形 43"/>
+          <p:cNvSpPr/>
+          <p:nvPr/>
+        </p:nvSpPr>
+        <p:spPr>
+          <a:xfrm>
+            <a:off x="6710524" y="1368631"/>
+            <a:ext cx="1224136" cy="725990"/>
+          </a:xfrm>
+          <a:prstGeom prst="rect">
+            <a:avLst/>
+          </a:prstGeom>
+        </p:spPr>
+        <p:style>
+          <a:lnRef idx="2">
+            <a:schemeClr val="accent1">
+              <a:shade val="50000"/>
+            </a:schemeClr>
+          </a:lnRef>
+          <a:fillRef idx="1">
+            <a:schemeClr val="accent1"/>
+          </a:fillRef>
+          <a:effectRef idx="0">
+            <a:schemeClr val="accent1"/>
+          </a:effectRef>
+          <a:fontRef idx="minor">
+            <a:schemeClr val="lt1"/>
+          </a:fontRef>
+        </p:style>
+        <p:txBody>
+          <a:bodyPr rtlCol="0" anchor="ctr"/>
+          <a:lstStyle/>
+          <a:p>
+            <a:pPr algn="ctr"/>
+            <a:r>
+              <a:rPr lang="zh-TW" altLang="en-US" dirty="0" smtClean="0"/>
+              <a:t>密碼錯誤</a:t>
+            </a:r>
+            <a:endParaRPr lang="zh-TW" altLang="en-US" dirty="0"/>
+          </a:p>
+        </p:txBody>
+      </p:sp>
+      <p:cxnSp>
+        <p:nvCxnSpPr>
+          <p:cNvPr id="45" name="直線接點 44"/>
+          <p:cNvCxnSpPr>
+            <a:stCxn id="44" idx="1"/>
+          </p:cNvCxnSpPr>
+          <p:nvPr/>
+        </p:nvCxnSpPr>
+        <p:spPr>
+          <a:xfrm flipH="1">
+            <a:off x="6385845" y="1731626"/>
+            <a:ext cx="324679" cy="0"/>
+          </a:xfrm>
+          <a:prstGeom prst="line">
+            <a:avLst/>
+          </a:prstGeom>
+        </p:spPr>
+        <p:style>
+          <a:lnRef idx="1">
+            <a:schemeClr val="accent1"/>
+          </a:lnRef>
+          <a:fillRef idx="0">
+            <a:schemeClr val="accent1"/>
+          </a:fillRef>
+          <a:effectRef idx="0">
+            <a:schemeClr val="accent1"/>
+          </a:effectRef>
+          <a:fontRef idx="minor">
+            <a:schemeClr val="tx1"/>
+          </a:fontRef>
+        </p:style>
+      </p:cxnSp>
     </p:spTree>
     <p:extLst>
       <p:ext uri="{BB962C8B-B14F-4D97-AF65-F5344CB8AC3E}">
-        <p14:creationId xmlns:p14="http://schemas.microsoft.com/office/powerpoint/2010/main" val="1364279349"/>
+        <p14:creationId xmlns:p14="http://schemas.microsoft.com/office/powerpoint/2010/main" val="941462321"/>
       </p:ext>
     </p:extLst>
   </p:cSld>
@@ -6464,15 +9784,7 @@
           <a:p>
             <a:r>
               <a:rPr lang="zh-TW" altLang="en-US" sz="4000" b="1" dirty="0" smtClean="0"/>
-              <a:t>首頁 </a:t>
-            </a:r>
-            <a:r>
-              <a:rPr lang="en-US" altLang="zh-TW" sz="4000" b="1" dirty="0" smtClean="0"/>
-              <a:t>/</a:t>
-            </a:r>
-            <a:r>
-              <a:rPr lang="zh-TW" altLang="en-US" sz="4000" b="1" dirty="0" smtClean="0"/>
-              <a:t> 選單</a:t>
+              <a:t>實際尺寸預覽</a:t>
             </a:r>
             <a:endParaRPr lang="zh-TW" altLang="en-US" sz="4000" b="1" dirty="0"/>
           </a:p>
@@ -6480,14 +9792,14 @@
       </p:sp>
       <p:sp>
         <p:nvSpPr>
-          <p:cNvPr id="2" name="文字方塊 1"/>
+          <p:cNvPr id="5" name="文字方塊 4"/>
           <p:cNvSpPr txBox="1"/>
           <p:nvPr/>
         </p:nvSpPr>
         <p:spPr>
           <a:xfrm>
-            <a:off x="755576" y="2243753"/>
-            <a:ext cx="4248472" cy="1107996"/>
+            <a:off x="1043608" y="1926487"/>
+            <a:ext cx="3816424" cy="430887"/>
           </a:xfrm>
           <a:prstGeom prst="rect">
             <a:avLst/>
@@ -6506,49 +9818,38 @@
             </a:pPr>
             <a:r>
               <a:rPr lang="zh-TW" altLang="en-US" sz="2200" dirty="0" smtClean="0"/>
-              <a:t>選單部分以直條形式呈現</a:t>
+              <a:t>以行動裝置上預覽之畫面</a:t>
             </a:r>
             <a:endParaRPr lang="en-US" altLang="zh-TW" sz="2200" dirty="0" smtClean="0"/>
           </a:p>
-          <a:p>
-            <a:pPr marL="342900" indent="-342900">
-              <a:buFont typeface="Arial" pitchFamily="34" charset="0"/>
-              <a:buChar char="•"/>
-            </a:pPr>
-            <a:r>
-              <a:rPr lang="zh-TW" altLang="en-US" sz="2200" dirty="0"/>
-              <a:t>子選單</a:t>
-            </a:r>
-            <a:r>
-              <a:rPr lang="zh-TW" altLang="en-US" sz="2200" dirty="0" smtClean="0"/>
-              <a:t>部分點選</a:t>
-            </a:r>
-            <a:r>
-              <a:rPr lang="zh-TW" altLang="en-US" sz="2200" dirty="0"/>
-              <a:t>後向下</a:t>
-            </a:r>
-            <a:r>
-              <a:rPr lang="zh-TW" altLang="en-US" sz="2200" dirty="0" smtClean="0"/>
-              <a:t>展開</a:t>
-            </a:r>
-            <a:endParaRPr lang="en-US" altLang="zh-TW" sz="2200" dirty="0" smtClean="0"/>
-          </a:p>
-          <a:p>
-            <a:pPr marL="342900" indent="-342900">
-              <a:buFont typeface="Arial" pitchFamily="34" charset="0"/>
-              <a:buChar char="•"/>
-            </a:pPr>
-            <a:r>
-              <a:rPr lang="zh-TW" altLang="en-US" sz="2200" dirty="0" smtClean="0"/>
-              <a:t>選單底色以淺灰對應當前網頁</a:t>
-            </a:r>
-            <a:endParaRPr lang="en-US" altLang="zh-TW" sz="2200" dirty="0" smtClean="0"/>
+        </p:txBody>
+      </p:sp>
+      <p:sp>
+        <p:nvSpPr>
+          <p:cNvPr id="2" name="投影片編號版面配置區 1"/>
+          <p:cNvSpPr>
+            <a:spLocks noGrp="1"/>
+          </p:cNvSpPr>
+          <p:nvPr>
+            <p:ph type="sldNum" sz="quarter" idx="11"/>
+          </p:nvPr>
+        </p:nvSpPr>
+        <p:spPr/>
+        <p:txBody>
+          <a:bodyPr/>
+          <a:lstStyle/>
+          <a:p>
+            <a:fld id="{2F1FFCCD-F281-4AA3-8926-41B83FC06AAE}" type="slidenum">
+              <a:rPr lang="zh-TW" altLang="en-US" smtClean="0"/>
+              <a:t>4</a:t>
+            </a:fld>
+            <a:endParaRPr lang="zh-TW" altLang="en-US"/>
           </a:p>
         </p:txBody>
       </p:sp>
       <p:pic>
         <p:nvPicPr>
-          <p:cNvPr id="1026" name="Picture 2"/>
+          <p:cNvPr id="5122" name="Picture 2"/>
           <p:cNvPicPr>
             <a:picLocks noChangeAspect="1" noChangeArrowheads="1"/>
           </p:cNvPicPr>
@@ -6569,8 +9870,8 @@
         </p:blipFill>
         <p:spPr bwMode="auto">
           <a:xfrm>
-            <a:off x="5364088" y="1018537"/>
-            <a:ext cx="2428875" cy="5343525"/>
+            <a:off x="4860033" y="1479293"/>
+            <a:ext cx="3864112" cy="4754669"/>
           </a:xfrm>
           <a:prstGeom prst="rect">
             <a:avLst/>
@@ -6610,33 +9911,10 @@
           </a:extLst>
         </p:spPr>
       </p:pic>
-      <p:sp>
-        <p:nvSpPr>
-          <p:cNvPr id="3" name="投影片編號版面配置區 2"/>
-          <p:cNvSpPr>
-            <a:spLocks noGrp="1"/>
-          </p:cNvSpPr>
-          <p:nvPr>
-            <p:ph type="sldNum" sz="quarter" idx="11"/>
-          </p:nvPr>
-        </p:nvSpPr>
-        <p:spPr/>
-        <p:txBody>
-          <a:bodyPr/>
-          <a:lstStyle/>
-          <a:p>
-            <a:fld id="{2F1FFCCD-F281-4AA3-8926-41B83FC06AAE}" type="slidenum">
-              <a:rPr lang="zh-TW" altLang="en-US" smtClean="0"/>
-              <a:t>4</a:t>
-            </a:fld>
-            <a:endParaRPr lang="zh-TW" altLang="en-US"/>
-          </a:p>
-        </p:txBody>
-      </p:sp>
     </p:spTree>
     <p:extLst>
       <p:ext uri="{BB962C8B-B14F-4D97-AF65-F5344CB8AC3E}">
-        <p14:creationId xmlns:p14="http://schemas.microsoft.com/office/powerpoint/2010/main" val="4264708643"/>
+        <p14:creationId xmlns:p14="http://schemas.microsoft.com/office/powerpoint/2010/main" val="3547680730"/>
       </p:ext>
     </p:extLst>
   </p:cSld>
@@ -6772,8 +10050,12 @@
           </a:lstStyle>
           <a:p>
             <a:r>
+              <a:rPr lang="zh-TW" altLang="en-US" sz="4000" b="1" dirty="0"/>
+              <a:t>前台</a:t>
+            </a:r>
+            <a:r>
               <a:rPr lang="zh-TW" altLang="en-US" sz="4000" b="1" dirty="0" smtClean="0"/>
-              <a:t>首頁 </a:t>
+              <a:t> </a:t>
             </a:r>
             <a:r>
               <a:rPr lang="en-US" altLang="zh-TW" sz="4000" b="1" dirty="0" smtClean="0"/>
@@ -6781,15 +10063,103 @@
             </a:r>
             <a:r>
               <a:rPr lang="zh-TW" altLang="en-US" sz="4000" b="1" dirty="0" smtClean="0"/>
-              <a:t> 標題列</a:t>
+              <a:t> </a:t>
+            </a:r>
+            <a:r>
+              <a:rPr lang="zh-TW" altLang="en-US" sz="4000" b="1" dirty="0"/>
+              <a:t>店家登入</a:t>
             </a:r>
             <a:endParaRPr lang="zh-TW" altLang="en-US" sz="4000" b="1" dirty="0"/>
+          </a:p>
+        </p:txBody>
+      </p:sp>
+      <p:sp>
+        <p:nvSpPr>
+          <p:cNvPr id="5" name="文字方塊 4"/>
+          <p:cNvSpPr txBox="1"/>
+          <p:nvPr/>
+        </p:nvSpPr>
+        <p:spPr>
+          <a:xfrm>
+            <a:off x="1043608" y="1926487"/>
+            <a:ext cx="6696744" cy="769441"/>
+          </a:xfrm>
+          <a:prstGeom prst="rect">
+            <a:avLst/>
+          </a:prstGeom>
+          <a:noFill/>
+        </p:spPr>
+        <p:txBody>
+          <a:bodyPr wrap="square" rtlCol="0">
+            <a:spAutoFit/>
+          </a:bodyPr>
+          <a:lstStyle/>
+          <a:p>
+            <a:pPr marL="342900" indent="-342900">
+              <a:buFont typeface="Arial" pitchFamily="34" charset="0"/>
+              <a:buChar char="•"/>
+            </a:pPr>
+            <a:r>
+              <a:rPr lang="zh-TW" altLang="en-US" sz="2200" dirty="0" smtClean="0"/>
+              <a:t>掃描</a:t>
+            </a:r>
+            <a:r>
+              <a:rPr lang="en-US" altLang="zh-TW" sz="2200" dirty="0" err="1" smtClean="0"/>
+              <a:t>Qrcode</a:t>
+            </a:r>
+            <a:r>
+              <a:rPr lang="zh-TW" altLang="en-US" sz="2200" dirty="0" smtClean="0"/>
+              <a:t>後跳轉至店家登入</a:t>
+            </a:r>
+            <a:endParaRPr lang="en-US" altLang="zh-TW" sz="2200" dirty="0" smtClean="0"/>
+          </a:p>
+          <a:p>
+            <a:pPr marL="342900" indent="-342900">
+              <a:buFont typeface="Arial" pitchFamily="34" charset="0"/>
+              <a:buChar char="•"/>
+            </a:pPr>
+            <a:r>
+              <a:rPr lang="zh-TW" altLang="en-US" sz="2200" dirty="0"/>
+              <a:t>輸入店家</a:t>
+            </a:r>
+            <a:r>
+              <a:rPr lang="zh-TW" altLang="en-US" sz="2200" dirty="0" smtClean="0"/>
+              <a:t>密碼</a:t>
+            </a:r>
+            <a:r>
+              <a:rPr lang="zh-TW" altLang="en-US" sz="2200" dirty="0"/>
+              <a:t>，錯誤則會跳出警示</a:t>
+            </a:r>
+            <a:endParaRPr lang="en-US" altLang="zh-TW" sz="2200" dirty="0" smtClean="0"/>
+          </a:p>
+        </p:txBody>
+      </p:sp>
+      <p:sp>
+        <p:nvSpPr>
+          <p:cNvPr id="2" name="投影片編號版面配置區 1"/>
+          <p:cNvSpPr>
+            <a:spLocks noGrp="1"/>
+          </p:cNvSpPr>
+          <p:nvPr>
+            <p:ph type="sldNum" sz="quarter" idx="11"/>
+          </p:nvPr>
+        </p:nvSpPr>
+        <p:spPr/>
+        <p:txBody>
+          <a:bodyPr/>
+          <a:lstStyle/>
+          <a:p>
+            <a:fld id="{2F1FFCCD-F281-4AA3-8926-41B83FC06AAE}" type="slidenum">
+              <a:rPr lang="zh-TW" altLang="en-US" smtClean="0"/>
+              <a:t>5</a:t>
+            </a:fld>
+            <a:endParaRPr lang="zh-TW" altLang="en-US"/>
           </a:p>
         </p:txBody>
       </p:sp>
       <p:pic>
         <p:nvPicPr>
-          <p:cNvPr id="2050" name="Picture 2"/>
+          <p:cNvPr id="1026" name="Picture 2"/>
           <p:cNvPicPr>
             <a:picLocks noChangeAspect="1" noChangeArrowheads="1"/>
           </p:cNvPicPr>
@@ -6810,8 +10180,8 @@
         </p:blipFill>
         <p:spPr bwMode="auto">
           <a:xfrm>
-            <a:off x="1979712" y="3140968"/>
-            <a:ext cx="4752529" cy="3135224"/>
+            <a:off x="1547664" y="2924944"/>
+            <a:ext cx="6059386" cy="3414215"/>
           </a:xfrm>
           <a:prstGeom prst="rect">
             <a:avLst/>
@@ -6851,94 +10221,10 @@
           </a:extLst>
         </p:spPr>
       </p:pic>
-      <p:sp>
-        <p:nvSpPr>
-          <p:cNvPr id="5" name="文字方塊 4"/>
-          <p:cNvSpPr txBox="1"/>
-          <p:nvPr/>
-        </p:nvSpPr>
-        <p:spPr>
-          <a:xfrm>
-            <a:off x="1043608" y="1926487"/>
-            <a:ext cx="6696744" cy="769441"/>
-          </a:xfrm>
-          <a:prstGeom prst="rect">
-            <a:avLst/>
-          </a:prstGeom>
-          <a:noFill/>
-        </p:spPr>
-        <p:txBody>
-          <a:bodyPr wrap="square" rtlCol="0">
-            <a:spAutoFit/>
-          </a:bodyPr>
-          <a:lstStyle/>
-          <a:p>
-            <a:pPr marL="342900" indent="-342900">
-              <a:buFont typeface="Arial" pitchFamily="34" charset="0"/>
-              <a:buChar char="•"/>
-            </a:pPr>
-            <a:r>
-              <a:rPr lang="zh-TW" altLang="en-US" sz="2200" dirty="0" smtClean="0"/>
-              <a:t>標題通知列展開後為條列式項目</a:t>
-            </a:r>
-            <a:endParaRPr lang="en-US" altLang="zh-TW" sz="2200" dirty="0" smtClean="0"/>
-          </a:p>
-          <a:p>
-            <a:pPr marL="342900" indent="-342900">
-              <a:buFont typeface="Arial" pitchFamily="34" charset="0"/>
-              <a:buChar char="•"/>
-            </a:pPr>
-            <a:r>
-              <a:rPr lang="zh-TW" altLang="en-US" sz="2200" dirty="0" smtClean="0"/>
-              <a:t>快速搜尋「</a:t>
-            </a:r>
-            <a:r>
-              <a:rPr lang="zh-TW" altLang="en-US" sz="2200" dirty="0"/>
-              <a:t>找學童</a:t>
-            </a:r>
-            <a:r>
-              <a:rPr lang="zh-TW" altLang="en-US" sz="2200" dirty="0" smtClean="0"/>
-              <a:t>」預設跳轉至「</a:t>
-            </a:r>
-            <a:r>
-              <a:rPr lang="zh-TW" altLang="en-US" sz="2200" dirty="0"/>
-              <a:t>學童管理</a:t>
-            </a:r>
-            <a:r>
-              <a:rPr lang="zh-TW" altLang="en-US" sz="2200" dirty="0" smtClean="0"/>
-              <a:t>」頁面</a:t>
-            </a:r>
-            <a:endParaRPr lang="en-US" altLang="zh-TW" sz="2200" dirty="0" smtClean="0"/>
-          </a:p>
-        </p:txBody>
-      </p:sp>
-      <p:sp>
-        <p:nvSpPr>
-          <p:cNvPr id="2" name="投影片編號版面配置區 1"/>
-          <p:cNvSpPr>
-            <a:spLocks noGrp="1"/>
-          </p:cNvSpPr>
-          <p:nvPr>
-            <p:ph type="sldNum" sz="quarter" idx="11"/>
-          </p:nvPr>
-        </p:nvSpPr>
-        <p:spPr/>
-        <p:txBody>
-          <a:bodyPr/>
-          <a:lstStyle/>
-          <a:p>
-            <a:fld id="{2F1FFCCD-F281-4AA3-8926-41B83FC06AAE}" type="slidenum">
-              <a:rPr lang="zh-TW" altLang="en-US" smtClean="0"/>
-              <a:t>5</a:t>
-            </a:fld>
-            <a:endParaRPr lang="zh-TW" altLang="en-US"/>
-          </a:p>
-        </p:txBody>
-      </p:sp>
     </p:spTree>
     <p:extLst>
       <p:ext uri="{BB962C8B-B14F-4D97-AF65-F5344CB8AC3E}">
-        <p14:creationId xmlns:p14="http://schemas.microsoft.com/office/powerpoint/2010/main" val="654172958"/>
+        <p14:creationId xmlns:p14="http://schemas.microsoft.com/office/powerpoint/2010/main" val="3945458968"/>
       </p:ext>
     </p:extLst>
   </p:cSld>
@@ -7074,8 +10360,12 @@
           </a:lstStyle>
           <a:p>
             <a:r>
+              <a:rPr lang="zh-TW" altLang="en-US" sz="4000" b="1" dirty="0"/>
+              <a:t>前台</a:t>
+            </a:r>
+            <a:r>
               <a:rPr lang="zh-TW" altLang="en-US" sz="4000" b="1" dirty="0" smtClean="0"/>
-              <a:t>首頁 </a:t>
+              <a:t> </a:t>
             </a:r>
             <a:r>
               <a:rPr lang="en-US" altLang="zh-TW" sz="4000" b="1" dirty="0" smtClean="0"/>
@@ -7083,21 +10373,86 @@
             </a:r>
             <a:r>
               <a:rPr lang="zh-TW" altLang="en-US" sz="4000" b="1" dirty="0" smtClean="0"/>
-              <a:t> 資訊刊版</a:t>
+              <a:t> </a:t>
+            </a:r>
+            <a:r>
+              <a:rPr lang="zh-TW" altLang="en-US" sz="4000" b="1" dirty="0"/>
+              <a:t>學童</a:t>
+            </a:r>
+            <a:r>
+              <a:rPr lang="zh-TW" altLang="en-US" sz="4000" b="1" dirty="0" smtClean="0"/>
+              <a:t>登入</a:t>
             </a:r>
             <a:endParaRPr lang="zh-TW" altLang="en-US" sz="4000" b="1" dirty="0"/>
+          </a:p>
+        </p:txBody>
+      </p:sp>
+      <p:sp>
+        <p:nvSpPr>
+          <p:cNvPr id="5" name="文字方塊 4"/>
+          <p:cNvSpPr txBox="1"/>
+          <p:nvPr/>
+        </p:nvSpPr>
+        <p:spPr>
+          <a:xfrm>
+            <a:off x="1043608" y="1926487"/>
+            <a:ext cx="6696744" cy="430887"/>
+          </a:xfrm>
+          <a:prstGeom prst="rect">
+            <a:avLst/>
+          </a:prstGeom>
+          <a:noFill/>
+        </p:spPr>
+        <p:txBody>
+          <a:bodyPr wrap="square" rtlCol="0">
+            <a:spAutoFit/>
+          </a:bodyPr>
+          <a:lstStyle/>
+          <a:p>
+            <a:pPr marL="342900" indent="-342900">
+              <a:buFont typeface="Arial" pitchFamily="34" charset="0"/>
+              <a:buChar char="•"/>
+            </a:pPr>
+            <a:r>
+              <a:rPr lang="zh-TW" altLang="en-US" sz="2200" dirty="0" smtClean="0"/>
+              <a:t>請學童輸入密碼</a:t>
+            </a:r>
+            <a:endParaRPr lang="en-US" altLang="zh-TW" sz="2200" dirty="0" smtClean="0"/>
+          </a:p>
+        </p:txBody>
+      </p:sp>
+      <p:sp>
+        <p:nvSpPr>
+          <p:cNvPr id="2" name="投影片編號版面配置區 1"/>
+          <p:cNvSpPr>
+            <a:spLocks noGrp="1"/>
+          </p:cNvSpPr>
+          <p:nvPr>
+            <p:ph type="sldNum" sz="quarter" idx="11"/>
+          </p:nvPr>
+        </p:nvSpPr>
+        <p:spPr/>
+        <p:txBody>
+          <a:bodyPr/>
+          <a:lstStyle/>
+          <a:p>
+            <a:fld id="{2F1FFCCD-F281-4AA3-8926-41B83FC06AAE}" type="slidenum">
+              <a:rPr lang="zh-TW" altLang="en-US" smtClean="0"/>
+              <a:t>6</a:t>
+            </a:fld>
+            <a:endParaRPr lang="zh-TW" altLang="en-US"/>
           </a:p>
         </p:txBody>
       </p:sp>
       <p:pic>
         <p:nvPicPr>
-          <p:cNvPr id="1028" name="Picture 4"/>
+          <p:cNvPr id="2050" name="Picture 2"/>
           <p:cNvPicPr>
             <a:picLocks noChangeAspect="1" noChangeArrowheads="1"/>
           </p:cNvPicPr>
           <p:nvPr/>
         </p:nvPicPr>
-        <p:blipFill rotWithShape="1">
+        <p:blipFill>
           <a:blip r:embed="rId2">
             <a:extLst>
               <a:ext uri="{28A0092B-C50C-407E-A947-70E740481C1C}">
@@ -7105,13 +10460,15 @@
               </a:ext>
             </a:extLst>
           </a:blip>
-          <a:srcRect l="18250" t="8937"/>
-          <a:stretch/>
+          <a:srcRect/>
+          <a:stretch>
+            <a:fillRect/>
+          </a:stretch>
         </p:blipFill>
         <p:spPr bwMode="auto">
           <a:xfrm>
-            <a:off x="1305484" y="2924944"/>
-            <a:ext cx="6761254" cy="3564862"/>
+            <a:off x="2453758" y="2780928"/>
+            <a:ext cx="4464703" cy="3548692"/>
           </a:xfrm>
           <a:prstGeom prst="rect">
             <a:avLst/>
@@ -7151,78 +10508,10 @@
           </a:extLst>
         </p:spPr>
       </p:pic>
-      <p:sp>
-        <p:nvSpPr>
-          <p:cNvPr id="5" name="文字方塊 4"/>
-          <p:cNvSpPr txBox="1"/>
-          <p:nvPr/>
-        </p:nvSpPr>
-        <p:spPr>
-          <a:xfrm>
-            <a:off x="1043608" y="1926487"/>
-            <a:ext cx="6696744" cy="769441"/>
-          </a:xfrm>
-          <a:prstGeom prst="rect">
-            <a:avLst/>
-          </a:prstGeom>
-          <a:noFill/>
-        </p:spPr>
-        <p:txBody>
-          <a:bodyPr wrap="square" rtlCol="0">
-            <a:spAutoFit/>
-          </a:bodyPr>
-          <a:lstStyle/>
-          <a:p>
-            <a:pPr marL="342900" indent="-342900">
-              <a:buFont typeface="Arial" pitchFamily="34" charset="0"/>
-              <a:buChar char="•"/>
-            </a:pPr>
-            <a:r>
-              <a:rPr lang="zh-TW" altLang="en-US" sz="2200" dirty="0" smtClean="0"/>
-              <a:t>資訊刊版提供四個卡片通知</a:t>
-            </a:r>
-            <a:endParaRPr lang="en-US" altLang="zh-TW" sz="2200" dirty="0" smtClean="0"/>
-          </a:p>
-          <a:p>
-            <a:pPr marL="342900" indent="-342900">
-              <a:buFont typeface="Arial" pitchFamily="34" charset="0"/>
-              <a:buChar char="•"/>
-            </a:pPr>
-            <a:r>
-              <a:rPr lang="zh-TW" altLang="en-US" sz="2200" dirty="0" smtClean="0"/>
-              <a:t>下方為每日兌換紀錄曲線圖</a:t>
-            </a:r>
-            <a:endParaRPr lang="en-US" altLang="zh-TW" sz="2200" dirty="0" smtClean="0"/>
-          </a:p>
-        </p:txBody>
-      </p:sp>
-      <p:sp>
-        <p:nvSpPr>
-          <p:cNvPr id="2" name="投影片編號版面配置區 1"/>
-          <p:cNvSpPr>
-            <a:spLocks noGrp="1"/>
-          </p:cNvSpPr>
-          <p:nvPr>
-            <p:ph type="sldNum" sz="quarter" idx="11"/>
-          </p:nvPr>
-        </p:nvSpPr>
-        <p:spPr/>
-        <p:txBody>
-          <a:bodyPr/>
-          <a:lstStyle/>
-          <a:p>
-            <a:fld id="{2F1FFCCD-F281-4AA3-8926-41B83FC06AAE}" type="slidenum">
-              <a:rPr lang="zh-TW" altLang="en-US" smtClean="0"/>
-              <a:t>6</a:t>
-            </a:fld>
-            <a:endParaRPr lang="zh-TW" altLang="en-US"/>
-          </a:p>
-        </p:txBody>
-      </p:sp>
     </p:spTree>
     <p:extLst>
       <p:ext uri="{BB962C8B-B14F-4D97-AF65-F5344CB8AC3E}">
-        <p14:creationId xmlns:p14="http://schemas.microsoft.com/office/powerpoint/2010/main" val="1805853273"/>
+        <p14:creationId xmlns:p14="http://schemas.microsoft.com/office/powerpoint/2010/main" val="2822271004"/>
       </p:ext>
     </p:extLst>
   </p:cSld>
@@ -7358,8 +10647,12 @@
           </a:lstStyle>
           <a:p>
             <a:r>
+              <a:rPr lang="zh-TW" altLang="en-US" sz="4000" b="1" dirty="0"/>
+              <a:t>前台</a:t>
+            </a:r>
+            <a:r>
               <a:rPr lang="zh-TW" altLang="en-US" sz="4000" b="1" dirty="0" smtClean="0"/>
-              <a:t>首頁 </a:t>
+              <a:t> </a:t>
             </a:r>
             <a:r>
               <a:rPr lang="en-US" altLang="zh-TW" sz="4000" b="1" dirty="0" smtClean="0"/>
@@ -7367,21 +10660,90 @@
             </a:r>
             <a:r>
               <a:rPr lang="zh-TW" altLang="en-US" sz="4000" b="1" dirty="0" smtClean="0"/>
-              <a:t> 學童管理</a:t>
+              <a:t> </a:t>
+            </a:r>
+            <a:r>
+              <a:rPr lang="zh-TW" altLang="en-US" sz="4000" b="1" dirty="0" smtClean="0"/>
+              <a:t>核對資料</a:t>
             </a:r>
             <a:endParaRPr lang="zh-TW" altLang="en-US" sz="4000" b="1" dirty="0"/>
+          </a:p>
+        </p:txBody>
+      </p:sp>
+      <p:sp>
+        <p:nvSpPr>
+          <p:cNvPr id="5" name="文字方塊 4"/>
+          <p:cNvSpPr txBox="1"/>
+          <p:nvPr/>
+        </p:nvSpPr>
+        <p:spPr>
+          <a:xfrm>
+            <a:off x="1043608" y="1926487"/>
+            <a:ext cx="6696744" cy="430887"/>
+          </a:xfrm>
+          <a:prstGeom prst="rect">
+            <a:avLst/>
+          </a:prstGeom>
+          <a:noFill/>
+        </p:spPr>
+        <p:txBody>
+          <a:bodyPr wrap="square" rtlCol="0">
+            <a:spAutoFit/>
+          </a:bodyPr>
+          <a:lstStyle/>
+          <a:p>
+            <a:pPr marL="342900" indent="-342900">
+              <a:buFont typeface="Arial" pitchFamily="34" charset="0"/>
+              <a:buChar char="•"/>
+            </a:pPr>
+            <a:r>
+              <a:rPr lang="zh-TW" altLang="en-US" sz="2200" dirty="0" smtClean="0"/>
+              <a:t>店家</a:t>
+            </a:r>
+            <a:r>
+              <a:rPr lang="zh-TW" altLang="en-US" sz="2200" dirty="0"/>
+              <a:t>核對</a:t>
+            </a:r>
+            <a:r>
+              <a:rPr lang="zh-TW" altLang="en-US" sz="2200" dirty="0" smtClean="0"/>
+              <a:t>學童基本資料</a:t>
+            </a:r>
+            <a:endParaRPr lang="en-US" altLang="zh-TW" sz="2200" dirty="0" smtClean="0"/>
+          </a:p>
+        </p:txBody>
+      </p:sp>
+      <p:sp>
+        <p:nvSpPr>
+          <p:cNvPr id="2" name="投影片編號版面配置區 1"/>
+          <p:cNvSpPr>
+            <a:spLocks noGrp="1"/>
+          </p:cNvSpPr>
+          <p:nvPr>
+            <p:ph type="sldNum" sz="quarter" idx="11"/>
+          </p:nvPr>
+        </p:nvSpPr>
+        <p:spPr/>
+        <p:txBody>
+          <a:bodyPr/>
+          <a:lstStyle/>
+          <a:p>
+            <a:fld id="{2F1FFCCD-F281-4AA3-8926-41B83FC06AAE}" type="slidenum">
+              <a:rPr lang="zh-TW" altLang="en-US" smtClean="0"/>
+              <a:t>7</a:t>
+            </a:fld>
+            <a:endParaRPr lang="zh-TW" altLang="en-US"/>
           </a:p>
         </p:txBody>
       </p:sp>
       <p:pic>
         <p:nvPicPr>
-          <p:cNvPr id="2050" name="Picture 2"/>
+          <p:cNvPr id="3074" name="Picture 2"/>
           <p:cNvPicPr>
             <a:picLocks noChangeAspect="1" noChangeArrowheads="1"/>
           </p:cNvPicPr>
           <p:nvPr/>
         </p:nvPicPr>
-        <p:blipFill rotWithShape="1">
+        <p:blipFill>
           <a:blip r:embed="rId2">
             <a:extLst>
               <a:ext uri="{28A0092B-C50C-407E-A947-70E740481C1C}">
@@ -7389,13 +10751,15 @@
               </a:ext>
             </a:extLst>
           </a:blip>
-          <a:srcRect l="18000" t="9795"/>
-          <a:stretch/>
+          <a:srcRect/>
+          <a:stretch>
+            <a:fillRect/>
+          </a:stretch>
         </p:blipFill>
         <p:spPr bwMode="auto">
           <a:xfrm>
-            <a:off x="1133547" y="2924944"/>
-            <a:ext cx="7342395" cy="3335404"/>
+            <a:off x="1707028" y="2708920"/>
+            <a:ext cx="6086475" cy="3590925"/>
           </a:xfrm>
           <a:prstGeom prst="rect">
             <a:avLst/>
@@ -7435,82 +10799,10 @@
           </a:extLst>
         </p:spPr>
       </p:pic>
-      <p:sp>
-        <p:nvSpPr>
-          <p:cNvPr id="5" name="文字方塊 4"/>
-          <p:cNvSpPr txBox="1"/>
-          <p:nvPr/>
-        </p:nvSpPr>
-        <p:spPr>
-          <a:xfrm>
-            <a:off x="1043608" y="1926487"/>
-            <a:ext cx="6696744" cy="769441"/>
-          </a:xfrm>
-          <a:prstGeom prst="rect">
-            <a:avLst/>
-          </a:prstGeom>
-          <a:noFill/>
-        </p:spPr>
-        <p:txBody>
-          <a:bodyPr wrap="square" rtlCol="0">
-            <a:spAutoFit/>
-          </a:bodyPr>
-          <a:lstStyle/>
-          <a:p>
-            <a:pPr marL="342900" indent="-342900">
-              <a:buFont typeface="Arial" pitchFamily="34" charset="0"/>
-              <a:buChar char="•"/>
-            </a:pPr>
-            <a:r>
-              <a:rPr lang="zh-TW" altLang="en-US" sz="2200" dirty="0" smtClean="0"/>
-              <a:t>學童基本資料管理</a:t>
-            </a:r>
-            <a:endParaRPr lang="en-US" altLang="zh-TW" sz="2200" dirty="0" smtClean="0"/>
-          </a:p>
-          <a:p>
-            <a:pPr marL="342900" indent="-342900">
-              <a:buFont typeface="Arial" pitchFamily="34" charset="0"/>
-              <a:buChar char="•"/>
-            </a:pPr>
-            <a:r>
-              <a:rPr lang="zh-TW" altLang="en-US" sz="2200" dirty="0" smtClean="0"/>
-              <a:t>右側按鈕為</a:t>
-            </a:r>
-            <a:r>
-              <a:rPr lang="zh-TW" altLang="en-US" sz="2200" dirty="0"/>
-              <a:t>學童新增功能</a:t>
-            </a:r>
-            <a:endParaRPr lang="en-US" altLang="zh-TW" sz="2200" dirty="0" smtClean="0"/>
-          </a:p>
-        </p:txBody>
-      </p:sp>
-      <p:sp>
-        <p:nvSpPr>
-          <p:cNvPr id="2" name="投影片編號版面配置區 1"/>
-          <p:cNvSpPr>
-            <a:spLocks noGrp="1"/>
-          </p:cNvSpPr>
-          <p:nvPr>
-            <p:ph type="sldNum" sz="quarter" idx="11"/>
-          </p:nvPr>
-        </p:nvSpPr>
-        <p:spPr/>
-        <p:txBody>
-          <a:bodyPr/>
-          <a:lstStyle/>
-          <a:p>
-            <a:fld id="{2F1FFCCD-F281-4AA3-8926-41B83FC06AAE}" type="slidenum">
-              <a:rPr lang="zh-TW" altLang="en-US" smtClean="0"/>
-              <a:t>7</a:t>
-            </a:fld>
-            <a:endParaRPr lang="zh-TW" altLang="en-US"/>
-          </a:p>
-        </p:txBody>
-      </p:sp>
     </p:spTree>
     <p:extLst>
       <p:ext uri="{BB962C8B-B14F-4D97-AF65-F5344CB8AC3E}">
-        <p14:creationId xmlns:p14="http://schemas.microsoft.com/office/powerpoint/2010/main" val="3031370556"/>
+        <p14:creationId xmlns:p14="http://schemas.microsoft.com/office/powerpoint/2010/main" val="132568262"/>
       </p:ext>
     </p:extLst>
   </p:cSld>
@@ -7646,8 +10938,12 @@
           </a:lstStyle>
           <a:p>
             <a:r>
+              <a:rPr lang="zh-TW" altLang="en-US" sz="4000" b="1" dirty="0"/>
+              <a:t>前台</a:t>
+            </a:r>
+            <a:r>
               <a:rPr lang="zh-TW" altLang="en-US" sz="4000" b="1" dirty="0" smtClean="0"/>
-              <a:t>首頁 </a:t>
+              <a:t> </a:t>
             </a:r>
             <a:r>
               <a:rPr lang="en-US" altLang="zh-TW" sz="4000" b="1" dirty="0" smtClean="0"/>
@@ -7655,21 +10951,82 @@
             </a:r>
             <a:r>
               <a:rPr lang="zh-TW" altLang="en-US" sz="4000" b="1" dirty="0" smtClean="0"/>
-              <a:t> 店家管理</a:t>
+              <a:t> </a:t>
+            </a:r>
+            <a:r>
+              <a:rPr lang="zh-TW" altLang="en-US" sz="4000" b="1" dirty="0" smtClean="0"/>
+              <a:t>兌換成功通知</a:t>
             </a:r>
             <a:endParaRPr lang="zh-TW" altLang="en-US" sz="4000" b="1" dirty="0"/>
+          </a:p>
+        </p:txBody>
+      </p:sp>
+      <p:sp>
+        <p:nvSpPr>
+          <p:cNvPr id="5" name="文字方塊 4"/>
+          <p:cNvSpPr txBox="1"/>
+          <p:nvPr/>
+        </p:nvSpPr>
+        <p:spPr>
+          <a:xfrm>
+            <a:off x="1043608" y="1926487"/>
+            <a:ext cx="6696744" cy="430887"/>
+          </a:xfrm>
+          <a:prstGeom prst="rect">
+            <a:avLst/>
+          </a:prstGeom>
+          <a:noFill/>
+        </p:spPr>
+        <p:txBody>
+          <a:bodyPr wrap="square" rtlCol="0">
+            <a:spAutoFit/>
+          </a:bodyPr>
+          <a:lstStyle/>
+          <a:p>
+            <a:pPr marL="342900" indent="-342900">
+              <a:buFont typeface="Arial" pitchFamily="34" charset="0"/>
+              <a:buChar char="•"/>
+            </a:pPr>
+            <a:r>
+              <a:rPr lang="zh-TW" altLang="en-US" sz="2200" dirty="0" smtClean="0"/>
+              <a:t>若符合兌換資格，兌換後會顯示成功訊息</a:t>
+            </a:r>
+            <a:endParaRPr lang="en-US" altLang="zh-TW" sz="2200" dirty="0" smtClean="0"/>
+          </a:p>
+        </p:txBody>
+      </p:sp>
+      <p:sp>
+        <p:nvSpPr>
+          <p:cNvPr id="2" name="投影片編號版面配置區 1"/>
+          <p:cNvSpPr>
+            <a:spLocks noGrp="1"/>
+          </p:cNvSpPr>
+          <p:nvPr>
+            <p:ph type="sldNum" sz="quarter" idx="11"/>
+          </p:nvPr>
+        </p:nvSpPr>
+        <p:spPr/>
+        <p:txBody>
+          <a:bodyPr/>
+          <a:lstStyle/>
+          <a:p>
+            <a:fld id="{2F1FFCCD-F281-4AA3-8926-41B83FC06AAE}" type="slidenum">
+              <a:rPr lang="zh-TW" altLang="en-US" smtClean="0"/>
+              <a:t>8</a:t>
+            </a:fld>
+            <a:endParaRPr lang="zh-TW" altLang="en-US"/>
           </a:p>
         </p:txBody>
       </p:sp>
       <p:pic>
         <p:nvPicPr>
-          <p:cNvPr id="3074" name="Picture 2"/>
+          <p:cNvPr id="7" name="Picture 2"/>
           <p:cNvPicPr>
             <a:picLocks noChangeAspect="1" noChangeArrowheads="1"/>
           </p:cNvPicPr>
           <p:nvPr/>
         </p:nvPicPr>
-        <p:blipFill rotWithShape="1">
+        <p:blipFill>
           <a:blip r:embed="rId2">
             <a:extLst>
               <a:ext uri="{28A0092B-C50C-407E-A947-70E740481C1C}">
@@ -7677,13 +11034,15 @@
               </a:ext>
             </a:extLst>
           </a:blip>
-          <a:srcRect l="18674" t="9261"/>
-          <a:stretch/>
+          <a:srcRect/>
+          <a:stretch>
+            <a:fillRect/>
+          </a:stretch>
         </p:blipFill>
         <p:spPr bwMode="auto">
           <a:xfrm>
-            <a:off x="1763688" y="2996952"/>
-            <a:ext cx="6561582" cy="3400013"/>
+            <a:off x="1707028" y="2708920"/>
+            <a:ext cx="6086475" cy="3590925"/>
           </a:xfrm>
           <a:prstGeom prst="rect">
             <a:avLst/>
@@ -7723,90 +11082,74 @@
           </a:extLst>
         </p:spPr>
       </p:pic>
-      <p:sp>
-        <p:nvSpPr>
-          <p:cNvPr id="5" name="文字方塊 4"/>
-          <p:cNvSpPr txBox="1"/>
+      <p:pic>
+        <p:nvPicPr>
+          <p:cNvPr id="3075" name="Picture 3"/>
+          <p:cNvPicPr>
+            <a:picLocks noChangeAspect="1" noChangeArrowheads="1"/>
+          </p:cNvPicPr>
           <p:nvPr/>
-        </p:nvSpPr>
-        <p:spPr>
+        </p:nvPicPr>
+        <p:blipFill>
+          <a:blip r:embed="rId3">
+            <a:extLst>
+              <a:ext uri="{28A0092B-C50C-407E-A947-70E740481C1C}">
+                <a14:useLocalDpi xmlns:a14="http://schemas.microsoft.com/office/drawing/2010/main" val="0"/>
+              </a:ext>
+            </a:extLst>
+          </a:blip>
+          <a:srcRect/>
+          <a:stretch>
+            <a:fillRect/>
+          </a:stretch>
+        </p:blipFill>
+        <p:spPr bwMode="auto">
           <a:xfrm>
-            <a:off x="1043608" y="1926487"/>
-            <a:ext cx="6696744" cy="769441"/>
+            <a:off x="2303973" y="2492896"/>
+            <a:ext cx="4181475" cy="1285875"/>
           </a:xfrm>
           <a:prstGeom prst="rect">
             <a:avLst/>
           </a:prstGeom>
           <a:noFill/>
-        </p:spPr>
-        <p:txBody>
-          <a:bodyPr wrap="square" rtlCol="0">
-            <a:spAutoFit/>
-          </a:bodyPr>
-          <a:lstStyle/>
-          <a:p>
-            <a:pPr marL="342900" indent="-342900">
-              <a:buFont typeface="Arial" pitchFamily="34" charset="0"/>
-              <a:buChar char="•"/>
-            </a:pPr>
-            <a:r>
-              <a:rPr lang="zh-TW" altLang="en-US" sz="2200" dirty="0" smtClean="0"/>
-              <a:t>店家基本資料</a:t>
-            </a:r>
-            <a:r>
-              <a:rPr lang="zh-TW" altLang="en-US" sz="2200" dirty="0"/>
-              <a:t>管理</a:t>
-            </a:r>
-            <a:endParaRPr lang="en-US" altLang="zh-TW" sz="2200" dirty="0" smtClean="0"/>
-          </a:p>
-          <a:p>
-            <a:pPr marL="342900" indent="-342900">
-              <a:buFont typeface="Arial" pitchFamily="34" charset="0"/>
-              <a:buChar char="•"/>
-            </a:pPr>
-            <a:r>
-              <a:rPr lang="zh-TW" altLang="en-US" sz="2200" dirty="0" smtClean="0"/>
-              <a:t>整體功能與「</a:t>
-            </a:r>
-            <a:r>
-              <a:rPr lang="zh-TW" altLang="en-US" sz="2200" dirty="0"/>
-              <a:t>學童管理</a:t>
-            </a:r>
-            <a:r>
-              <a:rPr lang="zh-TW" altLang="en-US" sz="2200" dirty="0" smtClean="0"/>
-              <a:t>」相似</a:t>
-            </a:r>
-            <a:endParaRPr lang="en-US" altLang="zh-TW" sz="2200" dirty="0" smtClean="0"/>
-          </a:p>
-        </p:txBody>
-      </p:sp>
-      <p:sp>
-        <p:nvSpPr>
-          <p:cNvPr id="2" name="投影片編號版面配置區 1"/>
-          <p:cNvSpPr>
-            <a:spLocks noGrp="1"/>
-          </p:cNvSpPr>
-          <p:nvPr>
-            <p:ph type="sldNum" sz="quarter" idx="11"/>
-          </p:nvPr>
-        </p:nvSpPr>
-        <p:spPr/>
-        <p:txBody>
-          <a:bodyPr/>
-          <a:lstStyle/>
-          <a:p>
-            <a:fld id="{2F1FFCCD-F281-4AA3-8926-41B83FC06AAE}" type="slidenum">
-              <a:rPr lang="zh-TW" altLang="en-US" smtClean="0"/>
-              <a:t>8</a:t>
-            </a:fld>
-            <a:endParaRPr lang="zh-TW" altLang="en-US"/>
-          </a:p>
-        </p:txBody>
-      </p:sp>
+          <a:ln>
+            <a:noFill/>
+          </a:ln>
+          <a:effectLst/>
+          <a:extLst>
+            <a:ext uri="{909E8E84-426E-40DD-AFC4-6F175D3DCCD1}">
+              <a14:hiddenFill xmlns:a14="http://schemas.microsoft.com/office/drawing/2010/main">
+                <a:solidFill>
+                  <a:schemeClr val="accent1"/>
+                </a:solidFill>
+              </a14:hiddenFill>
+            </a:ext>
+            <a:ext uri="{91240B29-F687-4F45-9708-019B960494DF}">
+              <a14:hiddenLine xmlns:a14="http://schemas.microsoft.com/office/drawing/2010/main" w="9525">
+                <a:solidFill>
+                  <a:schemeClr val="tx1"/>
+                </a:solidFill>
+                <a:miter lim="800000"/>
+                <a:headEnd/>
+                <a:tailEnd/>
+              </a14:hiddenLine>
+            </a:ext>
+            <a:ext uri="{AF507438-7753-43E0-B8FC-AC1667EBCBE1}">
+              <a14:hiddenEffects xmlns:a14="http://schemas.microsoft.com/office/drawing/2010/main">
+                <a:effectLst>
+                  <a:outerShdw dist="35921" dir="2700000" algn="ctr" rotWithShape="0">
+                    <a:schemeClr val="bg2"/>
+                  </a:outerShdw>
+                </a:effectLst>
+              </a14:hiddenEffects>
+            </a:ext>
+          </a:extLst>
+        </p:spPr>
+      </p:pic>
     </p:spTree>
     <p:extLst>
       <p:ext uri="{BB962C8B-B14F-4D97-AF65-F5344CB8AC3E}">
-        <p14:creationId xmlns:p14="http://schemas.microsoft.com/office/powerpoint/2010/main" val="1723434752"/>
+        <p14:creationId xmlns:p14="http://schemas.microsoft.com/office/powerpoint/2010/main" val="3755083772"/>
       </p:ext>
     </p:extLst>
   </p:cSld>
@@ -7942,17 +11285,87 @@
           </a:lstStyle>
           <a:p>
             <a:r>
+              <a:rPr lang="zh-TW" altLang="en-US" sz="4000" b="1" dirty="0"/>
+              <a:t>前台</a:t>
+            </a:r>
+            <a:r>
               <a:rPr lang="zh-TW" altLang="en-US" sz="4000" b="1" dirty="0" smtClean="0"/>
-              <a:t>首頁 </a:t>
-            </a:r>
-            <a:r>
-              <a:rPr lang="en-US" altLang="zh-TW" sz="4000" b="1" dirty="0"/>
+              <a:t> </a:t>
+            </a:r>
+            <a:r>
+              <a:rPr lang="en-US" altLang="zh-TW" sz="4000" b="1" dirty="0" smtClean="0"/>
               <a:t>/</a:t>
             </a:r>
             <a:r>
+              <a:rPr lang="zh-TW" altLang="en-US" sz="4000" b="1" dirty="0" smtClean="0"/>
+              <a:t> </a:t>
+            </a:r>
+            <a:r>
               <a:rPr lang="zh-TW" altLang="en-US" sz="4000" b="1" dirty="0"/>
-              <a:t> 點數列表</a:t>
-            </a:r>
+              <a:t>重複兌換警</a:t>
+            </a:r>
+            <a:r>
+              <a:rPr lang="zh-TW" altLang="en-US" sz="4000" b="1" dirty="0" smtClean="0"/>
+              <a:t>示</a:t>
+            </a:r>
+            <a:endParaRPr lang="zh-TW" altLang="en-US" sz="4000" b="1" dirty="0"/>
+          </a:p>
+        </p:txBody>
+      </p:sp>
+      <p:sp>
+        <p:nvSpPr>
+          <p:cNvPr id="5" name="文字方塊 4"/>
+          <p:cNvSpPr txBox="1"/>
+          <p:nvPr/>
+        </p:nvSpPr>
+        <p:spPr>
+          <a:xfrm>
+            <a:off x="1043608" y="1926487"/>
+            <a:ext cx="6696744" cy="430887"/>
+          </a:xfrm>
+          <a:prstGeom prst="rect">
+            <a:avLst/>
+          </a:prstGeom>
+          <a:noFill/>
+        </p:spPr>
+        <p:txBody>
+          <a:bodyPr wrap="square" rtlCol="0">
+            <a:spAutoFit/>
+          </a:bodyPr>
+          <a:lstStyle/>
+          <a:p>
+            <a:pPr marL="342900" indent="-342900">
+              <a:buFont typeface="Arial" pitchFamily="34" charset="0"/>
+              <a:buChar char="•"/>
+            </a:pPr>
+            <a:r>
+              <a:rPr lang="zh-TW" altLang="en-US" sz="2200" dirty="0" smtClean="0"/>
+              <a:t>如果學童於同一時段內重複兌換，則會顯示此畫面</a:t>
+            </a:r>
+            <a:endParaRPr lang="en-US" altLang="zh-TW" sz="2200" dirty="0" smtClean="0"/>
+          </a:p>
+        </p:txBody>
+      </p:sp>
+      <p:sp>
+        <p:nvSpPr>
+          <p:cNvPr id="2" name="投影片編號版面配置區 1"/>
+          <p:cNvSpPr>
+            <a:spLocks noGrp="1"/>
+          </p:cNvSpPr>
+          <p:nvPr>
+            <p:ph type="sldNum" sz="quarter" idx="11"/>
+          </p:nvPr>
+        </p:nvSpPr>
+        <p:spPr/>
+        <p:txBody>
+          <a:bodyPr/>
+          <a:lstStyle/>
+          <a:p>
+            <a:fld id="{2F1FFCCD-F281-4AA3-8926-41B83FC06AAE}" type="slidenum">
+              <a:rPr lang="zh-TW" altLang="en-US" smtClean="0"/>
+              <a:t>9</a:t>
+            </a:fld>
+            <a:endParaRPr lang="zh-TW" altLang="en-US"/>
           </a:p>
         </p:txBody>
       </p:sp>
@@ -7964,7 +11377,7 @@
           </p:cNvPicPr>
           <p:nvPr/>
         </p:nvPicPr>
-        <p:blipFill rotWithShape="1">
+        <p:blipFill>
           <a:blip r:embed="rId2">
             <a:extLst>
               <a:ext uri="{28A0092B-C50C-407E-A947-70E740481C1C}">
@@ -7972,13 +11385,15 @@
               </a:ext>
             </a:extLst>
           </a:blip>
-          <a:srcRect t="10479"/>
-          <a:stretch/>
+          <a:srcRect/>
+          <a:stretch>
+            <a:fillRect/>
+          </a:stretch>
         </p:blipFill>
         <p:spPr bwMode="auto">
           <a:xfrm>
-            <a:off x="914211" y="3068960"/>
-            <a:ext cx="7272808" cy="2680874"/>
+            <a:off x="1547664" y="2708920"/>
+            <a:ext cx="6348194" cy="3623608"/>
           </a:xfrm>
           <a:prstGeom prst="rect">
             <a:avLst/>
@@ -8018,67 +11433,10 @@
           </a:extLst>
         </p:spPr>
       </p:pic>
-      <p:sp>
-        <p:nvSpPr>
-          <p:cNvPr id="5" name="文字方塊 4"/>
-          <p:cNvSpPr txBox="1"/>
-          <p:nvPr/>
-        </p:nvSpPr>
-        <p:spPr>
-          <a:xfrm>
-            <a:off x="1043608" y="1926487"/>
-            <a:ext cx="6696744" cy="430887"/>
-          </a:xfrm>
-          <a:prstGeom prst="rect">
-            <a:avLst/>
-          </a:prstGeom>
-          <a:noFill/>
-        </p:spPr>
-        <p:txBody>
-          <a:bodyPr wrap="square" rtlCol="0">
-            <a:spAutoFit/>
-          </a:bodyPr>
-          <a:lstStyle/>
-          <a:p>
-            <a:pPr marL="342900" indent="-342900">
-              <a:buFont typeface="Arial" pitchFamily="34" charset="0"/>
-              <a:buChar char="•"/>
-            </a:pPr>
-            <a:r>
-              <a:rPr lang="zh-TW" altLang="en-US" sz="2200" dirty="0" smtClean="0"/>
-              <a:t>點數列表功能尚未明訂，暫以三類卡片區塊引導</a:t>
-            </a:r>
-            <a:endParaRPr lang="en-US" altLang="zh-TW" sz="2200" dirty="0" smtClean="0"/>
-          </a:p>
-        </p:txBody>
-      </p:sp>
-      <p:sp>
-        <p:nvSpPr>
-          <p:cNvPr id="2" name="投影片編號版面配置區 1"/>
-          <p:cNvSpPr>
-            <a:spLocks noGrp="1"/>
-          </p:cNvSpPr>
-          <p:nvPr>
-            <p:ph type="sldNum" sz="quarter" idx="11"/>
-          </p:nvPr>
-        </p:nvSpPr>
-        <p:spPr/>
-        <p:txBody>
-          <a:bodyPr/>
-          <a:lstStyle/>
-          <a:p>
-            <a:fld id="{2F1FFCCD-F281-4AA3-8926-41B83FC06AAE}" type="slidenum">
-              <a:rPr lang="zh-TW" altLang="en-US" smtClean="0"/>
-              <a:t>9</a:t>
-            </a:fld>
-            <a:endParaRPr lang="zh-TW" altLang="en-US"/>
-          </a:p>
-        </p:txBody>
-      </p:sp>
     </p:spTree>
     <p:extLst>
       <p:ext uri="{BB962C8B-B14F-4D97-AF65-F5344CB8AC3E}">
-        <p14:creationId xmlns:p14="http://schemas.microsoft.com/office/powerpoint/2010/main" val="928717673"/>
+        <p14:creationId xmlns:p14="http://schemas.microsoft.com/office/powerpoint/2010/main" val="126523289"/>
       </p:ext>
     </p:extLst>
   </p:cSld>
